--- a/hdbscan_report.pptx
+++ b/hdbscan_report.pptx
@@ -3,15 +3,16 @@
 <p:presentation xmlns:a="http://schemas.openxmlformats.org/drawingml/2006/main" xmlns:p="http://schemas.openxmlformats.org/presentationml/2006/main" xmlns:r="http://schemas.openxmlformats.org/officeDocument/2006/relationships" xmlns:p14="http://schemas.microsoft.com/office/powerpoint/2010/main" xmlns:p15="http://schemas.microsoft.com/office/powerpoint/2012/main" xmlns:mc="http://schemas.openxmlformats.org/markup-compatibility/2006">
   <p:sldMasterIdLst>
     <p:sldMasterId id="2147483648" r:id="rId2"/>
+    <p:sldMasterId id="2147483661" r:id="rId3"/>
   </p:sldMasterIdLst>
   <p:sldIdLst>
-    <p:sldId id="256" r:id="rId3"/>
-    <p:sldId id="257" r:id="rId4"/>
-    <p:sldId id="258" r:id="rId5"/>
-    <p:sldId id="259" r:id="rId6"/>
-    <p:sldId id="260" r:id="rId7"/>
-    <p:sldId id="261" r:id="rId8"/>
-    <p:sldId id="262" r:id="rId9"/>
+    <p:sldId id="256" r:id="rId4"/>
+    <p:sldId id="257" r:id="rId5"/>
+    <p:sldId id="258" r:id="rId6"/>
+    <p:sldId id="259" r:id="rId7"/>
+    <p:sldId id="260" r:id="rId8"/>
+    <p:sldId id="261" r:id="rId9"/>
+    <p:sldId id="262" r:id="rId10"/>
   </p:sldIdLst>
   <p:sldSz cx="10080625" cy="5670550"/>
   <p:notesSz cx="7559675" cy="10691812"/>
@@ -59,7 +60,7 @@
       </p:grpSpPr>
       <p:sp>
         <p:nvSpPr>
-          <p:cNvPr id="26" name="PlaceHolder 1"/>
+          <p:cNvPr id="23" name="PlaceHolder 1"/>
           <p:cNvSpPr>
             <a:spLocks noGrp="1"/>
           </p:cNvSpPr>
@@ -70,25 +71,27 @@
         <p:spPr>
           <a:xfrm>
             <a:off x="504000" y="226080"/>
-            <a:ext cx="9071640" cy="946440"/>
-          </a:xfrm>
-          <a:prstGeom prst="rect">
-            <a:avLst/>
-          </a:prstGeom>
-        </p:spPr>
-        <p:txBody>
-          <a:bodyPr lIns="0" rIns="0" tIns="0" bIns="0" anchor="ctr"/>
+            <a:ext cx="9071280" cy="946080"/>
+          </a:xfrm>
+          <a:prstGeom prst="rect">
+            <a:avLst/>
+          </a:prstGeom>
+        </p:spPr>
+        <p:txBody>
+          <a:bodyPr lIns="0" rIns="0" tIns="0" bIns="0" anchor="ctr">
+            <a:noAutofit/>
+          </a:bodyPr>
           <a:p>
             <a:pPr algn="ctr"/>
-            <a:endParaRPr b="0" lang="en-US" sz="4400" spc="-1" strike="noStrike">
-              <a:latin typeface="Arial"/>
-            </a:endParaRPr>
-          </a:p>
-        </p:txBody>
-      </p:sp>
-      <p:sp>
-        <p:nvSpPr>
-          <p:cNvPr id="27" name="PlaceHolder 2"/>
+            <a:endParaRPr b="0" lang="en-GB" sz="4400" spc="-1" strike="noStrike">
+              <a:latin typeface="Arial"/>
+            </a:endParaRPr>
+          </a:p>
+        </p:txBody>
+      </p:sp>
+      <p:sp>
+        <p:nvSpPr>
+          <p:cNvPr id="24" name="PlaceHolder 2"/>
           <p:cNvSpPr>
             <a:spLocks noGrp="1"/>
           </p:cNvSpPr>
@@ -99,7 +102,7 @@
         <p:spPr>
           <a:xfrm>
             <a:off x="504000" y="1326600"/>
-            <a:ext cx="9071640" cy="1568160"/>
+            <a:ext cx="9072000" cy="1568520"/>
           </a:xfrm>
           <a:prstGeom prst="rect">
             <a:avLst/>
@@ -110,15 +113,15 @@
             <a:normAutofit/>
           </a:bodyPr>
           <a:p>
-            <a:endParaRPr b="0" lang="en-US" sz="3200" spc="-1" strike="noStrike">
-              <a:latin typeface="Arial"/>
-            </a:endParaRPr>
-          </a:p>
-        </p:txBody>
-      </p:sp>
-      <p:sp>
-        <p:nvSpPr>
-          <p:cNvPr id="28" name="PlaceHolder 3"/>
+            <a:endParaRPr b="0" lang="en-GB" sz="3200" spc="-1" strike="noStrike">
+              <a:latin typeface="Arial"/>
+            </a:endParaRPr>
+          </a:p>
+        </p:txBody>
+      </p:sp>
+      <p:sp>
+        <p:nvSpPr>
+          <p:cNvPr id="25" name="PlaceHolder 3"/>
           <p:cNvSpPr>
             <a:spLocks noGrp="1"/>
           </p:cNvSpPr>
@@ -128,8 +131,8 @@
         </p:nvSpPr>
         <p:spPr>
           <a:xfrm>
-            <a:off x="504000" y="3044160"/>
-            <a:ext cx="9071640" cy="1568160"/>
+            <a:off x="504000" y="3044520"/>
+            <a:ext cx="9072000" cy="1568520"/>
           </a:xfrm>
           <a:prstGeom prst="rect">
             <a:avLst/>
@@ -140,7 +143,7 @@
             <a:normAutofit/>
           </a:bodyPr>
           <a:p>
-            <a:endParaRPr b="0" lang="en-US" sz="3200" spc="-1" strike="noStrike">
+            <a:endParaRPr b="0" lang="en-GB" sz="3200" spc="-1" strike="noStrike">
               <a:latin typeface="Arial"/>
             </a:endParaRPr>
           </a:p>
@@ -170,7 +173,7 @@
       </p:grpSpPr>
       <p:sp>
         <p:nvSpPr>
-          <p:cNvPr id="29" name="PlaceHolder 1"/>
+          <p:cNvPr id="26" name="PlaceHolder 1"/>
           <p:cNvSpPr>
             <a:spLocks noGrp="1"/>
           </p:cNvSpPr>
@@ -181,25 +184,27 @@
         <p:spPr>
           <a:xfrm>
             <a:off x="504000" y="226080"/>
-            <a:ext cx="9071640" cy="946440"/>
-          </a:xfrm>
-          <a:prstGeom prst="rect">
-            <a:avLst/>
-          </a:prstGeom>
-        </p:spPr>
-        <p:txBody>
-          <a:bodyPr lIns="0" rIns="0" tIns="0" bIns="0" anchor="ctr"/>
+            <a:ext cx="9071280" cy="946080"/>
+          </a:xfrm>
+          <a:prstGeom prst="rect">
+            <a:avLst/>
+          </a:prstGeom>
+        </p:spPr>
+        <p:txBody>
+          <a:bodyPr lIns="0" rIns="0" tIns="0" bIns="0" anchor="ctr">
+            <a:noAutofit/>
+          </a:bodyPr>
           <a:p>
             <a:pPr algn="ctr"/>
-            <a:endParaRPr b="0" lang="en-US" sz="4400" spc="-1" strike="noStrike">
-              <a:latin typeface="Arial"/>
-            </a:endParaRPr>
-          </a:p>
-        </p:txBody>
-      </p:sp>
-      <p:sp>
-        <p:nvSpPr>
-          <p:cNvPr id="30" name="PlaceHolder 2"/>
+            <a:endParaRPr b="0" lang="en-GB" sz="4400" spc="-1" strike="noStrike">
+              <a:latin typeface="Arial"/>
+            </a:endParaRPr>
+          </a:p>
+        </p:txBody>
+      </p:sp>
+      <p:sp>
+        <p:nvSpPr>
+          <p:cNvPr id="27" name="PlaceHolder 2"/>
           <p:cNvSpPr>
             <a:spLocks noGrp="1"/>
           </p:cNvSpPr>
@@ -210,7 +215,7 @@
         <p:spPr>
           <a:xfrm>
             <a:off x="504000" y="1326600"/>
-            <a:ext cx="4426920" cy="1568160"/>
+            <a:ext cx="4426920" cy="1568520"/>
           </a:xfrm>
           <a:prstGeom prst="rect">
             <a:avLst/>
@@ -221,15 +226,15 @@
             <a:normAutofit/>
           </a:bodyPr>
           <a:p>
-            <a:endParaRPr b="0" lang="en-US" sz="3200" spc="-1" strike="noStrike">
-              <a:latin typeface="Arial"/>
-            </a:endParaRPr>
-          </a:p>
-        </p:txBody>
-      </p:sp>
-      <p:sp>
-        <p:nvSpPr>
-          <p:cNvPr id="31" name="PlaceHolder 3"/>
+            <a:endParaRPr b="0" lang="en-GB" sz="3200" spc="-1" strike="noStrike">
+              <a:latin typeface="Arial"/>
+            </a:endParaRPr>
+          </a:p>
+        </p:txBody>
+      </p:sp>
+      <p:sp>
+        <p:nvSpPr>
+          <p:cNvPr id="28" name="PlaceHolder 3"/>
           <p:cNvSpPr>
             <a:spLocks noGrp="1"/>
           </p:cNvSpPr>
@@ -240,7 +245,7 @@
         <p:spPr>
           <a:xfrm>
             <a:off x="5152680" y="1326600"/>
-            <a:ext cx="4426920" cy="1568160"/>
+            <a:ext cx="4426920" cy="1568520"/>
           </a:xfrm>
           <a:prstGeom prst="rect">
             <a:avLst/>
@@ -251,15 +256,15 @@
             <a:normAutofit/>
           </a:bodyPr>
           <a:p>
-            <a:endParaRPr b="0" lang="en-US" sz="3200" spc="-1" strike="noStrike">
-              <a:latin typeface="Arial"/>
-            </a:endParaRPr>
-          </a:p>
-        </p:txBody>
-      </p:sp>
-      <p:sp>
-        <p:nvSpPr>
-          <p:cNvPr id="32" name="PlaceHolder 4"/>
+            <a:endParaRPr b="0" lang="en-GB" sz="3200" spc="-1" strike="noStrike">
+              <a:latin typeface="Arial"/>
+            </a:endParaRPr>
+          </a:p>
+        </p:txBody>
+      </p:sp>
+      <p:sp>
+        <p:nvSpPr>
+          <p:cNvPr id="29" name="PlaceHolder 4"/>
           <p:cNvSpPr>
             <a:spLocks noGrp="1"/>
           </p:cNvSpPr>
@@ -269,8 +274,8 @@
         </p:nvSpPr>
         <p:spPr>
           <a:xfrm>
-            <a:off x="504000" y="3044160"/>
-            <a:ext cx="4426920" cy="1568160"/>
+            <a:off x="504000" y="3044520"/>
+            <a:ext cx="4426920" cy="1568520"/>
           </a:xfrm>
           <a:prstGeom prst="rect">
             <a:avLst/>
@@ -281,15 +286,15 @@
             <a:normAutofit/>
           </a:bodyPr>
           <a:p>
-            <a:endParaRPr b="0" lang="en-US" sz="3200" spc="-1" strike="noStrike">
-              <a:latin typeface="Arial"/>
-            </a:endParaRPr>
-          </a:p>
-        </p:txBody>
-      </p:sp>
-      <p:sp>
-        <p:nvSpPr>
-          <p:cNvPr id="33" name="PlaceHolder 5"/>
+            <a:endParaRPr b="0" lang="en-GB" sz="3200" spc="-1" strike="noStrike">
+              <a:latin typeface="Arial"/>
+            </a:endParaRPr>
+          </a:p>
+        </p:txBody>
+      </p:sp>
+      <p:sp>
+        <p:nvSpPr>
+          <p:cNvPr id="30" name="PlaceHolder 5"/>
           <p:cNvSpPr>
             <a:spLocks noGrp="1"/>
           </p:cNvSpPr>
@@ -299,8 +304,8 @@
         </p:nvSpPr>
         <p:spPr>
           <a:xfrm>
-            <a:off x="5152680" y="3044160"/>
-            <a:ext cx="4426920" cy="1568160"/>
+            <a:off x="5152680" y="3044520"/>
+            <a:ext cx="4426920" cy="1568520"/>
           </a:xfrm>
           <a:prstGeom prst="rect">
             <a:avLst/>
@@ -311,7 +316,7 @@
             <a:normAutofit/>
           </a:bodyPr>
           <a:p>
-            <a:endParaRPr b="0" lang="en-US" sz="3200" spc="-1" strike="noStrike">
+            <a:endParaRPr b="0" lang="en-GB" sz="3200" spc="-1" strike="noStrike">
               <a:latin typeface="Arial"/>
             </a:endParaRPr>
           </a:p>
@@ -341,7 +346,7 @@
       </p:grpSpPr>
       <p:sp>
         <p:nvSpPr>
-          <p:cNvPr id="34" name="PlaceHolder 1"/>
+          <p:cNvPr id="31" name="PlaceHolder 1"/>
           <p:cNvSpPr>
             <a:spLocks noGrp="1"/>
           </p:cNvSpPr>
@@ -352,25 +357,27 @@
         <p:spPr>
           <a:xfrm>
             <a:off x="504000" y="226080"/>
-            <a:ext cx="9071640" cy="946440"/>
-          </a:xfrm>
-          <a:prstGeom prst="rect">
-            <a:avLst/>
-          </a:prstGeom>
-        </p:spPr>
-        <p:txBody>
-          <a:bodyPr lIns="0" rIns="0" tIns="0" bIns="0" anchor="ctr"/>
+            <a:ext cx="9071280" cy="946080"/>
+          </a:xfrm>
+          <a:prstGeom prst="rect">
+            <a:avLst/>
+          </a:prstGeom>
+        </p:spPr>
+        <p:txBody>
+          <a:bodyPr lIns="0" rIns="0" tIns="0" bIns="0" anchor="ctr">
+            <a:noAutofit/>
+          </a:bodyPr>
           <a:p>
             <a:pPr algn="ctr"/>
-            <a:endParaRPr b="0" lang="en-US" sz="4400" spc="-1" strike="noStrike">
-              <a:latin typeface="Arial"/>
-            </a:endParaRPr>
-          </a:p>
-        </p:txBody>
-      </p:sp>
-      <p:sp>
-        <p:nvSpPr>
-          <p:cNvPr id="35" name="PlaceHolder 2"/>
+            <a:endParaRPr b="0" lang="en-GB" sz="4400" spc="-1" strike="noStrike">
+              <a:latin typeface="Arial"/>
+            </a:endParaRPr>
+          </a:p>
+        </p:txBody>
+      </p:sp>
+      <p:sp>
+        <p:nvSpPr>
+          <p:cNvPr id="32" name="PlaceHolder 2"/>
           <p:cNvSpPr>
             <a:spLocks noGrp="1"/>
           </p:cNvSpPr>
@@ -381,7 +388,7 @@
         <p:spPr>
           <a:xfrm>
             <a:off x="504000" y="1326600"/>
-            <a:ext cx="2920680" cy="1568160"/>
+            <a:ext cx="2921040" cy="1568520"/>
           </a:xfrm>
           <a:prstGeom prst="rect">
             <a:avLst/>
@@ -392,15 +399,15 @@
             <a:normAutofit/>
           </a:bodyPr>
           <a:p>
-            <a:endParaRPr b="0" lang="en-US" sz="3200" spc="-1" strike="noStrike">
-              <a:latin typeface="Arial"/>
-            </a:endParaRPr>
-          </a:p>
-        </p:txBody>
-      </p:sp>
-      <p:sp>
-        <p:nvSpPr>
-          <p:cNvPr id="36" name="PlaceHolder 3"/>
+            <a:endParaRPr b="0" lang="en-GB" sz="3200" spc="-1" strike="noStrike">
+              <a:latin typeface="Arial"/>
+            </a:endParaRPr>
+          </a:p>
+        </p:txBody>
+      </p:sp>
+      <p:sp>
+        <p:nvSpPr>
+          <p:cNvPr id="33" name="PlaceHolder 3"/>
           <p:cNvSpPr>
             <a:spLocks noGrp="1"/>
           </p:cNvSpPr>
@@ -410,8 +417,8 @@
         </p:nvSpPr>
         <p:spPr>
           <a:xfrm>
-            <a:off x="3571200" y="1326600"/>
-            <a:ext cx="2920680" cy="1568160"/>
+            <a:off x="3571560" y="1326600"/>
+            <a:ext cx="2921040" cy="1568520"/>
           </a:xfrm>
           <a:prstGeom prst="rect">
             <a:avLst/>
@@ -422,15 +429,15 @@
             <a:normAutofit/>
           </a:bodyPr>
           <a:p>
-            <a:endParaRPr b="0" lang="en-US" sz="3200" spc="-1" strike="noStrike">
-              <a:latin typeface="Arial"/>
-            </a:endParaRPr>
-          </a:p>
-        </p:txBody>
-      </p:sp>
-      <p:sp>
-        <p:nvSpPr>
-          <p:cNvPr id="37" name="PlaceHolder 4"/>
+            <a:endParaRPr b="0" lang="en-GB" sz="3200" spc="-1" strike="noStrike">
+              <a:latin typeface="Arial"/>
+            </a:endParaRPr>
+          </a:p>
+        </p:txBody>
+      </p:sp>
+      <p:sp>
+        <p:nvSpPr>
+          <p:cNvPr id="34" name="PlaceHolder 4"/>
           <p:cNvSpPr>
             <a:spLocks noGrp="1"/>
           </p:cNvSpPr>
@@ -440,8 +447,8 @@
         </p:nvSpPr>
         <p:spPr>
           <a:xfrm>
-            <a:off x="6638040" y="1326600"/>
-            <a:ext cx="2920680" cy="1568160"/>
+            <a:off x="6639120" y="1326600"/>
+            <a:ext cx="2921040" cy="1568520"/>
           </a:xfrm>
           <a:prstGeom prst="rect">
             <a:avLst/>
@@ -452,15 +459,15 @@
             <a:normAutofit/>
           </a:bodyPr>
           <a:p>
-            <a:endParaRPr b="0" lang="en-US" sz="3200" spc="-1" strike="noStrike">
-              <a:latin typeface="Arial"/>
-            </a:endParaRPr>
-          </a:p>
-        </p:txBody>
-      </p:sp>
-      <p:sp>
-        <p:nvSpPr>
-          <p:cNvPr id="38" name="PlaceHolder 5"/>
+            <a:endParaRPr b="0" lang="en-GB" sz="3200" spc="-1" strike="noStrike">
+              <a:latin typeface="Arial"/>
+            </a:endParaRPr>
+          </a:p>
+        </p:txBody>
+      </p:sp>
+      <p:sp>
+        <p:nvSpPr>
+          <p:cNvPr id="35" name="PlaceHolder 5"/>
           <p:cNvSpPr>
             <a:spLocks noGrp="1"/>
           </p:cNvSpPr>
@@ -470,8 +477,8 @@
         </p:nvSpPr>
         <p:spPr>
           <a:xfrm>
-            <a:off x="504000" y="3044160"/>
-            <a:ext cx="2920680" cy="1568160"/>
+            <a:off x="504000" y="3044520"/>
+            <a:ext cx="2921040" cy="1568520"/>
           </a:xfrm>
           <a:prstGeom prst="rect">
             <a:avLst/>
@@ -482,15 +489,15 @@
             <a:normAutofit/>
           </a:bodyPr>
           <a:p>
-            <a:endParaRPr b="0" lang="en-US" sz="3200" spc="-1" strike="noStrike">
-              <a:latin typeface="Arial"/>
-            </a:endParaRPr>
-          </a:p>
-        </p:txBody>
-      </p:sp>
-      <p:sp>
-        <p:nvSpPr>
-          <p:cNvPr id="39" name="PlaceHolder 6"/>
+            <a:endParaRPr b="0" lang="en-GB" sz="3200" spc="-1" strike="noStrike">
+              <a:latin typeface="Arial"/>
+            </a:endParaRPr>
+          </a:p>
+        </p:txBody>
+      </p:sp>
+      <p:sp>
+        <p:nvSpPr>
+          <p:cNvPr id="36" name="PlaceHolder 6"/>
           <p:cNvSpPr>
             <a:spLocks noGrp="1"/>
           </p:cNvSpPr>
@@ -500,8 +507,8 @@
         </p:nvSpPr>
         <p:spPr>
           <a:xfrm>
-            <a:off x="3571200" y="3044160"/>
-            <a:ext cx="2920680" cy="1568160"/>
+            <a:off x="3571560" y="3044520"/>
+            <a:ext cx="2921040" cy="1568520"/>
           </a:xfrm>
           <a:prstGeom prst="rect">
             <a:avLst/>
@@ -512,15 +519,15 @@
             <a:normAutofit/>
           </a:bodyPr>
           <a:p>
-            <a:endParaRPr b="0" lang="en-US" sz="3200" spc="-1" strike="noStrike">
-              <a:latin typeface="Arial"/>
-            </a:endParaRPr>
-          </a:p>
-        </p:txBody>
-      </p:sp>
-      <p:sp>
-        <p:nvSpPr>
-          <p:cNvPr id="40" name="PlaceHolder 7"/>
+            <a:endParaRPr b="0" lang="en-GB" sz="3200" spc="-1" strike="noStrike">
+              <a:latin typeface="Arial"/>
+            </a:endParaRPr>
+          </a:p>
+        </p:txBody>
+      </p:sp>
+      <p:sp>
+        <p:nvSpPr>
+          <p:cNvPr id="37" name="PlaceHolder 7"/>
           <p:cNvSpPr>
             <a:spLocks noGrp="1"/>
           </p:cNvSpPr>
@@ -530,8 +537,8 @@
         </p:nvSpPr>
         <p:spPr>
           <a:xfrm>
-            <a:off x="6638040" y="3044160"/>
-            <a:ext cx="2920680" cy="1568160"/>
+            <a:off x="6639120" y="3044520"/>
+            <a:ext cx="2921040" cy="1568520"/>
           </a:xfrm>
           <a:prstGeom prst="rect">
             <a:avLst/>
@@ -542,7 +549,558 @@
             <a:normAutofit/>
           </a:bodyPr>
           <a:p>
-            <a:endParaRPr b="0" lang="en-US" sz="3200" spc="-1" strike="noStrike">
+            <a:endParaRPr b="0" lang="en-GB" sz="3200" spc="-1" strike="noStrike">
+              <a:latin typeface="Arial"/>
+            </a:endParaRPr>
+          </a:p>
+        </p:txBody>
+      </p:sp>
+    </p:spTree>
+  </p:cSld>
+</p:sldLayout>
+</file>
+
+<file path=ppt/slideLayouts/slideLayout13.xml><?xml version="1.0" encoding="utf-8"?>
+<p:sldLayout xmlns:a="http://schemas.openxmlformats.org/drawingml/2006/main" xmlns:p="http://schemas.openxmlformats.org/presentationml/2006/main" xmlns:r="http://schemas.openxmlformats.org/officeDocument/2006/relationships" xmlns:p14="http://schemas.microsoft.com/office/powerpoint/2010/main" xmlns:p15="http://schemas.microsoft.com/office/powerpoint/2012/main" xmlns:mc="http://schemas.openxmlformats.org/markup-compatibility/2006" type="blank" preserve="1">
+  <p:cSld name="Blank Slide">
+    <p:spTree>
+      <p:nvGrpSpPr>
+        <p:cNvPr id="1" name=""/>
+        <p:cNvGrpSpPr/>
+        <p:nvPr/>
+      </p:nvGrpSpPr>
+      <p:grpSpPr>
+        <a:xfrm>
+          <a:off x="0" y="0"/>
+          <a:ext cx="0" cy="0"/>
+          <a:chOff x="0" y="0"/>
+          <a:chExt cx="0" cy="0"/>
+        </a:xfrm>
+      </p:grpSpPr>
+    </p:spTree>
+  </p:cSld>
+</p:sldLayout>
+</file>
+
+<file path=ppt/slideLayouts/slideLayout14.xml><?xml version="1.0" encoding="utf-8"?>
+<p:sldLayout xmlns:a="http://schemas.openxmlformats.org/drawingml/2006/main" xmlns:p="http://schemas.openxmlformats.org/presentationml/2006/main" xmlns:r="http://schemas.openxmlformats.org/officeDocument/2006/relationships" xmlns:p14="http://schemas.microsoft.com/office/powerpoint/2010/main" xmlns:p15="http://schemas.microsoft.com/office/powerpoint/2012/main" xmlns:mc="http://schemas.openxmlformats.org/markup-compatibility/2006" type="tx" preserve="1">
+  <p:cSld name="Title Slide">
+    <p:spTree>
+      <p:nvGrpSpPr>
+        <p:cNvPr id="1" name=""/>
+        <p:cNvGrpSpPr/>
+        <p:nvPr/>
+      </p:nvGrpSpPr>
+      <p:grpSpPr>
+        <a:xfrm>
+          <a:off x="0" y="0"/>
+          <a:ext cx="0" cy="0"/>
+          <a:chOff x="0" y="0"/>
+          <a:chExt cx="0" cy="0"/>
+        </a:xfrm>
+      </p:grpSpPr>
+      <p:sp>
+        <p:nvSpPr>
+          <p:cNvPr id="40" name="PlaceHolder 1"/>
+          <p:cNvSpPr>
+            <a:spLocks noGrp="1"/>
+          </p:cNvSpPr>
+          <p:nvPr>
+            <p:ph type="title"/>
+          </p:nvPr>
+        </p:nvSpPr>
+        <p:spPr>
+          <a:xfrm>
+            <a:off x="504000" y="226080"/>
+            <a:ext cx="9071280" cy="946080"/>
+          </a:xfrm>
+          <a:prstGeom prst="rect">
+            <a:avLst/>
+          </a:prstGeom>
+        </p:spPr>
+        <p:txBody>
+          <a:bodyPr lIns="0" rIns="0" tIns="0" bIns="0" anchor="ctr">
+            <a:noAutofit/>
+          </a:bodyPr>
+          <a:p>
+            <a:pPr algn="ctr"/>
+            <a:endParaRPr b="0" lang="en-GB" sz="4400" spc="-1" strike="noStrike">
+              <a:latin typeface="Arial"/>
+            </a:endParaRPr>
+          </a:p>
+        </p:txBody>
+      </p:sp>
+      <p:sp>
+        <p:nvSpPr>
+          <p:cNvPr id="41" name="PlaceHolder 2"/>
+          <p:cNvSpPr>
+            <a:spLocks noGrp="1"/>
+          </p:cNvSpPr>
+          <p:nvPr>
+            <p:ph type="subTitle"/>
+          </p:nvPr>
+        </p:nvSpPr>
+        <p:spPr>
+          <a:xfrm>
+            <a:off x="504000" y="1326600"/>
+            <a:ext cx="9072000" cy="3288600"/>
+          </a:xfrm>
+          <a:prstGeom prst="rect">
+            <a:avLst/>
+          </a:prstGeom>
+        </p:spPr>
+        <p:txBody>
+          <a:bodyPr lIns="0" rIns="0" tIns="0" bIns="0" anchor="ctr">
+            <a:noAutofit/>
+          </a:bodyPr>
+          <a:p>
+            <a:pPr algn="ctr"/>
+            <a:endParaRPr b="0" lang="en-GB" sz="3200" spc="-1" strike="noStrike">
+              <a:latin typeface="Arial"/>
+            </a:endParaRPr>
+          </a:p>
+        </p:txBody>
+      </p:sp>
+    </p:spTree>
+  </p:cSld>
+</p:sldLayout>
+</file>
+
+<file path=ppt/slideLayouts/slideLayout15.xml><?xml version="1.0" encoding="utf-8"?>
+<p:sldLayout xmlns:a="http://schemas.openxmlformats.org/drawingml/2006/main" xmlns:p="http://schemas.openxmlformats.org/presentationml/2006/main" xmlns:r="http://schemas.openxmlformats.org/officeDocument/2006/relationships" xmlns:p14="http://schemas.microsoft.com/office/powerpoint/2010/main" xmlns:p15="http://schemas.microsoft.com/office/powerpoint/2012/main" xmlns:mc="http://schemas.openxmlformats.org/markup-compatibility/2006" type="obj" preserve="1">
+  <p:cSld name="Title, Content">
+    <p:spTree>
+      <p:nvGrpSpPr>
+        <p:cNvPr id="1" name=""/>
+        <p:cNvGrpSpPr/>
+        <p:nvPr/>
+      </p:nvGrpSpPr>
+      <p:grpSpPr>
+        <a:xfrm>
+          <a:off x="0" y="0"/>
+          <a:ext cx="0" cy="0"/>
+          <a:chOff x="0" y="0"/>
+          <a:chExt cx="0" cy="0"/>
+        </a:xfrm>
+      </p:grpSpPr>
+      <p:sp>
+        <p:nvSpPr>
+          <p:cNvPr id="42" name="PlaceHolder 1"/>
+          <p:cNvSpPr>
+            <a:spLocks noGrp="1"/>
+          </p:cNvSpPr>
+          <p:nvPr>
+            <p:ph type="title"/>
+          </p:nvPr>
+        </p:nvSpPr>
+        <p:spPr>
+          <a:xfrm>
+            <a:off x="504000" y="226080"/>
+            <a:ext cx="9071280" cy="946080"/>
+          </a:xfrm>
+          <a:prstGeom prst="rect">
+            <a:avLst/>
+          </a:prstGeom>
+        </p:spPr>
+        <p:txBody>
+          <a:bodyPr lIns="0" rIns="0" tIns="0" bIns="0" anchor="ctr">
+            <a:noAutofit/>
+          </a:bodyPr>
+          <a:p>
+            <a:pPr algn="ctr"/>
+            <a:endParaRPr b="0" lang="en-GB" sz="4400" spc="-1" strike="noStrike">
+              <a:latin typeface="Arial"/>
+            </a:endParaRPr>
+          </a:p>
+        </p:txBody>
+      </p:sp>
+      <p:sp>
+        <p:nvSpPr>
+          <p:cNvPr id="43" name="PlaceHolder 2"/>
+          <p:cNvSpPr>
+            <a:spLocks noGrp="1"/>
+          </p:cNvSpPr>
+          <p:nvPr>
+            <p:ph type="body"/>
+          </p:nvPr>
+        </p:nvSpPr>
+        <p:spPr>
+          <a:xfrm>
+            <a:off x="504000" y="1326600"/>
+            <a:ext cx="9072000" cy="3288600"/>
+          </a:xfrm>
+          <a:prstGeom prst="rect">
+            <a:avLst/>
+          </a:prstGeom>
+        </p:spPr>
+        <p:txBody>
+          <a:bodyPr lIns="0" rIns="0" tIns="0" bIns="0">
+            <a:normAutofit/>
+          </a:bodyPr>
+          <a:p>
+            <a:endParaRPr b="0" lang="en-GB" sz="3200" spc="-1" strike="noStrike">
+              <a:latin typeface="Arial"/>
+            </a:endParaRPr>
+          </a:p>
+        </p:txBody>
+      </p:sp>
+    </p:spTree>
+  </p:cSld>
+</p:sldLayout>
+</file>
+
+<file path=ppt/slideLayouts/slideLayout16.xml><?xml version="1.0" encoding="utf-8"?>
+<p:sldLayout xmlns:a="http://schemas.openxmlformats.org/drawingml/2006/main" xmlns:p="http://schemas.openxmlformats.org/presentationml/2006/main" xmlns:r="http://schemas.openxmlformats.org/officeDocument/2006/relationships" xmlns:p14="http://schemas.microsoft.com/office/powerpoint/2010/main" xmlns:p15="http://schemas.microsoft.com/office/powerpoint/2012/main" xmlns:mc="http://schemas.openxmlformats.org/markup-compatibility/2006" type="twoObj" preserve="1">
+  <p:cSld name="Title, 2 Content">
+    <p:spTree>
+      <p:nvGrpSpPr>
+        <p:cNvPr id="1" name=""/>
+        <p:cNvGrpSpPr/>
+        <p:nvPr/>
+      </p:nvGrpSpPr>
+      <p:grpSpPr>
+        <a:xfrm>
+          <a:off x="0" y="0"/>
+          <a:ext cx="0" cy="0"/>
+          <a:chOff x="0" y="0"/>
+          <a:chExt cx="0" cy="0"/>
+        </a:xfrm>
+      </p:grpSpPr>
+      <p:sp>
+        <p:nvSpPr>
+          <p:cNvPr id="44" name="PlaceHolder 1"/>
+          <p:cNvSpPr>
+            <a:spLocks noGrp="1"/>
+          </p:cNvSpPr>
+          <p:nvPr>
+            <p:ph type="title"/>
+          </p:nvPr>
+        </p:nvSpPr>
+        <p:spPr>
+          <a:xfrm>
+            <a:off x="504000" y="226080"/>
+            <a:ext cx="9071280" cy="946080"/>
+          </a:xfrm>
+          <a:prstGeom prst="rect">
+            <a:avLst/>
+          </a:prstGeom>
+        </p:spPr>
+        <p:txBody>
+          <a:bodyPr lIns="0" rIns="0" tIns="0" bIns="0" anchor="ctr">
+            <a:noAutofit/>
+          </a:bodyPr>
+          <a:p>
+            <a:pPr algn="ctr"/>
+            <a:endParaRPr b="0" lang="en-GB" sz="4400" spc="-1" strike="noStrike">
+              <a:latin typeface="Arial"/>
+            </a:endParaRPr>
+          </a:p>
+        </p:txBody>
+      </p:sp>
+      <p:sp>
+        <p:nvSpPr>
+          <p:cNvPr id="45" name="PlaceHolder 2"/>
+          <p:cNvSpPr>
+            <a:spLocks noGrp="1"/>
+          </p:cNvSpPr>
+          <p:nvPr>
+            <p:ph type="body"/>
+          </p:nvPr>
+        </p:nvSpPr>
+        <p:spPr>
+          <a:xfrm>
+            <a:off x="504000" y="1326600"/>
+            <a:ext cx="4426920" cy="3288600"/>
+          </a:xfrm>
+          <a:prstGeom prst="rect">
+            <a:avLst/>
+          </a:prstGeom>
+        </p:spPr>
+        <p:txBody>
+          <a:bodyPr lIns="0" rIns="0" tIns="0" bIns="0">
+            <a:normAutofit/>
+          </a:bodyPr>
+          <a:p>
+            <a:endParaRPr b="0" lang="en-GB" sz="3200" spc="-1" strike="noStrike">
+              <a:latin typeface="Arial"/>
+            </a:endParaRPr>
+          </a:p>
+        </p:txBody>
+      </p:sp>
+      <p:sp>
+        <p:nvSpPr>
+          <p:cNvPr id="46" name="PlaceHolder 3"/>
+          <p:cNvSpPr>
+            <a:spLocks noGrp="1"/>
+          </p:cNvSpPr>
+          <p:nvPr>
+            <p:ph type="body"/>
+          </p:nvPr>
+        </p:nvSpPr>
+        <p:spPr>
+          <a:xfrm>
+            <a:off x="5152680" y="1326600"/>
+            <a:ext cx="4426920" cy="3288600"/>
+          </a:xfrm>
+          <a:prstGeom prst="rect">
+            <a:avLst/>
+          </a:prstGeom>
+        </p:spPr>
+        <p:txBody>
+          <a:bodyPr lIns="0" rIns="0" tIns="0" bIns="0">
+            <a:normAutofit/>
+          </a:bodyPr>
+          <a:p>
+            <a:endParaRPr b="0" lang="en-GB" sz="3200" spc="-1" strike="noStrike">
+              <a:latin typeface="Arial"/>
+            </a:endParaRPr>
+          </a:p>
+        </p:txBody>
+      </p:sp>
+    </p:spTree>
+  </p:cSld>
+</p:sldLayout>
+</file>
+
+<file path=ppt/slideLayouts/slideLayout17.xml><?xml version="1.0" encoding="utf-8"?>
+<p:sldLayout xmlns:a="http://schemas.openxmlformats.org/drawingml/2006/main" xmlns:p="http://schemas.openxmlformats.org/presentationml/2006/main" xmlns:r="http://schemas.openxmlformats.org/officeDocument/2006/relationships" xmlns:p14="http://schemas.microsoft.com/office/powerpoint/2010/main" xmlns:p15="http://schemas.microsoft.com/office/powerpoint/2012/main" xmlns:mc="http://schemas.openxmlformats.org/markup-compatibility/2006" type="titleOnly" preserve="1">
+  <p:cSld name="Title Only">
+    <p:spTree>
+      <p:nvGrpSpPr>
+        <p:cNvPr id="1" name=""/>
+        <p:cNvGrpSpPr/>
+        <p:nvPr/>
+      </p:nvGrpSpPr>
+      <p:grpSpPr>
+        <a:xfrm>
+          <a:off x="0" y="0"/>
+          <a:ext cx="0" cy="0"/>
+          <a:chOff x="0" y="0"/>
+          <a:chExt cx="0" cy="0"/>
+        </a:xfrm>
+      </p:grpSpPr>
+      <p:sp>
+        <p:nvSpPr>
+          <p:cNvPr id="47" name="PlaceHolder 1"/>
+          <p:cNvSpPr>
+            <a:spLocks noGrp="1"/>
+          </p:cNvSpPr>
+          <p:nvPr>
+            <p:ph type="title"/>
+          </p:nvPr>
+        </p:nvSpPr>
+        <p:spPr>
+          <a:xfrm>
+            <a:off x="504000" y="226080"/>
+            <a:ext cx="9071280" cy="946080"/>
+          </a:xfrm>
+          <a:prstGeom prst="rect">
+            <a:avLst/>
+          </a:prstGeom>
+        </p:spPr>
+        <p:txBody>
+          <a:bodyPr lIns="0" rIns="0" tIns="0" bIns="0" anchor="ctr">
+            <a:noAutofit/>
+          </a:bodyPr>
+          <a:p>
+            <a:pPr algn="ctr"/>
+            <a:endParaRPr b="0" lang="en-GB" sz="4400" spc="-1" strike="noStrike">
+              <a:latin typeface="Arial"/>
+            </a:endParaRPr>
+          </a:p>
+        </p:txBody>
+      </p:sp>
+    </p:spTree>
+  </p:cSld>
+</p:sldLayout>
+</file>
+
+<file path=ppt/slideLayouts/slideLayout18.xml><?xml version="1.0" encoding="utf-8"?>
+<p:sldLayout xmlns:a="http://schemas.openxmlformats.org/drawingml/2006/main" xmlns:p="http://schemas.openxmlformats.org/presentationml/2006/main" xmlns:r="http://schemas.openxmlformats.org/officeDocument/2006/relationships" xmlns:p14="http://schemas.microsoft.com/office/powerpoint/2010/main" xmlns:p15="http://schemas.microsoft.com/office/powerpoint/2012/main" xmlns:mc="http://schemas.openxmlformats.org/markup-compatibility/2006" type="objOnly" preserve="1">
+  <p:cSld name="Centered Text">
+    <p:spTree>
+      <p:nvGrpSpPr>
+        <p:cNvPr id="1" name=""/>
+        <p:cNvGrpSpPr/>
+        <p:nvPr/>
+      </p:nvGrpSpPr>
+      <p:grpSpPr>
+        <a:xfrm>
+          <a:off x="0" y="0"/>
+          <a:ext cx="0" cy="0"/>
+          <a:chOff x="0" y="0"/>
+          <a:chExt cx="0" cy="0"/>
+        </a:xfrm>
+      </p:grpSpPr>
+      <p:sp>
+        <p:nvSpPr>
+          <p:cNvPr id="48" name="PlaceHolder 1"/>
+          <p:cNvSpPr>
+            <a:spLocks noGrp="1"/>
+          </p:cNvSpPr>
+          <p:nvPr>
+            <p:ph type="subTitle"/>
+          </p:nvPr>
+        </p:nvSpPr>
+        <p:spPr>
+          <a:xfrm>
+            <a:off x="504000" y="226080"/>
+            <a:ext cx="9071280" cy="4386600"/>
+          </a:xfrm>
+          <a:prstGeom prst="rect">
+            <a:avLst/>
+          </a:prstGeom>
+        </p:spPr>
+        <p:txBody>
+          <a:bodyPr lIns="0" rIns="0" tIns="0" bIns="0" anchor="ctr">
+            <a:noAutofit/>
+          </a:bodyPr>
+          <a:p>
+            <a:pPr algn="ctr"/>
+            <a:endParaRPr b="0" lang="en-GB" sz="3200" spc="-1" strike="noStrike">
+              <a:latin typeface="Arial"/>
+            </a:endParaRPr>
+          </a:p>
+        </p:txBody>
+      </p:sp>
+    </p:spTree>
+  </p:cSld>
+</p:sldLayout>
+</file>
+
+<file path=ppt/slideLayouts/slideLayout19.xml><?xml version="1.0" encoding="utf-8"?>
+<p:sldLayout xmlns:a="http://schemas.openxmlformats.org/drawingml/2006/main" xmlns:p="http://schemas.openxmlformats.org/presentationml/2006/main" xmlns:r="http://schemas.openxmlformats.org/officeDocument/2006/relationships" xmlns:p14="http://schemas.microsoft.com/office/powerpoint/2010/main" xmlns:p15="http://schemas.microsoft.com/office/powerpoint/2012/main" xmlns:mc="http://schemas.openxmlformats.org/markup-compatibility/2006" type="twoObjAndObj" preserve="1">
+  <p:cSld name="Title, 2 Content and Content">
+    <p:spTree>
+      <p:nvGrpSpPr>
+        <p:cNvPr id="1" name=""/>
+        <p:cNvGrpSpPr/>
+        <p:nvPr/>
+      </p:nvGrpSpPr>
+      <p:grpSpPr>
+        <a:xfrm>
+          <a:off x="0" y="0"/>
+          <a:ext cx="0" cy="0"/>
+          <a:chOff x="0" y="0"/>
+          <a:chExt cx="0" cy="0"/>
+        </a:xfrm>
+      </p:grpSpPr>
+      <p:sp>
+        <p:nvSpPr>
+          <p:cNvPr id="49" name="PlaceHolder 1"/>
+          <p:cNvSpPr>
+            <a:spLocks noGrp="1"/>
+          </p:cNvSpPr>
+          <p:nvPr>
+            <p:ph type="title"/>
+          </p:nvPr>
+        </p:nvSpPr>
+        <p:spPr>
+          <a:xfrm>
+            <a:off x="504000" y="226080"/>
+            <a:ext cx="9071280" cy="946080"/>
+          </a:xfrm>
+          <a:prstGeom prst="rect">
+            <a:avLst/>
+          </a:prstGeom>
+        </p:spPr>
+        <p:txBody>
+          <a:bodyPr lIns="0" rIns="0" tIns="0" bIns="0" anchor="ctr">
+            <a:noAutofit/>
+          </a:bodyPr>
+          <a:p>
+            <a:pPr algn="ctr"/>
+            <a:endParaRPr b="0" lang="en-GB" sz="4400" spc="-1" strike="noStrike">
+              <a:latin typeface="Arial"/>
+            </a:endParaRPr>
+          </a:p>
+        </p:txBody>
+      </p:sp>
+      <p:sp>
+        <p:nvSpPr>
+          <p:cNvPr id="50" name="PlaceHolder 2"/>
+          <p:cNvSpPr>
+            <a:spLocks noGrp="1"/>
+          </p:cNvSpPr>
+          <p:nvPr>
+            <p:ph type="body"/>
+          </p:nvPr>
+        </p:nvSpPr>
+        <p:spPr>
+          <a:xfrm>
+            <a:off x="504000" y="1326600"/>
+            <a:ext cx="4426920" cy="1568520"/>
+          </a:xfrm>
+          <a:prstGeom prst="rect">
+            <a:avLst/>
+          </a:prstGeom>
+        </p:spPr>
+        <p:txBody>
+          <a:bodyPr lIns="0" rIns="0" tIns="0" bIns="0">
+            <a:normAutofit/>
+          </a:bodyPr>
+          <a:p>
+            <a:endParaRPr b="0" lang="en-GB" sz="3200" spc="-1" strike="noStrike">
+              <a:latin typeface="Arial"/>
+            </a:endParaRPr>
+          </a:p>
+        </p:txBody>
+      </p:sp>
+      <p:sp>
+        <p:nvSpPr>
+          <p:cNvPr id="51" name="PlaceHolder 3"/>
+          <p:cNvSpPr>
+            <a:spLocks noGrp="1"/>
+          </p:cNvSpPr>
+          <p:nvPr>
+            <p:ph type="body"/>
+          </p:nvPr>
+        </p:nvSpPr>
+        <p:spPr>
+          <a:xfrm>
+            <a:off x="5152680" y="1326600"/>
+            <a:ext cx="4426920" cy="3288600"/>
+          </a:xfrm>
+          <a:prstGeom prst="rect">
+            <a:avLst/>
+          </a:prstGeom>
+        </p:spPr>
+        <p:txBody>
+          <a:bodyPr lIns="0" rIns="0" tIns="0" bIns="0">
+            <a:normAutofit/>
+          </a:bodyPr>
+          <a:p>
+            <a:endParaRPr b="0" lang="en-GB" sz="3200" spc="-1" strike="noStrike">
+              <a:latin typeface="Arial"/>
+            </a:endParaRPr>
+          </a:p>
+        </p:txBody>
+      </p:sp>
+      <p:sp>
+        <p:nvSpPr>
+          <p:cNvPr id="52" name="PlaceHolder 4"/>
+          <p:cNvSpPr>
+            <a:spLocks noGrp="1"/>
+          </p:cNvSpPr>
+          <p:nvPr>
+            <p:ph type="body"/>
+          </p:nvPr>
+        </p:nvSpPr>
+        <p:spPr>
+          <a:xfrm>
+            <a:off x="504000" y="3044520"/>
+            <a:ext cx="4426920" cy="1568520"/>
+          </a:xfrm>
+          <a:prstGeom prst="rect">
+            <a:avLst/>
+          </a:prstGeom>
+        </p:spPr>
+        <p:txBody>
+          <a:bodyPr lIns="0" rIns="0" tIns="0" bIns="0">
+            <a:normAutofit/>
+          </a:bodyPr>
+          <a:p>
+            <a:endParaRPr b="0" lang="en-GB" sz="3200" spc="-1" strike="noStrike">
               <a:latin typeface="Arial"/>
             </a:endParaRPr>
           </a:p>
@@ -572,7 +1130,7 @@
       </p:grpSpPr>
       <p:sp>
         <p:nvSpPr>
-          <p:cNvPr id="5" name="PlaceHolder 1"/>
+          <p:cNvPr id="2" name="PlaceHolder 1"/>
           <p:cNvSpPr>
             <a:spLocks noGrp="1"/>
           </p:cNvSpPr>
@@ -583,25 +1141,27 @@
         <p:spPr>
           <a:xfrm>
             <a:off x="504000" y="226080"/>
-            <a:ext cx="9071640" cy="946440"/>
-          </a:xfrm>
-          <a:prstGeom prst="rect">
-            <a:avLst/>
-          </a:prstGeom>
-        </p:spPr>
-        <p:txBody>
-          <a:bodyPr lIns="0" rIns="0" tIns="0" bIns="0" anchor="ctr"/>
+            <a:ext cx="9071280" cy="946080"/>
+          </a:xfrm>
+          <a:prstGeom prst="rect">
+            <a:avLst/>
+          </a:prstGeom>
+        </p:spPr>
+        <p:txBody>
+          <a:bodyPr lIns="0" rIns="0" tIns="0" bIns="0" anchor="ctr">
+            <a:noAutofit/>
+          </a:bodyPr>
           <a:p>
             <a:pPr algn="ctr"/>
-            <a:endParaRPr b="0" lang="en-US" sz="4400" spc="-1" strike="noStrike">
-              <a:latin typeface="Arial"/>
-            </a:endParaRPr>
-          </a:p>
-        </p:txBody>
-      </p:sp>
-      <p:sp>
-        <p:nvSpPr>
-          <p:cNvPr id="6" name="PlaceHolder 2"/>
+            <a:endParaRPr b="0" lang="en-GB" sz="4400" spc="-1" strike="noStrike">
+              <a:latin typeface="Arial"/>
+            </a:endParaRPr>
+          </a:p>
+        </p:txBody>
+      </p:sp>
+      <p:sp>
+        <p:nvSpPr>
+          <p:cNvPr id="3" name="PlaceHolder 2"/>
           <p:cNvSpPr>
             <a:spLocks noGrp="1"/>
           </p:cNvSpPr>
@@ -612,17 +1172,824 @@
         <p:spPr>
           <a:xfrm>
             <a:off x="504000" y="1326600"/>
-            <a:ext cx="9071640" cy="3288240"/>
-          </a:xfrm>
-          <a:prstGeom prst="rect">
-            <a:avLst/>
-          </a:prstGeom>
-        </p:spPr>
-        <p:txBody>
-          <a:bodyPr lIns="0" rIns="0" tIns="0" bIns="0" anchor="ctr"/>
+            <a:ext cx="9072000" cy="3288600"/>
+          </a:xfrm>
+          <a:prstGeom prst="rect">
+            <a:avLst/>
+          </a:prstGeom>
+        </p:spPr>
+        <p:txBody>
+          <a:bodyPr lIns="0" rIns="0" tIns="0" bIns="0" anchor="ctr">
+            <a:noAutofit/>
+          </a:bodyPr>
           <a:p>
             <a:pPr algn="ctr"/>
-            <a:endParaRPr b="0" lang="en-US" sz="3200" spc="-1" strike="noStrike">
+            <a:endParaRPr b="0" lang="en-GB" sz="3200" spc="-1" strike="noStrike">
+              <a:latin typeface="Arial"/>
+            </a:endParaRPr>
+          </a:p>
+        </p:txBody>
+      </p:sp>
+    </p:spTree>
+  </p:cSld>
+</p:sldLayout>
+</file>
+
+<file path=ppt/slideLayouts/slideLayout20.xml><?xml version="1.0" encoding="utf-8"?>
+<p:sldLayout xmlns:a="http://schemas.openxmlformats.org/drawingml/2006/main" xmlns:p="http://schemas.openxmlformats.org/presentationml/2006/main" xmlns:r="http://schemas.openxmlformats.org/officeDocument/2006/relationships" xmlns:p14="http://schemas.microsoft.com/office/powerpoint/2010/main" xmlns:p15="http://schemas.microsoft.com/office/powerpoint/2012/main" xmlns:mc="http://schemas.openxmlformats.org/markup-compatibility/2006" type="objAndTwoObj" preserve="1">
+  <p:cSld name="Title Content and 2 Content">
+    <p:spTree>
+      <p:nvGrpSpPr>
+        <p:cNvPr id="1" name=""/>
+        <p:cNvGrpSpPr/>
+        <p:nvPr/>
+      </p:nvGrpSpPr>
+      <p:grpSpPr>
+        <a:xfrm>
+          <a:off x="0" y="0"/>
+          <a:ext cx="0" cy="0"/>
+          <a:chOff x="0" y="0"/>
+          <a:chExt cx="0" cy="0"/>
+        </a:xfrm>
+      </p:grpSpPr>
+      <p:sp>
+        <p:nvSpPr>
+          <p:cNvPr id="53" name="PlaceHolder 1"/>
+          <p:cNvSpPr>
+            <a:spLocks noGrp="1"/>
+          </p:cNvSpPr>
+          <p:nvPr>
+            <p:ph type="title"/>
+          </p:nvPr>
+        </p:nvSpPr>
+        <p:spPr>
+          <a:xfrm>
+            <a:off x="504000" y="226080"/>
+            <a:ext cx="9071280" cy="946080"/>
+          </a:xfrm>
+          <a:prstGeom prst="rect">
+            <a:avLst/>
+          </a:prstGeom>
+        </p:spPr>
+        <p:txBody>
+          <a:bodyPr lIns="0" rIns="0" tIns="0" bIns="0" anchor="ctr">
+            <a:noAutofit/>
+          </a:bodyPr>
+          <a:p>
+            <a:pPr algn="ctr"/>
+            <a:endParaRPr b="0" lang="en-GB" sz="4400" spc="-1" strike="noStrike">
+              <a:latin typeface="Arial"/>
+            </a:endParaRPr>
+          </a:p>
+        </p:txBody>
+      </p:sp>
+      <p:sp>
+        <p:nvSpPr>
+          <p:cNvPr id="54" name="PlaceHolder 2"/>
+          <p:cNvSpPr>
+            <a:spLocks noGrp="1"/>
+          </p:cNvSpPr>
+          <p:nvPr>
+            <p:ph type="body"/>
+          </p:nvPr>
+        </p:nvSpPr>
+        <p:spPr>
+          <a:xfrm>
+            <a:off x="504000" y="1326600"/>
+            <a:ext cx="4426920" cy="3288600"/>
+          </a:xfrm>
+          <a:prstGeom prst="rect">
+            <a:avLst/>
+          </a:prstGeom>
+        </p:spPr>
+        <p:txBody>
+          <a:bodyPr lIns="0" rIns="0" tIns="0" bIns="0">
+            <a:normAutofit/>
+          </a:bodyPr>
+          <a:p>
+            <a:endParaRPr b="0" lang="en-GB" sz="3200" spc="-1" strike="noStrike">
+              <a:latin typeface="Arial"/>
+            </a:endParaRPr>
+          </a:p>
+        </p:txBody>
+      </p:sp>
+      <p:sp>
+        <p:nvSpPr>
+          <p:cNvPr id="55" name="PlaceHolder 3"/>
+          <p:cNvSpPr>
+            <a:spLocks noGrp="1"/>
+          </p:cNvSpPr>
+          <p:nvPr>
+            <p:ph type="body"/>
+          </p:nvPr>
+        </p:nvSpPr>
+        <p:spPr>
+          <a:xfrm>
+            <a:off x="5152680" y="1326600"/>
+            <a:ext cx="4426920" cy="1568520"/>
+          </a:xfrm>
+          <a:prstGeom prst="rect">
+            <a:avLst/>
+          </a:prstGeom>
+        </p:spPr>
+        <p:txBody>
+          <a:bodyPr lIns="0" rIns="0" tIns="0" bIns="0">
+            <a:normAutofit/>
+          </a:bodyPr>
+          <a:p>
+            <a:endParaRPr b="0" lang="en-GB" sz="3200" spc="-1" strike="noStrike">
+              <a:latin typeface="Arial"/>
+            </a:endParaRPr>
+          </a:p>
+        </p:txBody>
+      </p:sp>
+      <p:sp>
+        <p:nvSpPr>
+          <p:cNvPr id="56" name="PlaceHolder 4"/>
+          <p:cNvSpPr>
+            <a:spLocks noGrp="1"/>
+          </p:cNvSpPr>
+          <p:nvPr>
+            <p:ph type="body"/>
+          </p:nvPr>
+        </p:nvSpPr>
+        <p:spPr>
+          <a:xfrm>
+            <a:off x="5152680" y="3044520"/>
+            <a:ext cx="4426920" cy="1568520"/>
+          </a:xfrm>
+          <a:prstGeom prst="rect">
+            <a:avLst/>
+          </a:prstGeom>
+        </p:spPr>
+        <p:txBody>
+          <a:bodyPr lIns="0" rIns="0" tIns="0" bIns="0">
+            <a:normAutofit/>
+          </a:bodyPr>
+          <a:p>
+            <a:endParaRPr b="0" lang="en-GB" sz="3200" spc="-1" strike="noStrike">
+              <a:latin typeface="Arial"/>
+            </a:endParaRPr>
+          </a:p>
+        </p:txBody>
+      </p:sp>
+    </p:spTree>
+  </p:cSld>
+</p:sldLayout>
+</file>
+
+<file path=ppt/slideLayouts/slideLayout21.xml><?xml version="1.0" encoding="utf-8"?>
+<p:sldLayout xmlns:a="http://schemas.openxmlformats.org/drawingml/2006/main" xmlns:p="http://schemas.openxmlformats.org/presentationml/2006/main" xmlns:r="http://schemas.openxmlformats.org/officeDocument/2006/relationships" xmlns:p14="http://schemas.microsoft.com/office/powerpoint/2010/main" xmlns:p15="http://schemas.microsoft.com/office/powerpoint/2012/main" xmlns:mc="http://schemas.openxmlformats.org/markup-compatibility/2006" type="twoObjOverTx" preserve="1">
+  <p:cSld name="Title, 2 Content over Content">
+    <p:spTree>
+      <p:nvGrpSpPr>
+        <p:cNvPr id="1" name=""/>
+        <p:cNvGrpSpPr/>
+        <p:nvPr/>
+      </p:nvGrpSpPr>
+      <p:grpSpPr>
+        <a:xfrm>
+          <a:off x="0" y="0"/>
+          <a:ext cx="0" cy="0"/>
+          <a:chOff x="0" y="0"/>
+          <a:chExt cx="0" cy="0"/>
+        </a:xfrm>
+      </p:grpSpPr>
+      <p:sp>
+        <p:nvSpPr>
+          <p:cNvPr id="57" name="PlaceHolder 1"/>
+          <p:cNvSpPr>
+            <a:spLocks noGrp="1"/>
+          </p:cNvSpPr>
+          <p:nvPr>
+            <p:ph type="title"/>
+          </p:nvPr>
+        </p:nvSpPr>
+        <p:spPr>
+          <a:xfrm>
+            <a:off x="504000" y="226080"/>
+            <a:ext cx="9071280" cy="946080"/>
+          </a:xfrm>
+          <a:prstGeom prst="rect">
+            <a:avLst/>
+          </a:prstGeom>
+        </p:spPr>
+        <p:txBody>
+          <a:bodyPr lIns="0" rIns="0" tIns="0" bIns="0" anchor="ctr">
+            <a:noAutofit/>
+          </a:bodyPr>
+          <a:p>
+            <a:pPr algn="ctr"/>
+            <a:endParaRPr b="0" lang="en-GB" sz="4400" spc="-1" strike="noStrike">
+              <a:latin typeface="Arial"/>
+            </a:endParaRPr>
+          </a:p>
+        </p:txBody>
+      </p:sp>
+      <p:sp>
+        <p:nvSpPr>
+          <p:cNvPr id="58" name="PlaceHolder 2"/>
+          <p:cNvSpPr>
+            <a:spLocks noGrp="1"/>
+          </p:cNvSpPr>
+          <p:nvPr>
+            <p:ph type="body"/>
+          </p:nvPr>
+        </p:nvSpPr>
+        <p:spPr>
+          <a:xfrm>
+            <a:off x="504000" y="1326600"/>
+            <a:ext cx="4426920" cy="1568520"/>
+          </a:xfrm>
+          <a:prstGeom prst="rect">
+            <a:avLst/>
+          </a:prstGeom>
+        </p:spPr>
+        <p:txBody>
+          <a:bodyPr lIns="0" rIns="0" tIns="0" bIns="0">
+            <a:normAutofit/>
+          </a:bodyPr>
+          <a:p>
+            <a:endParaRPr b="0" lang="en-GB" sz="3200" spc="-1" strike="noStrike">
+              <a:latin typeface="Arial"/>
+            </a:endParaRPr>
+          </a:p>
+        </p:txBody>
+      </p:sp>
+      <p:sp>
+        <p:nvSpPr>
+          <p:cNvPr id="59" name="PlaceHolder 3"/>
+          <p:cNvSpPr>
+            <a:spLocks noGrp="1"/>
+          </p:cNvSpPr>
+          <p:nvPr>
+            <p:ph type="body"/>
+          </p:nvPr>
+        </p:nvSpPr>
+        <p:spPr>
+          <a:xfrm>
+            <a:off x="5152680" y="1326600"/>
+            <a:ext cx="4426920" cy="1568520"/>
+          </a:xfrm>
+          <a:prstGeom prst="rect">
+            <a:avLst/>
+          </a:prstGeom>
+        </p:spPr>
+        <p:txBody>
+          <a:bodyPr lIns="0" rIns="0" tIns="0" bIns="0">
+            <a:normAutofit/>
+          </a:bodyPr>
+          <a:p>
+            <a:endParaRPr b="0" lang="en-GB" sz="3200" spc="-1" strike="noStrike">
+              <a:latin typeface="Arial"/>
+            </a:endParaRPr>
+          </a:p>
+        </p:txBody>
+      </p:sp>
+      <p:sp>
+        <p:nvSpPr>
+          <p:cNvPr id="60" name="PlaceHolder 4"/>
+          <p:cNvSpPr>
+            <a:spLocks noGrp="1"/>
+          </p:cNvSpPr>
+          <p:nvPr>
+            <p:ph type="body"/>
+          </p:nvPr>
+        </p:nvSpPr>
+        <p:spPr>
+          <a:xfrm>
+            <a:off x="504000" y="3044520"/>
+            <a:ext cx="9072000" cy="1568520"/>
+          </a:xfrm>
+          <a:prstGeom prst="rect">
+            <a:avLst/>
+          </a:prstGeom>
+        </p:spPr>
+        <p:txBody>
+          <a:bodyPr lIns="0" rIns="0" tIns="0" bIns="0">
+            <a:normAutofit/>
+          </a:bodyPr>
+          <a:p>
+            <a:endParaRPr b="0" lang="en-GB" sz="3200" spc="-1" strike="noStrike">
+              <a:latin typeface="Arial"/>
+            </a:endParaRPr>
+          </a:p>
+        </p:txBody>
+      </p:sp>
+    </p:spTree>
+  </p:cSld>
+</p:sldLayout>
+</file>
+
+<file path=ppt/slideLayouts/slideLayout22.xml><?xml version="1.0" encoding="utf-8"?>
+<p:sldLayout xmlns:a="http://schemas.openxmlformats.org/drawingml/2006/main" xmlns:p="http://schemas.openxmlformats.org/presentationml/2006/main" xmlns:r="http://schemas.openxmlformats.org/officeDocument/2006/relationships" xmlns:p14="http://schemas.microsoft.com/office/powerpoint/2010/main" xmlns:p15="http://schemas.microsoft.com/office/powerpoint/2012/main" xmlns:mc="http://schemas.openxmlformats.org/markup-compatibility/2006" type="objOverTx" preserve="1">
+  <p:cSld name="Title, Content over Content">
+    <p:spTree>
+      <p:nvGrpSpPr>
+        <p:cNvPr id="1" name=""/>
+        <p:cNvGrpSpPr/>
+        <p:nvPr/>
+      </p:nvGrpSpPr>
+      <p:grpSpPr>
+        <a:xfrm>
+          <a:off x="0" y="0"/>
+          <a:ext cx="0" cy="0"/>
+          <a:chOff x="0" y="0"/>
+          <a:chExt cx="0" cy="0"/>
+        </a:xfrm>
+      </p:grpSpPr>
+      <p:sp>
+        <p:nvSpPr>
+          <p:cNvPr id="61" name="PlaceHolder 1"/>
+          <p:cNvSpPr>
+            <a:spLocks noGrp="1"/>
+          </p:cNvSpPr>
+          <p:nvPr>
+            <p:ph type="title"/>
+          </p:nvPr>
+        </p:nvSpPr>
+        <p:spPr>
+          <a:xfrm>
+            <a:off x="504000" y="226080"/>
+            <a:ext cx="9071280" cy="946080"/>
+          </a:xfrm>
+          <a:prstGeom prst="rect">
+            <a:avLst/>
+          </a:prstGeom>
+        </p:spPr>
+        <p:txBody>
+          <a:bodyPr lIns="0" rIns="0" tIns="0" bIns="0" anchor="ctr">
+            <a:noAutofit/>
+          </a:bodyPr>
+          <a:p>
+            <a:pPr algn="ctr"/>
+            <a:endParaRPr b="0" lang="en-GB" sz="4400" spc="-1" strike="noStrike">
+              <a:latin typeface="Arial"/>
+            </a:endParaRPr>
+          </a:p>
+        </p:txBody>
+      </p:sp>
+      <p:sp>
+        <p:nvSpPr>
+          <p:cNvPr id="62" name="PlaceHolder 2"/>
+          <p:cNvSpPr>
+            <a:spLocks noGrp="1"/>
+          </p:cNvSpPr>
+          <p:nvPr>
+            <p:ph type="body"/>
+          </p:nvPr>
+        </p:nvSpPr>
+        <p:spPr>
+          <a:xfrm>
+            <a:off x="504000" y="1326600"/>
+            <a:ext cx="9072000" cy="1568520"/>
+          </a:xfrm>
+          <a:prstGeom prst="rect">
+            <a:avLst/>
+          </a:prstGeom>
+        </p:spPr>
+        <p:txBody>
+          <a:bodyPr lIns="0" rIns="0" tIns="0" bIns="0">
+            <a:normAutofit/>
+          </a:bodyPr>
+          <a:p>
+            <a:endParaRPr b="0" lang="en-GB" sz="3200" spc="-1" strike="noStrike">
+              <a:latin typeface="Arial"/>
+            </a:endParaRPr>
+          </a:p>
+        </p:txBody>
+      </p:sp>
+      <p:sp>
+        <p:nvSpPr>
+          <p:cNvPr id="63" name="PlaceHolder 3"/>
+          <p:cNvSpPr>
+            <a:spLocks noGrp="1"/>
+          </p:cNvSpPr>
+          <p:nvPr>
+            <p:ph type="body"/>
+          </p:nvPr>
+        </p:nvSpPr>
+        <p:spPr>
+          <a:xfrm>
+            <a:off x="504000" y="3044520"/>
+            <a:ext cx="9072000" cy="1568520"/>
+          </a:xfrm>
+          <a:prstGeom prst="rect">
+            <a:avLst/>
+          </a:prstGeom>
+        </p:spPr>
+        <p:txBody>
+          <a:bodyPr lIns="0" rIns="0" tIns="0" bIns="0">
+            <a:normAutofit/>
+          </a:bodyPr>
+          <a:p>
+            <a:endParaRPr b="0" lang="en-GB" sz="3200" spc="-1" strike="noStrike">
+              <a:latin typeface="Arial"/>
+            </a:endParaRPr>
+          </a:p>
+        </p:txBody>
+      </p:sp>
+    </p:spTree>
+  </p:cSld>
+</p:sldLayout>
+</file>
+
+<file path=ppt/slideLayouts/slideLayout23.xml><?xml version="1.0" encoding="utf-8"?>
+<p:sldLayout xmlns:a="http://schemas.openxmlformats.org/drawingml/2006/main" xmlns:p="http://schemas.openxmlformats.org/presentationml/2006/main" xmlns:r="http://schemas.openxmlformats.org/officeDocument/2006/relationships" xmlns:p14="http://schemas.microsoft.com/office/powerpoint/2010/main" xmlns:p15="http://schemas.microsoft.com/office/powerpoint/2012/main" xmlns:mc="http://schemas.openxmlformats.org/markup-compatibility/2006" type="fourObj" preserve="1">
+  <p:cSld name="Title, 4 Content">
+    <p:spTree>
+      <p:nvGrpSpPr>
+        <p:cNvPr id="1" name=""/>
+        <p:cNvGrpSpPr/>
+        <p:nvPr/>
+      </p:nvGrpSpPr>
+      <p:grpSpPr>
+        <a:xfrm>
+          <a:off x="0" y="0"/>
+          <a:ext cx="0" cy="0"/>
+          <a:chOff x="0" y="0"/>
+          <a:chExt cx="0" cy="0"/>
+        </a:xfrm>
+      </p:grpSpPr>
+      <p:sp>
+        <p:nvSpPr>
+          <p:cNvPr id="64" name="PlaceHolder 1"/>
+          <p:cNvSpPr>
+            <a:spLocks noGrp="1"/>
+          </p:cNvSpPr>
+          <p:nvPr>
+            <p:ph type="title"/>
+          </p:nvPr>
+        </p:nvSpPr>
+        <p:spPr>
+          <a:xfrm>
+            <a:off x="504000" y="226080"/>
+            <a:ext cx="9071280" cy="946080"/>
+          </a:xfrm>
+          <a:prstGeom prst="rect">
+            <a:avLst/>
+          </a:prstGeom>
+        </p:spPr>
+        <p:txBody>
+          <a:bodyPr lIns="0" rIns="0" tIns="0" bIns="0" anchor="ctr">
+            <a:noAutofit/>
+          </a:bodyPr>
+          <a:p>
+            <a:pPr algn="ctr"/>
+            <a:endParaRPr b="0" lang="en-GB" sz="4400" spc="-1" strike="noStrike">
+              <a:latin typeface="Arial"/>
+            </a:endParaRPr>
+          </a:p>
+        </p:txBody>
+      </p:sp>
+      <p:sp>
+        <p:nvSpPr>
+          <p:cNvPr id="65" name="PlaceHolder 2"/>
+          <p:cNvSpPr>
+            <a:spLocks noGrp="1"/>
+          </p:cNvSpPr>
+          <p:nvPr>
+            <p:ph type="body"/>
+          </p:nvPr>
+        </p:nvSpPr>
+        <p:spPr>
+          <a:xfrm>
+            <a:off x="504000" y="1326600"/>
+            <a:ext cx="4426920" cy="1568520"/>
+          </a:xfrm>
+          <a:prstGeom prst="rect">
+            <a:avLst/>
+          </a:prstGeom>
+        </p:spPr>
+        <p:txBody>
+          <a:bodyPr lIns="0" rIns="0" tIns="0" bIns="0">
+            <a:normAutofit/>
+          </a:bodyPr>
+          <a:p>
+            <a:endParaRPr b="0" lang="en-GB" sz="3200" spc="-1" strike="noStrike">
+              <a:latin typeface="Arial"/>
+            </a:endParaRPr>
+          </a:p>
+        </p:txBody>
+      </p:sp>
+      <p:sp>
+        <p:nvSpPr>
+          <p:cNvPr id="66" name="PlaceHolder 3"/>
+          <p:cNvSpPr>
+            <a:spLocks noGrp="1"/>
+          </p:cNvSpPr>
+          <p:nvPr>
+            <p:ph type="body"/>
+          </p:nvPr>
+        </p:nvSpPr>
+        <p:spPr>
+          <a:xfrm>
+            <a:off x="5152680" y="1326600"/>
+            <a:ext cx="4426920" cy="1568520"/>
+          </a:xfrm>
+          <a:prstGeom prst="rect">
+            <a:avLst/>
+          </a:prstGeom>
+        </p:spPr>
+        <p:txBody>
+          <a:bodyPr lIns="0" rIns="0" tIns="0" bIns="0">
+            <a:normAutofit/>
+          </a:bodyPr>
+          <a:p>
+            <a:endParaRPr b="0" lang="en-GB" sz="3200" spc="-1" strike="noStrike">
+              <a:latin typeface="Arial"/>
+            </a:endParaRPr>
+          </a:p>
+        </p:txBody>
+      </p:sp>
+      <p:sp>
+        <p:nvSpPr>
+          <p:cNvPr id="67" name="PlaceHolder 4"/>
+          <p:cNvSpPr>
+            <a:spLocks noGrp="1"/>
+          </p:cNvSpPr>
+          <p:nvPr>
+            <p:ph type="body"/>
+          </p:nvPr>
+        </p:nvSpPr>
+        <p:spPr>
+          <a:xfrm>
+            <a:off x="504000" y="3044520"/>
+            <a:ext cx="4426920" cy="1568520"/>
+          </a:xfrm>
+          <a:prstGeom prst="rect">
+            <a:avLst/>
+          </a:prstGeom>
+        </p:spPr>
+        <p:txBody>
+          <a:bodyPr lIns="0" rIns="0" tIns="0" bIns="0">
+            <a:normAutofit/>
+          </a:bodyPr>
+          <a:p>
+            <a:endParaRPr b="0" lang="en-GB" sz="3200" spc="-1" strike="noStrike">
+              <a:latin typeface="Arial"/>
+            </a:endParaRPr>
+          </a:p>
+        </p:txBody>
+      </p:sp>
+      <p:sp>
+        <p:nvSpPr>
+          <p:cNvPr id="68" name="PlaceHolder 5"/>
+          <p:cNvSpPr>
+            <a:spLocks noGrp="1"/>
+          </p:cNvSpPr>
+          <p:nvPr>
+            <p:ph type="body"/>
+          </p:nvPr>
+        </p:nvSpPr>
+        <p:spPr>
+          <a:xfrm>
+            <a:off x="5152680" y="3044520"/>
+            <a:ext cx="4426920" cy="1568520"/>
+          </a:xfrm>
+          <a:prstGeom prst="rect">
+            <a:avLst/>
+          </a:prstGeom>
+        </p:spPr>
+        <p:txBody>
+          <a:bodyPr lIns="0" rIns="0" tIns="0" bIns="0">
+            <a:normAutofit/>
+          </a:bodyPr>
+          <a:p>
+            <a:endParaRPr b="0" lang="en-GB" sz="3200" spc="-1" strike="noStrike">
+              <a:latin typeface="Arial"/>
+            </a:endParaRPr>
+          </a:p>
+        </p:txBody>
+      </p:sp>
+    </p:spTree>
+  </p:cSld>
+</p:sldLayout>
+</file>
+
+<file path=ppt/slideLayouts/slideLayout24.xml><?xml version="1.0" encoding="utf-8"?>
+<p:sldLayout xmlns:a="http://schemas.openxmlformats.org/drawingml/2006/main" xmlns:p="http://schemas.openxmlformats.org/presentationml/2006/main" xmlns:r="http://schemas.openxmlformats.org/officeDocument/2006/relationships" xmlns:p14="http://schemas.microsoft.com/office/powerpoint/2010/main" xmlns:p15="http://schemas.microsoft.com/office/powerpoint/2012/main" xmlns:mc="http://schemas.openxmlformats.org/markup-compatibility/2006" type="blank" preserve="1">
+  <p:cSld name="Title, 6 Content">
+    <p:spTree>
+      <p:nvGrpSpPr>
+        <p:cNvPr id="1" name=""/>
+        <p:cNvGrpSpPr/>
+        <p:nvPr/>
+      </p:nvGrpSpPr>
+      <p:grpSpPr>
+        <a:xfrm>
+          <a:off x="0" y="0"/>
+          <a:ext cx="0" cy="0"/>
+          <a:chOff x="0" y="0"/>
+          <a:chExt cx="0" cy="0"/>
+        </a:xfrm>
+      </p:grpSpPr>
+      <p:sp>
+        <p:nvSpPr>
+          <p:cNvPr id="69" name="PlaceHolder 1"/>
+          <p:cNvSpPr>
+            <a:spLocks noGrp="1"/>
+          </p:cNvSpPr>
+          <p:nvPr>
+            <p:ph type="title"/>
+          </p:nvPr>
+        </p:nvSpPr>
+        <p:spPr>
+          <a:xfrm>
+            <a:off x="504000" y="226080"/>
+            <a:ext cx="9071280" cy="946080"/>
+          </a:xfrm>
+          <a:prstGeom prst="rect">
+            <a:avLst/>
+          </a:prstGeom>
+        </p:spPr>
+        <p:txBody>
+          <a:bodyPr lIns="0" rIns="0" tIns="0" bIns="0" anchor="ctr">
+            <a:noAutofit/>
+          </a:bodyPr>
+          <a:p>
+            <a:pPr algn="ctr"/>
+            <a:endParaRPr b="0" lang="en-GB" sz="4400" spc="-1" strike="noStrike">
+              <a:latin typeface="Arial"/>
+            </a:endParaRPr>
+          </a:p>
+        </p:txBody>
+      </p:sp>
+      <p:sp>
+        <p:nvSpPr>
+          <p:cNvPr id="70" name="PlaceHolder 2"/>
+          <p:cNvSpPr>
+            <a:spLocks noGrp="1"/>
+          </p:cNvSpPr>
+          <p:nvPr>
+            <p:ph type="body"/>
+          </p:nvPr>
+        </p:nvSpPr>
+        <p:spPr>
+          <a:xfrm>
+            <a:off x="504000" y="1326600"/>
+            <a:ext cx="2921040" cy="1568520"/>
+          </a:xfrm>
+          <a:prstGeom prst="rect">
+            <a:avLst/>
+          </a:prstGeom>
+        </p:spPr>
+        <p:txBody>
+          <a:bodyPr lIns="0" rIns="0" tIns="0" bIns="0">
+            <a:normAutofit/>
+          </a:bodyPr>
+          <a:p>
+            <a:endParaRPr b="0" lang="en-GB" sz="3200" spc="-1" strike="noStrike">
+              <a:latin typeface="Arial"/>
+            </a:endParaRPr>
+          </a:p>
+        </p:txBody>
+      </p:sp>
+      <p:sp>
+        <p:nvSpPr>
+          <p:cNvPr id="71" name="PlaceHolder 3"/>
+          <p:cNvSpPr>
+            <a:spLocks noGrp="1"/>
+          </p:cNvSpPr>
+          <p:nvPr>
+            <p:ph type="body"/>
+          </p:nvPr>
+        </p:nvSpPr>
+        <p:spPr>
+          <a:xfrm>
+            <a:off x="3571560" y="1326600"/>
+            <a:ext cx="2921040" cy="1568520"/>
+          </a:xfrm>
+          <a:prstGeom prst="rect">
+            <a:avLst/>
+          </a:prstGeom>
+        </p:spPr>
+        <p:txBody>
+          <a:bodyPr lIns="0" rIns="0" tIns="0" bIns="0">
+            <a:normAutofit/>
+          </a:bodyPr>
+          <a:p>
+            <a:endParaRPr b="0" lang="en-GB" sz="3200" spc="-1" strike="noStrike">
+              <a:latin typeface="Arial"/>
+            </a:endParaRPr>
+          </a:p>
+        </p:txBody>
+      </p:sp>
+      <p:sp>
+        <p:nvSpPr>
+          <p:cNvPr id="72" name="PlaceHolder 4"/>
+          <p:cNvSpPr>
+            <a:spLocks noGrp="1"/>
+          </p:cNvSpPr>
+          <p:nvPr>
+            <p:ph type="body"/>
+          </p:nvPr>
+        </p:nvSpPr>
+        <p:spPr>
+          <a:xfrm>
+            <a:off x="6639120" y="1326600"/>
+            <a:ext cx="2921040" cy="1568520"/>
+          </a:xfrm>
+          <a:prstGeom prst="rect">
+            <a:avLst/>
+          </a:prstGeom>
+        </p:spPr>
+        <p:txBody>
+          <a:bodyPr lIns="0" rIns="0" tIns="0" bIns="0">
+            <a:normAutofit/>
+          </a:bodyPr>
+          <a:p>
+            <a:endParaRPr b="0" lang="en-GB" sz="3200" spc="-1" strike="noStrike">
+              <a:latin typeface="Arial"/>
+            </a:endParaRPr>
+          </a:p>
+        </p:txBody>
+      </p:sp>
+      <p:sp>
+        <p:nvSpPr>
+          <p:cNvPr id="73" name="PlaceHolder 5"/>
+          <p:cNvSpPr>
+            <a:spLocks noGrp="1"/>
+          </p:cNvSpPr>
+          <p:nvPr>
+            <p:ph type="body"/>
+          </p:nvPr>
+        </p:nvSpPr>
+        <p:spPr>
+          <a:xfrm>
+            <a:off x="504000" y="3044520"/>
+            <a:ext cx="2921040" cy="1568520"/>
+          </a:xfrm>
+          <a:prstGeom prst="rect">
+            <a:avLst/>
+          </a:prstGeom>
+        </p:spPr>
+        <p:txBody>
+          <a:bodyPr lIns="0" rIns="0" tIns="0" bIns="0">
+            <a:normAutofit/>
+          </a:bodyPr>
+          <a:p>
+            <a:endParaRPr b="0" lang="en-GB" sz="3200" spc="-1" strike="noStrike">
+              <a:latin typeface="Arial"/>
+            </a:endParaRPr>
+          </a:p>
+        </p:txBody>
+      </p:sp>
+      <p:sp>
+        <p:nvSpPr>
+          <p:cNvPr id="74" name="PlaceHolder 6"/>
+          <p:cNvSpPr>
+            <a:spLocks noGrp="1"/>
+          </p:cNvSpPr>
+          <p:nvPr>
+            <p:ph type="body"/>
+          </p:nvPr>
+        </p:nvSpPr>
+        <p:spPr>
+          <a:xfrm>
+            <a:off x="3571560" y="3044520"/>
+            <a:ext cx="2921040" cy="1568520"/>
+          </a:xfrm>
+          <a:prstGeom prst="rect">
+            <a:avLst/>
+          </a:prstGeom>
+        </p:spPr>
+        <p:txBody>
+          <a:bodyPr lIns="0" rIns="0" tIns="0" bIns="0">
+            <a:normAutofit/>
+          </a:bodyPr>
+          <a:p>
+            <a:endParaRPr b="0" lang="en-GB" sz="3200" spc="-1" strike="noStrike">
+              <a:latin typeface="Arial"/>
+            </a:endParaRPr>
+          </a:p>
+        </p:txBody>
+      </p:sp>
+      <p:sp>
+        <p:nvSpPr>
+          <p:cNvPr id="75" name="PlaceHolder 7"/>
+          <p:cNvSpPr>
+            <a:spLocks noGrp="1"/>
+          </p:cNvSpPr>
+          <p:nvPr>
+            <p:ph type="body"/>
+          </p:nvPr>
+        </p:nvSpPr>
+        <p:spPr>
+          <a:xfrm>
+            <a:off x="6639120" y="3044520"/>
+            <a:ext cx="2921040" cy="1568520"/>
+          </a:xfrm>
+          <a:prstGeom prst="rect">
+            <a:avLst/>
+          </a:prstGeom>
+        </p:spPr>
+        <p:txBody>
+          <a:bodyPr lIns="0" rIns="0" tIns="0" bIns="0">
+            <a:normAutofit/>
+          </a:bodyPr>
+          <a:p>
+            <a:endParaRPr b="0" lang="en-GB" sz="3200" spc="-1" strike="noStrike">
               <a:latin typeface="Arial"/>
             </a:endParaRPr>
           </a:p>
@@ -652,7 +2019,7 @@
       </p:grpSpPr>
       <p:sp>
         <p:nvSpPr>
-          <p:cNvPr id="7" name="PlaceHolder 1"/>
+          <p:cNvPr id="4" name="PlaceHolder 1"/>
           <p:cNvSpPr>
             <a:spLocks noGrp="1"/>
           </p:cNvSpPr>
@@ -663,25 +2030,27 @@
         <p:spPr>
           <a:xfrm>
             <a:off x="504000" y="226080"/>
-            <a:ext cx="9071640" cy="946440"/>
-          </a:xfrm>
-          <a:prstGeom prst="rect">
-            <a:avLst/>
-          </a:prstGeom>
-        </p:spPr>
-        <p:txBody>
-          <a:bodyPr lIns="0" rIns="0" tIns="0" bIns="0" anchor="ctr"/>
+            <a:ext cx="9071280" cy="946080"/>
+          </a:xfrm>
+          <a:prstGeom prst="rect">
+            <a:avLst/>
+          </a:prstGeom>
+        </p:spPr>
+        <p:txBody>
+          <a:bodyPr lIns="0" rIns="0" tIns="0" bIns="0" anchor="ctr">
+            <a:noAutofit/>
+          </a:bodyPr>
           <a:p>
             <a:pPr algn="ctr"/>
-            <a:endParaRPr b="0" lang="en-US" sz="4400" spc="-1" strike="noStrike">
-              <a:latin typeface="Arial"/>
-            </a:endParaRPr>
-          </a:p>
-        </p:txBody>
-      </p:sp>
-      <p:sp>
-        <p:nvSpPr>
-          <p:cNvPr id="8" name="PlaceHolder 2"/>
+            <a:endParaRPr b="0" lang="en-GB" sz="4400" spc="-1" strike="noStrike">
+              <a:latin typeface="Arial"/>
+            </a:endParaRPr>
+          </a:p>
+        </p:txBody>
+      </p:sp>
+      <p:sp>
+        <p:nvSpPr>
+          <p:cNvPr id="5" name="PlaceHolder 2"/>
           <p:cNvSpPr>
             <a:spLocks noGrp="1"/>
           </p:cNvSpPr>
@@ -692,7 +2061,7 @@
         <p:spPr>
           <a:xfrm>
             <a:off x="504000" y="1326600"/>
-            <a:ext cx="9071640" cy="3288240"/>
+            <a:ext cx="9072000" cy="3288600"/>
           </a:xfrm>
           <a:prstGeom prst="rect">
             <a:avLst/>
@@ -703,7 +2072,7 @@
             <a:normAutofit/>
           </a:bodyPr>
           <a:p>
-            <a:endParaRPr b="0" lang="en-US" sz="3200" spc="-1" strike="noStrike">
+            <a:endParaRPr b="0" lang="en-GB" sz="3200" spc="-1" strike="noStrike">
               <a:latin typeface="Arial"/>
             </a:endParaRPr>
           </a:p>
@@ -733,7 +2102,7 @@
       </p:grpSpPr>
       <p:sp>
         <p:nvSpPr>
-          <p:cNvPr id="9" name="PlaceHolder 1"/>
+          <p:cNvPr id="6" name="PlaceHolder 1"/>
           <p:cNvSpPr>
             <a:spLocks noGrp="1"/>
           </p:cNvSpPr>
@@ -744,25 +2113,27 @@
         <p:spPr>
           <a:xfrm>
             <a:off x="504000" y="226080"/>
-            <a:ext cx="9071640" cy="946440"/>
-          </a:xfrm>
-          <a:prstGeom prst="rect">
-            <a:avLst/>
-          </a:prstGeom>
-        </p:spPr>
-        <p:txBody>
-          <a:bodyPr lIns="0" rIns="0" tIns="0" bIns="0" anchor="ctr"/>
+            <a:ext cx="9071280" cy="946080"/>
+          </a:xfrm>
+          <a:prstGeom prst="rect">
+            <a:avLst/>
+          </a:prstGeom>
+        </p:spPr>
+        <p:txBody>
+          <a:bodyPr lIns="0" rIns="0" tIns="0" bIns="0" anchor="ctr">
+            <a:noAutofit/>
+          </a:bodyPr>
           <a:p>
             <a:pPr algn="ctr"/>
-            <a:endParaRPr b="0" lang="en-US" sz="4400" spc="-1" strike="noStrike">
-              <a:latin typeface="Arial"/>
-            </a:endParaRPr>
-          </a:p>
-        </p:txBody>
-      </p:sp>
-      <p:sp>
-        <p:nvSpPr>
-          <p:cNvPr id="10" name="PlaceHolder 2"/>
+            <a:endParaRPr b="0" lang="en-GB" sz="4400" spc="-1" strike="noStrike">
+              <a:latin typeface="Arial"/>
+            </a:endParaRPr>
+          </a:p>
+        </p:txBody>
+      </p:sp>
+      <p:sp>
+        <p:nvSpPr>
+          <p:cNvPr id="7" name="PlaceHolder 2"/>
           <p:cNvSpPr>
             <a:spLocks noGrp="1"/>
           </p:cNvSpPr>
@@ -773,7 +2144,7 @@
         <p:spPr>
           <a:xfrm>
             <a:off x="504000" y="1326600"/>
-            <a:ext cx="4426920" cy="3288240"/>
+            <a:ext cx="4426920" cy="3288600"/>
           </a:xfrm>
           <a:prstGeom prst="rect">
             <a:avLst/>
@@ -784,15 +2155,15 @@
             <a:normAutofit/>
           </a:bodyPr>
           <a:p>
-            <a:endParaRPr b="0" lang="en-US" sz="3200" spc="-1" strike="noStrike">
-              <a:latin typeface="Arial"/>
-            </a:endParaRPr>
-          </a:p>
-        </p:txBody>
-      </p:sp>
-      <p:sp>
-        <p:nvSpPr>
-          <p:cNvPr id="11" name="PlaceHolder 3"/>
+            <a:endParaRPr b="0" lang="en-GB" sz="3200" spc="-1" strike="noStrike">
+              <a:latin typeface="Arial"/>
+            </a:endParaRPr>
+          </a:p>
+        </p:txBody>
+      </p:sp>
+      <p:sp>
+        <p:nvSpPr>
+          <p:cNvPr id="8" name="PlaceHolder 3"/>
           <p:cNvSpPr>
             <a:spLocks noGrp="1"/>
           </p:cNvSpPr>
@@ -803,7 +2174,7 @@
         <p:spPr>
           <a:xfrm>
             <a:off x="5152680" y="1326600"/>
-            <a:ext cx="4426920" cy="3288240"/>
+            <a:ext cx="4426920" cy="3288600"/>
           </a:xfrm>
           <a:prstGeom prst="rect">
             <a:avLst/>
@@ -814,7 +2185,7 @@
             <a:normAutofit/>
           </a:bodyPr>
           <a:p>
-            <a:endParaRPr b="0" lang="en-US" sz="3200" spc="-1" strike="noStrike">
+            <a:endParaRPr b="0" lang="en-GB" sz="3200" spc="-1" strike="noStrike">
               <a:latin typeface="Arial"/>
             </a:endParaRPr>
           </a:p>
@@ -844,7 +2215,7 @@
       </p:grpSpPr>
       <p:sp>
         <p:nvSpPr>
-          <p:cNvPr id="12" name="PlaceHolder 1"/>
+          <p:cNvPr id="9" name="PlaceHolder 1"/>
           <p:cNvSpPr>
             <a:spLocks noGrp="1"/>
           </p:cNvSpPr>
@@ -855,17 +2226,19 @@
         <p:spPr>
           <a:xfrm>
             <a:off x="504000" y="226080"/>
-            <a:ext cx="9071640" cy="946440"/>
-          </a:xfrm>
-          <a:prstGeom prst="rect">
-            <a:avLst/>
-          </a:prstGeom>
-        </p:spPr>
-        <p:txBody>
-          <a:bodyPr lIns="0" rIns="0" tIns="0" bIns="0" anchor="ctr"/>
+            <a:ext cx="9071280" cy="946080"/>
+          </a:xfrm>
+          <a:prstGeom prst="rect">
+            <a:avLst/>
+          </a:prstGeom>
+        </p:spPr>
+        <p:txBody>
+          <a:bodyPr lIns="0" rIns="0" tIns="0" bIns="0" anchor="ctr">
+            <a:noAutofit/>
+          </a:bodyPr>
           <a:p>
             <a:pPr algn="ctr"/>
-            <a:endParaRPr b="0" lang="en-US" sz="4400" spc="-1" strike="noStrike">
+            <a:endParaRPr b="0" lang="en-GB" sz="4400" spc="-1" strike="noStrike">
               <a:latin typeface="Arial"/>
             </a:endParaRPr>
           </a:p>
@@ -895,7 +2268,7 @@
       </p:grpSpPr>
       <p:sp>
         <p:nvSpPr>
-          <p:cNvPr id="13" name="PlaceHolder 1"/>
+          <p:cNvPr id="10" name="PlaceHolder 1"/>
           <p:cNvSpPr>
             <a:spLocks noGrp="1"/>
           </p:cNvSpPr>
@@ -906,17 +2279,19 @@
         <p:spPr>
           <a:xfrm>
             <a:off x="504000" y="226080"/>
-            <a:ext cx="9071640" cy="4388400"/>
-          </a:xfrm>
-          <a:prstGeom prst="rect">
-            <a:avLst/>
-          </a:prstGeom>
-        </p:spPr>
-        <p:txBody>
-          <a:bodyPr lIns="0" rIns="0" tIns="0" bIns="0" anchor="ctr"/>
+            <a:ext cx="9071280" cy="4386600"/>
+          </a:xfrm>
+          <a:prstGeom prst="rect">
+            <a:avLst/>
+          </a:prstGeom>
+        </p:spPr>
+        <p:txBody>
+          <a:bodyPr lIns="0" rIns="0" tIns="0" bIns="0" anchor="ctr">
+            <a:noAutofit/>
+          </a:bodyPr>
           <a:p>
             <a:pPr algn="ctr"/>
-            <a:endParaRPr b="0" lang="en-US" sz="3200" spc="-1" strike="noStrike">
+            <a:endParaRPr b="0" lang="en-GB" sz="3200" spc="-1" strike="noStrike">
               <a:latin typeface="Arial"/>
             </a:endParaRPr>
           </a:p>
@@ -946,7 +2321,7 @@
       </p:grpSpPr>
       <p:sp>
         <p:nvSpPr>
-          <p:cNvPr id="14" name="PlaceHolder 1"/>
+          <p:cNvPr id="11" name="PlaceHolder 1"/>
           <p:cNvSpPr>
             <a:spLocks noGrp="1"/>
           </p:cNvSpPr>
@@ -957,25 +2332,27 @@
         <p:spPr>
           <a:xfrm>
             <a:off x="504000" y="226080"/>
-            <a:ext cx="9071640" cy="946440"/>
-          </a:xfrm>
-          <a:prstGeom prst="rect">
-            <a:avLst/>
-          </a:prstGeom>
-        </p:spPr>
-        <p:txBody>
-          <a:bodyPr lIns="0" rIns="0" tIns="0" bIns="0" anchor="ctr"/>
+            <a:ext cx="9071280" cy="946080"/>
+          </a:xfrm>
+          <a:prstGeom prst="rect">
+            <a:avLst/>
+          </a:prstGeom>
+        </p:spPr>
+        <p:txBody>
+          <a:bodyPr lIns="0" rIns="0" tIns="0" bIns="0" anchor="ctr">
+            <a:noAutofit/>
+          </a:bodyPr>
           <a:p>
             <a:pPr algn="ctr"/>
-            <a:endParaRPr b="0" lang="en-US" sz="4400" spc="-1" strike="noStrike">
-              <a:latin typeface="Arial"/>
-            </a:endParaRPr>
-          </a:p>
-        </p:txBody>
-      </p:sp>
-      <p:sp>
-        <p:nvSpPr>
-          <p:cNvPr id="15" name="PlaceHolder 2"/>
+            <a:endParaRPr b="0" lang="en-GB" sz="4400" spc="-1" strike="noStrike">
+              <a:latin typeface="Arial"/>
+            </a:endParaRPr>
+          </a:p>
+        </p:txBody>
+      </p:sp>
+      <p:sp>
+        <p:nvSpPr>
+          <p:cNvPr id="12" name="PlaceHolder 2"/>
           <p:cNvSpPr>
             <a:spLocks noGrp="1"/>
           </p:cNvSpPr>
@@ -986,7 +2363,7 @@
         <p:spPr>
           <a:xfrm>
             <a:off x="504000" y="1326600"/>
-            <a:ext cx="4426920" cy="1568160"/>
+            <a:ext cx="4426920" cy="1568520"/>
           </a:xfrm>
           <a:prstGeom prst="rect">
             <a:avLst/>
@@ -997,15 +2374,15 @@
             <a:normAutofit/>
           </a:bodyPr>
           <a:p>
-            <a:endParaRPr b="0" lang="en-US" sz="3200" spc="-1" strike="noStrike">
-              <a:latin typeface="Arial"/>
-            </a:endParaRPr>
-          </a:p>
-        </p:txBody>
-      </p:sp>
-      <p:sp>
-        <p:nvSpPr>
-          <p:cNvPr id="16" name="PlaceHolder 3"/>
+            <a:endParaRPr b="0" lang="en-GB" sz="3200" spc="-1" strike="noStrike">
+              <a:latin typeface="Arial"/>
+            </a:endParaRPr>
+          </a:p>
+        </p:txBody>
+      </p:sp>
+      <p:sp>
+        <p:nvSpPr>
+          <p:cNvPr id="13" name="PlaceHolder 3"/>
           <p:cNvSpPr>
             <a:spLocks noGrp="1"/>
           </p:cNvSpPr>
@@ -1016,7 +2393,7 @@
         <p:spPr>
           <a:xfrm>
             <a:off x="5152680" y="1326600"/>
-            <a:ext cx="4426920" cy="3288240"/>
+            <a:ext cx="4426920" cy="3288600"/>
           </a:xfrm>
           <a:prstGeom prst="rect">
             <a:avLst/>
@@ -1027,15 +2404,15 @@
             <a:normAutofit/>
           </a:bodyPr>
           <a:p>
-            <a:endParaRPr b="0" lang="en-US" sz="3200" spc="-1" strike="noStrike">
-              <a:latin typeface="Arial"/>
-            </a:endParaRPr>
-          </a:p>
-        </p:txBody>
-      </p:sp>
-      <p:sp>
-        <p:nvSpPr>
-          <p:cNvPr id="17" name="PlaceHolder 4"/>
+            <a:endParaRPr b="0" lang="en-GB" sz="3200" spc="-1" strike="noStrike">
+              <a:latin typeface="Arial"/>
+            </a:endParaRPr>
+          </a:p>
+        </p:txBody>
+      </p:sp>
+      <p:sp>
+        <p:nvSpPr>
+          <p:cNvPr id="14" name="PlaceHolder 4"/>
           <p:cNvSpPr>
             <a:spLocks noGrp="1"/>
           </p:cNvSpPr>
@@ -1045,8 +2422,8 @@
         </p:nvSpPr>
         <p:spPr>
           <a:xfrm>
-            <a:off x="504000" y="3044160"/>
-            <a:ext cx="4426920" cy="1568160"/>
+            <a:off x="504000" y="3044520"/>
+            <a:ext cx="4426920" cy="1568520"/>
           </a:xfrm>
           <a:prstGeom prst="rect">
             <a:avLst/>
@@ -1057,7 +2434,7 @@
             <a:normAutofit/>
           </a:bodyPr>
           <a:p>
-            <a:endParaRPr b="0" lang="en-US" sz="3200" spc="-1" strike="noStrike">
+            <a:endParaRPr b="0" lang="en-GB" sz="3200" spc="-1" strike="noStrike">
               <a:latin typeface="Arial"/>
             </a:endParaRPr>
           </a:p>
@@ -1087,7 +2464,7 @@
       </p:grpSpPr>
       <p:sp>
         <p:nvSpPr>
-          <p:cNvPr id="18" name="PlaceHolder 1"/>
+          <p:cNvPr id="15" name="PlaceHolder 1"/>
           <p:cNvSpPr>
             <a:spLocks noGrp="1"/>
           </p:cNvSpPr>
@@ -1098,25 +2475,27 @@
         <p:spPr>
           <a:xfrm>
             <a:off x="504000" y="226080"/>
-            <a:ext cx="9071640" cy="946440"/>
-          </a:xfrm>
-          <a:prstGeom prst="rect">
-            <a:avLst/>
-          </a:prstGeom>
-        </p:spPr>
-        <p:txBody>
-          <a:bodyPr lIns="0" rIns="0" tIns="0" bIns="0" anchor="ctr"/>
+            <a:ext cx="9071280" cy="946080"/>
+          </a:xfrm>
+          <a:prstGeom prst="rect">
+            <a:avLst/>
+          </a:prstGeom>
+        </p:spPr>
+        <p:txBody>
+          <a:bodyPr lIns="0" rIns="0" tIns="0" bIns="0" anchor="ctr">
+            <a:noAutofit/>
+          </a:bodyPr>
           <a:p>
             <a:pPr algn="ctr"/>
-            <a:endParaRPr b="0" lang="en-US" sz="4400" spc="-1" strike="noStrike">
-              <a:latin typeface="Arial"/>
-            </a:endParaRPr>
-          </a:p>
-        </p:txBody>
-      </p:sp>
-      <p:sp>
-        <p:nvSpPr>
-          <p:cNvPr id="19" name="PlaceHolder 2"/>
+            <a:endParaRPr b="0" lang="en-GB" sz="4400" spc="-1" strike="noStrike">
+              <a:latin typeface="Arial"/>
+            </a:endParaRPr>
+          </a:p>
+        </p:txBody>
+      </p:sp>
+      <p:sp>
+        <p:nvSpPr>
+          <p:cNvPr id="16" name="PlaceHolder 2"/>
           <p:cNvSpPr>
             <a:spLocks noGrp="1"/>
           </p:cNvSpPr>
@@ -1127,7 +2506,7 @@
         <p:spPr>
           <a:xfrm>
             <a:off x="504000" y="1326600"/>
-            <a:ext cx="4426920" cy="3288240"/>
+            <a:ext cx="4426920" cy="3288600"/>
           </a:xfrm>
           <a:prstGeom prst="rect">
             <a:avLst/>
@@ -1138,15 +2517,15 @@
             <a:normAutofit/>
           </a:bodyPr>
           <a:p>
-            <a:endParaRPr b="0" lang="en-US" sz="3200" spc="-1" strike="noStrike">
-              <a:latin typeface="Arial"/>
-            </a:endParaRPr>
-          </a:p>
-        </p:txBody>
-      </p:sp>
-      <p:sp>
-        <p:nvSpPr>
-          <p:cNvPr id="20" name="PlaceHolder 3"/>
+            <a:endParaRPr b="0" lang="en-GB" sz="3200" spc="-1" strike="noStrike">
+              <a:latin typeface="Arial"/>
+            </a:endParaRPr>
+          </a:p>
+        </p:txBody>
+      </p:sp>
+      <p:sp>
+        <p:nvSpPr>
+          <p:cNvPr id="17" name="PlaceHolder 3"/>
           <p:cNvSpPr>
             <a:spLocks noGrp="1"/>
           </p:cNvSpPr>
@@ -1157,7 +2536,7 @@
         <p:spPr>
           <a:xfrm>
             <a:off x="5152680" y="1326600"/>
-            <a:ext cx="4426920" cy="1568160"/>
+            <a:ext cx="4426920" cy="1568520"/>
           </a:xfrm>
           <a:prstGeom prst="rect">
             <a:avLst/>
@@ -1168,15 +2547,15 @@
             <a:normAutofit/>
           </a:bodyPr>
           <a:p>
-            <a:endParaRPr b="0" lang="en-US" sz="3200" spc="-1" strike="noStrike">
-              <a:latin typeface="Arial"/>
-            </a:endParaRPr>
-          </a:p>
-        </p:txBody>
-      </p:sp>
-      <p:sp>
-        <p:nvSpPr>
-          <p:cNvPr id="21" name="PlaceHolder 4"/>
+            <a:endParaRPr b="0" lang="en-GB" sz="3200" spc="-1" strike="noStrike">
+              <a:latin typeface="Arial"/>
+            </a:endParaRPr>
+          </a:p>
+        </p:txBody>
+      </p:sp>
+      <p:sp>
+        <p:nvSpPr>
+          <p:cNvPr id="18" name="PlaceHolder 4"/>
           <p:cNvSpPr>
             <a:spLocks noGrp="1"/>
           </p:cNvSpPr>
@@ -1186,8 +2565,8 @@
         </p:nvSpPr>
         <p:spPr>
           <a:xfrm>
-            <a:off x="5152680" y="3044160"/>
-            <a:ext cx="4426920" cy="1568160"/>
+            <a:off x="5152680" y="3044520"/>
+            <a:ext cx="4426920" cy="1568520"/>
           </a:xfrm>
           <a:prstGeom prst="rect">
             <a:avLst/>
@@ -1198,7 +2577,7 @@
             <a:normAutofit/>
           </a:bodyPr>
           <a:p>
-            <a:endParaRPr b="0" lang="en-US" sz="3200" spc="-1" strike="noStrike">
+            <a:endParaRPr b="0" lang="en-GB" sz="3200" spc="-1" strike="noStrike">
               <a:latin typeface="Arial"/>
             </a:endParaRPr>
           </a:p>
@@ -1228,7 +2607,7 @@
       </p:grpSpPr>
       <p:sp>
         <p:nvSpPr>
-          <p:cNvPr id="22" name="PlaceHolder 1"/>
+          <p:cNvPr id="19" name="PlaceHolder 1"/>
           <p:cNvSpPr>
             <a:spLocks noGrp="1"/>
           </p:cNvSpPr>
@@ -1239,25 +2618,27 @@
         <p:spPr>
           <a:xfrm>
             <a:off x="504000" y="226080"/>
-            <a:ext cx="9071640" cy="946440"/>
-          </a:xfrm>
-          <a:prstGeom prst="rect">
-            <a:avLst/>
-          </a:prstGeom>
-        </p:spPr>
-        <p:txBody>
-          <a:bodyPr lIns="0" rIns="0" tIns="0" bIns="0" anchor="ctr"/>
+            <a:ext cx="9071280" cy="946080"/>
+          </a:xfrm>
+          <a:prstGeom prst="rect">
+            <a:avLst/>
+          </a:prstGeom>
+        </p:spPr>
+        <p:txBody>
+          <a:bodyPr lIns="0" rIns="0" tIns="0" bIns="0" anchor="ctr">
+            <a:noAutofit/>
+          </a:bodyPr>
           <a:p>
             <a:pPr algn="ctr"/>
-            <a:endParaRPr b="0" lang="en-US" sz="4400" spc="-1" strike="noStrike">
-              <a:latin typeface="Arial"/>
-            </a:endParaRPr>
-          </a:p>
-        </p:txBody>
-      </p:sp>
-      <p:sp>
-        <p:nvSpPr>
-          <p:cNvPr id="23" name="PlaceHolder 2"/>
+            <a:endParaRPr b="0" lang="en-GB" sz="4400" spc="-1" strike="noStrike">
+              <a:latin typeface="Arial"/>
+            </a:endParaRPr>
+          </a:p>
+        </p:txBody>
+      </p:sp>
+      <p:sp>
+        <p:nvSpPr>
+          <p:cNvPr id="20" name="PlaceHolder 2"/>
           <p:cNvSpPr>
             <a:spLocks noGrp="1"/>
           </p:cNvSpPr>
@@ -1268,7 +2649,7 @@
         <p:spPr>
           <a:xfrm>
             <a:off x="504000" y="1326600"/>
-            <a:ext cx="4426920" cy="1568160"/>
+            <a:ext cx="4426920" cy="1568520"/>
           </a:xfrm>
           <a:prstGeom prst="rect">
             <a:avLst/>
@@ -1279,15 +2660,15 @@
             <a:normAutofit/>
           </a:bodyPr>
           <a:p>
-            <a:endParaRPr b="0" lang="en-US" sz="3200" spc="-1" strike="noStrike">
-              <a:latin typeface="Arial"/>
-            </a:endParaRPr>
-          </a:p>
-        </p:txBody>
-      </p:sp>
-      <p:sp>
-        <p:nvSpPr>
-          <p:cNvPr id="24" name="PlaceHolder 3"/>
+            <a:endParaRPr b="0" lang="en-GB" sz="3200" spc="-1" strike="noStrike">
+              <a:latin typeface="Arial"/>
+            </a:endParaRPr>
+          </a:p>
+        </p:txBody>
+      </p:sp>
+      <p:sp>
+        <p:nvSpPr>
+          <p:cNvPr id="21" name="PlaceHolder 3"/>
           <p:cNvSpPr>
             <a:spLocks noGrp="1"/>
           </p:cNvSpPr>
@@ -1298,7 +2679,7 @@
         <p:spPr>
           <a:xfrm>
             <a:off x="5152680" y="1326600"/>
-            <a:ext cx="4426920" cy="1568160"/>
+            <a:ext cx="4426920" cy="1568520"/>
           </a:xfrm>
           <a:prstGeom prst="rect">
             <a:avLst/>
@@ -1309,15 +2690,15 @@
             <a:normAutofit/>
           </a:bodyPr>
           <a:p>
-            <a:endParaRPr b="0" lang="en-US" sz="3200" spc="-1" strike="noStrike">
-              <a:latin typeface="Arial"/>
-            </a:endParaRPr>
-          </a:p>
-        </p:txBody>
-      </p:sp>
-      <p:sp>
-        <p:nvSpPr>
-          <p:cNvPr id="25" name="PlaceHolder 4"/>
+            <a:endParaRPr b="0" lang="en-GB" sz="3200" spc="-1" strike="noStrike">
+              <a:latin typeface="Arial"/>
+            </a:endParaRPr>
+          </a:p>
+        </p:txBody>
+      </p:sp>
+      <p:sp>
+        <p:nvSpPr>
+          <p:cNvPr id="22" name="PlaceHolder 4"/>
           <p:cNvSpPr>
             <a:spLocks noGrp="1"/>
           </p:cNvSpPr>
@@ -1327,8 +2708,8 @@
         </p:nvSpPr>
         <p:spPr>
           <a:xfrm>
-            <a:off x="504000" y="3044160"/>
-            <a:ext cx="9071640" cy="1568160"/>
+            <a:off x="504000" y="3044520"/>
+            <a:ext cx="9072000" cy="1568520"/>
           </a:xfrm>
           <a:prstGeom prst="rect">
             <a:avLst/>
@@ -1339,7 +2720,7 @@
             <a:normAutofit/>
           </a:bodyPr>
           <a:p>
-            <a:endParaRPr b="0" lang="en-US" sz="3200" spc="-1" strike="noStrike">
+            <a:endParaRPr b="0" lang="en-GB" sz="3200" spc="-1" strike="noStrike">
               <a:latin typeface="Arial"/>
             </a:endParaRPr>
           </a:p>
@@ -1380,23 +2761,24 @@
         <p:spPr>
           <a:xfrm>
             <a:off x="504000" y="226080"/>
-            <a:ext cx="9071640" cy="946440"/>
-          </a:xfrm>
-          <a:prstGeom prst="rect">
-            <a:avLst/>
-          </a:prstGeom>
-        </p:spPr>
-        <p:txBody>
-          <a:bodyPr lIns="0" rIns="0" tIns="0" bIns="0" anchor="ctr"/>
-          <a:p>
-            <a:pPr algn="ctr"/>
-            <a:r>
-              <a:rPr b="0" lang="en-US" sz="4400" spc="-1" strike="noStrike">
+            <a:ext cx="9071280" cy="946080"/>
+          </a:xfrm>
+          <a:prstGeom prst="rect">
+            <a:avLst/>
+          </a:prstGeom>
+        </p:spPr>
+        <p:txBody>
+          <a:bodyPr lIns="0" rIns="0" tIns="0" bIns="0" anchor="ctr">
+            <a:noAutofit/>
+          </a:bodyPr>
+          <a:p>
+            <a:r>
+              <a:rPr b="0" lang="en-GB" sz="1800" spc="-1" strike="noStrike">
                 <a:latin typeface="Arial"/>
               </a:rPr>
               <a:t>Click to edit the title text format</a:t>
             </a:r>
-            <a:endParaRPr b="0" lang="en-US" sz="4400" spc="-1" strike="noStrike">
+            <a:endParaRPr b="0" lang="en-GB" sz="1800" spc="-1" strike="noStrike">
               <a:latin typeface="Arial"/>
             </a:endParaRPr>
           </a:p>
@@ -1415,7 +2797,7 @@
         <p:spPr>
           <a:xfrm>
             <a:off x="504000" y="1326600"/>
-            <a:ext cx="9071640" cy="3288240"/>
+            <a:ext cx="9071280" cy="3287880"/>
           </a:xfrm>
           <a:prstGeom prst="rect">
             <a:avLst/>
@@ -1438,12 +2820,12 @@
               <a:buChar char=""/>
             </a:pPr>
             <a:r>
-              <a:rPr b="0" lang="en-US" sz="3200" spc="-1" strike="noStrike">
+              <a:rPr b="0" lang="en-GB" sz="1800" spc="-1" strike="noStrike">
                 <a:latin typeface="Arial"/>
               </a:rPr>
               <a:t>Click to edit the outline text format</a:t>
             </a:r>
-            <a:endParaRPr b="0" lang="en-US" sz="3200" spc="-1" strike="noStrike">
+            <a:endParaRPr b="0" lang="en-GB" sz="1800" spc="-1" strike="noStrike">
               <a:latin typeface="Arial"/>
             </a:endParaRPr>
           </a:p>
@@ -1460,12 +2842,12 @@
               <a:buChar char=""/>
             </a:pPr>
             <a:r>
-              <a:rPr b="0" lang="en-US" sz="2800" spc="-1" strike="noStrike">
+              <a:rPr b="0" lang="en-GB" sz="1800" spc="-1" strike="noStrike">
                 <a:latin typeface="Arial"/>
               </a:rPr>
               <a:t>Second Outline Level</a:t>
             </a:r>
-            <a:endParaRPr b="0" lang="en-US" sz="2800" spc="-1" strike="noStrike">
+            <a:endParaRPr b="0" lang="en-GB" sz="1800" spc="-1" strike="noStrike">
               <a:latin typeface="Arial"/>
             </a:endParaRPr>
           </a:p>
@@ -1482,12 +2864,12 @@
               <a:buChar char=""/>
             </a:pPr>
             <a:r>
-              <a:rPr b="0" lang="en-US" sz="2400" spc="-1" strike="noStrike">
+              <a:rPr b="0" lang="en-GB" sz="1800" spc="-1" strike="noStrike">
                 <a:latin typeface="Arial"/>
               </a:rPr>
               <a:t>Third Outline Level</a:t>
             </a:r>
-            <a:endParaRPr b="0" lang="en-US" sz="2400" spc="-1" strike="noStrike">
+            <a:endParaRPr b="0" lang="en-GB" sz="1800" spc="-1" strike="noStrike">
               <a:latin typeface="Arial"/>
             </a:endParaRPr>
           </a:p>
@@ -1504,12 +2886,12 @@
               <a:buChar char=""/>
             </a:pPr>
             <a:r>
-              <a:rPr b="0" lang="en-US" sz="2000" spc="-1" strike="noStrike">
+              <a:rPr b="0" lang="en-GB" sz="1800" spc="-1" strike="noStrike">
                 <a:latin typeface="Arial"/>
               </a:rPr>
               <a:t>Fourth Outline Level</a:t>
             </a:r>
-            <a:endParaRPr b="0" lang="en-US" sz="2000" spc="-1" strike="noStrike">
+            <a:endParaRPr b="0" lang="en-GB" sz="1800" spc="-1" strike="noStrike">
               <a:latin typeface="Arial"/>
             </a:endParaRPr>
           </a:p>
@@ -1526,12 +2908,12 @@
               <a:buChar char=""/>
             </a:pPr>
             <a:r>
-              <a:rPr b="0" lang="en-US" sz="2000" spc="-1" strike="noStrike">
+              <a:rPr b="0" lang="en-GB" sz="1800" spc="-1" strike="noStrike">
                 <a:latin typeface="Arial"/>
               </a:rPr>
               <a:t>Fifth Outline Level</a:t>
             </a:r>
-            <a:endParaRPr b="0" lang="en-US" sz="2000" spc="-1" strike="noStrike">
+            <a:endParaRPr b="0" lang="en-GB" sz="1800" spc="-1" strike="noStrike">
               <a:latin typeface="Arial"/>
             </a:endParaRPr>
           </a:p>
@@ -1548,12 +2930,12 @@
               <a:buChar char=""/>
             </a:pPr>
             <a:r>
-              <a:rPr b="0" lang="en-US" sz="2000" spc="-1" strike="noStrike">
+              <a:rPr b="0" lang="en-GB" sz="1800" spc="-1" strike="noStrike">
                 <a:latin typeface="Arial"/>
               </a:rPr>
               <a:t>Sixth Outline Level</a:t>
             </a:r>
-            <a:endParaRPr b="0" lang="en-US" sz="2000" spc="-1" strike="noStrike">
+            <a:endParaRPr b="0" lang="en-GB" sz="1800" spc="-1" strike="noStrike">
               <a:latin typeface="Arial"/>
             </a:endParaRPr>
           </a:p>
@@ -1570,117 +2952,13 @@
               <a:buChar char=""/>
             </a:pPr>
             <a:r>
-              <a:rPr b="0" lang="en-US" sz="2000" spc="-1" strike="noStrike">
+              <a:rPr b="0" lang="en-GB" sz="1800" spc="-1" strike="noStrike">
                 <a:latin typeface="Arial"/>
               </a:rPr>
               <a:t>Seventh Outline Level</a:t>
             </a:r>
-            <a:endParaRPr b="0" lang="en-US" sz="2000" spc="-1" strike="noStrike">
-              <a:latin typeface="Arial"/>
-            </a:endParaRPr>
-          </a:p>
-        </p:txBody>
-      </p:sp>
-      <p:sp>
-        <p:nvSpPr>
-          <p:cNvPr id="2" name="PlaceHolder 3"/>
-          <p:cNvSpPr>
-            <a:spLocks noGrp="1"/>
-          </p:cNvSpPr>
-          <p:nvPr>
-            <p:ph type="dt"/>
-          </p:nvPr>
-        </p:nvSpPr>
-        <p:spPr>
-          <a:xfrm>
-            <a:off x="504000" y="5165280"/>
-            <a:ext cx="2348280" cy="390600"/>
-          </a:xfrm>
-          <a:prstGeom prst="rect">
-            <a:avLst/>
-          </a:prstGeom>
-        </p:spPr>
-        <p:txBody>
-          <a:bodyPr lIns="0" rIns="0" tIns="0" bIns="0"/>
-          <a:p>
-            <a:r>
-              <a:rPr b="0" lang="en-US" sz="1400" spc="-1" strike="noStrike">
-                <a:latin typeface="Times New Roman"/>
-              </a:rPr>
-              <a:t>&lt;date/time&gt;</a:t>
-            </a:r>
-            <a:endParaRPr b="0" lang="en-US" sz="1400" spc="-1" strike="noStrike">
-              <a:latin typeface="Times New Roman"/>
-            </a:endParaRPr>
-          </a:p>
-        </p:txBody>
-      </p:sp>
-      <p:sp>
-        <p:nvSpPr>
-          <p:cNvPr id="3" name="PlaceHolder 4"/>
-          <p:cNvSpPr>
-            <a:spLocks noGrp="1"/>
-          </p:cNvSpPr>
-          <p:nvPr>
-            <p:ph type="ftr"/>
-          </p:nvPr>
-        </p:nvSpPr>
-        <p:spPr>
-          <a:xfrm>
-            <a:off x="3447360" y="5165280"/>
-            <a:ext cx="3195000" cy="390600"/>
-          </a:xfrm>
-          <a:prstGeom prst="rect">
-            <a:avLst/>
-          </a:prstGeom>
-        </p:spPr>
-        <p:txBody>
-          <a:bodyPr lIns="0" rIns="0" tIns="0" bIns="0"/>
-          <a:p>
-            <a:pPr algn="ctr"/>
-            <a:r>
-              <a:rPr b="0" lang="en-US" sz="1400" spc="-1" strike="noStrike">
-                <a:latin typeface="Times New Roman"/>
-              </a:rPr>
-              <a:t>&lt;footer&gt;</a:t>
-            </a:r>
-            <a:endParaRPr b="0" lang="en-US" sz="1400" spc="-1" strike="noStrike">
-              <a:latin typeface="Times New Roman"/>
-            </a:endParaRPr>
-          </a:p>
-        </p:txBody>
-      </p:sp>
-      <p:sp>
-        <p:nvSpPr>
-          <p:cNvPr id="4" name="PlaceHolder 5"/>
-          <p:cNvSpPr>
-            <a:spLocks noGrp="1"/>
-          </p:cNvSpPr>
-          <p:nvPr>
-            <p:ph type="sldNum"/>
-          </p:nvPr>
-        </p:nvSpPr>
-        <p:spPr>
-          <a:xfrm>
-            <a:off x="7227360" y="5165280"/>
-            <a:ext cx="2348280" cy="390600"/>
-          </a:xfrm>
-          <a:prstGeom prst="rect">
-            <a:avLst/>
-          </a:prstGeom>
-        </p:spPr>
-        <p:txBody>
-          <a:bodyPr lIns="0" rIns="0" tIns="0" bIns="0"/>
-          <a:p>
-            <a:pPr algn="r"/>
-            <a:fld id="{B96A4C22-5B58-44DD-A6AA-060F5E061128}" type="slidenum">
-              <a:rPr b="0" lang="en-US" sz="1400" spc="-1" strike="noStrike">
-                <a:latin typeface="Times New Roman"/>
-              </a:rPr>
-              <a:t>&lt;number&gt;</a:t>
-            </a:fld>
-            <a:endParaRPr b="0" lang="en-US" sz="1400" spc="-1" strike="noStrike">
-              <a:latin typeface="Times New Roman"/>
+            <a:endParaRPr b="0" lang="en-GB" sz="1800" spc="-1" strike="noStrike">
+              <a:latin typeface="Arial"/>
             </a:endParaRPr>
           </a:p>
         </p:txBody>
@@ -1701,6 +2979,258 @@
     <p:sldLayoutId id="2147483658" r:id="rId11"/>
     <p:sldLayoutId id="2147483659" r:id="rId12"/>
     <p:sldLayoutId id="2147483660" r:id="rId13"/>
+  </p:sldLayoutIdLst>
+</p:sldMaster>
+</file>
+
+<file path=ppt/slideMasters/slideMaster2.xml><?xml version="1.0" encoding="utf-8"?>
+<p:sldMaster xmlns:a="http://schemas.openxmlformats.org/drawingml/2006/main" xmlns:p="http://schemas.openxmlformats.org/presentationml/2006/main" xmlns:r="http://schemas.openxmlformats.org/officeDocument/2006/relationships" xmlns:p14="http://schemas.microsoft.com/office/powerpoint/2010/main" xmlns:p15="http://schemas.microsoft.com/office/powerpoint/2012/main" xmlns:mc="http://schemas.openxmlformats.org/markup-compatibility/2006">
+  <p:cSld>
+    <p:spTree>
+      <p:nvGrpSpPr>
+        <p:cNvPr id="1" name=""/>
+        <p:cNvGrpSpPr/>
+        <p:nvPr/>
+      </p:nvGrpSpPr>
+      <p:grpSpPr>
+        <a:xfrm>
+          <a:off x="0" y="0"/>
+          <a:ext cx="0" cy="0"/>
+          <a:chOff x="0" y="0"/>
+          <a:chExt cx="0" cy="0"/>
+        </a:xfrm>
+      </p:grpSpPr>
+      <p:sp>
+        <p:nvSpPr>
+          <p:cNvPr id="38" name="PlaceHolder 1"/>
+          <p:cNvSpPr>
+            <a:spLocks noGrp="1"/>
+          </p:cNvSpPr>
+          <p:nvPr>
+            <p:ph type="title"/>
+          </p:nvPr>
+        </p:nvSpPr>
+        <p:spPr>
+          <a:xfrm>
+            <a:off x="504000" y="226080"/>
+            <a:ext cx="9071280" cy="946080"/>
+          </a:xfrm>
+          <a:prstGeom prst="rect">
+            <a:avLst/>
+          </a:prstGeom>
+        </p:spPr>
+        <p:txBody>
+          <a:bodyPr lIns="0" rIns="0" tIns="0" bIns="0" anchor="ctr">
+            <a:noAutofit/>
+          </a:bodyPr>
+          <a:p>
+            <a:r>
+              <a:rPr b="0" lang="en-GB" sz="1800" spc="-1" strike="noStrike">
+                <a:latin typeface="Arial"/>
+              </a:rPr>
+              <a:t>Click to edit the title text format</a:t>
+            </a:r>
+            <a:endParaRPr b="0" lang="en-GB" sz="1800" spc="-1" strike="noStrike">
+              <a:latin typeface="Arial"/>
+            </a:endParaRPr>
+          </a:p>
+        </p:txBody>
+      </p:sp>
+      <p:sp>
+        <p:nvSpPr>
+          <p:cNvPr id="39" name="PlaceHolder 2"/>
+          <p:cNvSpPr>
+            <a:spLocks noGrp="1"/>
+          </p:cNvSpPr>
+          <p:nvPr>
+            <p:ph type="body"/>
+          </p:nvPr>
+        </p:nvSpPr>
+        <p:spPr>
+          <a:xfrm>
+            <a:off x="504000" y="1326600"/>
+            <a:ext cx="9072000" cy="3288600"/>
+          </a:xfrm>
+          <a:prstGeom prst="rect">
+            <a:avLst/>
+          </a:prstGeom>
+        </p:spPr>
+        <p:txBody>
+          <a:bodyPr lIns="0" rIns="0" tIns="0" bIns="0">
+            <a:normAutofit/>
+          </a:bodyPr>
+          <a:p>
+            <a:pPr marL="432000" indent="-324000">
+              <a:spcBef>
+                <a:spcPts val="1417"/>
+              </a:spcBef>
+              <a:buClr>
+                <a:srgbClr val="000000"/>
+              </a:buClr>
+              <a:buSzPct val="45000"/>
+              <a:buFont typeface="Wingdings" charset="2"/>
+              <a:buChar char=""/>
+            </a:pPr>
+            <a:r>
+              <a:rPr b="0" lang="en-GB" sz="3200" spc="-1" strike="noStrike">
+                <a:latin typeface="Arial"/>
+              </a:rPr>
+              <a:t>Click to edit the outline text format</a:t>
+            </a:r>
+            <a:endParaRPr b="0" lang="en-GB" sz="3200" spc="-1" strike="noStrike">
+              <a:latin typeface="Arial"/>
+            </a:endParaRPr>
+          </a:p>
+          <a:p>
+            <a:pPr lvl="1" marL="864000" indent="-324000">
+              <a:spcBef>
+                <a:spcPts val="1134"/>
+              </a:spcBef>
+              <a:buClr>
+                <a:srgbClr val="000000"/>
+              </a:buClr>
+              <a:buSzPct val="75000"/>
+              <a:buFont typeface="Symbol" charset="2"/>
+              <a:buChar char=""/>
+            </a:pPr>
+            <a:r>
+              <a:rPr b="0" lang="en-GB" sz="2800" spc="-1" strike="noStrike">
+                <a:latin typeface="Arial"/>
+              </a:rPr>
+              <a:t>Second Outline Level</a:t>
+            </a:r>
+            <a:endParaRPr b="0" lang="en-GB" sz="2800" spc="-1" strike="noStrike">
+              <a:latin typeface="Arial"/>
+            </a:endParaRPr>
+          </a:p>
+          <a:p>
+            <a:pPr lvl="2" marL="1296000" indent="-288000">
+              <a:spcBef>
+                <a:spcPts val="850"/>
+              </a:spcBef>
+              <a:buClr>
+                <a:srgbClr val="000000"/>
+              </a:buClr>
+              <a:buSzPct val="45000"/>
+              <a:buFont typeface="Wingdings" charset="2"/>
+              <a:buChar char=""/>
+            </a:pPr>
+            <a:r>
+              <a:rPr b="0" lang="en-GB" sz="2400" spc="-1" strike="noStrike">
+                <a:latin typeface="Arial"/>
+              </a:rPr>
+              <a:t>Third Outline Level</a:t>
+            </a:r>
+            <a:endParaRPr b="0" lang="en-GB" sz="2400" spc="-1" strike="noStrike">
+              <a:latin typeface="Arial"/>
+            </a:endParaRPr>
+          </a:p>
+          <a:p>
+            <a:pPr lvl="3" marL="1728000" indent="-216000">
+              <a:spcBef>
+                <a:spcPts val="567"/>
+              </a:spcBef>
+              <a:buClr>
+                <a:srgbClr val="000000"/>
+              </a:buClr>
+              <a:buSzPct val="75000"/>
+              <a:buFont typeface="Symbol" charset="2"/>
+              <a:buChar char=""/>
+            </a:pPr>
+            <a:r>
+              <a:rPr b="0" lang="en-GB" sz="2000" spc="-1" strike="noStrike">
+                <a:latin typeface="Arial"/>
+              </a:rPr>
+              <a:t>Fourth Outline Level</a:t>
+            </a:r>
+            <a:endParaRPr b="0" lang="en-GB" sz="2000" spc="-1" strike="noStrike">
+              <a:latin typeface="Arial"/>
+            </a:endParaRPr>
+          </a:p>
+          <a:p>
+            <a:pPr lvl="4" marL="2160000" indent="-216000">
+              <a:spcBef>
+                <a:spcPts val="283"/>
+              </a:spcBef>
+              <a:buClr>
+                <a:srgbClr val="000000"/>
+              </a:buClr>
+              <a:buSzPct val="45000"/>
+              <a:buFont typeface="Wingdings" charset="2"/>
+              <a:buChar char=""/>
+            </a:pPr>
+            <a:r>
+              <a:rPr b="0" lang="en-GB" sz="2000" spc="-1" strike="noStrike">
+                <a:latin typeface="Arial"/>
+              </a:rPr>
+              <a:t>Fifth Outline Level</a:t>
+            </a:r>
+            <a:endParaRPr b="0" lang="en-GB" sz="2000" spc="-1" strike="noStrike">
+              <a:latin typeface="Arial"/>
+            </a:endParaRPr>
+          </a:p>
+          <a:p>
+            <a:pPr lvl="5" marL="2592000" indent="-216000">
+              <a:spcBef>
+                <a:spcPts val="283"/>
+              </a:spcBef>
+              <a:buClr>
+                <a:srgbClr val="000000"/>
+              </a:buClr>
+              <a:buSzPct val="45000"/>
+              <a:buFont typeface="Wingdings" charset="2"/>
+              <a:buChar char=""/>
+            </a:pPr>
+            <a:r>
+              <a:rPr b="0" lang="en-GB" sz="2000" spc="-1" strike="noStrike">
+                <a:latin typeface="Arial"/>
+              </a:rPr>
+              <a:t>Sixth Outline Level</a:t>
+            </a:r>
+            <a:endParaRPr b="0" lang="en-GB" sz="2000" spc="-1" strike="noStrike">
+              <a:latin typeface="Arial"/>
+            </a:endParaRPr>
+          </a:p>
+          <a:p>
+            <a:pPr lvl="6" marL="3024000" indent="-216000">
+              <a:spcBef>
+                <a:spcPts val="283"/>
+              </a:spcBef>
+              <a:buClr>
+                <a:srgbClr val="000000"/>
+              </a:buClr>
+              <a:buSzPct val="45000"/>
+              <a:buFont typeface="Wingdings" charset="2"/>
+              <a:buChar char=""/>
+            </a:pPr>
+            <a:r>
+              <a:rPr b="0" lang="en-GB" sz="2000" spc="-1" strike="noStrike">
+                <a:latin typeface="Arial"/>
+              </a:rPr>
+              <a:t>Seventh Outline Level</a:t>
+            </a:r>
+            <a:endParaRPr b="0" lang="en-GB" sz="2000" spc="-1" strike="noStrike">
+              <a:latin typeface="Arial"/>
+            </a:endParaRPr>
+          </a:p>
+        </p:txBody>
+      </p:sp>
+    </p:spTree>
+  </p:cSld>
+  <p:clrMap bg1="lt1" bg2="lt2" tx1="dk1" tx2="dk2" accent1="accent1" accent2="accent2" accent3="accent3" accent4="accent4" accent5="accent5" accent6="accent6" hlink="hlink" folHlink="folHlink"/>
+  <p:sldLayoutIdLst>
+    <p:sldLayoutId id="2147483662" r:id="rId2"/>
+    <p:sldLayoutId id="2147483663" r:id="rId3"/>
+    <p:sldLayoutId id="2147483664" r:id="rId4"/>
+    <p:sldLayoutId id="2147483665" r:id="rId5"/>
+    <p:sldLayoutId id="2147483666" r:id="rId6"/>
+    <p:sldLayoutId id="2147483667" r:id="rId7"/>
+    <p:sldLayoutId id="2147483668" r:id="rId8"/>
+    <p:sldLayoutId id="2147483669" r:id="rId9"/>
+    <p:sldLayoutId id="2147483670" r:id="rId10"/>
+    <p:sldLayoutId id="2147483671" r:id="rId11"/>
+    <p:sldLayoutId id="2147483672" r:id="rId12"/>
+    <p:sldLayoutId id="2147483673" r:id="rId13"/>
   </p:sldLayoutIdLst>
 </p:sldMaster>
 </file>
@@ -1724,27 +3254,39 @@
       </p:grpSpPr>
       <p:sp>
         <p:nvSpPr>
-          <p:cNvPr id="41" name="TextShape 1"/>
-          <p:cNvSpPr txBox="1"/>
+          <p:cNvPr id="76" name="TextShape 1"/>
+          <p:cNvSpPr/>
           <p:nvPr/>
         </p:nvSpPr>
         <p:spPr>
           <a:xfrm>
             <a:off x="365760" y="1404000"/>
-            <a:ext cx="9071640" cy="1248480"/>
+            <a:ext cx="9071280" cy="1248120"/>
           </a:xfrm>
           <a:prstGeom prst="rect">
             <a:avLst/>
           </a:prstGeom>
           <a:noFill/>
-          <a:ln>
+          <a:ln w="0">
             <a:noFill/>
           </a:ln>
         </p:spPr>
-        <p:txBody>
-          <a:bodyPr lIns="0" rIns="0" tIns="0" bIns="0" anchor="ctr"/>
-          <a:p>
-            <a:pPr algn="ctr"/>
+        <p:style>
+          <a:lnRef idx="0"/>
+          <a:fillRef idx="0"/>
+          <a:effectRef idx="0"/>
+          <a:fontRef idx="minor"/>
+        </p:style>
+        <p:txBody>
+          <a:bodyPr lIns="0" rIns="0" tIns="0" bIns="0" anchor="ctr">
+            <a:noAutofit/>
+          </a:bodyPr>
+          <a:p>
+            <a:pPr algn="ctr">
+              <a:lnSpc>
+                <a:spcPct val="100000"/>
+              </a:lnSpc>
+            </a:pPr>
             <a:r>
               <a:rPr b="0" lang="en-US" sz="8800" spc="-1" strike="noStrike" u="sng">
                 <a:uFillTx/>
@@ -1752,47 +3294,62 @@
               </a:rPr>
               <a:t>A) PRIMS ALGO</a:t>
             </a:r>
-            <a:endParaRPr b="0" lang="en-US" sz="8800" spc="-1" strike="noStrike" u="sng">
-              <a:uFillTx/>
-              <a:latin typeface="Arial"/>
-            </a:endParaRPr>
-          </a:p>
-        </p:txBody>
-      </p:sp>
-      <p:sp>
-        <p:nvSpPr>
-          <p:cNvPr id="42" name="TextShape 2"/>
-          <p:cNvSpPr txBox="1"/>
+            <a:endParaRPr b="0" lang="en-GB" sz="8800" spc="-1" strike="noStrike">
+              <a:latin typeface="Arial"/>
+            </a:endParaRPr>
+          </a:p>
+        </p:txBody>
+      </p:sp>
+      <p:sp>
+        <p:nvSpPr>
+          <p:cNvPr id="77" name="TextShape 2"/>
+          <p:cNvSpPr/>
           <p:nvPr/>
         </p:nvSpPr>
         <p:spPr>
           <a:xfrm>
             <a:off x="822960" y="3474720"/>
-            <a:ext cx="4023360" cy="1626120"/>
+            <a:ext cx="4023000" cy="1625760"/>
           </a:xfrm>
           <a:prstGeom prst="rect">
             <a:avLst/>
           </a:prstGeom>
           <a:noFill/>
-          <a:ln>
+          <a:ln w="0">
             <a:noFill/>
           </a:ln>
         </p:spPr>
-        <p:txBody>
-          <a:bodyPr lIns="90000" rIns="90000" tIns="45000" bIns="45000"/>
-          <a:p>
+        <p:style>
+          <a:lnRef idx="0"/>
+          <a:fillRef idx="0"/>
+          <a:effectRef idx="0"/>
+          <a:fontRef idx="minor"/>
+        </p:style>
+        <p:txBody>
+          <a:bodyPr lIns="90000" rIns="90000" tIns="45000" bIns="45000">
+            <a:noAutofit/>
+          </a:bodyPr>
+          <a:p>
+            <a:pPr>
+              <a:lnSpc>
+                <a:spcPct val="100000"/>
+              </a:lnSpc>
+            </a:pPr>
             <a:r>
               <a:rPr b="0" lang="en-US" sz="1800" spc="-1" strike="noStrike">
                 <a:latin typeface="Arial"/>
               </a:rPr>
               <a:t>Inputs:</a:t>
             </a:r>
-            <a:endParaRPr b="0" lang="en-US" sz="1800" spc="-1" strike="noStrike">
-              <a:latin typeface="Arial"/>
-            </a:endParaRPr>
-          </a:p>
-          <a:p>
-            <a:pPr marL="216000" indent="-216000">
+            <a:endParaRPr b="0" lang="en-GB" sz="1800" spc="-1" strike="noStrike">
+              <a:latin typeface="Arial"/>
+            </a:endParaRPr>
+          </a:p>
+          <a:p>
+            <a:pPr marL="216000" indent="-215640">
+              <a:lnSpc>
+                <a:spcPct val="100000"/>
+              </a:lnSpc>
               <a:buClr>
                 <a:srgbClr val="000000"/>
               </a:buClr>
@@ -1806,12 +3363,15 @@
               </a:rPr>
               <a:t>Raw data</a:t>
             </a:r>
-            <a:endParaRPr b="0" lang="en-US" sz="1800" spc="-1" strike="noStrike">
-              <a:latin typeface="Arial"/>
-            </a:endParaRPr>
-          </a:p>
-          <a:p>
-            <a:pPr marL="216000" indent="-216000">
+            <a:endParaRPr b="0" lang="en-GB" sz="1800" spc="-1" strike="noStrike">
+              <a:latin typeface="Arial"/>
+            </a:endParaRPr>
+          </a:p>
+          <a:p>
+            <a:pPr marL="216000" indent="-215640">
+              <a:lnSpc>
+                <a:spcPct val="100000"/>
+              </a:lnSpc>
               <a:buClr>
                 <a:srgbClr val="000000"/>
               </a:buClr>
@@ -1826,12 +3386,15 @@
               </a:rPr>
               <a:t>dist_metric object - </a:t>
             </a:r>
-            <a:endParaRPr b="0" lang="en-US" sz="1800" spc="-1" strike="noStrike">
-              <a:latin typeface="Arial"/>
-            </a:endParaRPr>
-          </a:p>
-          <a:p>
-            <a:pPr lvl="1" marL="432000" indent="-216000">
+            <a:endParaRPr b="0" lang="en-GB" sz="1800" spc="-1" strike="noStrike">
+              <a:latin typeface="Arial"/>
+            </a:endParaRPr>
+          </a:p>
+          <a:p>
+            <a:pPr lvl="1" marL="432000" indent="-215640">
+              <a:lnSpc>
+                <a:spcPct val="100000"/>
+              </a:lnSpc>
               <a:buClr>
                 <a:srgbClr val="000000"/>
               </a:buClr>
@@ -1846,12 +3409,15 @@
               </a:rPr>
               <a:t>Distance metric(mutual reachability distance)</a:t>
             </a:r>
-            <a:endParaRPr b="0" lang="en-US" sz="1100" spc="-1" strike="noStrike">
-              <a:latin typeface="Arial"/>
-            </a:endParaRPr>
-          </a:p>
-          <a:p>
-            <a:pPr marL="216000" indent="-216000">
+            <a:endParaRPr b="0" lang="en-GB" sz="1100" spc="-1" strike="noStrike">
+              <a:latin typeface="Arial"/>
+            </a:endParaRPr>
+          </a:p>
+          <a:p>
+            <a:pPr marL="216000" indent="-215640">
+              <a:lnSpc>
+                <a:spcPct val="100000"/>
+              </a:lnSpc>
               <a:buClr>
                 <a:srgbClr val="000000"/>
               </a:buClr>
@@ -1862,49 +3428,66 @@
             <a:r>
               <a:rPr b="0" lang="en-US" sz="1800" spc="-1" strike="noStrike">
                 <a:latin typeface="Arial"/>
+                <a:ea typeface="Noto Sans CJK SC"/>
               </a:rPr>
               <a:t>Leaf size</a:t>
             </a:r>
-            <a:endParaRPr b="0" lang="en-US" sz="1800" spc="-1" strike="noStrike">
-              <a:latin typeface="Arial"/>
-            </a:endParaRPr>
-          </a:p>
-        </p:txBody>
-      </p:sp>
-      <p:sp>
-        <p:nvSpPr>
-          <p:cNvPr id="43" name="TextShape 3"/>
-          <p:cNvSpPr txBox="1"/>
+            <a:endParaRPr b="0" lang="en-GB" sz="1800" spc="-1" strike="noStrike">
+              <a:latin typeface="Arial"/>
+            </a:endParaRPr>
+          </a:p>
+        </p:txBody>
+      </p:sp>
+      <p:sp>
+        <p:nvSpPr>
+          <p:cNvPr id="78" name="TextShape 3"/>
+          <p:cNvSpPr/>
           <p:nvPr/>
         </p:nvSpPr>
         <p:spPr>
           <a:xfrm>
             <a:off x="6035040" y="3677400"/>
-            <a:ext cx="2651760" cy="986040"/>
+            <a:ext cx="2651400" cy="985680"/>
           </a:xfrm>
           <a:prstGeom prst="rect">
             <a:avLst/>
           </a:prstGeom>
           <a:noFill/>
-          <a:ln>
+          <a:ln w="0">
             <a:noFill/>
           </a:ln>
         </p:spPr>
-        <p:txBody>
-          <a:bodyPr lIns="90000" rIns="90000" tIns="45000" bIns="45000"/>
-          <a:p>
+        <p:style>
+          <a:lnRef idx="0"/>
+          <a:fillRef idx="0"/>
+          <a:effectRef idx="0"/>
+          <a:fontRef idx="minor"/>
+        </p:style>
+        <p:txBody>
+          <a:bodyPr lIns="90000" rIns="90000" tIns="45000" bIns="45000">
+            <a:noAutofit/>
+          </a:bodyPr>
+          <a:p>
+            <a:pPr>
+              <a:lnSpc>
+                <a:spcPct val="100000"/>
+              </a:lnSpc>
+            </a:pPr>
             <a:r>
               <a:rPr b="0" lang="en-US" sz="1800" spc="-1" strike="noStrike">
                 <a:latin typeface="Arial"/>
               </a:rPr>
               <a:t>Outputs:</a:t>
             </a:r>
-            <a:endParaRPr b="0" lang="en-US" sz="1800" spc="-1" strike="noStrike">
-              <a:latin typeface="Arial"/>
-            </a:endParaRPr>
-          </a:p>
-          <a:p>
-            <a:pPr marL="216000" indent="-216000">
+            <a:endParaRPr b="0" lang="en-GB" sz="1800" spc="-1" strike="noStrike">
+              <a:latin typeface="Arial"/>
+            </a:endParaRPr>
+          </a:p>
+          <a:p>
+            <a:pPr marL="216000" indent="-215640">
+              <a:lnSpc>
+                <a:spcPct val="100000"/>
+              </a:lnSpc>
               <a:buClr>
                 <a:srgbClr val="000000"/>
               </a:buClr>
@@ -1918,12 +3501,15 @@
               </a:rPr>
               <a:t>single_linkage_tree</a:t>
             </a:r>
-            <a:endParaRPr b="0" lang="en-US" sz="1800" spc="-1" strike="noStrike">
-              <a:latin typeface="Arial"/>
-            </a:endParaRPr>
-          </a:p>
-          <a:p>
-            <a:pPr marL="216000" indent="-216000">
+            <a:endParaRPr b="0" lang="en-GB" sz="1800" spc="-1" strike="noStrike">
+              <a:latin typeface="Arial"/>
+            </a:endParaRPr>
+          </a:p>
+          <a:p>
+            <a:pPr marL="216000" indent="-215640">
+              <a:lnSpc>
+                <a:spcPct val="100000"/>
+              </a:lnSpc>
               <a:buClr>
                 <a:srgbClr val="000000"/>
               </a:buClr>
@@ -1937,7 +3523,7 @@
               </a:rPr>
               <a:t>result_min_span_tree</a:t>
             </a:r>
-            <a:endParaRPr b="0" lang="en-US" sz="1800" spc="-1" strike="noStrike">
+            <a:endParaRPr b="0" lang="en-GB" sz="1800" spc="-1" strike="noStrike">
               <a:latin typeface="Arial"/>
             </a:endParaRPr>
           </a:p>
@@ -1945,33 +3531,14 @@
       </p:sp>
     </p:spTree>
   </p:cSld>
-  <p:timing>
-    <p:tnLst>
-      <p:par>
-        <p:cTn id="1" dur="indefinite" restart="never" nodeType="tmRoot">
-          <p:childTnLst>
-            <p:seq>
-              <p:cTn id="2" dur="indefinite" nodeType="mainSeq"/>
-              <p:prevCondLst>
-                <p:cond delay="0" evt="onPrev">
-                  <p:tgtEl>
-                    <p:sldTgt/>
-                  </p:tgtEl>
-                </p:cond>
-              </p:prevCondLst>
-              <p:nextCondLst>
-                <p:cond delay="0" evt="onNext">
-                  <p:tgtEl>
-                    <p:sldTgt/>
-                  </p:tgtEl>
-                </p:cond>
-              </p:nextCondLst>
-            </p:seq>
-          </p:childTnLst>
-        </p:cTn>
-      </p:par>
-    </p:tnLst>
-  </p:timing>
+  <mc:AlternateContent>
+    <mc:Choice Requires="p14">
+      <p:transition spd="slow" p14:dur="2000"/>
+    </mc:Choice>
+    <mc:Fallback>
+      <p:transition spd="slow"/>
+    </mc:Fallback>
+  </mc:AlternateContent>
 </p:sld>
 </file>
 
@@ -1994,73 +3561,101 @@
       </p:grpSpPr>
       <p:sp>
         <p:nvSpPr>
-          <p:cNvPr id="44" name="TextShape 1"/>
-          <p:cNvSpPr txBox="1"/>
+          <p:cNvPr id="79" name="TextShape 1"/>
+          <p:cNvSpPr/>
           <p:nvPr/>
         </p:nvSpPr>
         <p:spPr>
           <a:xfrm>
             <a:off x="504000" y="226080"/>
-            <a:ext cx="9071640" cy="946440"/>
+            <a:ext cx="9071280" cy="946080"/>
           </a:xfrm>
           <a:prstGeom prst="rect">
             <a:avLst/>
           </a:prstGeom>
           <a:noFill/>
-          <a:ln>
+          <a:ln w="0">
             <a:noFill/>
           </a:ln>
         </p:spPr>
-        <p:txBody>
-          <a:bodyPr lIns="0" rIns="0" tIns="0" bIns="0" anchor="ctr"/>
-          <a:p>
-            <a:pPr algn="ctr"/>
+        <p:style>
+          <a:lnRef idx="0"/>
+          <a:fillRef idx="0"/>
+          <a:effectRef idx="0"/>
+          <a:fontRef idx="minor"/>
+        </p:style>
+        <p:txBody>
+          <a:bodyPr lIns="0" rIns="0" tIns="0" bIns="0" anchor="ctr">
+            <a:noAutofit/>
+          </a:bodyPr>
+          <a:p>
+            <a:pPr algn="ctr">
+              <a:lnSpc>
+                <a:spcPct val="100000"/>
+              </a:lnSpc>
+            </a:pPr>
             <a:r>
               <a:rPr b="0" lang="en-US" sz="4400" spc="-1" strike="noStrike">
                 <a:latin typeface="Arial"/>
               </a:rPr>
               <a:t>1. KD Tree – from sklearn</a:t>
             </a:r>
-            <a:endParaRPr b="0" lang="en-US" sz="4400" spc="-1" strike="noStrike">
-              <a:latin typeface="Arial"/>
-            </a:endParaRPr>
-          </a:p>
-        </p:txBody>
-      </p:sp>
-      <p:sp>
-        <p:nvSpPr>
-          <p:cNvPr id="45" name="TextShape 2"/>
-          <p:cNvSpPr txBox="1"/>
+            <a:endParaRPr b="0" lang="en-GB" sz="4400" spc="-1" strike="noStrike">
+              <a:latin typeface="Arial"/>
+            </a:endParaRPr>
+          </a:p>
+        </p:txBody>
+      </p:sp>
+      <p:sp>
+        <p:nvSpPr>
+          <p:cNvPr id="80" name="TextShape 2"/>
+          <p:cNvSpPr/>
           <p:nvPr/>
         </p:nvSpPr>
         <p:spPr>
           <a:xfrm>
             <a:off x="365760" y="1391400"/>
-            <a:ext cx="4023360" cy="1626120"/>
+            <a:ext cx="4023000" cy="1625760"/>
           </a:xfrm>
           <a:prstGeom prst="rect">
             <a:avLst/>
           </a:prstGeom>
           <a:noFill/>
-          <a:ln>
+          <a:ln w="0">
             <a:noFill/>
           </a:ln>
         </p:spPr>
-        <p:txBody>
-          <a:bodyPr lIns="90000" rIns="90000" tIns="45000" bIns="45000"/>
-          <a:p>
+        <p:style>
+          <a:lnRef idx="0"/>
+          <a:fillRef idx="0"/>
+          <a:effectRef idx="0"/>
+          <a:fontRef idx="minor"/>
+        </p:style>
+        <p:txBody>
+          <a:bodyPr lIns="90000" rIns="90000" tIns="45000" bIns="45000">
+            <a:noAutofit/>
+          </a:bodyPr>
+          <a:p>
+            <a:pPr>
+              <a:lnSpc>
+                <a:spcPct val="100000"/>
+              </a:lnSpc>
+            </a:pPr>
             <a:r>
               <a:rPr b="0" lang="en-US" sz="1800" spc="-1" strike="noStrike">
                 <a:latin typeface="Arial"/>
               </a:rPr>
               <a:t>Inputs:</a:t>
             </a:r>
-            <a:endParaRPr b="0" lang="en-US" sz="1800" spc="-1" strike="noStrike">
-              <a:latin typeface="Arial"/>
-            </a:endParaRPr>
-          </a:p>
-          <a:p>
-            <a:pPr marL="216000" indent="-216000">
+            <a:endParaRPr b="0" lang="en-GB" sz="1800" spc="-1" strike="noStrike">
+              <a:latin typeface="Arial"/>
+            </a:endParaRPr>
+          </a:p>
+          <a:p>
+            <a:pPr marL="216000" indent="-215640">
+              <a:lnSpc>
+                <a:spcPct val="100000"/>
+              </a:lnSpc>
               <a:buClr>
                 <a:srgbClr val="000000"/>
               </a:buClr>
@@ -2074,12 +3669,15 @@
               </a:rPr>
               <a:t>Raw data</a:t>
             </a:r>
-            <a:endParaRPr b="0" lang="en-US" sz="1800" spc="-1" strike="noStrike">
-              <a:latin typeface="Arial"/>
-            </a:endParaRPr>
-          </a:p>
-          <a:p>
-            <a:pPr marL="216000" indent="-216000">
+            <a:endParaRPr b="0" lang="en-GB" sz="1800" spc="-1" strike="noStrike">
+              <a:latin typeface="Arial"/>
+            </a:endParaRPr>
+          </a:p>
+          <a:p>
+            <a:pPr marL="216000" indent="-215640">
+              <a:lnSpc>
+                <a:spcPct val="100000"/>
+              </a:lnSpc>
               <a:buClr>
                 <a:srgbClr val="000000"/>
               </a:buClr>
@@ -2094,12 +3692,15 @@
               </a:rPr>
               <a:t>dist_metric object - </a:t>
             </a:r>
-            <a:endParaRPr b="0" lang="en-US" sz="1800" spc="-1" strike="noStrike">
-              <a:latin typeface="Arial"/>
-            </a:endParaRPr>
-          </a:p>
-          <a:p>
-            <a:pPr lvl="1" marL="432000" indent="-216000">
+            <a:endParaRPr b="0" lang="en-GB" sz="1800" spc="-1" strike="noStrike">
+              <a:latin typeface="Arial"/>
+            </a:endParaRPr>
+          </a:p>
+          <a:p>
+            <a:pPr lvl="1" marL="432000" indent="-215640">
+              <a:lnSpc>
+                <a:spcPct val="100000"/>
+              </a:lnSpc>
               <a:buClr>
                 <a:srgbClr val="000000"/>
               </a:buClr>
@@ -2114,12 +3715,15 @@
               </a:rPr>
               <a:t>Distance metric(mutual reachability distance)</a:t>
             </a:r>
-            <a:endParaRPr b="0" lang="en-US" sz="1100" spc="-1" strike="noStrike">
-              <a:latin typeface="Arial"/>
-            </a:endParaRPr>
-          </a:p>
-          <a:p>
-            <a:pPr marL="216000" indent="-216000">
+            <a:endParaRPr b="0" lang="en-GB" sz="1100" spc="-1" strike="noStrike">
+              <a:latin typeface="Arial"/>
+            </a:endParaRPr>
+          </a:p>
+          <a:p>
+            <a:pPr marL="216000" indent="-215640">
+              <a:lnSpc>
+                <a:spcPct val="100000"/>
+              </a:lnSpc>
               <a:buClr>
                 <a:srgbClr val="000000"/>
               </a:buClr>
@@ -2130,49 +3734,66 @@
             <a:r>
               <a:rPr b="0" lang="en-US" sz="1800" spc="-1" strike="noStrike">
                 <a:latin typeface="Arial"/>
+                <a:ea typeface="Noto Sans CJK SC"/>
               </a:rPr>
               <a:t>Leaf size</a:t>
             </a:r>
-            <a:endParaRPr b="0" lang="en-US" sz="1800" spc="-1" strike="noStrike">
-              <a:latin typeface="Arial"/>
-            </a:endParaRPr>
-          </a:p>
-        </p:txBody>
-      </p:sp>
-      <p:sp>
-        <p:nvSpPr>
-          <p:cNvPr id="46" name="TextShape 3"/>
-          <p:cNvSpPr txBox="1"/>
+            <a:endParaRPr b="0" lang="en-GB" sz="1800" spc="-1" strike="noStrike">
+              <a:latin typeface="Arial"/>
+            </a:endParaRPr>
+          </a:p>
+        </p:txBody>
+      </p:sp>
+      <p:sp>
+        <p:nvSpPr>
+          <p:cNvPr id="81" name="TextShape 3"/>
+          <p:cNvSpPr/>
           <p:nvPr/>
         </p:nvSpPr>
         <p:spPr>
           <a:xfrm>
             <a:off x="457200" y="3037320"/>
-            <a:ext cx="4023360" cy="986040"/>
+            <a:ext cx="4023000" cy="985680"/>
           </a:xfrm>
           <a:prstGeom prst="rect">
             <a:avLst/>
           </a:prstGeom>
           <a:noFill/>
-          <a:ln>
+          <a:ln w="0">
             <a:noFill/>
           </a:ln>
         </p:spPr>
-        <p:txBody>
-          <a:bodyPr lIns="90000" rIns="90000" tIns="45000" bIns="45000"/>
-          <a:p>
+        <p:style>
+          <a:lnRef idx="0"/>
+          <a:fillRef idx="0"/>
+          <a:effectRef idx="0"/>
+          <a:fontRef idx="minor"/>
+        </p:style>
+        <p:txBody>
+          <a:bodyPr lIns="90000" rIns="90000" tIns="45000" bIns="45000">
+            <a:noAutofit/>
+          </a:bodyPr>
+          <a:p>
+            <a:pPr>
+              <a:lnSpc>
+                <a:spcPct val="100000"/>
+              </a:lnSpc>
+            </a:pPr>
             <a:r>
               <a:rPr b="0" lang="en-US" sz="1800" spc="-1" strike="noStrike">
                 <a:latin typeface="Arial"/>
               </a:rPr>
               <a:t>Outputs:</a:t>
             </a:r>
-            <a:endParaRPr b="0" lang="en-US" sz="1800" spc="-1" strike="noStrike">
-              <a:latin typeface="Arial"/>
-            </a:endParaRPr>
-          </a:p>
-          <a:p>
-            <a:pPr marL="216000" indent="-216000">
+            <a:endParaRPr b="0" lang="en-GB" sz="1800" spc="-1" strike="noStrike">
+              <a:latin typeface="Arial"/>
+            </a:endParaRPr>
+          </a:p>
+          <a:p>
+            <a:pPr marL="216000" indent="-215640">
+              <a:lnSpc>
+                <a:spcPct val="100000"/>
+              </a:lnSpc>
               <a:buClr>
                 <a:srgbClr val="000000"/>
               </a:buClr>
@@ -2186,46 +3807,62 @@
               </a:rPr>
               <a:t>Core distances</a:t>
             </a:r>
-            <a:endParaRPr b="0" lang="en-US" sz="1800" spc="-1" strike="noStrike">
-              <a:latin typeface="Arial"/>
-            </a:endParaRPr>
-          </a:p>
-        </p:txBody>
-      </p:sp>
-      <p:sp>
-        <p:nvSpPr>
-          <p:cNvPr id="47" name="TextShape 4"/>
-          <p:cNvSpPr txBox="1"/>
+            <a:endParaRPr b="0" lang="en-GB" sz="1800" spc="-1" strike="noStrike">
+              <a:latin typeface="Arial"/>
+            </a:endParaRPr>
+          </a:p>
+        </p:txBody>
+      </p:sp>
+      <p:sp>
+        <p:nvSpPr>
+          <p:cNvPr id="82" name="TextShape 4"/>
+          <p:cNvSpPr/>
           <p:nvPr/>
         </p:nvSpPr>
         <p:spPr>
           <a:xfrm>
             <a:off x="5120640" y="1556280"/>
-            <a:ext cx="4023360" cy="1626120"/>
+            <a:ext cx="4023000" cy="1625760"/>
           </a:xfrm>
           <a:prstGeom prst="rect">
             <a:avLst/>
           </a:prstGeom>
           <a:noFill/>
-          <a:ln>
+          <a:ln w="0">
             <a:noFill/>
           </a:ln>
         </p:spPr>
-        <p:txBody>
-          <a:bodyPr lIns="90000" rIns="90000" tIns="45000" bIns="45000"/>
-          <a:p>
+        <p:style>
+          <a:lnRef idx="0"/>
+          <a:fillRef idx="0"/>
+          <a:effectRef idx="0"/>
+          <a:fontRef idx="minor"/>
+        </p:style>
+        <p:txBody>
+          <a:bodyPr lIns="90000" rIns="90000" tIns="45000" bIns="45000">
+            <a:noAutofit/>
+          </a:bodyPr>
+          <a:p>
+            <a:pPr>
+              <a:lnSpc>
+                <a:spcPct val="100000"/>
+              </a:lnSpc>
+            </a:pPr>
             <a:r>
               <a:rPr b="0" lang="en-US" sz="1800" spc="-1" strike="noStrike">
                 <a:latin typeface="Arial"/>
               </a:rPr>
               <a:t>Process:</a:t>
             </a:r>
-            <a:endParaRPr b="0" lang="en-US" sz="1800" spc="-1" strike="noStrike">
-              <a:latin typeface="Arial"/>
-            </a:endParaRPr>
-          </a:p>
-          <a:p>
-            <a:pPr marL="216000" indent="-216000">
+            <a:endParaRPr b="0" lang="en-GB" sz="1800" spc="-1" strike="noStrike">
+              <a:latin typeface="Arial"/>
+            </a:endParaRPr>
+          </a:p>
+          <a:p>
+            <a:pPr marL="216000" indent="-215640">
+              <a:lnSpc>
+                <a:spcPct val="100000"/>
+              </a:lnSpc>
               <a:buClr>
                 <a:srgbClr val="000000"/>
               </a:buClr>
@@ -2238,7 +3875,7 @@
               </a:rPr>
               <a:t>Uses KD tree structure to calculate distance as per distance metric</a:t>
             </a:r>
-            <a:endParaRPr b="0" lang="en-US" sz="1800" spc="-1" strike="noStrike">
+            <a:endParaRPr b="0" lang="en-GB" sz="1800" spc="-1" strike="noStrike">
               <a:latin typeface="Arial"/>
             </a:endParaRPr>
           </a:p>
@@ -2246,33 +3883,14 @@
       </p:sp>
     </p:spTree>
   </p:cSld>
-  <p:timing>
-    <p:tnLst>
-      <p:par>
-        <p:cTn id="3" dur="indefinite" restart="never" nodeType="tmRoot">
-          <p:childTnLst>
-            <p:seq>
-              <p:cTn id="4" dur="indefinite" nodeType="mainSeq"/>
-              <p:prevCondLst>
-                <p:cond delay="0" evt="onPrev">
-                  <p:tgtEl>
-                    <p:sldTgt/>
-                  </p:tgtEl>
-                </p:cond>
-              </p:prevCondLst>
-              <p:nextCondLst>
-                <p:cond delay="0" evt="onNext">
-                  <p:tgtEl>
-                    <p:sldTgt/>
-                  </p:tgtEl>
-                </p:cond>
-              </p:nextCondLst>
-            </p:seq>
-          </p:childTnLst>
-        </p:cTn>
-      </p:par>
-    </p:tnLst>
-  </p:timing>
+  <mc:AlternateContent>
+    <mc:Choice Requires="p14">
+      <p:transition spd="slow" p14:dur="2000"/>
+    </mc:Choice>
+    <mc:Fallback>
+      <p:transition spd="slow"/>
+    </mc:Fallback>
+  </mc:AlternateContent>
 </p:sld>
 </file>
 
@@ -2295,73 +3913,101 @@
       </p:grpSpPr>
       <p:sp>
         <p:nvSpPr>
-          <p:cNvPr id="48" name="TextShape 1"/>
-          <p:cNvSpPr txBox="1"/>
+          <p:cNvPr id="83" name="TextShape 1"/>
+          <p:cNvSpPr/>
           <p:nvPr/>
         </p:nvSpPr>
         <p:spPr>
           <a:xfrm>
             <a:off x="504000" y="226080"/>
-            <a:ext cx="9071640" cy="946440"/>
+            <a:ext cx="9071280" cy="946080"/>
           </a:xfrm>
           <a:prstGeom prst="rect">
             <a:avLst/>
           </a:prstGeom>
           <a:noFill/>
-          <a:ln>
+          <a:ln w="0">
             <a:noFill/>
           </a:ln>
         </p:spPr>
-        <p:txBody>
-          <a:bodyPr lIns="0" rIns="0" tIns="0" bIns="0" anchor="ctr"/>
-          <a:p>
-            <a:pPr algn="ctr"/>
+        <p:style>
+          <a:lnRef idx="0"/>
+          <a:fillRef idx="0"/>
+          <a:effectRef idx="0"/>
+          <a:fontRef idx="minor"/>
+        </p:style>
+        <p:txBody>
+          <a:bodyPr lIns="0" rIns="0" tIns="0" bIns="0" anchor="ctr">
+            <a:noAutofit/>
+          </a:bodyPr>
+          <a:p>
+            <a:pPr algn="ctr">
+              <a:lnSpc>
+                <a:spcPct val="100000"/>
+              </a:lnSpc>
+            </a:pPr>
             <a:r>
               <a:rPr b="0" lang="en-US" sz="4400" spc="-1" strike="noStrike">
                 <a:latin typeface="Arial"/>
               </a:rPr>
               <a:t>2. Minimum spanning tree</a:t>
             </a:r>
-            <a:endParaRPr b="0" lang="en-US" sz="4400" spc="-1" strike="noStrike">
-              <a:latin typeface="Arial"/>
-            </a:endParaRPr>
-          </a:p>
-        </p:txBody>
-      </p:sp>
-      <p:sp>
-        <p:nvSpPr>
-          <p:cNvPr id="49" name="TextShape 2"/>
-          <p:cNvSpPr txBox="1"/>
+            <a:endParaRPr b="0" lang="en-GB" sz="4400" spc="-1" strike="noStrike">
+              <a:latin typeface="Arial"/>
+            </a:endParaRPr>
+          </a:p>
+        </p:txBody>
+      </p:sp>
+      <p:sp>
+        <p:nvSpPr>
+          <p:cNvPr id="84" name="TextShape 2"/>
+          <p:cNvSpPr/>
           <p:nvPr/>
         </p:nvSpPr>
         <p:spPr>
           <a:xfrm>
             <a:off x="365760" y="1391400"/>
-            <a:ext cx="4023360" cy="1626120"/>
+            <a:ext cx="4023000" cy="1625760"/>
           </a:xfrm>
           <a:prstGeom prst="rect">
             <a:avLst/>
           </a:prstGeom>
           <a:noFill/>
-          <a:ln>
+          <a:ln w="0">
             <a:noFill/>
           </a:ln>
         </p:spPr>
-        <p:txBody>
-          <a:bodyPr lIns="90000" rIns="90000" tIns="45000" bIns="45000"/>
-          <a:p>
+        <p:style>
+          <a:lnRef idx="0"/>
+          <a:fillRef idx="0"/>
+          <a:effectRef idx="0"/>
+          <a:fontRef idx="minor"/>
+        </p:style>
+        <p:txBody>
+          <a:bodyPr lIns="90000" rIns="90000" tIns="45000" bIns="45000">
+            <a:noAutofit/>
+          </a:bodyPr>
+          <a:p>
+            <a:pPr>
+              <a:lnSpc>
+                <a:spcPct val="100000"/>
+              </a:lnSpc>
+            </a:pPr>
             <a:r>
               <a:rPr b="0" lang="en-US" sz="1800" spc="-1" strike="noStrike">
                 <a:latin typeface="Arial"/>
               </a:rPr>
               <a:t>Inputs:</a:t>
             </a:r>
-            <a:endParaRPr b="0" lang="en-US" sz="1800" spc="-1" strike="noStrike">
-              <a:latin typeface="Arial"/>
-            </a:endParaRPr>
-          </a:p>
-          <a:p>
-            <a:pPr marL="216000" indent="-216000">
+            <a:endParaRPr b="0" lang="en-GB" sz="1800" spc="-1" strike="noStrike">
+              <a:latin typeface="Arial"/>
+            </a:endParaRPr>
+          </a:p>
+          <a:p>
+            <a:pPr marL="216000" indent="-215640">
+              <a:lnSpc>
+                <a:spcPct val="100000"/>
+              </a:lnSpc>
               <a:buClr>
                 <a:srgbClr val="000000"/>
               </a:buClr>
@@ -2375,12 +4021,15 @@
               </a:rPr>
               <a:t>Raw data</a:t>
             </a:r>
-            <a:endParaRPr b="0" lang="en-US" sz="1800" spc="-1" strike="noStrike">
-              <a:latin typeface="Arial"/>
-            </a:endParaRPr>
-          </a:p>
-          <a:p>
-            <a:pPr marL="216000" indent="-216000">
+            <a:endParaRPr b="0" lang="en-GB" sz="1800" spc="-1" strike="noStrike">
+              <a:latin typeface="Arial"/>
+            </a:endParaRPr>
+          </a:p>
+          <a:p>
+            <a:pPr marL="216000" indent="-215640">
+              <a:lnSpc>
+                <a:spcPct val="100000"/>
+              </a:lnSpc>
               <a:buClr>
                 <a:srgbClr val="000000"/>
               </a:buClr>
@@ -2394,12 +4043,15 @@
               </a:rPr>
               <a:t>Core distances</a:t>
             </a:r>
-            <a:endParaRPr b="0" lang="en-US" sz="1800" spc="-1" strike="noStrike">
-              <a:latin typeface="Arial"/>
-            </a:endParaRPr>
-          </a:p>
-          <a:p>
-            <a:pPr marL="216000" indent="-216000">
+            <a:endParaRPr b="0" lang="en-GB" sz="1800" spc="-1" strike="noStrike">
+              <a:latin typeface="Arial"/>
+            </a:endParaRPr>
+          </a:p>
+          <a:p>
+            <a:pPr marL="216000" indent="-215640">
+              <a:lnSpc>
+                <a:spcPct val="100000"/>
+              </a:lnSpc>
               <a:buClr>
                 <a:srgbClr val="000000"/>
               </a:buClr>
@@ -2413,46 +4065,62 @@
               </a:rPr>
               <a:t>dist_metric object</a:t>
             </a:r>
-            <a:endParaRPr b="0" lang="en-US" sz="1800" spc="-1" strike="noStrike">
-              <a:latin typeface="Arial"/>
-            </a:endParaRPr>
-          </a:p>
-        </p:txBody>
-      </p:sp>
-      <p:sp>
-        <p:nvSpPr>
-          <p:cNvPr id="50" name="TextShape 3"/>
-          <p:cNvSpPr txBox="1"/>
+            <a:endParaRPr b="0" lang="en-GB" sz="1800" spc="-1" strike="noStrike">
+              <a:latin typeface="Arial"/>
+            </a:endParaRPr>
+          </a:p>
+        </p:txBody>
+      </p:sp>
+      <p:sp>
+        <p:nvSpPr>
+          <p:cNvPr id="85" name="TextShape 3"/>
+          <p:cNvSpPr/>
           <p:nvPr/>
         </p:nvSpPr>
         <p:spPr>
           <a:xfrm>
             <a:off x="457200" y="3037320"/>
-            <a:ext cx="4023360" cy="1626120"/>
+            <a:ext cx="4023000" cy="1625760"/>
           </a:xfrm>
           <a:prstGeom prst="rect">
             <a:avLst/>
           </a:prstGeom>
           <a:noFill/>
-          <a:ln>
+          <a:ln w="0">
             <a:noFill/>
           </a:ln>
         </p:spPr>
-        <p:txBody>
-          <a:bodyPr lIns="90000" rIns="90000" tIns="45000" bIns="45000"/>
-          <a:p>
+        <p:style>
+          <a:lnRef idx="0"/>
+          <a:fillRef idx="0"/>
+          <a:effectRef idx="0"/>
+          <a:fontRef idx="minor"/>
+        </p:style>
+        <p:txBody>
+          <a:bodyPr lIns="90000" rIns="90000" tIns="45000" bIns="45000">
+            <a:noAutofit/>
+          </a:bodyPr>
+          <a:p>
+            <a:pPr>
+              <a:lnSpc>
+                <a:spcPct val="100000"/>
+              </a:lnSpc>
+            </a:pPr>
             <a:r>
               <a:rPr b="0" lang="en-US" sz="1800" spc="-1" strike="noStrike">
                 <a:latin typeface="Arial"/>
               </a:rPr>
               <a:t>Outputs:</a:t>
             </a:r>
-            <a:endParaRPr b="0" lang="en-US" sz="1800" spc="-1" strike="noStrike">
-              <a:latin typeface="Arial"/>
-            </a:endParaRPr>
-          </a:p>
-          <a:p>
-            <a:pPr marL="216000" indent="-216000">
+            <a:endParaRPr b="0" lang="en-GB" sz="1800" spc="-1" strike="noStrike">
+              <a:latin typeface="Arial"/>
+            </a:endParaRPr>
+          </a:p>
+          <a:p>
+            <a:pPr marL="216000" indent="-215640">
+              <a:lnSpc>
+                <a:spcPct val="100000"/>
+              </a:lnSpc>
               <a:buClr>
                 <a:srgbClr val="000000"/>
               </a:buClr>
@@ -2464,48 +4132,64 @@
               <a:rPr b="0" lang="en-US" sz="1800" spc="-1" strike="noStrike">
                 <a:latin typeface="Arial"/>
               </a:rPr>
-              <a:t>Properly ordered one way route from start node to end following the shortest path</a:t>
-            </a:r>
-            <a:endParaRPr b="0" lang="en-US" sz="1800" spc="-1" strike="noStrike">
-              <a:latin typeface="Arial"/>
-            </a:endParaRPr>
-          </a:p>
-        </p:txBody>
-      </p:sp>
-      <p:sp>
-        <p:nvSpPr>
-          <p:cNvPr id="51" name="TextShape 4"/>
-          <p:cNvSpPr txBox="1"/>
+              <a:t>Properly ordered one way route from start node to end following the shortest path -&gt;  the minimum spanning tree</a:t>
+            </a:r>
+            <a:endParaRPr b="0" lang="en-GB" sz="1800" spc="-1" strike="noStrike">
+              <a:latin typeface="Arial"/>
+            </a:endParaRPr>
+          </a:p>
+        </p:txBody>
+      </p:sp>
+      <p:sp>
+        <p:nvSpPr>
+          <p:cNvPr id="86" name="TextShape 4"/>
+          <p:cNvSpPr/>
           <p:nvPr/>
         </p:nvSpPr>
         <p:spPr>
           <a:xfrm>
             <a:off x="5120640" y="1556280"/>
-            <a:ext cx="4023360" cy="2649960"/>
+            <a:ext cx="4023000" cy="2649600"/>
           </a:xfrm>
           <a:prstGeom prst="rect">
             <a:avLst/>
           </a:prstGeom>
           <a:noFill/>
-          <a:ln>
+          <a:ln w="0">
             <a:noFill/>
           </a:ln>
         </p:spPr>
-        <p:txBody>
-          <a:bodyPr lIns="90000" rIns="90000" tIns="45000" bIns="45000"/>
-          <a:p>
+        <p:style>
+          <a:lnRef idx="0"/>
+          <a:fillRef idx="0"/>
+          <a:effectRef idx="0"/>
+          <a:fontRef idx="minor"/>
+        </p:style>
+        <p:txBody>
+          <a:bodyPr lIns="90000" rIns="90000" tIns="45000" bIns="45000">
+            <a:noAutofit/>
+          </a:bodyPr>
+          <a:p>
+            <a:pPr>
+              <a:lnSpc>
+                <a:spcPct val="100000"/>
+              </a:lnSpc>
+            </a:pPr>
             <a:r>
               <a:rPr b="0" lang="en-US" sz="1800" spc="-1" strike="noStrike">
                 <a:latin typeface="Arial"/>
               </a:rPr>
               <a:t>Process:</a:t>
             </a:r>
-            <a:endParaRPr b="0" lang="en-US" sz="1800" spc="-1" strike="noStrike">
-              <a:latin typeface="Arial"/>
-            </a:endParaRPr>
-          </a:p>
-          <a:p>
-            <a:pPr marL="216000" indent="-216000">
+            <a:endParaRPr b="0" lang="en-GB" sz="1800" spc="-1" strike="noStrike">
+              <a:latin typeface="Arial"/>
+            </a:endParaRPr>
+          </a:p>
+          <a:p>
+            <a:pPr marL="216000" indent="-215640">
+              <a:lnSpc>
+                <a:spcPct val="100000"/>
+              </a:lnSpc>
               <a:buClr>
                 <a:srgbClr val="000000"/>
               </a:buClr>
@@ -2518,12 +4202,15 @@
               </a:rPr>
               <a:t>Randomly picks a node and set it as current node</a:t>
             </a:r>
-            <a:endParaRPr b="0" lang="en-US" sz="1800" spc="-1" strike="noStrike">
-              <a:latin typeface="Arial"/>
-            </a:endParaRPr>
-          </a:p>
-          <a:p>
-            <a:pPr marL="216000" indent="-216000">
+            <a:endParaRPr b="0" lang="en-GB" sz="1800" spc="-1" strike="noStrike">
+              <a:latin typeface="Arial"/>
+            </a:endParaRPr>
+          </a:p>
+          <a:p>
+            <a:pPr marL="216000" indent="-215640">
+              <a:lnSpc>
+                <a:spcPct val="100000"/>
+              </a:lnSpc>
               <a:buClr>
                 <a:srgbClr val="000000"/>
               </a:buClr>
@@ -2536,12 +4223,15 @@
               </a:rPr>
               <a:t>Finds the distance to every other point</a:t>
             </a:r>
-            <a:endParaRPr b="0" lang="en-US" sz="1800" spc="-1" strike="noStrike">
-              <a:latin typeface="Arial"/>
-            </a:endParaRPr>
-          </a:p>
-          <a:p>
-            <a:pPr marL="216000" indent="-216000">
+            <a:endParaRPr b="0" lang="en-GB" sz="1800" spc="-1" strike="noStrike">
+              <a:latin typeface="Arial"/>
+            </a:endParaRPr>
+          </a:p>
+          <a:p>
+            <a:pPr marL="216000" indent="-215640">
+              <a:lnSpc>
+                <a:spcPct val="100000"/>
+              </a:lnSpc>
               <a:buClr>
                 <a:srgbClr val="000000"/>
               </a:buClr>
@@ -2554,12 +4244,15 @@
               </a:rPr>
               <a:t>Chooses the shortest distance and set current node as the connected node</a:t>
             </a:r>
-            <a:endParaRPr b="0" lang="en-US" sz="1800" spc="-1" strike="noStrike">
-              <a:latin typeface="Arial"/>
-            </a:endParaRPr>
-          </a:p>
-          <a:p>
-            <a:pPr marL="216000" indent="-216000">
+            <a:endParaRPr b="0" lang="en-GB" sz="1800" spc="-1" strike="noStrike">
+              <a:latin typeface="Arial"/>
+            </a:endParaRPr>
+          </a:p>
+          <a:p>
+            <a:pPr marL="216000" indent="-215640">
+              <a:lnSpc>
+                <a:spcPct val="100000"/>
+              </a:lnSpc>
               <a:buClr>
                 <a:srgbClr val="000000"/>
               </a:buClr>
@@ -2572,7 +4265,7 @@
               </a:rPr>
               <a:t>Repeat step 2 and 3 till it reaches last node</a:t>
             </a:r>
-            <a:endParaRPr b="0" lang="en-US" sz="1800" spc="-1" strike="noStrike">
+            <a:endParaRPr b="0" lang="en-GB" sz="1800" spc="-1" strike="noStrike">
               <a:latin typeface="Arial"/>
             </a:endParaRPr>
           </a:p>
@@ -2580,7 +4273,7 @@
       </p:sp>
       <p:pic>
         <p:nvPicPr>
-          <p:cNvPr id="52" name="" descr=""/>
+          <p:cNvPr id="87" name="" descr=""/>
           <p:cNvPicPr/>
           <p:nvPr/>
         </p:nvPicPr>
@@ -2590,46 +4283,27 @@
         </p:blipFill>
         <p:spPr>
           <a:xfrm>
-            <a:off x="3339720" y="3922200"/>
-            <a:ext cx="1506600" cy="1655640"/>
-          </a:xfrm>
-          <a:prstGeom prst="rect">
-            <a:avLst/>
-          </a:prstGeom>
-          <a:ln>
+            <a:off x="3870360" y="4320000"/>
+            <a:ext cx="1146240" cy="1260000"/>
+          </a:xfrm>
+          <a:prstGeom prst="rect">
+            <a:avLst/>
+          </a:prstGeom>
+          <a:ln w="0">
             <a:noFill/>
           </a:ln>
         </p:spPr>
       </p:pic>
     </p:spTree>
   </p:cSld>
-  <p:timing>
-    <p:tnLst>
-      <p:par>
-        <p:cTn id="5" dur="indefinite" restart="never" nodeType="tmRoot">
-          <p:childTnLst>
-            <p:seq>
-              <p:cTn id="6" dur="indefinite" nodeType="mainSeq"/>
-              <p:prevCondLst>
-                <p:cond delay="0" evt="onPrev">
-                  <p:tgtEl>
-                    <p:sldTgt/>
-                  </p:tgtEl>
-                </p:cond>
-              </p:prevCondLst>
-              <p:nextCondLst>
-                <p:cond delay="0" evt="onNext">
-                  <p:tgtEl>
-                    <p:sldTgt/>
-                  </p:tgtEl>
-                </p:cond>
-              </p:nextCondLst>
-            </p:seq>
-          </p:childTnLst>
-        </p:cTn>
-      </p:par>
-    </p:tnLst>
-  </p:timing>
+  <mc:AlternateContent>
+    <mc:Choice Requires="p14">
+      <p:transition spd="slow" p14:dur="2000"/>
+    </mc:Choice>
+    <mc:Fallback>
+      <p:transition spd="slow"/>
+    </mc:Fallback>
+  </mc:AlternateContent>
 </p:sld>
 </file>
 
@@ -2652,34 +4326,46 @@
       </p:grpSpPr>
       <p:sp>
         <p:nvSpPr>
-          <p:cNvPr id="53" name="TextShape 1"/>
-          <p:cNvSpPr txBox="1"/>
+          <p:cNvPr id="88" name="TextShape 1"/>
+          <p:cNvSpPr/>
           <p:nvPr/>
         </p:nvSpPr>
         <p:spPr>
           <a:xfrm>
             <a:off x="504000" y="226080"/>
-            <a:ext cx="9071640" cy="946440"/>
+            <a:ext cx="9071280" cy="946080"/>
           </a:xfrm>
           <a:prstGeom prst="rect">
             <a:avLst/>
           </a:prstGeom>
           <a:noFill/>
-          <a:ln>
+          <a:ln w="0">
             <a:noFill/>
           </a:ln>
         </p:spPr>
-        <p:txBody>
-          <a:bodyPr lIns="0" rIns="0" tIns="0" bIns="0" anchor="ctr"/>
-          <a:p>
-            <a:pPr algn="ctr"/>
+        <p:style>
+          <a:lnRef idx="0"/>
+          <a:fillRef idx="0"/>
+          <a:effectRef idx="0"/>
+          <a:fontRef idx="minor"/>
+        </p:style>
+        <p:txBody>
+          <a:bodyPr lIns="0" rIns="0" tIns="0" bIns="0" anchor="ctr">
+            <a:noAutofit/>
+          </a:bodyPr>
+          <a:p>
+            <a:pPr algn="ctr">
+              <a:lnSpc>
+                <a:spcPct val="100000"/>
+              </a:lnSpc>
+            </a:pPr>
             <a:r>
               <a:rPr b="0" lang="en-US" sz="4000" spc="-1" strike="noStrike">
                 <a:latin typeface="Arial"/>
               </a:rPr>
               <a:t>3. Sort edges of minimum spanning tree</a:t>
             </a:r>
-            <a:endParaRPr b="0" lang="en-US" sz="4000" spc="-1" strike="noStrike">
+            <a:endParaRPr b="0" lang="en-GB" sz="4000" spc="-1" strike="noStrike">
               <a:latin typeface="Arial"/>
             </a:endParaRPr>
           </a:p>
@@ -2687,7 +4373,7 @@
       </p:sp>
       <p:pic>
         <p:nvPicPr>
-          <p:cNvPr id="54" name="" descr=""/>
+          <p:cNvPr id="89" name="" descr=""/>
           <p:cNvPicPr/>
           <p:nvPr/>
         </p:nvPicPr>
@@ -2698,45 +4384,26 @@
         <p:spPr>
           <a:xfrm>
             <a:off x="1005840" y="1371600"/>
-            <a:ext cx="4543200" cy="3771720"/>
-          </a:xfrm>
-          <a:prstGeom prst="rect">
-            <a:avLst/>
-          </a:prstGeom>
-          <a:ln>
+            <a:ext cx="4542840" cy="3771360"/>
+          </a:xfrm>
+          <a:prstGeom prst="rect">
+            <a:avLst/>
+          </a:prstGeom>
+          <a:ln w="0">
             <a:noFill/>
           </a:ln>
         </p:spPr>
       </p:pic>
     </p:spTree>
   </p:cSld>
-  <p:timing>
-    <p:tnLst>
-      <p:par>
-        <p:cTn id="7" dur="indefinite" restart="never" nodeType="tmRoot">
-          <p:childTnLst>
-            <p:seq>
-              <p:cTn id="8" dur="indefinite" nodeType="mainSeq"/>
-              <p:prevCondLst>
-                <p:cond delay="0" evt="onPrev">
-                  <p:tgtEl>
-                    <p:sldTgt/>
-                  </p:tgtEl>
-                </p:cond>
-              </p:prevCondLst>
-              <p:nextCondLst>
-                <p:cond delay="0" evt="onNext">
-                  <p:tgtEl>
-                    <p:sldTgt/>
-                  </p:tgtEl>
-                </p:cond>
-              </p:nextCondLst>
-            </p:seq>
-          </p:childTnLst>
-        </p:cTn>
-      </p:par>
-    </p:tnLst>
-  </p:timing>
+  <mc:AlternateContent>
+    <mc:Choice Requires="p14">
+      <p:transition spd="slow" p14:dur="2000"/>
+    </mc:Choice>
+    <mc:Fallback>
+      <p:transition spd="slow"/>
+    </mc:Fallback>
+  </mc:AlternateContent>
 </p:sld>
 </file>
 
@@ -2759,34 +4426,46 @@
       </p:grpSpPr>
       <p:sp>
         <p:nvSpPr>
-          <p:cNvPr id="55" name="TextShape 1"/>
-          <p:cNvSpPr txBox="1"/>
+          <p:cNvPr id="90" name="TextShape 1"/>
+          <p:cNvSpPr/>
           <p:nvPr/>
         </p:nvSpPr>
         <p:spPr>
           <a:xfrm>
             <a:off x="504000" y="225360"/>
-            <a:ext cx="9071640" cy="946440"/>
+            <a:ext cx="9071280" cy="946080"/>
           </a:xfrm>
           <a:prstGeom prst="rect">
             <a:avLst/>
           </a:prstGeom>
           <a:noFill/>
-          <a:ln>
+          <a:ln w="0">
             <a:noFill/>
           </a:ln>
         </p:spPr>
-        <p:txBody>
-          <a:bodyPr lIns="0" rIns="0" tIns="0" bIns="0" anchor="ctr"/>
-          <a:p>
-            <a:pPr algn="ctr"/>
+        <p:style>
+          <a:lnRef idx="0"/>
+          <a:fillRef idx="0"/>
+          <a:effectRef idx="0"/>
+          <a:fontRef idx="minor"/>
+        </p:style>
+        <p:txBody>
+          <a:bodyPr lIns="0" rIns="0" tIns="0" bIns="0" anchor="ctr">
+            <a:noAutofit/>
+          </a:bodyPr>
+          <a:p>
+            <a:pPr algn="ctr">
+              <a:lnSpc>
+                <a:spcPct val="100000"/>
+              </a:lnSpc>
+            </a:pPr>
             <a:r>
               <a:rPr b="0" lang="en-US" sz="2400" spc="-1" strike="noStrike">
                 <a:latin typeface="Arial"/>
               </a:rPr>
               <a:t>4. Convert edge list into standard hierarchical clustering format</a:t>
             </a:r>
-            <a:endParaRPr b="0" lang="en-US" sz="2400" spc="-1" strike="noStrike">
+            <a:endParaRPr b="0" lang="en-GB" sz="2400" spc="-1" strike="noStrike">
               <a:latin typeface="Arial"/>
             </a:endParaRPr>
           </a:p>
@@ -2794,7 +4473,7 @@
       </p:sp>
       <p:pic>
         <p:nvPicPr>
-          <p:cNvPr id="56" name="" descr=""/>
+          <p:cNvPr id="91" name="" descr=""/>
           <p:cNvPicPr/>
           <p:nvPr/>
         </p:nvPicPr>
@@ -2805,45 +4484,293 @@
         <p:spPr>
           <a:xfrm>
             <a:off x="7583040" y="1005840"/>
-            <a:ext cx="2292480" cy="4206240"/>
-          </a:xfrm>
-          <a:prstGeom prst="rect">
-            <a:avLst/>
-          </a:prstGeom>
-          <a:ln>
+            <a:ext cx="2292120" cy="4205880"/>
+          </a:xfrm>
+          <a:prstGeom prst="rect">
+            <a:avLst/>
+          </a:prstGeom>
+          <a:ln w="0">
             <a:noFill/>
           </a:ln>
         </p:spPr>
       </p:pic>
       <p:sp>
         <p:nvSpPr>
-          <p:cNvPr id="57" name="TextShape 2"/>
-          <p:cNvSpPr txBox="1"/>
+          <p:cNvPr id="92" name="TextShape 2"/>
+          <p:cNvSpPr/>
           <p:nvPr/>
         </p:nvSpPr>
         <p:spPr>
           <a:xfrm>
             <a:off x="1044720" y="1005840"/>
-            <a:ext cx="1332720" cy="346320"/>
+            <a:ext cx="1332360" cy="345960"/>
           </a:xfrm>
           <a:prstGeom prst="rect">
             <a:avLst/>
           </a:prstGeom>
           <a:noFill/>
-          <a:ln>
+          <a:ln w="0">
             <a:noFill/>
           </a:ln>
         </p:spPr>
-        <p:txBody>
-          <a:bodyPr lIns="90000" rIns="90000" tIns="45000" bIns="45000"/>
-          <a:p>
+        <p:style>
+          <a:lnRef idx="0"/>
+          <a:fillRef idx="0"/>
+          <a:effectRef idx="0"/>
+          <a:fontRef idx="minor"/>
+        </p:style>
+        <p:txBody>
+          <a:bodyPr lIns="90000" rIns="90000" tIns="45000" bIns="45000">
+            <a:noAutofit/>
+          </a:bodyPr>
+          <a:p>
+            <a:pPr>
+              <a:lnSpc>
+                <a:spcPct val="100000"/>
+              </a:lnSpc>
+            </a:pPr>
             <a:r>
               <a:rPr b="0" lang="en-US" sz="1800" spc="-1" strike="noStrike">
                 <a:latin typeface="Arial"/>
               </a:rPr>
               <a:t>Cpdef label</a:t>
             </a:r>
-            <a:endParaRPr b="0" lang="en-US" sz="1800" spc="-1" strike="noStrike">
+            <a:endParaRPr b="0" lang="en-GB" sz="1800" spc="-1" strike="noStrike">
+              <a:latin typeface="Arial"/>
+            </a:endParaRPr>
+          </a:p>
+        </p:txBody>
+      </p:sp>
+      <p:sp>
+        <p:nvSpPr>
+          <p:cNvPr id="93" name="TextShape 2_0"/>
+          <p:cNvSpPr/>
+          <p:nvPr/>
+        </p:nvSpPr>
+        <p:spPr>
+          <a:xfrm>
+            <a:off x="365760" y="1614240"/>
+            <a:ext cx="1794240" cy="1625760"/>
+          </a:xfrm>
+          <a:prstGeom prst="rect">
+            <a:avLst/>
+          </a:prstGeom>
+          <a:noFill/>
+          <a:ln w="0">
+            <a:solidFill>
+              <a:srgbClr val="3465a4"/>
+            </a:solidFill>
+          </a:ln>
+        </p:spPr>
+        <p:style>
+          <a:lnRef idx="0"/>
+          <a:fillRef idx="0"/>
+          <a:effectRef idx="0"/>
+          <a:fontRef idx="minor"/>
+        </p:style>
+        <p:txBody>
+          <a:bodyPr lIns="90000" rIns="90000" tIns="45000" bIns="45000">
+            <a:noAutofit/>
+          </a:bodyPr>
+          <a:p>
+            <a:pPr>
+              <a:lnSpc>
+                <a:spcPct val="100000"/>
+              </a:lnSpc>
+            </a:pPr>
+            <a:r>
+              <a:rPr b="0" lang="en-US" sz="1800" spc="-1" strike="noStrike">
+                <a:latin typeface="Arial"/>
+              </a:rPr>
+              <a:t>Inputs:</a:t>
+            </a:r>
+            <a:endParaRPr b="0" lang="en-GB" sz="1800" spc="-1" strike="noStrike">
+              <a:latin typeface="Arial"/>
+            </a:endParaRPr>
+          </a:p>
+          <a:p>
+            <a:pPr marL="216000" indent="-215640">
+              <a:lnSpc>
+                <a:spcPct val="100000"/>
+              </a:lnSpc>
+              <a:buClr>
+                <a:srgbClr val="000000"/>
+              </a:buClr>
+              <a:buSzPct val="45000"/>
+              <a:buFont typeface="Wingdings" charset="2"/>
+              <a:buChar char=""/>
+            </a:pPr>
+            <a:r>
+              <a:rPr b="0" lang="en-US" sz="1800" spc="-1" strike="noStrike">
+                <a:latin typeface="Arial"/>
+              </a:rPr>
+              <a:t>Minimum spanning tree</a:t>
+            </a:r>
+            <a:endParaRPr b="0" lang="en-GB" sz="1800" spc="-1" strike="noStrike">
+              <a:latin typeface="Arial"/>
+            </a:endParaRPr>
+          </a:p>
+        </p:txBody>
+      </p:sp>
+      <p:sp>
+        <p:nvSpPr>
+          <p:cNvPr id="94" name="TextShape 2_1"/>
+          <p:cNvSpPr/>
+          <p:nvPr/>
+        </p:nvSpPr>
+        <p:spPr>
+          <a:xfrm>
+            <a:off x="360000" y="3414240"/>
+            <a:ext cx="1800000" cy="1625760"/>
+          </a:xfrm>
+          <a:prstGeom prst="rect">
+            <a:avLst/>
+          </a:prstGeom>
+          <a:noFill/>
+          <a:ln w="0">
+            <a:solidFill>
+              <a:srgbClr val="3465a4"/>
+            </a:solidFill>
+          </a:ln>
+        </p:spPr>
+        <p:style>
+          <a:lnRef idx="0"/>
+          <a:fillRef idx="0"/>
+          <a:effectRef idx="0"/>
+          <a:fontRef idx="minor"/>
+        </p:style>
+        <p:txBody>
+          <a:bodyPr lIns="90000" rIns="90000" tIns="45000" bIns="45000">
+            <a:noAutofit/>
+          </a:bodyPr>
+          <a:p>
+            <a:pPr>
+              <a:lnSpc>
+                <a:spcPct val="100000"/>
+              </a:lnSpc>
+            </a:pPr>
+            <a:r>
+              <a:rPr b="0" lang="en-US" sz="1800" spc="-1" strike="noStrike">
+                <a:latin typeface="Arial"/>
+              </a:rPr>
+              <a:t>Outputs:</a:t>
+            </a:r>
+            <a:endParaRPr b="0" lang="en-GB" sz="1800" spc="-1" strike="noStrike">
+              <a:latin typeface="Arial"/>
+            </a:endParaRPr>
+          </a:p>
+          <a:p>
+            <a:pPr marL="216000" indent="-215640">
+              <a:lnSpc>
+                <a:spcPct val="100000"/>
+              </a:lnSpc>
+              <a:buClr>
+                <a:srgbClr val="000000"/>
+              </a:buClr>
+              <a:buSzPct val="45000"/>
+              <a:buFont typeface="Wingdings" charset="2"/>
+              <a:buChar char=""/>
+            </a:pPr>
+            <a:r>
+              <a:rPr b="0" lang="en-US" sz="1800" spc="-1" strike="noStrike">
+                <a:latin typeface="Arial"/>
+              </a:rPr>
+              <a:t>Single linkage tree</a:t>
+            </a:r>
+            <a:endParaRPr b="0" lang="en-GB" sz="1800" spc="-1" strike="noStrike">
+              <a:latin typeface="Arial"/>
+            </a:endParaRPr>
+          </a:p>
+        </p:txBody>
+      </p:sp>
+      <p:sp>
+        <p:nvSpPr>
+          <p:cNvPr id="95" name="TextShape 2_2"/>
+          <p:cNvSpPr/>
+          <p:nvPr/>
+        </p:nvSpPr>
+        <p:spPr>
+          <a:xfrm>
+            <a:off x="2880000" y="1620000"/>
+            <a:ext cx="4140000" cy="1625760"/>
+          </a:xfrm>
+          <a:prstGeom prst="rect">
+            <a:avLst/>
+          </a:prstGeom>
+          <a:noFill/>
+          <a:ln w="0">
+            <a:solidFill>
+              <a:srgbClr val="3465a4"/>
+            </a:solidFill>
+          </a:ln>
+        </p:spPr>
+        <p:style>
+          <a:lnRef idx="0"/>
+          <a:fillRef idx="0"/>
+          <a:effectRef idx="0"/>
+          <a:fontRef idx="minor"/>
+        </p:style>
+        <p:txBody>
+          <a:bodyPr lIns="90000" rIns="90000" tIns="45000" bIns="45000">
+            <a:noAutofit/>
+          </a:bodyPr>
+          <a:p>
+            <a:pPr>
+              <a:lnSpc>
+                <a:spcPct val="100000"/>
+              </a:lnSpc>
+            </a:pPr>
+            <a:r>
+              <a:rPr b="0" lang="en-US" sz="1800" spc="-1" strike="noStrike">
+                <a:latin typeface="Arial"/>
+              </a:rPr>
+              <a:t>Process:</a:t>
+            </a:r>
+            <a:endParaRPr b="0" lang="en-GB" sz="1800" spc="-1" strike="noStrike">
+              <a:latin typeface="Arial"/>
+            </a:endParaRPr>
+          </a:p>
+          <a:p>
+            <a:pPr marL="216000" indent="-215640">
+              <a:lnSpc>
+                <a:spcPct val="100000"/>
+              </a:lnSpc>
+              <a:buClr>
+                <a:srgbClr val="000000"/>
+              </a:buClr>
+              <a:buSzPct val="45000"/>
+              <a:buFont typeface="Wingdings" charset="2"/>
+              <a:buChar char=""/>
+            </a:pPr>
+            <a:r>
+              <a:rPr b="0" lang="en-US" sz="1800" spc="-1" strike="noStrike">
+                <a:latin typeface="Arial"/>
+              </a:rPr>
+              <a:t>Cpdef label</a:t>
+            </a:r>
+            <a:endParaRPr b="0" lang="en-GB" sz="1800" spc="-1" strike="noStrike">
+              <a:latin typeface="Arial"/>
+            </a:endParaRPr>
+          </a:p>
+          <a:p>
+            <a:pPr lvl="1" marL="432000" indent="-216000">
+              <a:lnSpc>
+                <a:spcPct val="100000"/>
+              </a:lnSpc>
+              <a:buClr>
+                <a:srgbClr val="000000"/>
+              </a:buClr>
+              <a:buSzPct val="45000"/>
+              <a:buFont typeface="Wingdings" charset="2"/>
+              <a:buChar char=""/>
+            </a:pPr>
+            <a:r>
+              <a:rPr b="0" lang="en-US" sz="1800" spc="-1" strike="noStrike">
+                <a:latin typeface="Arial"/>
+              </a:rPr>
+              <a:t>Union find data structure</a:t>
+            </a:r>
+            <a:endParaRPr b="0" lang="en-GB" sz="1800" spc="-1" strike="noStrike">
               <a:latin typeface="Arial"/>
             </a:endParaRPr>
           </a:p>
@@ -2851,33 +4778,14 @@
       </p:sp>
     </p:spTree>
   </p:cSld>
-  <p:timing>
-    <p:tnLst>
-      <p:par>
-        <p:cTn id="9" dur="indefinite" restart="never" nodeType="tmRoot">
-          <p:childTnLst>
-            <p:seq>
-              <p:cTn id="10" dur="indefinite" nodeType="mainSeq"/>
-              <p:prevCondLst>
-                <p:cond delay="0" evt="onPrev">
-                  <p:tgtEl>
-                    <p:sldTgt/>
-                  </p:tgtEl>
-                </p:cond>
-              </p:prevCondLst>
-              <p:nextCondLst>
-                <p:cond delay="0" evt="onNext">
-                  <p:tgtEl>
-                    <p:sldTgt/>
-                  </p:tgtEl>
-                </p:cond>
-              </p:nextCondLst>
-            </p:seq>
-          </p:childTnLst>
-        </p:cTn>
-      </p:par>
-    </p:tnLst>
-  </p:timing>
+  <mc:AlternateContent>
+    <mc:Choice Requires="p14">
+      <p:transition spd="slow" p14:dur="2000"/>
+    </mc:Choice>
+    <mc:Fallback>
+      <p:transition spd="slow"/>
+    </mc:Fallback>
+  </mc:AlternateContent>
 </p:sld>
 </file>
 
@@ -2900,27 +4808,39 @@
       </p:grpSpPr>
       <p:sp>
         <p:nvSpPr>
-          <p:cNvPr id="58" name="TextShape 1"/>
-          <p:cNvSpPr txBox="1"/>
+          <p:cNvPr id="96" name="TextShape 1"/>
+          <p:cNvSpPr/>
           <p:nvPr/>
         </p:nvSpPr>
         <p:spPr>
           <a:xfrm>
             <a:off x="438120" y="1337400"/>
-            <a:ext cx="9071640" cy="1248480"/>
+            <a:ext cx="9071280" cy="1248120"/>
           </a:xfrm>
           <a:prstGeom prst="rect">
             <a:avLst/>
           </a:prstGeom>
           <a:noFill/>
-          <a:ln>
+          <a:ln w="0">
             <a:noFill/>
           </a:ln>
         </p:spPr>
-        <p:txBody>
-          <a:bodyPr lIns="0" rIns="0" tIns="0" bIns="0" anchor="ctr"/>
-          <a:p>
-            <a:pPr algn="ctr"/>
+        <p:style>
+          <a:lnRef idx="0"/>
+          <a:fillRef idx="0"/>
+          <a:effectRef idx="0"/>
+          <a:fontRef idx="minor"/>
+        </p:style>
+        <p:txBody>
+          <a:bodyPr lIns="0" rIns="0" tIns="0" bIns="0" anchor="ctr">
+            <a:noAutofit/>
+          </a:bodyPr>
+          <a:p>
+            <a:pPr algn="ctr">
+              <a:lnSpc>
+                <a:spcPct val="100000"/>
+              </a:lnSpc>
+            </a:pPr>
             <a:r>
               <a:rPr b="0" lang="en-US" sz="8800" spc="-1" strike="noStrike" u="sng">
                 <a:uFillTx/>
@@ -2928,47 +4848,62 @@
               </a:rPr>
               <a:t>B) tree_to_labels</a:t>
             </a:r>
-            <a:endParaRPr b="0" lang="en-US" sz="8800" spc="-1" strike="noStrike" u="sng">
-              <a:uFillTx/>
-              <a:latin typeface="Arial"/>
-            </a:endParaRPr>
-          </a:p>
-        </p:txBody>
-      </p:sp>
-      <p:sp>
-        <p:nvSpPr>
-          <p:cNvPr id="59" name="TextShape 2"/>
-          <p:cNvSpPr txBox="1"/>
+            <a:endParaRPr b="0" lang="en-GB" sz="8800" spc="-1" strike="noStrike">
+              <a:latin typeface="Arial"/>
+            </a:endParaRPr>
+          </a:p>
+        </p:txBody>
+      </p:sp>
+      <p:sp>
+        <p:nvSpPr>
+          <p:cNvPr id="97" name="TextShape 2"/>
+          <p:cNvSpPr/>
           <p:nvPr/>
         </p:nvSpPr>
         <p:spPr>
           <a:xfrm>
             <a:off x="274320" y="3566160"/>
-            <a:ext cx="2468880" cy="1626120"/>
+            <a:ext cx="2468520" cy="1625760"/>
           </a:xfrm>
           <a:prstGeom prst="rect">
             <a:avLst/>
           </a:prstGeom>
           <a:noFill/>
-          <a:ln>
+          <a:ln w="0">
             <a:noFill/>
           </a:ln>
         </p:spPr>
-        <p:txBody>
-          <a:bodyPr lIns="90000" rIns="90000" tIns="45000" bIns="45000"/>
-          <a:p>
+        <p:style>
+          <a:lnRef idx="0"/>
+          <a:fillRef idx="0"/>
+          <a:effectRef idx="0"/>
+          <a:fontRef idx="minor"/>
+        </p:style>
+        <p:txBody>
+          <a:bodyPr lIns="90000" rIns="90000" tIns="45000" bIns="45000">
+            <a:noAutofit/>
+          </a:bodyPr>
+          <a:p>
+            <a:pPr>
+              <a:lnSpc>
+                <a:spcPct val="100000"/>
+              </a:lnSpc>
+            </a:pPr>
             <a:r>
               <a:rPr b="0" lang="en-US" sz="1800" spc="-1" strike="noStrike">
                 <a:latin typeface="Arial"/>
               </a:rPr>
               <a:t>Inputs:</a:t>
             </a:r>
-            <a:endParaRPr b="0" lang="en-US" sz="1800" spc="-1" strike="noStrike">
-              <a:latin typeface="Arial"/>
-            </a:endParaRPr>
-          </a:p>
-          <a:p>
-            <a:pPr marL="216000" indent="-216000">
+            <a:endParaRPr b="0" lang="en-GB" sz="1800" spc="-1" strike="noStrike">
+              <a:latin typeface="Arial"/>
+            </a:endParaRPr>
+          </a:p>
+          <a:p>
+            <a:pPr marL="216000" indent="-215640">
+              <a:lnSpc>
+                <a:spcPct val="100000"/>
+              </a:lnSpc>
               <a:buClr>
                 <a:srgbClr val="000000"/>
               </a:buClr>
@@ -2982,46 +4917,62 @@
               </a:rPr>
               <a:t>Single linked tree</a:t>
             </a:r>
-            <a:endParaRPr b="0" lang="en-US" sz="1800" spc="-1" strike="noStrike">
-              <a:latin typeface="Arial"/>
-            </a:endParaRPr>
-          </a:p>
-        </p:txBody>
-      </p:sp>
-      <p:sp>
-        <p:nvSpPr>
-          <p:cNvPr id="60" name="TextShape 3"/>
-          <p:cNvSpPr txBox="1"/>
+            <a:endParaRPr b="0" lang="en-GB" sz="1800" spc="-1" strike="noStrike">
+              <a:latin typeface="Arial"/>
+            </a:endParaRPr>
+          </a:p>
+        </p:txBody>
+      </p:sp>
+      <p:sp>
+        <p:nvSpPr>
+          <p:cNvPr id="98" name="TextShape 3"/>
+          <p:cNvSpPr/>
           <p:nvPr/>
         </p:nvSpPr>
         <p:spPr>
           <a:xfrm>
             <a:off x="3474720" y="3749040"/>
-            <a:ext cx="2651760" cy="1626120"/>
+            <a:ext cx="2651400" cy="1625760"/>
           </a:xfrm>
           <a:prstGeom prst="rect">
             <a:avLst/>
           </a:prstGeom>
           <a:noFill/>
-          <a:ln>
+          <a:ln w="0">
             <a:noFill/>
           </a:ln>
         </p:spPr>
-        <p:txBody>
-          <a:bodyPr lIns="90000" rIns="90000" tIns="45000" bIns="45000"/>
-          <a:p>
+        <p:style>
+          <a:lnRef idx="0"/>
+          <a:fillRef idx="0"/>
+          <a:effectRef idx="0"/>
+          <a:fontRef idx="minor"/>
+        </p:style>
+        <p:txBody>
+          <a:bodyPr lIns="90000" rIns="90000" tIns="45000" bIns="45000">
+            <a:noAutofit/>
+          </a:bodyPr>
+          <a:p>
+            <a:pPr>
+              <a:lnSpc>
+                <a:spcPct val="100000"/>
+              </a:lnSpc>
+            </a:pPr>
             <a:r>
               <a:rPr b="0" lang="en-US" sz="1800" spc="-1" strike="noStrike">
                 <a:latin typeface="Arial"/>
               </a:rPr>
               <a:t>Outputs:</a:t>
             </a:r>
-            <a:endParaRPr b="0" lang="en-US" sz="1800" spc="-1" strike="noStrike">
-              <a:latin typeface="Arial"/>
-            </a:endParaRPr>
-          </a:p>
-          <a:p>
-            <a:pPr marL="216000" indent="-216000">
+            <a:endParaRPr b="0" lang="en-GB" sz="1800" spc="-1" strike="noStrike">
+              <a:latin typeface="Arial"/>
+            </a:endParaRPr>
+          </a:p>
+          <a:p>
+            <a:pPr marL="216000" indent="-215640">
+              <a:lnSpc>
+                <a:spcPct val="100000"/>
+              </a:lnSpc>
               <a:buClr>
                 <a:srgbClr val="000000"/>
               </a:buClr>
@@ -3035,12 +4986,15 @@
               </a:rPr>
               <a:t>labels, </a:t>
             </a:r>
-            <a:endParaRPr b="0" lang="en-US" sz="1800" spc="-1" strike="noStrike">
-              <a:latin typeface="Arial"/>
-            </a:endParaRPr>
-          </a:p>
-          <a:p>
-            <a:pPr marL="216000" indent="-216000">
+            <a:endParaRPr b="0" lang="en-GB" sz="1800" spc="-1" strike="noStrike">
+              <a:latin typeface="Arial"/>
+            </a:endParaRPr>
+          </a:p>
+          <a:p>
+            <a:pPr marL="216000" indent="-215640">
+              <a:lnSpc>
+                <a:spcPct val="100000"/>
+              </a:lnSpc>
               <a:buClr>
                 <a:srgbClr val="000000"/>
               </a:buClr>
@@ -3054,12 +5008,15 @@
               </a:rPr>
               <a:t>probabilities, </a:t>
             </a:r>
-            <a:endParaRPr b="0" lang="en-US" sz="1800" spc="-1" strike="noStrike">
-              <a:latin typeface="Arial"/>
-            </a:endParaRPr>
-          </a:p>
-          <a:p>
-            <a:pPr marL="216000" indent="-216000">
+            <a:endParaRPr b="0" lang="en-GB" sz="1800" spc="-1" strike="noStrike">
+              <a:latin typeface="Arial"/>
+            </a:endParaRPr>
+          </a:p>
+          <a:p>
+            <a:pPr marL="216000" indent="-215640">
+              <a:lnSpc>
+                <a:spcPct val="100000"/>
+              </a:lnSpc>
               <a:buClr>
                 <a:srgbClr val="000000"/>
               </a:buClr>
@@ -3073,12 +5030,15 @@
               </a:rPr>
               <a:t>Stabilities</a:t>
             </a:r>
-            <a:endParaRPr b="0" lang="en-US" sz="1800" spc="-1" strike="noStrike">
-              <a:latin typeface="Arial"/>
-            </a:endParaRPr>
-          </a:p>
-          <a:p>
-            <a:pPr marL="216000" indent="-216000">
+            <a:endParaRPr b="0" lang="en-GB" sz="1800" spc="-1" strike="noStrike">
+              <a:latin typeface="Arial"/>
+            </a:endParaRPr>
+          </a:p>
+          <a:p>
+            <a:pPr marL="216000" indent="-215640">
+              <a:lnSpc>
+                <a:spcPct val="100000"/>
+              </a:lnSpc>
               <a:buClr>
                 <a:srgbClr val="000000"/>
               </a:buClr>
@@ -3092,12 +5052,15 @@
               </a:rPr>
               <a:t>condensed_tree</a:t>
             </a:r>
-            <a:endParaRPr b="0" lang="en-US" sz="1800" spc="-1" strike="noStrike">
-              <a:latin typeface="Arial"/>
-            </a:endParaRPr>
-          </a:p>
-          <a:p>
-            <a:pPr marL="216000" indent="-216000">
+            <a:endParaRPr b="0" lang="en-GB" sz="1800" spc="-1" strike="noStrike">
+              <a:latin typeface="Arial"/>
+            </a:endParaRPr>
+          </a:p>
+          <a:p>
+            <a:pPr marL="216000" indent="-215640">
+              <a:lnSpc>
+                <a:spcPct val="100000"/>
+              </a:lnSpc>
               <a:buClr>
                 <a:srgbClr val="000000"/>
               </a:buClr>
@@ -3111,7 +5074,7 @@
               </a:rPr>
               <a:t>single_linkage_tree</a:t>
             </a:r>
-            <a:endParaRPr b="0" lang="en-US" sz="1800" spc="-1" strike="noStrike">
+            <a:endParaRPr b="0" lang="en-GB" sz="1800" spc="-1" strike="noStrike">
               <a:latin typeface="Arial"/>
             </a:endParaRPr>
           </a:p>
@@ -3119,7 +5082,7 @@
       </p:sp>
       <p:pic>
         <p:nvPicPr>
-          <p:cNvPr id="61" name="" descr=""/>
+          <p:cNvPr id="99" name="" descr=""/>
           <p:cNvPicPr/>
           <p:nvPr/>
         </p:nvPicPr>
@@ -3130,45 +5093,26 @@
         <p:spPr>
           <a:xfrm>
             <a:off x="6492240" y="2687760"/>
-            <a:ext cx="3017520" cy="2890080"/>
-          </a:xfrm>
-          <a:prstGeom prst="rect">
-            <a:avLst/>
-          </a:prstGeom>
-          <a:ln>
+            <a:ext cx="3017160" cy="2889720"/>
+          </a:xfrm>
+          <a:prstGeom prst="rect">
+            <a:avLst/>
+          </a:prstGeom>
+          <a:ln w="0">
             <a:noFill/>
           </a:ln>
         </p:spPr>
       </p:pic>
     </p:spTree>
   </p:cSld>
-  <p:timing>
-    <p:tnLst>
-      <p:par>
-        <p:cTn id="11" dur="indefinite" restart="never" nodeType="tmRoot">
-          <p:childTnLst>
-            <p:seq>
-              <p:cTn id="12" dur="indefinite" nodeType="mainSeq"/>
-              <p:prevCondLst>
-                <p:cond delay="0" evt="onPrev">
-                  <p:tgtEl>
-                    <p:sldTgt/>
-                  </p:tgtEl>
-                </p:cond>
-              </p:prevCondLst>
-              <p:nextCondLst>
-                <p:cond delay="0" evt="onNext">
-                  <p:tgtEl>
-                    <p:sldTgt/>
-                  </p:tgtEl>
-                </p:cond>
-              </p:nextCondLst>
-            </p:seq>
-          </p:childTnLst>
-        </p:cTn>
-      </p:par>
-    </p:tnLst>
-  </p:timing>
+  <mc:AlternateContent>
+    <mc:Choice Requires="p14">
+      <p:transition spd="slow" p14:dur="2000"/>
+    </mc:Choice>
+    <mc:Fallback>
+      <p:transition spd="slow"/>
+    </mc:Fallback>
+  </mc:AlternateContent>
 </p:sld>
 </file>
 
@@ -3191,73 +5135,101 @@
       </p:grpSpPr>
       <p:sp>
         <p:nvSpPr>
-          <p:cNvPr id="62" name="TextShape 1"/>
-          <p:cNvSpPr txBox="1"/>
+          <p:cNvPr id="100" name="TextShape 1"/>
+          <p:cNvSpPr/>
           <p:nvPr/>
         </p:nvSpPr>
         <p:spPr>
           <a:xfrm>
             <a:off x="504000" y="226080"/>
-            <a:ext cx="9071640" cy="946440"/>
+            <a:ext cx="9071280" cy="946080"/>
           </a:xfrm>
           <a:prstGeom prst="rect">
             <a:avLst/>
           </a:prstGeom>
           <a:noFill/>
-          <a:ln>
+          <a:ln w="0">
             <a:noFill/>
           </a:ln>
         </p:spPr>
-        <p:txBody>
-          <a:bodyPr lIns="0" rIns="0" tIns="0" bIns="0" anchor="ctr"/>
-          <a:p>
-            <a:pPr algn="ctr"/>
+        <p:style>
+          <a:lnRef idx="0"/>
+          <a:fillRef idx="0"/>
+          <a:effectRef idx="0"/>
+          <a:fontRef idx="minor"/>
+        </p:style>
+        <p:txBody>
+          <a:bodyPr lIns="0" rIns="0" tIns="0" bIns="0" anchor="ctr">
+            <a:noAutofit/>
+          </a:bodyPr>
+          <a:p>
+            <a:pPr algn="ctr">
+              <a:lnSpc>
+                <a:spcPct val="100000"/>
+              </a:lnSpc>
+            </a:pPr>
             <a:r>
               <a:rPr b="0" lang="en-US" sz="4400" spc="-1" strike="noStrike">
                 <a:latin typeface="Arial"/>
               </a:rPr>
               <a:t>1. condense_tree</a:t>
             </a:r>
-            <a:endParaRPr b="0" lang="en-US" sz="4400" spc="-1" strike="noStrike">
-              <a:latin typeface="Arial"/>
-            </a:endParaRPr>
-          </a:p>
-        </p:txBody>
-      </p:sp>
-      <p:sp>
-        <p:nvSpPr>
-          <p:cNvPr id="63" name="TextShape 2"/>
-          <p:cNvSpPr txBox="1"/>
+            <a:endParaRPr b="0" lang="en-GB" sz="4400" spc="-1" strike="noStrike">
+              <a:latin typeface="Arial"/>
+            </a:endParaRPr>
+          </a:p>
+        </p:txBody>
+      </p:sp>
+      <p:sp>
+        <p:nvSpPr>
+          <p:cNvPr id="101" name="TextShape 2"/>
+          <p:cNvSpPr/>
           <p:nvPr/>
         </p:nvSpPr>
         <p:spPr>
           <a:xfrm>
             <a:off x="365760" y="1391400"/>
-            <a:ext cx="4023360" cy="1626120"/>
+            <a:ext cx="4023000" cy="1625760"/>
           </a:xfrm>
           <a:prstGeom prst="rect">
             <a:avLst/>
           </a:prstGeom>
           <a:noFill/>
-          <a:ln>
+          <a:ln w="0">
             <a:noFill/>
           </a:ln>
         </p:spPr>
-        <p:txBody>
-          <a:bodyPr lIns="90000" rIns="90000" tIns="45000" bIns="45000"/>
-          <a:p>
+        <p:style>
+          <a:lnRef idx="0"/>
+          <a:fillRef idx="0"/>
+          <a:effectRef idx="0"/>
+          <a:fontRef idx="minor"/>
+        </p:style>
+        <p:txBody>
+          <a:bodyPr lIns="90000" rIns="90000" tIns="45000" bIns="45000">
+            <a:noAutofit/>
+          </a:bodyPr>
+          <a:p>
+            <a:pPr>
+              <a:lnSpc>
+                <a:spcPct val="100000"/>
+              </a:lnSpc>
+            </a:pPr>
             <a:r>
               <a:rPr b="0" lang="en-US" sz="1800" spc="-1" strike="noStrike">
                 <a:latin typeface="Arial"/>
               </a:rPr>
               <a:t>Inputs:</a:t>
             </a:r>
-            <a:endParaRPr b="0" lang="en-US" sz="1800" spc="-1" strike="noStrike">
-              <a:latin typeface="Arial"/>
-            </a:endParaRPr>
-          </a:p>
-          <a:p>
-            <a:pPr marL="216000" indent="-216000">
+            <a:endParaRPr b="0" lang="en-GB" sz="1800" spc="-1" strike="noStrike">
+              <a:latin typeface="Arial"/>
+            </a:endParaRPr>
+          </a:p>
+          <a:p>
+            <a:pPr marL="216000" indent="-215640">
+              <a:lnSpc>
+                <a:spcPct val="100000"/>
+              </a:lnSpc>
               <a:buClr>
                 <a:srgbClr val="000000"/>
               </a:buClr>
@@ -3271,12 +5243,15 @@
               </a:rPr>
               <a:t>Single linked tree</a:t>
             </a:r>
-            <a:endParaRPr b="0" lang="en-US" sz="1800" spc="-1" strike="noStrike">
-              <a:latin typeface="Arial"/>
-            </a:endParaRPr>
-          </a:p>
-          <a:p>
-            <a:pPr marL="216000" indent="-216000">
+            <a:endParaRPr b="0" lang="en-GB" sz="1800" spc="-1" strike="noStrike">
+              <a:latin typeface="Arial"/>
+            </a:endParaRPr>
+          </a:p>
+          <a:p>
+            <a:pPr marL="216000" indent="-215640">
+              <a:lnSpc>
+                <a:spcPct val="100000"/>
+              </a:lnSpc>
               <a:buClr>
                 <a:srgbClr val="000000"/>
               </a:buClr>
@@ -3291,46 +5266,62 @@
               </a:rPr>
               <a:t>min_cluster_size</a:t>
             </a:r>
-            <a:endParaRPr b="0" lang="en-US" sz="1800" spc="-1" strike="noStrike">
-              <a:latin typeface="Arial"/>
-            </a:endParaRPr>
-          </a:p>
-        </p:txBody>
-      </p:sp>
-      <p:sp>
-        <p:nvSpPr>
-          <p:cNvPr id="64" name="TextShape 3"/>
-          <p:cNvSpPr txBox="1"/>
+            <a:endParaRPr b="0" lang="en-GB" sz="1800" spc="-1" strike="noStrike">
+              <a:latin typeface="Arial"/>
+            </a:endParaRPr>
+          </a:p>
+        </p:txBody>
+      </p:sp>
+      <p:sp>
+        <p:nvSpPr>
+          <p:cNvPr id="102" name="TextShape 3"/>
+          <p:cNvSpPr/>
           <p:nvPr/>
         </p:nvSpPr>
         <p:spPr>
           <a:xfrm>
             <a:off x="457200" y="3037320"/>
-            <a:ext cx="4023360" cy="986040"/>
+            <a:ext cx="4023000" cy="985680"/>
           </a:xfrm>
           <a:prstGeom prst="rect">
             <a:avLst/>
           </a:prstGeom>
           <a:noFill/>
-          <a:ln>
+          <a:ln w="0">
             <a:noFill/>
           </a:ln>
         </p:spPr>
-        <p:txBody>
-          <a:bodyPr lIns="90000" rIns="90000" tIns="45000" bIns="45000"/>
-          <a:p>
+        <p:style>
+          <a:lnRef idx="0"/>
+          <a:fillRef idx="0"/>
+          <a:effectRef idx="0"/>
+          <a:fontRef idx="minor"/>
+        </p:style>
+        <p:txBody>
+          <a:bodyPr lIns="90000" rIns="90000" tIns="45000" bIns="45000">
+            <a:noAutofit/>
+          </a:bodyPr>
+          <a:p>
+            <a:pPr>
+              <a:lnSpc>
+                <a:spcPct val="100000"/>
+              </a:lnSpc>
+            </a:pPr>
             <a:r>
               <a:rPr b="0" lang="en-US" sz="1800" spc="-1" strike="noStrike">
                 <a:latin typeface="Arial"/>
               </a:rPr>
               <a:t>Outputs:</a:t>
             </a:r>
-            <a:endParaRPr b="0" lang="en-US" sz="1800" spc="-1" strike="noStrike">
-              <a:latin typeface="Arial"/>
-            </a:endParaRPr>
-          </a:p>
-          <a:p>
-            <a:pPr marL="216000" indent="-216000">
+            <a:endParaRPr b="0" lang="en-GB" sz="1800" spc="-1" strike="noStrike">
+              <a:latin typeface="Arial"/>
+            </a:endParaRPr>
+          </a:p>
+          <a:p>
+            <a:pPr marL="216000" indent="-215640">
+              <a:lnSpc>
+                <a:spcPct val="100000"/>
+              </a:lnSpc>
               <a:buClr>
                 <a:srgbClr val="000000"/>
               </a:buClr>
@@ -3344,46 +5335,62 @@
               </a:rPr>
               <a:t>condensed_tree</a:t>
             </a:r>
-            <a:endParaRPr b="0" lang="en-US" sz="1800" spc="-1" strike="noStrike">
-              <a:latin typeface="Arial"/>
-            </a:endParaRPr>
-          </a:p>
-        </p:txBody>
-      </p:sp>
-      <p:sp>
-        <p:nvSpPr>
-          <p:cNvPr id="65" name="TextShape 4"/>
-          <p:cNvSpPr txBox="1"/>
+            <a:endParaRPr b="0" lang="en-GB" sz="1800" spc="-1" strike="noStrike">
+              <a:latin typeface="Arial"/>
+            </a:endParaRPr>
+          </a:p>
+        </p:txBody>
+      </p:sp>
+      <p:sp>
+        <p:nvSpPr>
+          <p:cNvPr id="103" name="TextShape 4"/>
+          <p:cNvSpPr/>
           <p:nvPr/>
         </p:nvSpPr>
         <p:spPr>
           <a:xfrm>
             <a:off x="5120640" y="1556280"/>
-            <a:ext cx="4023360" cy="1626120"/>
+            <a:ext cx="4023000" cy="1625760"/>
           </a:xfrm>
           <a:prstGeom prst="rect">
             <a:avLst/>
           </a:prstGeom>
           <a:noFill/>
-          <a:ln>
+          <a:ln w="0">
             <a:noFill/>
           </a:ln>
         </p:spPr>
-        <p:txBody>
-          <a:bodyPr lIns="90000" rIns="90000" tIns="45000" bIns="45000"/>
-          <a:p>
+        <p:style>
+          <a:lnRef idx="0"/>
+          <a:fillRef idx="0"/>
+          <a:effectRef idx="0"/>
+          <a:fontRef idx="minor"/>
+        </p:style>
+        <p:txBody>
+          <a:bodyPr lIns="90000" rIns="90000" tIns="45000" bIns="45000">
+            <a:noAutofit/>
+          </a:bodyPr>
+          <a:p>
+            <a:pPr>
+              <a:lnSpc>
+                <a:spcPct val="100000"/>
+              </a:lnSpc>
+            </a:pPr>
             <a:r>
               <a:rPr b="0" lang="en-US" sz="1800" spc="-1" strike="noStrike">
                 <a:latin typeface="Arial"/>
               </a:rPr>
               <a:t>Process:</a:t>
             </a:r>
-            <a:endParaRPr b="0" lang="en-US" sz="1800" spc="-1" strike="noStrike">
-              <a:latin typeface="Arial"/>
-            </a:endParaRPr>
-          </a:p>
-          <a:p>
-            <a:pPr marL="216000" indent="-216000">
+            <a:endParaRPr b="0" lang="en-GB" sz="1800" spc="-1" strike="noStrike">
+              <a:latin typeface="Arial"/>
+            </a:endParaRPr>
+          </a:p>
+          <a:p>
+            <a:pPr marL="216000" indent="-215640">
+              <a:lnSpc>
+                <a:spcPct val="100000"/>
+              </a:lnSpc>
               <a:buClr>
                 <a:srgbClr val="000000"/>
               </a:buClr>
@@ -3396,7 +5403,7 @@
               </a:rPr>
               <a:t>Uses KD tree structure to calculate distance as per distance metric</a:t>
             </a:r>
-            <a:endParaRPr b="0" lang="en-US" sz="1800" spc="-1" strike="noStrike">
+            <a:endParaRPr b="0" lang="en-GB" sz="1800" spc="-1" strike="noStrike">
               <a:latin typeface="Arial"/>
             </a:endParaRPr>
           </a:p>
@@ -3404,33 +5411,14 @@
       </p:sp>
     </p:spTree>
   </p:cSld>
-  <p:timing>
-    <p:tnLst>
-      <p:par>
-        <p:cTn id="13" dur="indefinite" restart="never" nodeType="tmRoot">
-          <p:childTnLst>
-            <p:seq>
-              <p:cTn id="14" dur="indefinite" nodeType="mainSeq"/>
-              <p:prevCondLst>
-                <p:cond delay="0" evt="onPrev">
-                  <p:tgtEl>
-                    <p:sldTgt/>
-                  </p:tgtEl>
-                </p:cond>
-              </p:prevCondLst>
-              <p:nextCondLst>
-                <p:cond delay="0" evt="onNext">
-                  <p:tgtEl>
-                    <p:sldTgt/>
-                  </p:tgtEl>
-                </p:cond>
-              </p:nextCondLst>
-            </p:seq>
-          </p:childTnLst>
-        </p:cTn>
-      </p:par>
-    </p:tnLst>
-  </p:timing>
+  <mc:AlternateContent>
+    <mc:Choice Requires="p14">
+      <p:transition spd="slow" p14:dur="2000"/>
+    </mc:Choice>
+    <mc:Fallback>
+      <p:transition spd="slow"/>
+    </mc:Fallback>
+  </mc:AlternateContent>
 </p:sld>
 </file>
 
@@ -3548,18 +5536,247 @@
             </a:schemeClr>
           </a:solidFill>
           <a:prstDash val="solid"/>
+          <a:miter/>
         </a:ln>
         <a:ln w="25400" cap="flat" cmpd="sng" algn="ctr">
           <a:solidFill>
             <a:schemeClr val="phClr"/>
           </a:solidFill>
           <a:prstDash val="solid"/>
+          <a:miter/>
         </a:ln>
         <a:ln w="38100" cap="flat" cmpd="sng" algn="ctr">
           <a:solidFill>
             <a:schemeClr val="phClr"/>
           </a:solidFill>
           <a:prstDash val="solid"/>
+          <a:miter/>
+        </a:ln>
+      </a:lnStyleLst>
+      <a:effectStyleLst>
+        <a:effectStyle>
+          <a:effectLst>
+            <a:outerShdw blurRad="40000" dist="20000" dir="5400000" rotWithShape="0">
+              <a:srgbClr val="000000">
+                <a:alpha val="38000"/>
+              </a:srgbClr>
+            </a:outerShdw>
+          </a:effectLst>
+        </a:effectStyle>
+        <a:effectStyle>
+          <a:effectLst>
+            <a:outerShdw blurRad="40000" dist="23000" dir="5400000" rotWithShape="0">
+              <a:srgbClr val="000000">
+                <a:alpha val="35000"/>
+              </a:srgbClr>
+            </a:outerShdw>
+          </a:effectLst>
+        </a:effectStyle>
+        <a:effectStyle>
+          <a:effectLst>
+            <a:outerShdw blurRad="40000" dist="23000" dir="5400000" rotWithShape="0">
+              <a:srgbClr val="000000">
+                <a:alpha val="35000"/>
+              </a:srgbClr>
+            </a:outerShdw>
+          </a:effectLst>
+          <a:scene3d>
+            <a:camera prst="orthographicFront">
+              <a:rot lat="0" lon="0" rev="0"/>
+            </a:camera>
+            <a:lightRig rig="threePt" dir="t">
+              <a:rot lat="0" lon="0" rev="1200000"/>
+            </a:lightRig>
+          </a:scene3d>
+          <a:sp3d>
+            <a:bevelT w="63500" h="25400"/>
+          </a:sp3d>
+        </a:effectStyle>
+      </a:effectStyleLst>
+      <a:bgFillStyleLst>
+        <a:solidFill>
+          <a:schemeClr val="phClr"/>
+        </a:solidFill>
+        <a:gradFill rotWithShape="1">
+          <a:gsLst>
+            <a:gs pos="0">
+              <a:schemeClr val="phClr">
+                <a:tint val="40000"/>
+                <a:satMod val="350000"/>
+              </a:schemeClr>
+            </a:gs>
+            <a:gs pos="40000">
+              <a:schemeClr val="phClr">
+                <a:tint val="45000"/>
+                <a:shade val="99000"/>
+                <a:satMod val="350000"/>
+              </a:schemeClr>
+            </a:gs>
+            <a:gs pos="100000">
+              <a:schemeClr val="phClr">
+                <a:shade val="20000"/>
+                <a:satMod val="255000"/>
+              </a:schemeClr>
+            </a:gs>
+          </a:gsLst>
+          <a:path path="circle">
+            <a:fillToRect l="50000" t="-80000" r="50000" b="180000"/>
+          </a:path>
+        </a:gradFill>
+        <a:gradFill rotWithShape="1">
+          <a:gsLst>
+            <a:gs pos="0">
+              <a:schemeClr val="phClr">
+                <a:tint val="80000"/>
+                <a:satMod val="300000"/>
+              </a:schemeClr>
+            </a:gs>
+            <a:gs pos="100000">
+              <a:schemeClr val="phClr">
+                <a:shade val="30000"/>
+                <a:satMod val="200000"/>
+              </a:schemeClr>
+            </a:gs>
+          </a:gsLst>
+          <a:path path="circle">
+            <a:fillToRect l="50000" t="50000" r="50000" b="50000"/>
+          </a:path>
+        </a:gradFill>
+      </a:bgFillStyleLst>
+    </a:fmtScheme>
+  </a:themeElements>
+</a:theme>
+</file>
+
+<file path=ppt/theme/theme2.xml><?xml version="1.0" encoding="utf-8"?>
+<a:theme xmlns:a="http://schemas.openxmlformats.org/drawingml/2006/main" name="Office Theme">
+  <a:themeElements>
+    <a:clrScheme name="Office">
+      <a:dk1>
+        <a:sysClr val="windowText" lastClr="000000"/>
+      </a:dk1>
+      <a:lt1>
+        <a:sysClr val="window" lastClr="FFFFFF"/>
+      </a:lt1>
+      <a:dk2>
+        <a:srgbClr val="1f497d"/>
+      </a:dk2>
+      <a:lt2>
+        <a:srgbClr val="eeece1"/>
+      </a:lt2>
+      <a:accent1>
+        <a:srgbClr val="4f81bd"/>
+      </a:accent1>
+      <a:accent2>
+        <a:srgbClr val="c0504d"/>
+      </a:accent2>
+      <a:accent3>
+        <a:srgbClr val="9bbb59"/>
+      </a:accent3>
+      <a:accent4>
+        <a:srgbClr val="8064a2"/>
+      </a:accent4>
+      <a:accent5>
+        <a:srgbClr val="4bacc6"/>
+      </a:accent5>
+      <a:accent6>
+        <a:srgbClr val="f79646"/>
+      </a:accent6>
+      <a:hlink>
+        <a:srgbClr val="0000ff"/>
+      </a:hlink>
+      <a:folHlink>
+        <a:srgbClr val="800080"/>
+      </a:folHlink>
+    </a:clrScheme>
+    <a:fontScheme name="Office">
+      <a:majorFont>
+        <a:latin typeface="Arial"/>
+        <a:ea typeface="DejaVu Sans"/>
+        <a:cs typeface="DejaVu Sans"/>
+      </a:majorFont>
+      <a:minorFont>
+        <a:latin typeface="Arial"/>
+        <a:ea typeface="DejaVu Sans"/>
+        <a:cs typeface="DejaVu Sans"/>
+      </a:minorFont>
+    </a:fontScheme>
+    <a:fmtScheme name="Office">
+      <a:fillStyleLst>
+        <a:solidFill>
+          <a:schemeClr val="phClr"/>
+        </a:solidFill>
+        <a:gradFill rotWithShape="1">
+          <a:gsLst>
+            <a:gs pos="0">
+              <a:schemeClr val="phClr">
+                <a:tint val="50000"/>
+                <a:satMod val="300000"/>
+              </a:schemeClr>
+            </a:gs>
+            <a:gs pos="35000">
+              <a:schemeClr val="phClr">
+                <a:tint val="37000"/>
+                <a:satMod val="300000"/>
+              </a:schemeClr>
+            </a:gs>
+            <a:gs pos="100000">
+              <a:schemeClr val="phClr">
+                <a:tint val="15000"/>
+                <a:satMod val="350000"/>
+              </a:schemeClr>
+            </a:gs>
+          </a:gsLst>
+          <a:lin ang="16200000" scaled="1"/>
+        </a:gradFill>
+        <a:gradFill rotWithShape="1">
+          <a:gsLst>
+            <a:gs pos="0">
+              <a:schemeClr val="phClr">
+                <a:shade val="51000"/>
+                <a:satMod val="130000"/>
+              </a:schemeClr>
+            </a:gs>
+            <a:gs pos="80000">
+              <a:schemeClr val="phClr">
+                <a:shade val="93000"/>
+                <a:satMod val="130000"/>
+              </a:schemeClr>
+            </a:gs>
+            <a:gs pos="100000">
+              <a:schemeClr val="phClr">
+                <a:shade val="94000"/>
+                <a:satMod val="135000"/>
+              </a:schemeClr>
+            </a:gs>
+          </a:gsLst>
+          <a:lin ang="16200000" scaled="0"/>
+        </a:gradFill>
+      </a:fillStyleLst>
+      <a:lnStyleLst>
+        <a:ln w="9525" cap="flat" cmpd="sng" algn="ctr">
+          <a:solidFill>
+            <a:schemeClr val="phClr">
+              <a:shade val="95000"/>
+              <a:satMod val="105000"/>
+            </a:schemeClr>
+          </a:solidFill>
+          <a:prstDash val="solid"/>
+          <a:miter/>
+        </a:ln>
+        <a:ln w="25400" cap="flat" cmpd="sng" algn="ctr">
+          <a:solidFill>
+            <a:schemeClr val="phClr"/>
+          </a:solidFill>
+          <a:prstDash val="solid"/>
+          <a:miter/>
+        </a:ln>
+        <a:ln w="38100" cap="flat" cmpd="sng" algn="ctr">
+          <a:solidFill>
+            <a:schemeClr val="phClr"/>
+          </a:solidFill>
+          <a:prstDash val="solid"/>
+          <a:miter/>
         </a:ln>
       </a:lnStyleLst>
       <a:effectStyleLst>

--- a/hdbscan_report.pptx
+++ b/hdbscan_report.pptx
@@ -13,6 +13,7 @@
     <p:sldId id="260" r:id="rId8"/>
     <p:sldId id="261" r:id="rId9"/>
     <p:sldId id="262" r:id="rId10"/>
+    <p:sldId id="263" r:id="rId11"/>
   </p:sldIdLst>
   <p:sldSz cx="10080625" cy="5670550"/>
   <p:notesSz cx="7559675" cy="10691812"/>
@@ -71,19 +72,17 @@
         <p:spPr>
           <a:xfrm>
             <a:off x="504000" y="226080"/>
-            <a:ext cx="9071280" cy="946080"/>
-          </a:xfrm>
-          <a:prstGeom prst="rect">
-            <a:avLst/>
-          </a:prstGeom>
-        </p:spPr>
-        <p:txBody>
-          <a:bodyPr lIns="0" rIns="0" tIns="0" bIns="0" anchor="ctr">
-            <a:noAutofit/>
-          </a:bodyPr>
+            <a:ext cx="9070920" cy="945720"/>
+          </a:xfrm>
+          <a:prstGeom prst="rect">
+            <a:avLst/>
+          </a:prstGeom>
+        </p:spPr>
+        <p:txBody>
+          <a:bodyPr lIns="0" rIns="0" tIns="0" bIns="0" anchor="ctr"/>
           <a:p>
             <a:pPr algn="ctr"/>
-            <a:endParaRPr b="0" lang="en-GB" sz="4400" spc="-1" strike="noStrike">
+            <a:endParaRPr b="0" lang="en-US" sz="4400" spc="-1" strike="noStrike">
               <a:latin typeface="Arial"/>
             </a:endParaRPr>
           </a:p>
@@ -102,7 +101,7 @@
         <p:spPr>
           <a:xfrm>
             <a:off x="504000" y="1326600"/>
-            <a:ext cx="9072000" cy="1568520"/>
+            <a:ext cx="9071640" cy="1568160"/>
           </a:xfrm>
           <a:prstGeom prst="rect">
             <a:avLst/>
@@ -113,7 +112,7 @@
             <a:normAutofit/>
           </a:bodyPr>
           <a:p>
-            <a:endParaRPr b="0" lang="en-GB" sz="3200" spc="-1" strike="noStrike">
+            <a:endParaRPr b="0" lang="en-US" sz="3200" spc="-1" strike="noStrike">
               <a:latin typeface="Arial"/>
             </a:endParaRPr>
           </a:p>
@@ -131,8 +130,8 @@
         </p:nvSpPr>
         <p:spPr>
           <a:xfrm>
-            <a:off x="504000" y="3044520"/>
-            <a:ext cx="9072000" cy="1568520"/>
+            <a:off x="504000" y="3044160"/>
+            <a:ext cx="9071640" cy="1568160"/>
           </a:xfrm>
           <a:prstGeom prst="rect">
             <a:avLst/>
@@ -143,7 +142,7 @@
             <a:normAutofit/>
           </a:bodyPr>
           <a:p>
-            <a:endParaRPr b="0" lang="en-GB" sz="3200" spc="-1" strike="noStrike">
+            <a:endParaRPr b="0" lang="en-US" sz="3200" spc="-1" strike="noStrike">
               <a:latin typeface="Arial"/>
             </a:endParaRPr>
           </a:p>
@@ -184,19 +183,17 @@
         <p:spPr>
           <a:xfrm>
             <a:off x="504000" y="226080"/>
-            <a:ext cx="9071280" cy="946080"/>
-          </a:xfrm>
-          <a:prstGeom prst="rect">
-            <a:avLst/>
-          </a:prstGeom>
-        </p:spPr>
-        <p:txBody>
-          <a:bodyPr lIns="0" rIns="0" tIns="0" bIns="0" anchor="ctr">
-            <a:noAutofit/>
-          </a:bodyPr>
+            <a:ext cx="9070920" cy="945720"/>
+          </a:xfrm>
+          <a:prstGeom prst="rect">
+            <a:avLst/>
+          </a:prstGeom>
+        </p:spPr>
+        <p:txBody>
+          <a:bodyPr lIns="0" rIns="0" tIns="0" bIns="0" anchor="ctr"/>
           <a:p>
             <a:pPr algn="ctr"/>
-            <a:endParaRPr b="0" lang="en-GB" sz="4400" spc="-1" strike="noStrike">
+            <a:endParaRPr b="0" lang="en-US" sz="4400" spc="-1" strike="noStrike">
               <a:latin typeface="Arial"/>
             </a:endParaRPr>
           </a:p>
@@ -215,7 +212,7 @@
         <p:spPr>
           <a:xfrm>
             <a:off x="504000" y="1326600"/>
-            <a:ext cx="4426920" cy="1568520"/>
+            <a:ext cx="4426920" cy="1568160"/>
           </a:xfrm>
           <a:prstGeom prst="rect">
             <a:avLst/>
@@ -226,7 +223,7 @@
             <a:normAutofit/>
           </a:bodyPr>
           <a:p>
-            <a:endParaRPr b="0" lang="en-GB" sz="3200" spc="-1" strike="noStrike">
+            <a:endParaRPr b="0" lang="en-US" sz="3200" spc="-1" strike="noStrike">
               <a:latin typeface="Arial"/>
             </a:endParaRPr>
           </a:p>
@@ -245,7 +242,7 @@
         <p:spPr>
           <a:xfrm>
             <a:off x="5152680" y="1326600"/>
-            <a:ext cx="4426920" cy="1568520"/>
+            <a:ext cx="4426920" cy="1568160"/>
           </a:xfrm>
           <a:prstGeom prst="rect">
             <a:avLst/>
@@ -256,7 +253,7 @@
             <a:normAutofit/>
           </a:bodyPr>
           <a:p>
-            <a:endParaRPr b="0" lang="en-GB" sz="3200" spc="-1" strike="noStrike">
+            <a:endParaRPr b="0" lang="en-US" sz="3200" spc="-1" strike="noStrike">
               <a:latin typeface="Arial"/>
             </a:endParaRPr>
           </a:p>
@@ -274,8 +271,8 @@
         </p:nvSpPr>
         <p:spPr>
           <a:xfrm>
-            <a:off x="504000" y="3044520"/>
-            <a:ext cx="4426920" cy="1568520"/>
+            <a:off x="504000" y="3044160"/>
+            <a:ext cx="4426920" cy="1568160"/>
           </a:xfrm>
           <a:prstGeom prst="rect">
             <a:avLst/>
@@ -286,7 +283,7 @@
             <a:normAutofit/>
           </a:bodyPr>
           <a:p>
-            <a:endParaRPr b="0" lang="en-GB" sz="3200" spc="-1" strike="noStrike">
+            <a:endParaRPr b="0" lang="en-US" sz="3200" spc="-1" strike="noStrike">
               <a:latin typeface="Arial"/>
             </a:endParaRPr>
           </a:p>
@@ -304,8 +301,8 @@
         </p:nvSpPr>
         <p:spPr>
           <a:xfrm>
-            <a:off x="5152680" y="3044520"/>
-            <a:ext cx="4426920" cy="1568520"/>
+            <a:off x="5152680" y="3044160"/>
+            <a:ext cx="4426920" cy="1568160"/>
           </a:xfrm>
           <a:prstGeom prst="rect">
             <a:avLst/>
@@ -316,7 +313,7 @@
             <a:normAutofit/>
           </a:bodyPr>
           <a:p>
-            <a:endParaRPr b="0" lang="en-GB" sz="3200" spc="-1" strike="noStrike">
+            <a:endParaRPr b="0" lang="en-US" sz="3200" spc="-1" strike="noStrike">
               <a:latin typeface="Arial"/>
             </a:endParaRPr>
           </a:p>
@@ -357,19 +354,17 @@
         <p:spPr>
           <a:xfrm>
             <a:off x="504000" y="226080"/>
-            <a:ext cx="9071280" cy="946080"/>
-          </a:xfrm>
-          <a:prstGeom prst="rect">
-            <a:avLst/>
-          </a:prstGeom>
-        </p:spPr>
-        <p:txBody>
-          <a:bodyPr lIns="0" rIns="0" tIns="0" bIns="0" anchor="ctr">
-            <a:noAutofit/>
-          </a:bodyPr>
+            <a:ext cx="9070920" cy="945720"/>
+          </a:xfrm>
+          <a:prstGeom prst="rect">
+            <a:avLst/>
+          </a:prstGeom>
+        </p:spPr>
+        <p:txBody>
+          <a:bodyPr lIns="0" rIns="0" tIns="0" bIns="0" anchor="ctr"/>
           <a:p>
             <a:pPr algn="ctr"/>
-            <a:endParaRPr b="0" lang="en-GB" sz="4400" spc="-1" strike="noStrike">
+            <a:endParaRPr b="0" lang="en-US" sz="4400" spc="-1" strike="noStrike">
               <a:latin typeface="Arial"/>
             </a:endParaRPr>
           </a:p>
@@ -388,7 +383,7 @@
         <p:spPr>
           <a:xfrm>
             <a:off x="504000" y="1326600"/>
-            <a:ext cx="2921040" cy="1568520"/>
+            <a:ext cx="2920680" cy="1568160"/>
           </a:xfrm>
           <a:prstGeom prst="rect">
             <a:avLst/>
@@ -399,7 +394,7 @@
             <a:normAutofit/>
           </a:bodyPr>
           <a:p>
-            <a:endParaRPr b="0" lang="en-GB" sz="3200" spc="-1" strike="noStrike">
+            <a:endParaRPr b="0" lang="en-US" sz="3200" spc="-1" strike="noStrike">
               <a:latin typeface="Arial"/>
             </a:endParaRPr>
           </a:p>
@@ -417,8 +412,8 @@
         </p:nvSpPr>
         <p:spPr>
           <a:xfrm>
-            <a:off x="3571560" y="1326600"/>
-            <a:ext cx="2921040" cy="1568520"/>
+            <a:off x="3571200" y="1326600"/>
+            <a:ext cx="2920680" cy="1568160"/>
           </a:xfrm>
           <a:prstGeom prst="rect">
             <a:avLst/>
@@ -429,7 +424,7 @@
             <a:normAutofit/>
           </a:bodyPr>
           <a:p>
-            <a:endParaRPr b="0" lang="en-GB" sz="3200" spc="-1" strike="noStrike">
+            <a:endParaRPr b="0" lang="en-US" sz="3200" spc="-1" strike="noStrike">
               <a:latin typeface="Arial"/>
             </a:endParaRPr>
           </a:p>
@@ -447,8 +442,8 @@
         </p:nvSpPr>
         <p:spPr>
           <a:xfrm>
-            <a:off x="6639120" y="1326600"/>
-            <a:ext cx="2921040" cy="1568520"/>
+            <a:off x="6638040" y="1326600"/>
+            <a:ext cx="2920680" cy="1568160"/>
           </a:xfrm>
           <a:prstGeom prst="rect">
             <a:avLst/>
@@ -459,7 +454,7 @@
             <a:normAutofit/>
           </a:bodyPr>
           <a:p>
-            <a:endParaRPr b="0" lang="en-GB" sz="3200" spc="-1" strike="noStrike">
+            <a:endParaRPr b="0" lang="en-US" sz="3200" spc="-1" strike="noStrike">
               <a:latin typeface="Arial"/>
             </a:endParaRPr>
           </a:p>
@@ -477,8 +472,8 @@
         </p:nvSpPr>
         <p:spPr>
           <a:xfrm>
-            <a:off x="504000" y="3044520"/>
-            <a:ext cx="2921040" cy="1568520"/>
+            <a:off x="504000" y="3044160"/>
+            <a:ext cx="2920680" cy="1568160"/>
           </a:xfrm>
           <a:prstGeom prst="rect">
             <a:avLst/>
@@ -489,7 +484,7 @@
             <a:normAutofit/>
           </a:bodyPr>
           <a:p>
-            <a:endParaRPr b="0" lang="en-GB" sz="3200" spc="-1" strike="noStrike">
+            <a:endParaRPr b="0" lang="en-US" sz="3200" spc="-1" strike="noStrike">
               <a:latin typeface="Arial"/>
             </a:endParaRPr>
           </a:p>
@@ -507,8 +502,8 @@
         </p:nvSpPr>
         <p:spPr>
           <a:xfrm>
-            <a:off x="3571560" y="3044520"/>
-            <a:ext cx="2921040" cy="1568520"/>
+            <a:off x="3571200" y="3044160"/>
+            <a:ext cx="2920680" cy="1568160"/>
           </a:xfrm>
           <a:prstGeom prst="rect">
             <a:avLst/>
@@ -519,7 +514,7 @@
             <a:normAutofit/>
           </a:bodyPr>
           <a:p>
-            <a:endParaRPr b="0" lang="en-GB" sz="3200" spc="-1" strike="noStrike">
+            <a:endParaRPr b="0" lang="en-US" sz="3200" spc="-1" strike="noStrike">
               <a:latin typeface="Arial"/>
             </a:endParaRPr>
           </a:p>
@@ -537,8 +532,8 @@
         </p:nvSpPr>
         <p:spPr>
           <a:xfrm>
-            <a:off x="6639120" y="3044520"/>
-            <a:ext cx="2921040" cy="1568520"/>
+            <a:off x="6638040" y="3044160"/>
+            <a:ext cx="2920680" cy="1568160"/>
           </a:xfrm>
           <a:prstGeom prst="rect">
             <a:avLst/>
@@ -549,7 +544,7 @@
             <a:normAutofit/>
           </a:bodyPr>
           <a:p>
-            <a:endParaRPr b="0" lang="en-GB" sz="3200" spc="-1" strike="noStrike">
+            <a:endParaRPr b="0" lang="en-US" sz="3200" spc="-1" strike="noStrike">
               <a:latin typeface="Arial"/>
             </a:endParaRPr>
           </a:p>
@@ -612,19 +607,17 @@
         <p:spPr>
           <a:xfrm>
             <a:off x="504000" y="226080"/>
-            <a:ext cx="9071280" cy="946080"/>
-          </a:xfrm>
-          <a:prstGeom prst="rect">
-            <a:avLst/>
-          </a:prstGeom>
-        </p:spPr>
-        <p:txBody>
-          <a:bodyPr lIns="0" rIns="0" tIns="0" bIns="0" anchor="ctr">
-            <a:noAutofit/>
-          </a:bodyPr>
+            <a:ext cx="9070920" cy="945720"/>
+          </a:xfrm>
+          <a:prstGeom prst="rect">
+            <a:avLst/>
+          </a:prstGeom>
+        </p:spPr>
+        <p:txBody>
+          <a:bodyPr lIns="0" rIns="0" tIns="0" bIns="0" anchor="ctr"/>
           <a:p>
             <a:pPr algn="ctr"/>
-            <a:endParaRPr b="0" lang="en-GB" sz="4400" spc="-1" strike="noStrike">
+            <a:endParaRPr b="0" lang="en-US" sz="4400" spc="-1" strike="noStrike">
               <a:latin typeface="Arial"/>
             </a:endParaRPr>
           </a:p>
@@ -643,19 +636,17 @@
         <p:spPr>
           <a:xfrm>
             <a:off x="504000" y="1326600"/>
-            <a:ext cx="9072000" cy="3288600"/>
-          </a:xfrm>
-          <a:prstGeom prst="rect">
-            <a:avLst/>
-          </a:prstGeom>
-        </p:spPr>
-        <p:txBody>
-          <a:bodyPr lIns="0" rIns="0" tIns="0" bIns="0" anchor="ctr">
-            <a:noAutofit/>
-          </a:bodyPr>
+            <a:ext cx="9071640" cy="3288240"/>
+          </a:xfrm>
+          <a:prstGeom prst="rect">
+            <a:avLst/>
+          </a:prstGeom>
+        </p:spPr>
+        <p:txBody>
+          <a:bodyPr lIns="0" rIns="0" tIns="0" bIns="0" anchor="ctr"/>
           <a:p>
             <a:pPr algn="ctr"/>
-            <a:endParaRPr b="0" lang="en-GB" sz="3200" spc="-1" strike="noStrike">
+            <a:endParaRPr b="0" lang="en-US" sz="3200" spc="-1" strike="noStrike">
               <a:latin typeface="Arial"/>
             </a:endParaRPr>
           </a:p>
@@ -696,19 +687,17 @@
         <p:spPr>
           <a:xfrm>
             <a:off x="504000" y="226080"/>
-            <a:ext cx="9071280" cy="946080"/>
-          </a:xfrm>
-          <a:prstGeom prst="rect">
-            <a:avLst/>
-          </a:prstGeom>
-        </p:spPr>
-        <p:txBody>
-          <a:bodyPr lIns="0" rIns="0" tIns="0" bIns="0" anchor="ctr">
-            <a:noAutofit/>
-          </a:bodyPr>
+            <a:ext cx="9070920" cy="945720"/>
+          </a:xfrm>
+          <a:prstGeom prst="rect">
+            <a:avLst/>
+          </a:prstGeom>
+        </p:spPr>
+        <p:txBody>
+          <a:bodyPr lIns="0" rIns="0" tIns="0" bIns="0" anchor="ctr"/>
           <a:p>
             <a:pPr algn="ctr"/>
-            <a:endParaRPr b="0" lang="en-GB" sz="4400" spc="-1" strike="noStrike">
+            <a:endParaRPr b="0" lang="en-US" sz="4400" spc="-1" strike="noStrike">
               <a:latin typeface="Arial"/>
             </a:endParaRPr>
           </a:p>
@@ -727,7 +716,7 @@
         <p:spPr>
           <a:xfrm>
             <a:off x="504000" y="1326600"/>
-            <a:ext cx="9072000" cy="3288600"/>
+            <a:ext cx="9071640" cy="3288240"/>
           </a:xfrm>
           <a:prstGeom prst="rect">
             <a:avLst/>
@@ -738,7 +727,7 @@
             <a:normAutofit/>
           </a:bodyPr>
           <a:p>
-            <a:endParaRPr b="0" lang="en-GB" sz="3200" spc="-1" strike="noStrike">
+            <a:endParaRPr b="0" lang="en-US" sz="3200" spc="-1" strike="noStrike">
               <a:latin typeface="Arial"/>
             </a:endParaRPr>
           </a:p>
@@ -779,19 +768,17 @@
         <p:spPr>
           <a:xfrm>
             <a:off x="504000" y="226080"/>
-            <a:ext cx="9071280" cy="946080"/>
-          </a:xfrm>
-          <a:prstGeom prst="rect">
-            <a:avLst/>
-          </a:prstGeom>
-        </p:spPr>
-        <p:txBody>
-          <a:bodyPr lIns="0" rIns="0" tIns="0" bIns="0" anchor="ctr">
-            <a:noAutofit/>
-          </a:bodyPr>
+            <a:ext cx="9070920" cy="945720"/>
+          </a:xfrm>
+          <a:prstGeom prst="rect">
+            <a:avLst/>
+          </a:prstGeom>
+        </p:spPr>
+        <p:txBody>
+          <a:bodyPr lIns="0" rIns="0" tIns="0" bIns="0" anchor="ctr"/>
           <a:p>
             <a:pPr algn="ctr"/>
-            <a:endParaRPr b="0" lang="en-GB" sz="4400" spc="-1" strike="noStrike">
+            <a:endParaRPr b="0" lang="en-US" sz="4400" spc="-1" strike="noStrike">
               <a:latin typeface="Arial"/>
             </a:endParaRPr>
           </a:p>
@@ -810,7 +797,7 @@
         <p:spPr>
           <a:xfrm>
             <a:off x="504000" y="1326600"/>
-            <a:ext cx="4426920" cy="3288600"/>
+            <a:ext cx="4426920" cy="3288240"/>
           </a:xfrm>
           <a:prstGeom prst="rect">
             <a:avLst/>
@@ -821,7 +808,7 @@
             <a:normAutofit/>
           </a:bodyPr>
           <a:p>
-            <a:endParaRPr b="0" lang="en-GB" sz="3200" spc="-1" strike="noStrike">
+            <a:endParaRPr b="0" lang="en-US" sz="3200" spc="-1" strike="noStrike">
               <a:latin typeface="Arial"/>
             </a:endParaRPr>
           </a:p>
@@ -840,7 +827,7 @@
         <p:spPr>
           <a:xfrm>
             <a:off x="5152680" y="1326600"/>
-            <a:ext cx="4426920" cy="3288600"/>
+            <a:ext cx="4426920" cy="3288240"/>
           </a:xfrm>
           <a:prstGeom prst="rect">
             <a:avLst/>
@@ -851,7 +838,7 @@
             <a:normAutofit/>
           </a:bodyPr>
           <a:p>
-            <a:endParaRPr b="0" lang="en-GB" sz="3200" spc="-1" strike="noStrike">
+            <a:endParaRPr b="0" lang="en-US" sz="3200" spc="-1" strike="noStrike">
               <a:latin typeface="Arial"/>
             </a:endParaRPr>
           </a:p>
@@ -892,19 +879,17 @@
         <p:spPr>
           <a:xfrm>
             <a:off x="504000" y="226080"/>
-            <a:ext cx="9071280" cy="946080"/>
-          </a:xfrm>
-          <a:prstGeom prst="rect">
-            <a:avLst/>
-          </a:prstGeom>
-        </p:spPr>
-        <p:txBody>
-          <a:bodyPr lIns="0" rIns="0" tIns="0" bIns="0" anchor="ctr">
-            <a:noAutofit/>
-          </a:bodyPr>
+            <a:ext cx="9070920" cy="945720"/>
+          </a:xfrm>
+          <a:prstGeom prst="rect">
+            <a:avLst/>
+          </a:prstGeom>
+        </p:spPr>
+        <p:txBody>
+          <a:bodyPr lIns="0" rIns="0" tIns="0" bIns="0" anchor="ctr"/>
           <a:p>
             <a:pPr algn="ctr"/>
-            <a:endParaRPr b="0" lang="en-GB" sz="4400" spc="-1" strike="noStrike">
+            <a:endParaRPr b="0" lang="en-US" sz="4400" spc="-1" strike="noStrike">
               <a:latin typeface="Arial"/>
             </a:endParaRPr>
           </a:p>
@@ -945,19 +930,17 @@
         <p:spPr>
           <a:xfrm>
             <a:off x="504000" y="226080"/>
-            <a:ext cx="9071280" cy="4386600"/>
-          </a:xfrm>
-          <a:prstGeom prst="rect">
-            <a:avLst/>
-          </a:prstGeom>
-        </p:spPr>
-        <p:txBody>
-          <a:bodyPr lIns="0" rIns="0" tIns="0" bIns="0" anchor="ctr">
-            <a:noAutofit/>
-          </a:bodyPr>
+            <a:ext cx="9070920" cy="4385160"/>
+          </a:xfrm>
+          <a:prstGeom prst="rect">
+            <a:avLst/>
+          </a:prstGeom>
+        </p:spPr>
+        <p:txBody>
+          <a:bodyPr lIns="0" rIns="0" tIns="0" bIns="0" anchor="ctr"/>
           <a:p>
             <a:pPr algn="ctr"/>
-            <a:endParaRPr b="0" lang="en-GB" sz="3200" spc="-1" strike="noStrike">
+            <a:endParaRPr b="0" lang="en-US" sz="3200" spc="-1" strike="noStrike">
               <a:latin typeface="Arial"/>
             </a:endParaRPr>
           </a:p>
@@ -998,19 +981,17 @@
         <p:spPr>
           <a:xfrm>
             <a:off x="504000" y="226080"/>
-            <a:ext cx="9071280" cy="946080"/>
-          </a:xfrm>
-          <a:prstGeom prst="rect">
-            <a:avLst/>
-          </a:prstGeom>
-        </p:spPr>
-        <p:txBody>
-          <a:bodyPr lIns="0" rIns="0" tIns="0" bIns="0" anchor="ctr">
-            <a:noAutofit/>
-          </a:bodyPr>
+            <a:ext cx="9070920" cy="945720"/>
+          </a:xfrm>
+          <a:prstGeom prst="rect">
+            <a:avLst/>
+          </a:prstGeom>
+        </p:spPr>
+        <p:txBody>
+          <a:bodyPr lIns="0" rIns="0" tIns="0" bIns="0" anchor="ctr"/>
           <a:p>
             <a:pPr algn="ctr"/>
-            <a:endParaRPr b="0" lang="en-GB" sz="4400" spc="-1" strike="noStrike">
+            <a:endParaRPr b="0" lang="en-US" sz="4400" spc="-1" strike="noStrike">
               <a:latin typeface="Arial"/>
             </a:endParaRPr>
           </a:p>
@@ -1029,7 +1010,7 @@
         <p:spPr>
           <a:xfrm>
             <a:off x="504000" y="1326600"/>
-            <a:ext cx="4426920" cy="1568520"/>
+            <a:ext cx="4426920" cy="1568160"/>
           </a:xfrm>
           <a:prstGeom prst="rect">
             <a:avLst/>
@@ -1040,7 +1021,7 @@
             <a:normAutofit/>
           </a:bodyPr>
           <a:p>
-            <a:endParaRPr b="0" lang="en-GB" sz="3200" spc="-1" strike="noStrike">
+            <a:endParaRPr b="0" lang="en-US" sz="3200" spc="-1" strike="noStrike">
               <a:latin typeface="Arial"/>
             </a:endParaRPr>
           </a:p>
@@ -1059,7 +1040,7 @@
         <p:spPr>
           <a:xfrm>
             <a:off x="5152680" y="1326600"/>
-            <a:ext cx="4426920" cy="3288600"/>
+            <a:ext cx="4426920" cy="3288240"/>
           </a:xfrm>
           <a:prstGeom prst="rect">
             <a:avLst/>
@@ -1070,7 +1051,7 @@
             <a:normAutofit/>
           </a:bodyPr>
           <a:p>
-            <a:endParaRPr b="0" lang="en-GB" sz="3200" spc="-1" strike="noStrike">
+            <a:endParaRPr b="0" lang="en-US" sz="3200" spc="-1" strike="noStrike">
               <a:latin typeface="Arial"/>
             </a:endParaRPr>
           </a:p>
@@ -1088,8 +1069,8 @@
         </p:nvSpPr>
         <p:spPr>
           <a:xfrm>
-            <a:off x="504000" y="3044520"/>
-            <a:ext cx="4426920" cy="1568520"/>
+            <a:off x="504000" y="3044160"/>
+            <a:ext cx="4426920" cy="1568160"/>
           </a:xfrm>
           <a:prstGeom prst="rect">
             <a:avLst/>
@@ -1100,7 +1081,7 @@
             <a:normAutofit/>
           </a:bodyPr>
           <a:p>
-            <a:endParaRPr b="0" lang="en-GB" sz="3200" spc="-1" strike="noStrike">
+            <a:endParaRPr b="0" lang="en-US" sz="3200" spc="-1" strike="noStrike">
               <a:latin typeface="Arial"/>
             </a:endParaRPr>
           </a:p>
@@ -1141,19 +1122,17 @@
         <p:spPr>
           <a:xfrm>
             <a:off x="504000" y="226080"/>
-            <a:ext cx="9071280" cy="946080"/>
-          </a:xfrm>
-          <a:prstGeom prst="rect">
-            <a:avLst/>
-          </a:prstGeom>
-        </p:spPr>
-        <p:txBody>
-          <a:bodyPr lIns="0" rIns="0" tIns="0" bIns="0" anchor="ctr">
-            <a:noAutofit/>
-          </a:bodyPr>
+            <a:ext cx="9070920" cy="945720"/>
+          </a:xfrm>
+          <a:prstGeom prst="rect">
+            <a:avLst/>
+          </a:prstGeom>
+        </p:spPr>
+        <p:txBody>
+          <a:bodyPr lIns="0" rIns="0" tIns="0" bIns="0" anchor="ctr"/>
           <a:p>
             <a:pPr algn="ctr"/>
-            <a:endParaRPr b="0" lang="en-GB" sz="4400" spc="-1" strike="noStrike">
+            <a:endParaRPr b="0" lang="en-US" sz="4400" spc="-1" strike="noStrike">
               <a:latin typeface="Arial"/>
             </a:endParaRPr>
           </a:p>
@@ -1172,19 +1151,17 @@
         <p:spPr>
           <a:xfrm>
             <a:off x="504000" y="1326600"/>
-            <a:ext cx="9072000" cy="3288600"/>
-          </a:xfrm>
-          <a:prstGeom prst="rect">
-            <a:avLst/>
-          </a:prstGeom>
-        </p:spPr>
-        <p:txBody>
-          <a:bodyPr lIns="0" rIns="0" tIns="0" bIns="0" anchor="ctr">
-            <a:noAutofit/>
-          </a:bodyPr>
+            <a:ext cx="9071640" cy="3288240"/>
+          </a:xfrm>
+          <a:prstGeom prst="rect">
+            <a:avLst/>
+          </a:prstGeom>
+        </p:spPr>
+        <p:txBody>
+          <a:bodyPr lIns="0" rIns="0" tIns="0" bIns="0" anchor="ctr"/>
           <a:p>
             <a:pPr algn="ctr"/>
-            <a:endParaRPr b="0" lang="en-GB" sz="3200" spc="-1" strike="noStrike">
+            <a:endParaRPr b="0" lang="en-US" sz="3200" spc="-1" strike="noStrike">
               <a:latin typeface="Arial"/>
             </a:endParaRPr>
           </a:p>
@@ -1225,19 +1202,17 @@
         <p:spPr>
           <a:xfrm>
             <a:off x="504000" y="226080"/>
-            <a:ext cx="9071280" cy="946080"/>
-          </a:xfrm>
-          <a:prstGeom prst="rect">
-            <a:avLst/>
-          </a:prstGeom>
-        </p:spPr>
-        <p:txBody>
-          <a:bodyPr lIns="0" rIns="0" tIns="0" bIns="0" anchor="ctr">
-            <a:noAutofit/>
-          </a:bodyPr>
+            <a:ext cx="9070920" cy="945720"/>
+          </a:xfrm>
+          <a:prstGeom prst="rect">
+            <a:avLst/>
+          </a:prstGeom>
+        </p:spPr>
+        <p:txBody>
+          <a:bodyPr lIns="0" rIns="0" tIns="0" bIns="0" anchor="ctr"/>
           <a:p>
             <a:pPr algn="ctr"/>
-            <a:endParaRPr b="0" lang="en-GB" sz="4400" spc="-1" strike="noStrike">
+            <a:endParaRPr b="0" lang="en-US" sz="4400" spc="-1" strike="noStrike">
               <a:latin typeface="Arial"/>
             </a:endParaRPr>
           </a:p>
@@ -1256,7 +1231,7 @@
         <p:spPr>
           <a:xfrm>
             <a:off x="504000" y="1326600"/>
-            <a:ext cx="4426920" cy="3288600"/>
+            <a:ext cx="4426920" cy="3288240"/>
           </a:xfrm>
           <a:prstGeom prst="rect">
             <a:avLst/>
@@ -1267,7 +1242,7 @@
             <a:normAutofit/>
           </a:bodyPr>
           <a:p>
-            <a:endParaRPr b="0" lang="en-GB" sz="3200" spc="-1" strike="noStrike">
+            <a:endParaRPr b="0" lang="en-US" sz="3200" spc="-1" strike="noStrike">
               <a:latin typeface="Arial"/>
             </a:endParaRPr>
           </a:p>
@@ -1286,7 +1261,7 @@
         <p:spPr>
           <a:xfrm>
             <a:off x="5152680" y="1326600"/>
-            <a:ext cx="4426920" cy="1568520"/>
+            <a:ext cx="4426920" cy="1568160"/>
           </a:xfrm>
           <a:prstGeom prst="rect">
             <a:avLst/>
@@ -1297,7 +1272,7 @@
             <a:normAutofit/>
           </a:bodyPr>
           <a:p>
-            <a:endParaRPr b="0" lang="en-GB" sz="3200" spc="-1" strike="noStrike">
+            <a:endParaRPr b="0" lang="en-US" sz="3200" spc="-1" strike="noStrike">
               <a:latin typeface="Arial"/>
             </a:endParaRPr>
           </a:p>
@@ -1315,8 +1290,8 @@
         </p:nvSpPr>
         <p:spPr>
           <a:xfrm>
-            <a:off x="5152680" y="3044520"/>
-            <a:ext cx="4426920" cy="1568520"/>
+            <a:off x="5152680" y="3044160"/>
+            <a:ext cx="4426920" cy="1568160"/>
           </a:xfrm>
           <a:prstGeom prst="rect">
             <a:avLst/>
@@ -1327,7 +1302,7 @@
             <a:normAutofit/>
           </a:bodyPr>
           <a:p>
-            <a:endParaRPr b="0" lang="en-GB" sz="3200" spc="-1" strike="noStrike">
+            <a:endParaRPr b="0" lang="en-US" sz="3200" spc="-1" strike="noStrike">
               <a:latin typeface="Arial"/>
             </a:endParaRPr>
           </a:p>
@@ -1368,19 +1343,17 @@
         <p:spPr>
           <a:xfrm>
             <a:off x="504000" y="226080"/>
-            <a:ext cx="9071280" cy="946080"/>
-          </a:xfrm>
-          <a:prstGeom prst="rect">
-            <a:avLst/>
-          </a:prstGeom>
-        </p:spPr>
-        <p:txBody>
-          <a:bodyPr lIns="0" rIns="0" tIns="0" bIns="0" anchor="ctr">
-            <a:noAutofit/>
-          </a:bodyPr>
+            <a:ext cx="9070920" cy="945720"/>
+          </a:xfrm>
+          <a:prstGeom prst="rect">
+            <a:avLst/>
+          </a:prstGeom>
+        </p:spPr>
+        <p:txBody>
+          <a:bodyPr lIns="0" rIns="0" tIns="0" bIns="0" anchor="ctr"/>
           <a:p>
             <a:pPr algn="ctr"/>
-            <a:endParaRPr b="0" lang="en-GB" sz="4400" spc="-1" strike="noStrike">
+            <a:endParaRPr b="0" lang="en-US" sz="4400" spc="-1" strike="noStrike">
               <a:latin typeface="Arial"/>
             </a:endParaRPr>
           </a:p>
@@ -1399,7 +1372,7 @@
         <p:spPr>
           <a:xfrm>
             <a:off x="504000" y="1326600"/>
-            <a:ext cx="4426920" cy="1568520"/>
+            <a:ext cx="4426920" cy="1568160"/>
           </a:xfrm>
           <a:prstGeom prst="rect">
             <a:avLst/>
@@ -1410,7 +1383,7 @@
             <a:normAutofit/>
           </a:bodyPr>
           <a:p>
-            <a:endParaRPr b="0" lang="en-GB" sz="3200" spc="-1" strike="noStrike">
+            <a:endParaRPr b="0" lang="en-US" sz="3200" spc="-1" strike="noStrike">
               <a:latin typeface="Arial"/>
             </a:endParaRPr>
           </a:p>
@@ -1429,7 +1402,7 @@
         <p:spPr>
           <a:xfrm>
             <a:off x="5152680" y="1326600"/>
-            <a:ext cx="4426920" cy="1568520"/>
+            <a:ext cx="4426920" cy="1568160"/>
           </a:xfrm>
           <a:prstGeom prst="rect">
             <a:avLst/>
@@ -1440,7 +1413,7 @@
             <a:normAutofit/>
           </a:bodyPr>
           <a:p>
-            <a:endParaRPr b="0" lang="en-GB" sz="3200" spc="-1" strike="noStrike">
+            <a:endParaRPr b="0" lang="en-US" sz="3200" spc="-1" strike="noStrike">
               <a:latin typeface="Arial"/>
             </a:endParaRPr>
           </a:p>
@@ -1458,8 +1431,8 @@
         </p:nvSpPr>
         <p:spPr>
           <a:xfrm>
-            <a:off x="504000" y="3044520"/>
-            <a:ext cx="9072000" cy="1568520"/>
+            <a:off x="504000" y="3044160"/>
+            <a:ext cx="9071640" cy="1568160"/>
           </a:xfrm>
           <a:prstGeom prst="rect">
             <a:avLst/>
@@ -1470,7 +1443,7 @@
             <a:normAutofit/>
           </a:bodyPr>
           <a:p>
-            <a:endParaRPr b="0" lang="en-GB" sz="3200" spc="-1" strike="noStrike">
+            <a:endParaRPr b="0" lang="en-US" sz="3200" spc="-1" strike="noStrike">
               <a:latin typeface="Arial"/>
             </a:endParaRPr>
           </a:p>
@@ -1511,19 +1484,17 @@
         <p:spPr>
           <a:xfrm>
             <a:off x="504000" y="226080"/>
-            <a:ext cx="9071280" cy="946080"/>
-          </a:xfrm>
-          <a:prstGeom prst="rect">
-            <a:avLst/>
-          </a:prstGeom>
-        </p:spPr>
-        <p:txBody>
-          <a:bodyPr lIns="0" rIns="0" tIns="0" bIns="0" anchor="ctr">
-            <a:noAutofit/>
-          </a:bodyPr>
+            <a:ext cx="9070920" cy="945720"/>
+          </a:xfrm>
+          <a:prstGeom prst="rect">
+            <a:avLst/>
+          </a:prstGeom>
+        </p:spPr>
+        <p:txBody>
+          <a:bodyPr lIns="0" rIns="0" tIns="0" bIns="0" anchor="ctr"/>
           <a:p>
             <a:pPr algn="ctr"/>
-            <a:endParaRPr b="0" lang="en-GB" sz="4400" spc="-1" strike="noStrike">
+            <a:endParaRPr b="0" lang="en-US" sz="4400" spc="-1" strike="noStrike">
               <a:latin typeface="Arial"/>
             </a:endParaRPr>
           </a:p>
@@ -1542,7 +1513,7 @@
         <p:spPr>
           <a:xfrm>
             <a:off x="504000" y="1326600"/>
-            <a:ext cx="9072000" cy="1568520"/>
+            <a:ext cx="9071640" cy="1568160"/>
           </a:xfrm>
           <a:prstGeom prst="rect">
             <a:avLst/>
@@ -1553,7 +1524,7 @@
             <a:normAutofit/>
           </a:bodyPr>
           <a:p>
-            <a:endParaRPr b="0" lang="en-GB" sz="3200" spc="-1" strike="noStrike">
+            <a:endParaRPr b="0" lang="en-US" sz="3200" spc="-1" strike="noStrike">
               <a:latin typeface="Arial"/>
             </a:endParaRPr>
           </a:p>
@@ -1571,8 +1542,8 @@
         </p:nvSpPr>
         <p:spPr>
           <a:xfrm>
-            <a:off x="504000" y="3044520"/>
-            <a:ext cx="9072000" cy="1568520"/>
+            <a:off x="504000" y="3044160"/>
+            <a:ext cx="9071640" cy="1568160"/>
           </a:xfrm>
           <a:prstGeom prst="rect">
             <a:avLst/>
@@ -1583,7 +1554,7 @@
             <a:normAutofit/>
           </a:bodyPr>
           <a:p>
-            <a:endParaRPr b="0" lang="en-GB" sz="3200" spc="-1" strike="noStrike">
+            <a:endParaRPr b="0" lang="en-US" sz="3200" spc="-1" strike="noStrike">
               <a:latin typeface="Arial"/>
             </a:endParaRPr>
           </a:p>
@@ -1624,19 +1595,17 @@
         <p:spPr>
           <a:xfrm>
             <a:off x="504000" y="226080"/>
-            <a:ext cx="9071280" cy="946080"/>
-          </a:xfrm>
-          <a:prstGeom prst="rect">
-            <a:avLst/>
-          </a:prstGeom>
-        </p:spPr>
-        <p:txBody>
-          <a:bodyPr lIns="0" rIns="0" tIns="0" bIns="0" anchor="ctr">
-            <a:noAutofit/>
-          </a:bodyPr>
+            <a:ext cx="9070920" cy="945720"/>
+          </a:xfrm>
+          <a:prstGeom prst="rect">
+            <a:avLst/>
+          </a:prstGeom>
+        </p:spPr>
+        <p:txBody>
+          <a:bodyPr lIns="0" rIns="0" tIns="0" bIns="0" anchor="ctr"/>
           <a:p>
             <a:pPr algn="ctr"/>
-            <a:endParaRPr b="0" lang="en-GB" sz="4400" spc="-1" strike="noStrike">
+            <a:endParaRPr b="0" lang="en-US" sz="4400" spc="-1" strike="noStrike">
               <a:latin typeface="Arial"/>
             </a:endParaRPr>
           </a:p>
@@ -1655,7 +1624,7 @@
         <p:spPr>
           <a:xfrm>
             <a:off x="504000" y="1326600"/>
-            <a:ext cx="4426920" cy="1568520"/>
+            <a:ext cx="4426920" cy="1568160"/>
           </a:xfrm>
           <a:prstGeom prst="rect">
             <a:avLst/>
@@ -1666,7 +1635,7 @@
             <a:normAutofit/>
           </a:bodyPr>
           <a:p>
-            <a:endParaRPr b="0" lang="en-GB" sz="3200" spc="-1" strike="noStrike">
+            <a:endParaRPr b="0" lang="en-US" sz="3200" spc="-1" strike="noStrike">
               <a:latin typeface="Arial"/>
             </a:endParaRPr>
           </a:p>
@@ -1685,7 +1654,7 @@
         <p:spPr>
           <a:xfrm>
             <a:off x="5152680" y="1326600"/>
-            <a:ext cx="4426920" cy="1568520"/>
+            <a:ext cx="4426920" cy="1568160"/>
           </a:xfrm>
           <a:prstGeom prst="rect">
             <a:avLst/>
@@ -1696,7 +1665,7 @@
             <a:normAutofit/>
           </a:bodyPr>
           <a:p>
-            <a:endParaRPr b="0" lang="en-GB" sz="3200" spc="-1" strike="noStrike">
+            <a:endParaRPr b="0" lang="en-US" sz="3200" spc="-1" strike="noStrike">
               <a:latin typeface="Arial"/>
             </a:endParaRPr>
           </a:p>
@@ -1714,8 +1683,8 @@
         </p:nvSpPr>
         <p:spPr>
           <a:xfrm>
-            <a:off x="504000" y="3044520"/>
-            <a:ext cx="4426920" cy="1568520"/>
+            <a:off x="504000" y="3044160"/>
+            <a:ext cx="4426920" cy="1568160"/>
           </a:xfrm>
           <a:prstGeom prst="rect">
             <a:avLst/>
@@ -1726,7 +1695,7 @@
             <a:normAutofit/>
           </a:bodyPr>
           <a:p>
-            <a:endParaRPr b="0" lang="en-GB" sz="3200" spc="-1" strike="noStrike">
+            <a:endParaRPr b="0" lang="en-US" sz="3200" spc="-1" strike="noStrike">
               <a:latin typeface="Arial"/>
             </a:endParaRPr>
           </a:p>
@@ -1744,8 +1713,8 @@
         </p:nvSpPr>
         <p:spPr>
           <a:xfrm>
-            <a:off x="5152680" y="3044520"/>
-            <a:ext cx="4426920" cy="1568520"/>
+            <a:off x="5152680" y="3044160"/>
+            <a:ext cx="4426920" cy="1568160"/>
           </a:xfrm>
           <a:prstGeom prst="rect">
             <a:avLst/>
@@ -1756,7 +1725,7 @@
             <a:normAutofit/>
           </a:bodyPr>
           <a:p>
-            <a:endParaRPr b="0" lang="en-GB" sz="3200" spc="-1" strike="noStrike">
+            <a:endParaRPr b="0" lang="en-US" sz="3200" spc="-1" strike="noStrike">
               <a:latin typeface="Arial"/>
             </a:endParaRPr>
           </a:p>
@@ -1797,19 +1766,17 @@
         <p:spPr>
           <a:xfrm>
             <a:off x="504000" y="226080"/>
-            <a:ext cx="9071280" cy="946080"/>
-          </a:xfrm>
-          <a:prstGeom prst="rect">
-            <a:avLst/>
-          </a:prstGeom>
-        </p:spPr>
-        <p:txBody>
-          <a:bodyPr lIns="0" rIns="0" tIns="0" bIns="0" anchor="ctr">
-            <a:noAutofit/>
-          </a:bodyPr>
+            <a:ext cx="9070920" cy="945720"/>
+          </a:xfrm>
+          <a:prstGeom prst="rect">
+            <a:avLst/>
+          </a:prstGeom>
+        </p:spPr>
+        <p:txBody>
+          <a:bodyPr lIns="0" rIns="0" tIns="0" bIns="0" anchor="ctr"/>
           <a:p>
             <a:pPr algn="ctr"/>
-            <a:endParaRPr b="0" lang="en-GB" sz="4400" spc="-1" strike="noStrike">
+            <a:endParaRPr b="0" lang="en-US" sz="4400" spc="-1" strike="noStrike">
               <a:latin typeface="Arial"/>
             </a:endParaRPr>
           </a:p>
@@ -1828,7 +1795,7 @@
         <p:spPr>
           <a:xfrm>
             <a:off x="504000" y="1326600"/>
-            <a:ext cx="2921040" cy="1568520"/>
+            <a:ext cx="2920680" cy="1568160"/>
           </a:xfrm>
           <a:prstGeom prst="rect">
             <a:avLst/>
@@ -1839,7 +1806,7 @@
             <a:normAutofit/>
           </a:bodyPr>
           <a:p>
-            <a:endParaRPr b="0" lang="en-GB" sz="3200" spc="-1" strike="noStrike">
+            <a:endParaRPr b="0" lang="en-US" sz="3200" spc="-1" strike="noStrike">
               <a:latin typeface="Arial"/>
             </a:endParaRPr>
           </a:p>
@@ -1857,8 +1824,8 @@
         </p:nvSpPr>
         <p:spPr>
           <a:xfrm>
-            <a:off x="3571560" y="1326600"/>
-            <a:ext cx="2921040" cy="1568520"/>
+            <a:off x="3571200" y="1326600"/>
+            <a:ext cx="2920680" cy="1568160"/>
           </a:xfrm>
           <a:prstGeom prst="rect">
             <a:avLst/>
@@ -1869,7 +1836,7 @@
             <a:normAutofit/>
           </a:bodyPr>
           <a:p>
-            <a:endParaRPr b="0" lang="en-GB" sz="3200" spc="-1" strike="noStrike">
+            <a:endParaRPr b="0" lang="en-US" sz="3200" spc="-1" strike="noStrike">
               <a:latin typeface="Arial"/>
             </a:endParaRPr>
           </a:p>
@@ -1887,8 +1854,8 @@
         </p:nvSpPr>
         <p:spPr>
           <a:xfrm>
-            <a:off x="6639120" y="1326600"/>
-            <a:ext cx="2921040" cy="1568520"/>
+            <a:off x="6638040" y="1326600"/>
+            <a:ext cx="2920680" cy="1568160"/>
           </a:xfrm>
           <a:prstGeom prst="rect">
             <a:avLst/>
@@ -1899,7 +1866,7 @@
             <a:normAutofit/>
           </a:bodyPr>
           <a:p>
-            <a:endParaRPr b="0" lang="en-GB" sz="3200" spc="-1" strike="noStrike">
+            <a:endParaRPr b="0" lang="en-US" sz="3200" spc="-1" strike="noStrike">
               <a:latin typeface="Arial"/>
             </a:endParaRPr>
           </a:p>
@@ -1917,8 +1884,8 @@
         </p:nvSpPr>
         <p:spPr>
           <a:xfrm>
-            <a:off x="504000" y="3044520"/>
-            <a:ext cx="2921040" cy="1568520"/>
+            <a:off x="504000" y="3044160"/>
+            <a:ext cx="2920680" cy="1568160"/>
           </a:xfrm>
           <a:prstGeom prst="rect">
             <a:avLst/>
@@ -1929,7 +1896,7 @@
             <a:normAutofit/>
           </a:bodyPr>
           <a:p>
-            <a:endParaRPr b="0" lang="en-GB" sz="3200" spc="-1" strike="noStrike">
+            <a:endParaRPr b="0" lang="en-US" sz="3200" spc="-1" strike="noStrike">
               <a:latin typeface="Arial"/>
             </a:endParaRPr>
           </a:p>
@@ -1947,8 +1914,8 @@
         </p:nvSpPr>
         <p:spPr>
           <a:xfrm>
-            <a:off x="3571560" y="3044520"/>
-            <a:ext cx="2921040" cy="1568520"/>
+            <a:off x="3571200" y="3044160"/>
+            <a:ext cx="2920680" cy="1568160"/>
           </a:xfrm>
           <a:prstGeom prst="rect">
             <a:avLst/>
@@ -1959,7 +1926,7 @@
             <a:normAutofit/>
           </a:bodyPr>
           <a:p>
-            <a:endParaRPr b="0" lang="en-GB" sz="3200" spc="-1" strike="noStrike">
+            <a:endParaRPr b="0" lang="en-US" sz="3200" spc="-1" strike="noStrike">
               <a:latin typeface="Arial"/>
             </a:endParaRPr>
           </a:p>
@@ -1977,8 +1944,8 @@
         </p:nvSpPr>
         <p:spPr>
           <a:xfrm>
-            <a:off x="6639120" y="3044520"/>
-            <a:ext cx="2921040" cy="1568520"/>
+            <a:off x="6638040" y="3044160"/>
+            <a:ext cx="2920680" cy="1568160"/>
           </a:xfrm>
           <a:prstGeom prst="rect">
             <a:avLst/>
@@ -1989,7 +1956,7 @@
             <a:normAutofit/>
           </a:bodyPr>
           <a:p>
-            <a:endParaRPr b="0" lang="en-GB" sz="3200" spc="-1" strike="noStrike">
+            <a:endParaRPr b="0" lang="en-US" sz="3200" spc="-1" strike="noStrike">
               <a:latin typeface="Arial"/>
             </a:endParaRPr>
           </a:p>
@@ -2030,19 +1997,17 @@
         <p:spPr>
           <a:xfrm>
             <a:off x="504000" y="226080"/>
-            <a:ext cx="9071280" cy="946080"/>
-          </a:xfrm>
-          <a:prstGeom prst="rect">
-            <a:avLst/>
-          </a:prstGeom>
-        </p:spPr>
-        <p:txBody>
-          <a:bodyPr lIns="0" rIns="0" tIns="0" bIns="0" anchor="ctr">
-            <a:noAutofit/>
-          </a:bodyPr>
+            <a:ext cx="9070920" cy="945720"/>
+          </a:xfrm>
+          <a:prstGeom prst="rect">
+            <a:avLst/>
+          </a:prstGeom>
+        </p:spPr>
+        <p:txBody>
+          <a:bodyPr lIns="0" rIns="0" tIns="0" bIns="0" anchor="ctr"/>
           <a:p>
             <a:pPr algn="ctr"/>
-            <a:endParaRPr b="0" lang="en-GB" sz="4400" spc="-1" strike="noStrike">
+            <a:endParaRPr b="0" lang="en-US" sz="4400" spc="-1" strike="noStrike">
               <a:latin typeface="Arial"/>
             </a:endParaRPr>
           </a:p>
@@ -2061,7 +2026,7 @@
         <p:spPr>
           <a:xfrm>
             <a:off x="504000" y="1326600"/>
-            <a:ext cx="9072000" cy="3288600"/>
+            <a:ext cx="9071640" cy="3288240"/>
           </a:xfrm>
           <a:prstGeom prst="rect">
             <a:avLst/>
@@ -2072,7 +2037,7 @@
             <a:normAutofit/>
           </a:bodyPr>
           <a:p>
-            <a:endParaRPr b="0" lang="en-GB" sz="3200" spc="-1" strike="noStrike">
+            <a:endParaRPr b="0" lang="en-US" sz="3200" spc="-1" strike="noStrike">
               <a:latin typeface="Arial"/>
             </a:endParaRPr>
           </a:p>
@@ -2113,19 +2078,17 @@
         <p:spPr>
           <a:xfrm>
             <a:off x="504000" y="226080"/>
-            <a:ext cx="9071280" cy="946080"/>
-          </a:xfrm>
-          <a:prstGeom prst="rect">
-            <a:avLst/>
-          </a:prstGeom>
-        </p:spPr>
-        <p:txBody>
-          <a:bodyPr lIns="0" rIns="0" tIns="0" bIns="0" anchor="ctr">
-            <a:noAutofit/>
-          </a:bodyPr>
+            <a:ext cx="9070920" cy="945720"/>
+          </a:xfrm>
+          <a:prstGeom prst="rect">
+            <a:avLst/>
+          </a:prstGeom>
+        </p:spPr>
+        <p:txBody>
+          <a:bodyPr lIns="0" rIns="0" tIns="0" bIns="0" anchor="ctr"/>
           <a:p>
             <a:pPr algn="ctr"/>
-            <a:endParaRPr b="0" lang="en-GB" sz="4400" spc="-1" strike="noStrike">
+            <a:endParaRPr b="0" lang="en-US" sz="4400" spc="-1" strike="noStrike">
               <a:latin typeface="Arial"/>
             </a:endParaRPr>
           </a:p>
@@ -2144,7 +2107,7 @@
         <p:spPr>
           <a:xfrm>
             <a:off x="504000" y="1326600"/>
-            <a:ext cx="4426920" cy="3288600"/>
+            <a:ext cx="4426920" cy="3288240"/>
           </a:xfrm>
           <a:prstGeom prst="rect">
             <a:avLst/>
@@ -2155,7 +2118,7 @@
             <a:normAutofit/>
           </a:bodyPr>
           <a:p>
-            <a:endParaRPr b="0" lang="en-GB" sz="3200" spc="-1" strike="noStrike">
+            <a:endParaRPr b="0" lang="en-US" sz="3200" spc="-1" strike="noStrike">
               <a:latin typeface="Arial"/>
             </a:endParaRPr>
           </a:p>
@@ -2174,7 +2137,7 @@
         <p:spPr>
           <a:xfrm>
             <a:off x="5152680" y="1326600"/>
-            <a:ext cx="4426920" cy="3288600"/>
+            <a:ext cx="4426920" cy="3288240"/>
           </a:xfrm>
           <a:prstGeom prst="rect">
             <a:avLst/>
@@ -2185,7 +2148,7 @@
             <a:normAutofit/>
           </a:bodyPr>
           <a:p>
-            <a:endParaRPr b="0" lang="en-GB" sz="3200" spc="-1" strike="noStrike">
+            <a:endParaRPr b="0" lang="en-US" sz="3200" spc="-1" strike="noStrike">
               <a:latin typeface="Arial"/>
             </a:endParaRPr>
           </a:p>
@@ -2226,19 +2189,17 @@
         <p:spPr>
           <a:xfrm>
             <a:off x="504000" y="226080"/>
-            <a:ext cx="9071280" cy="946080"/>
-          </a:xfrm>
-          <a:prstGeom prst="rect">
-            <a:avLst/>
-          </a:prstGeom>
-        </p:spPr>
-        <p:txBody>
-          <a:bodyPr lIns="0" rIns="0" tIns="0" bIns="0" anchor="ctr">
-            <a:noAutofit/>
-          </a:bodyPr>
+            <a:ext cx="9070920" cy="945720"/>
+          </a:xfrm>
+          <a:prstGeom prst="rect">
+            <a:avLst/>
+          </a:prstGeom>
+        </p:spPr>
+        <p:txBody>
+          <a:bodyPr lIns="0" rIns="0" tIns="0" bIns="0" anchor="ctr"/>
           <a:p>
             <a:pPr algn="ctr"/>
-            <a:endParaRPr b="0" lang="en-GB" sz="4400" spc="-1" strike="noStrike">
+            <a:endParaRPr b="0" lang="en-US" sz="4400" spc="-1" strike="noStrike">
               <a:latin typeface="Arial"/>
             </a:endParaRPr>
           </a:p>
@@ -2279,19 +2240,17 @@
         <p:spPr>
           <a:xfrm>
             <a:off x="504000" y="226080"/>
-            <a:ext cx="9071280" cy="4386600"/>
-          </a:xfrm>
-          <a:prstGeom prst="rect">
-            <a:avLst/>
-          </a:prstGeom>
-        </p:spPr>
-        <p:txBody>
-          <a:bodyPr lIns="0" rIns="0" tIns="0" bIns="0" anchor="ctr">
-            <a:noAutofit/>
-          </a:bodyPr>
+            <a:ext cx="9070920" cy="4385160"/>
+          </a:xfrm>
+          <a:prstGeom prst="rect">
+            <a:avLst/>
+          </a:prstGeom>
+        </p:spPr>
+        <p:txBody>
+          <a:bodyPr lIns="0" rIns="0" tIns="0" bIns="0" anchor="ctr"/>
           <a:p>
             <a:pPr algn="ctr"/>
-            <a:endParaRPr b="0" lang="en-GB" sz="3200" spc="-1" strike="noStrike">
+            <a:endParaRPr b="0" lang="en-US" sz="3200" spc="-1" strike="noStrike">
               <a:latin typeface="Arial"/>
             </a:endParaRPr>
           </a:p>
@@ -2332,19 +2291,17 @@
         <p:spPr>
           <a:xfrm>
             <a:off x="504000" y="226080"/>
-            <a:ext cx="9071280" cy="946080"/>
-          </a:xfrm>
-          <a:prstGeom prst="rect">
-            <a:avLst/>
-          </a:prstGeom>
-        </p:spPr>
-        <p:txBody>
-          <a:bodyPr lIns="0" rIns="0" tIns="0" bIns="0" anchor="ctr">
-            <a:noAutofit/>
-          </a:bodyPr>
+            <a:ext cx="9070920" cy="945720"/>
+          </a:xfrm>
+          <a:prstGeom prst="rect">
+            <a:avLst/>
+          </a:prstGeom>
+        </p:spPr>
+        <p:txBody>
+          <a:bodyPr lIns="0" rIns="0" tIns="0" bIns="0" anchor="ctr"/>
           <a:p>
             <a:pPr algn="ctr"/>
-            <a:endParaRPr b="0" lang="en-GB" sz="4400" spc="-1" strike="noStrike">
+            <a:endParaRPr b="0" lang="en-US" sz="4400" spc="-1" strike="noStrike">
               <a:latin typeface="Arial"/>
             </a:endParaRPr>
           </a:p>
@@ -2363,7 +2320,7 @@
         <p:spPr>
           <a:xfrm>
             <a:off x="504000" y="1326600"/>
-            <a:ext cx="4426920" cy="1568520"/>
+            <a:ext cx="4426920" cy="1568160"/>
           </a:xfrm>
           <a:prstGeom prst="rect">
             <a:avLst/>
@@ -2374,7 +2331,7 @@
             <a:normAutofit/>
           </a:bodyPr>
           <a:p>
-            <a:endParaRPr b="0" lang="en-GB" sz="3200" spc="-1" strike="noStrike">
+            <a:endParaRPr b="0" lang="en-US" sz="3200" spc="-1" strike="noStrike">
               <a:latin typeface="Arial"/>
             </a:endParaRPr>
           </a:p>
@@ -2393,7 +2350,7 @@
         <p:spPr>
           <a:xfrm>
             <a:off x="5152680" y="1326600"/>
-            <a:ext cx="4426920" cy="3288600"/>
+            <a:ext cx="4426920" cy="3288240"/>
           </a:xfrm>
           <a:prstGeom prst="rect">
             <a:avLst/>
@@ -2404,7 +2361,7 @@
             <a:normAutofit/>
           </a:bodyPr>
           <a:p>
-            <a:endParaRPr b="0" lang="en-GB" sz="3200" spc="-1" strike="noStrike">
+            <a:endParaRPr b="0" lang="en-US" sz="3200" spc="-1" strike="noStrike">
               <a:latin typeface="Arial"/>
             </a:endParaRPr>
           </a:p>
@@ -2422,8 +2379,8 @@
         </p:nvSpPr>
         <p:spPr>
           <a:xfrm>
-            <a:off x="504000" y="3044520"/>
-            <a:ext cx="4426920" cy="1568520"/>
+            <a:off x="504000" y="3044160"/>
+            <a:ext cx="4426920" cy="1568160"/>
           </a:xfrm>
           <a:prstGeom prst="rect">
             <a:avLst/>
@@ -2434,7 +2391,7 @@
             <a:normAutofit/>
           </a:bodyPr>
           <a:p>
-            <a:endParaRPr b="0" lang="en-GB" sz="3200" spc="-1" strike="noStrike">
+            <a:endParaRPr b="0" lang="en-US" sz="3200" spc="-1" strike="noStrike">
               <a:latin typeface="Arial"/>
             </a:endParaRPr>
           </a:p>
@@ -2475,19 +2432,17 @@
         <p:spPr>
           <a:xfrm>
             <a:off x="504000" y="226080"/>
-            <a:ext cx="9071280" cy="946080"/>
-          </a:xfrm>
-          <a:prstGeom prst="rect">
-            <a:avLst/>
-          </a:prstGeom>
-        </p:spPr>
-        <p:txBody>
-          <a:bodyPr lIns="0" rIns="0" tIns="0" bIns="0" anchor="ctr">
-            <a:noAutofit/>
-          </a:bodyPr>
+            <a:ext cx="9070920" cy="945720"/>
+          </a:xfrm>
+          <a:prstGeom prst="rect">
+            <a:avLst/>
+          </a:prstGeom>
+        </p:spPr>
+        <p:txBody>
+          <a:bodyPr lIns="0" rIns="0" tIns="0" bIns="0" anchor="ctr"/>
           <a:p>
             <a:pPr algn="ctr"/>
-            <a:endParaRPr b="0" lang="en-GB" sz="4400" spc="-1" strike="noStrike">
+            <a:endParaRPr b="0" lang="en-US" sz="4400" spc="-1" strike="noStrike">
               <a:latin typeface="Arial"/>
             </a:endParaRPr>
           </a:p>
@@ -2506,7 +2461,7 @@
         <p:spPr>
           <a:xfrm>
             <a:off x="504000" y="1326600"/>
-            <a:ext cx="4426920" cy="3288600"/>
+            <a:ext cx="4426920" cy="3288240"/>
           </a:xfrm>
           <a:prstGeom prst="rect">
             <a:avLst/>
@@ -2517,7 +2472,7 @@
             <a:normAutofit/>
           </a:bodyPr>
           <a:p>
-            <a:endParaRPr b="0" lang="en-GB" sz="3200" spc="-1" strike="noStrike">
+            <a:endParaRPr b="0" lang="en-US" sz="3200" spc="-1" strike="noStrike">
               <a:latin typeface="Arial"/>
             </a:endParaRPr>
           </a:p>
@@ -2536,7 +2491,7 @@
         <p:spPr>
           <a:xfrm>
             <a:off x="5152680" y="1326600"/>
-            <a:ext cx="4426920" cy="1568520"/>
+            <a:ext cx="4426920" cy="1568160"/>
           </a:xfrm>
           <a:prstGeom prst="rect">
             <a:avLst/>
@@ -2547,7 +2502,7 @@
             <a:normAutofit/>
           </a:bodyPr>
           <a:p>
-            <a:endParaRPr b="0" lang="en-GB" sz="3200" spc="-1" strike="noStrike">
+            <a:endParaRPr b="0" lang="en-US" sz="3200" spc="-1" strike="noStrike">
               <a:latin typeface="Arial"/>
             </a:endParaRPr>
           </a:p>
@@ -2565,8 +2520,8 @@
         </p:nvSpPr>
         <p:spPr>
           <a:xfrm>
-            <a:off x="5152680" y="3044520"/>
-            <a:ext cx="4426920" cy="1568520"/>
+            <a:off x="5152680" y="3044160"/>
+            <a:ext cx="4426920" cy="1568160"/>
           </a:xfrm>
           <a:prstGeom prst="rect">
             <a:avLst/>
@@ -2577,7 +2532,7 @@
             <a:normAutofit/>
           </a:bodyPr>
           <a:p>
-            <a:endParaRPr b="0" lang="en-GB" sz="3200" spc="-1" strike="noStrike">
+            <a:endParaRPr b="0" lang="en-US" sz="3200" spc="-1" strike="noStrike">
               <a:latin typeface="Arial"/>
             </a:endParaRPr>
           </a:p>
@@ -2618,19 +2573,17 @@
         <p:spPr>
           <a:xfrm>
             <a:off x="504000" y="226080"/>
-            <a:ext cx="9071280" cy="946080"/>
-          </a:xfrm>
-          <a:prstGeom prst="rect">
-            <a:avLst/>
-          </a:prstGeom>
-        </p:spPr>
-        <p:txBody>
-          <a:bodyPr lIns="0" rIns="0" tIns="0" bIns="0" anchor="ctr">
-            <a:noAutofit/>
-          </a:bodyPr>
+            <a:ext cx="9070920" cy="945720"/>
+          </a:xfrm>
+          <a:prstGeom prst="rect">
+            <a:avLst/>
+          </a:prstGeom>
+        </p:spPr>
+        <p:txBody>
+          <a:bodyPr lIns="0" rIns="0" tIns="0" bIns="0" anchor="ctr"/>
           <a:p>
             <a:pPr algn="ctr"/>
-            <a:endParaRPr b="0" lang="en-GB" sz="4400" spc="-1" strike="noStrike">
+            <a:endParaRPr b="0" lang="en-US" sz="4400" spc="-1" strike="noStrike">
               <a:latin typeface="Arial"/>
             </a:endParaRPr>
           </a:p>
@@ -2649,7 +2602,7 @@
         <p:spPr>
           <a:xfrm>
             <a:off x="504000" y="1326600"/>
-            <a:ext cx="4426920" cy="1568520"/>
+            <a:ext cx="4426920" cy="1568160"/>
           </a:xfrm>
           <a:prstGeom prst="rect">
             <a:avLst/>
@@ -2660,7 +2613,7 @@
             <a:normAutofit/>
           </a:bodyPr>
           <a:p>
-            <a:endParaRPr b="0" lang="en-GB" sz="3200" spc="-1" strike="noStrike">
+            <a:endParaRPr b="0" lang="en-US" sz="3200" spc="-1" strike="noStrike">
               <a:latin typeface="Arial"/>
             </a:endParaRPr>
           </a:p>
@@ -2679,7 +2632,7 @@
         <p:spPr>
           <a:xfrm>
             <a:off x="5152680" y="1326600"/>
-            <a:ext cx="4426920" cy="1568520"/>
+            <a:ext cx="4426920" cy="1568160"/>
           </a:xfrm>
           <a:prstGeom prst="rect">
             <a:avLst/>
@@ -2690,7 +2643,7 @@
             <a:normAutofit/>
           </a:bodyPr>
           <a:p>
-            <a:endParaRPr b="0" lang="en-GB" sz="3200" spc="-1" strike="noStrike">
+            <a:endParaRPr b="0" lang="en-US" sz="3200" spc="-1" strike="noStrike">
               <a:latin typeface="Arial"/>
             </a:endParaRPr>
           </a:p>
@@ -2708,8 +2661,8 @@
         </p:nvSpPr>
         <p:spPr>
           <a:xfrm>
-            <a:off x="504000" y="3044520"/>
-            <a:ext cx="9072000" cy="1568520"/>
+            <a:off x="504000" y="3044160"/>
+            <a:ext cx="9071640" cy="1568160"/>
           </a:xfrm>
           <a:prstGeom prst="rect">
             <a:avLst/>
@@ -2720,7 +2673,7 @@
             <a:normAutofit/>
           </a:bodyPr>
           <a:p>
-            <a:endParaRPr b="0" lang="en-GB" sz="3200" spc="-1" strike="noStrike">
+            <a:endParaRPr b="0" lang="en-US" sz="3200" spc="-1" strike="noStrike">
               <a:latin typeface="Arial"/>
             </a:endParaRPr>
           </a:p>
@@ -2761,24 +2714,23 @@
         <p:spPr>
           <a:xfrm>
             <a:off x="504000" y="226080"/>
-            <a:ext cx="9071280" cy="946080"/>
-          </a:xfrm>
-          <a:prstGeom prst="rect">
-            <a:avLst/>
-          </a:prstGeom>
-        </p:spPr>
-        <p:txBody>
-          <a:bodyPr lIns="0" rIns="0" tIns="0" bIns="0" anchor="ctr">
-            <a:noAutofit/>
-          </a:bodyPr>
-          <a:p>
-            <a:r>
-              <a:rPr b="0" lang="en-GB" sz="1800" spc="-1" strike="noStrike">
+            <a:ext cx="9072000" cy="946440"/>
+          </a:xfrm>
+          <a:prstGeom prst="rect">
+            <a:avLst/>
+          </a:prstGeom>
+        </p:spPr>
+        <p:txBody>
+          <a:bodyPr lIns="0" rIns="0" tIns="0" bIns="0" anchor="ctr"/>
+          <a:p>
+            <a:pPr algn="ctr"/>
+            <a:r>
+              <a:rPr b="0" lang="en-US" sz="4400" spc="-1" strike="noStrike">
                 <a:latin typeface="Arial"/>
               </a:rPr>
               <a:t>Click to edit the title text format</a:t>
             </a:r>
-            <a:endParaRPr b="0" lang="en-GB" sz="1800" spc="-1" strike="noStrike">
+            <a:endParaRPr b="0" lang="en-US" sz="4400" spc="-1" strike="noStrike">
               <a:latin typeface="Arial"/>
             </a:endParaRPr>
           </a:p>
@@ -2797,7 +2749,7 @@
         <p:spPr>
           <a:xfrm>
             <a:off x="504000" y="1326600"/>
-            <a:ext cx="9071280" cy="3287880"/>
+            <a:ext cx="9072000" cy="3288600"/>
           </a:xfrm>
           <a:prstGeom prst="rect">
             <a:avLst/>
@@ -2820,12 +2772,12 @@
               <a:buChar char=""/>
             </a:pPr>
             <a:r>
-              <a:rPr b="0" lang="en-GB" sz="1800" spc="-1" strike="noStrike">
+              <a:rPr b="0" lang="en-US" sz="3200" spc="-1" strike="noStrike">
                 <a:latin typeface="Arial"/>
               </a:rPr>
               <a:t>Click to edit the outline text format</a:t>
             </a:r>
-            <a:endParaRPr b="0" lang="en-GB" sz="1800" spc="-1" strike="noStrike">
+            <a:endParaRPr b="0" lang="en-US" sz="3200" spc="-1" strike="noStrike">
               <a:latin typeface="Arial"/>
             </a:endParaRPr>
           </a:p>
@@ -2842,12 +2794,12 @@
               <a:buChar char=""/>
             </a:pPr>
             <a:r>
-              <a:rPr b="0" lang="en-GB" sz="1800" spc="-1" strike="noStrike">
+              <a:rPr b="0" lang="en-US" sz="2800" spc="-1" strike="noStrike">
                 <a:latin typeface="Arial"/>
               </a:rPr>
               <a:t>Second Outline Level</a:t>
             </a:r>
-            <a:endParaRPr b="0" lang="en-GB" sz="1800" spc="-1" strike="noStrike">
+            <a:endParaRPr b="0" lang="en-US" sz="2800" spc="-1" strike="noStrike">
               <a:latin typeface="Arial"/>
             </a:endParaRPr>
           </a:p>
@@ -2864,12 +2816,12 @@
               <a:buChar char=""/>
             </a:pPr>
             <a:r>
-              <a:rPr b="0" lang="en-GB" sz="1800" spc="-1" strike="noStrike">
+              <a:rPr b="0" lang="en-US" sz="2400" spc="-1" strike="noStrike">
                 <a:latin typeface="Arial"/>
               </a:rPr>
               <a:t>Third Outline Level</a:t>
             </a:r>
-            <a:endParaRPr b="0" lang="en-GB" sz="1800" spc="-1" strike="noStrike">
+            <a:endParaRPr b="0" lang="en-US" sz="2400" spc="-1" strike="noStrike">
               <a:latin typeface="Arial"/>
             </a:endParaRPr>
           </a:p>
@@ -2886,12 +2838,12 @@
               <a:buChar char=""/>
             </a:pPr>
             <a:r>
-              <a:rPr b="0" lang="en-GB" sz="1800" spc="-1" strike="noStrike">
+              <a:rPr b="0" lang="en-US" sz="2000" spc="-1" strike="noStrike">
                 <a:latin typeface="Arial"/>
               </a:rPr>
               <a:t>Fourth Outline Level</a:t>
             </a:r>
-            <a:endParaRPr b="0" lang="en-GB" sz="1800" spc="-1" strike="noStrike">
+            <a:endParaRPr b="0" lang="en-US" sz="2000" spc="-1" strike="noStrike">
               <a:latin typeface="Arial"/>
             </a:endParaRPr>
           </a:p>
@@ -2908,12 +2860,12 @@
               <a:buChar char=""/>
             </a:pPr>
             <a:r>
-              <a:rPr b="0" lang="en-GB" sz="1800" spc="-1" strike="noStrike">
+              <a:rPr b="0" lang="en-US" sz="2000" spc="-1" strike="noStrike">
                 <a:latin typeface="Arial"/>
               </a:rPr>
               <a:t>Fifth Outline Level</a:t>
             </a:r>
-            <a:endParaRPr b="0" lang="en-GB" sz="1800" spc="-1" strike="noStrike">
+            <a:endParaRPr b="0" lang="en-US" sz="2000" spc="-1" strike="noStrike">
               <a:latin typeface="Arial"/>
             </a:endParaRPr>
           </a:p>
@@ -2930,12 +2882,12 @@
               <a:buChar char=""/>
             </a:pPr>
             <a:r>
-              <a:rPr b="0" lang="en-GB" sz="1800" spc="-1" strike="noStrike">
+              <a:rPr b="0" lang="en-US" sz="2000" spc="-1" strike="noStrike">
                 <a:latin typeface="Arial"/>
               </a:rPr>
               <a:t>Sixth Outline Level</a:t>
             </a:r>
-            <a:endParaRPr b="0" lang="en-GB" sz="1800" spc="-1" strike="noStrike">
+            <a:endParaRPr b="0" lang="en-US" sz="2000" spc="-1" strike="noStrike">
               <a:latin typeface="Arial"/>
             </a:endParaRPr>
           </a:p>
@@ -2952,12 +2904,12 @@
               <a:buChar char=""/>
             </a:pPr>
             <a:r>
-              <a:rPr b="0" lang="en-GB" sz="1800" spc="-1" strike="noStrike">
+              <a:rPr b="0" lang="en-US" sz="2000" spc="-1" strike="noStrike">
                 <a:latin typeface="Arial"/>
               </a:rPr>
               <a:t>Seventh Outline Level</a:t>
             </a:r>
-            <a:endParaRPr b="0" lang="en-GB" sz="1800" spc="-1" strike="noStrike">
+            <a:endParaRPr b="0" lang="en-US" sz="2000" spc="-1" strike="noStrike">
               <a:latin typeface="Arial"/>
             </a:endParaRPr>
           </a:p>
@@ -3013,24 +2965,22 @@
         <p:spPr>
           <a:xfrm>
             <a:off x="504000" y="226080"/>
-            <a:ext cx="9071280" cy="946080"/>
-          </a:xfrm>
-          <a:prstGeom prst="rect">
-            <a:avLst/>
-          </a:prstGeom>
-        </p:spPr>
-        <p:txBody>
-          <a:bodyPr lIns="0" rIns="0" tIns="0" bIns="0" anchor="ctr">
-            <a:noAutofit/>
-          </a:bodyPr>
-          <a:p>
-            <a:r>
-              <a:rPr b="0" lang="en-GB" sz="1800" spc="-1" strike="noStrike">
+            <a:ext cx="9070920" cy="945720"/>
+          </a:xfrm>
+          <a:prstGeom prst="rect">
+            <a:avLst/>
+          </a:prstGeom>
+        </p:spPr>
+        <p:txBody>
+          <a:bodyPr lIns="0" rIns="0" tIns="0" bIns="0" anchor="ctr"/>
+          <a:p>
+            <a:r>
+              <a:rPr b="0" lang="en-US" sz="1800" spc="-1" strike="noStrike">
                 <a:latin typeface="Arial"/>
               </a:rPr>
               <a:t>Click to edit the title text format</a:t>
             </a:r>
-            <a:endParaRPr b="0" lang="en-GB" sz="1800" spc="-1" strike="noStrike">
+            <a:endParaRPr b="0" lang="en-US" sz="1800" spc="-1" strike="noStrike">
               <a:latin typeface="Arial"/>
             </a:endParaRPr>
           </a:p>
@@ -3049,7 +2999,7 @@
         <p:spPr>
           <a:xfrm>
             <a:off x="504000" y="1326600"/>
-            <a:ext cx="9072000" cy="3288600"/>
+            <a:ext cx="9071640" cy="3288240"/>
           </a:xfrm>
           <a:prstGeom prst="rect">
             <a:avLst/>
@@ -3072,12 +3022,12 @@
               <a:buChar char=""/>
             </a:pPr>
             <a:r>
-              <a:rPr b="0" lang="en-GB" sz="3200" spc="-1" strike="noStrike">
+              <a:rPr b="0" lang="en-US" sz="1800" spc="-1" strike="noStrike">
                 <a:latin typeface="Arial"/>
               </a:rPr>
               <a:t>Click to edit the outline text format</a:t>
             </a:r>
-            <a:endParaRPr b="0" lang="en-GB" sz="3200" spc="-1" strike="noStrike">
+            <a:endParaRPr b="0" lang="en-US" sz="1800" spc="-1" strike="noStrike">
               <a:latin typeface="Arial"/>
             </a:endParaRPr>
           </a:p>
@@ -3094,12 +3044,12 @@
               <a:buChar char=""/>
             </a:pPr>
             <a:r>
-              <a:rPr b="0" lang="en-GB" sz="2800" spc="-1" strike="noStrike">
+              <a:rPr b="0" lang="en-US" sz="1800" spc="-1" strike="noStrike">
                 <a:latin typeface="Arial"/>
               </a:rPr>
               <a:t>Second Outline Level</a:t>
             </a:r>
-            <a:endParaRPr b="0" lang="en-GB" sz="2800" spc="-1" strike="noStrike">
+            <a:endParaRPr b="0" lang="en-US" sz="1800" spc="-1" strike="noStrike">
               <a:latin typeface="Arial"/>
             </a:endParaRPr>
           </a:p>
@@ -3116,12 +3066,12 @@
               <a:buChar char=""/>
             </a:pPr>
             <a:r>
-              <a:rPr b="0" lang="en-GB" sz="2400" spc="-1" strike="noStrike">
+              <a:rPr b="0" lang="en-US" sz="1800" spc="-1" strike="noStrike">
                 <a:latin typeface="Arial"/>
               </a:rPr>
               <a:t>Third Outline Level</a:t>
             </a:r>
-            <a:endParaRPr b="0" lang="en-GB" sz="2400" spc="-1" strike="noStrike">
+            <a:endParaRPr b="0" lang="en-US" sz="1800" spc="-1" strike="noStrike">
               <a:latin typeface="Arial"/>
             </a:endParaRPr>
           </a:p>
@@ -3138,12 +3088,12 @@
               <a:buChar char=""/>
             </a:pPr>
             <a:r>
-              <a:rPr b="0" lang="en-GB" sz="2000" spc="-1" strike="noStrike">
+              <a:rPr b="0" lang="en-US" sz="1800" spc="-1" strike="noStrike">
                 <a:latin typeface="Arial"/>
               </a:rPr>
               <a:t>Fourth Outline Level</a:t>
             </a:r>
-            <a:endParaRPr b="0" lang="en-GB" sz="2000" spc="-1" strike="noStrike">
+            <a:endParaRPr b="0" lang="en-US" sz="1800" spc="-1" strike="noStrike">
               <a:latin typeface="Arial"/>
             </a:endParaRPr>
           </a:p>
@@ -3160,12 +3110,12 @@
               <a:buChar char=""/>
             </a:pPr>
             <a:r>
-              <a:rPr b="0" lang="en-GB" sz="2000" spc="-1" strike="noStrike">
+              <a:rPr b="0" lang="en-US" sz="1800" spc="-1" strike="noStrike">
                 <a:latin typeface="Arial"/>
               </a:rPr>
               <a:t>Fifth Outline Level</a:t>
             </a:r>
-            <a:endParaRPr b="0" lang="en-GB" sz="2000" spc="-1" strike="noStrike">
+            <a:endParaRPr b="0" lang="en-US" sz="1800" spc="-1" strike="noStrike">
               <a:latin typeface="Arial"/>
             </a:endParaRPr>
           </a:p>
@@ -3182,12 +3132,12 @@
               <a:buChar char=""/>
             </a:pPr>
             <a:r>
-              <a:rPr b="0" lang="en-GB" sz="2000" spc="-1" strike="noStrike">
+              <a:rPr b="0" lang="en-US" sz="1800" spc="-1" strike="noStrike">
                 <a:latin typeface="Arial"/>
               </a:rPr>
               <a:t>Sixth Outline Level</a:t>
             </a:r>
-            <a:endParaRPr b="0" lang="en-GB" sz="2000" spc="-1" strike="noStrike">
+            <a:endParaRPr b="0" lang="en-US" sz="1800" spc="-1" strike="noStrike">
               <a:latin typeface="Arial"/>
             </a:endParaRPr>
           </a:p>
@@ -3204,12 +3154,12 @@
               <a:buChar char=""/>
             </a:pPr>
             <a:r>
-              <a:rPr b="0" lang="en-GB" sz="2000" spc="-1" strike="noStrike">
+              <a:rPr b="0" lang="en-US" sz="1800" spc="-1" strike="noStrike">
                 <a:latin typeface="Arial"/>
               </a:rPr>
               <a:t>Seventh Outline Level</a:t>
             </a:r>
-            <a:endParaRPr b="0" lang="en-GB" sz="2000" spc="-1" strike="noStrike">
+            <a:endParaRPr b="0" lang="en-US" sz="1800" spc="-1" strike="noStrike">
               <a:latin typeface="Arial"/>
             </a:endParaRPr>
           </a:p>
@@ -3254,20 +3204,20 @@
       </p:grpSpPr>
       <p:sp>
         <p:nvSpPr>
-          <p:cNvPr id="76" name="TextShape 1"/>
+          <p:cNvPr id="76" name="CustomShape 1"/>
           <p:cNvSpPr/>
           <p:nvPr/>
         </p:nvSpPr>
         <p:spPr>
           <a:xfrm>
             <a:off x="365760" y="1404000"/>
-            <a:ext cx="9071280" cy="1248120"/>
+            <a:ext cx="9070920" cy="1247760"/>
           </a:xfrm>
           <a:prstGeom prst="rect">
             <a:avLst/>
           </a:prstGeom>
           <a:noFill/>
-          <a:ln w="0">
+          <a:ln>
             <a:noFill/>
           </a:ln>
         </p:spPr>
@@ -3278,9 +3228,7 @@
           <a:fontRef idx="minor"/>
         </p:style>
         <p:txBody>
-          <a:bodyPr lIns="0" rIns="0" tIns="0" bIns="0" anchor="ctr">
-            <a:noAutofit/>
-          </a:bodyPr>
+          <a:bodyPr lIns="0" rIns="0" tIns="0" bIns="0" anchor="ctr"/>
           <a:p>
             <a:pPr algn="ctr">
               <a:lnSpc>
@@ -3289,33 +3237,37 @@
             </a:pPr>
             <a:r>
               <a:rPr b="0" lang="en-US" sz="8800" spc="-1" strike="noStrike" u="sng">
+                <a:solidFill>
+                  <a:srgbClr val="000000"/>
+                </a:solidFill>
                 <a:uFillTx/>
                 <a:latin typeface="Arial"/>
+                <a:ea typeface="DejaVu Sans"/>
               </a:rPr>
               <a:t>A) PRIMS ALGO</a:t>
             </a:r>
-            <a:endParaRPr b="0" lang="en-GB" sz="8800" spc="-1" strike="noStrike">
-              <a:latin typeface="Arial"/>
-            </a:endParaRPr>
-          </a:p>
-        </p:txBody>
-      </p:sp>
-      <p:sp>
-        <p:nvSpPr>
-          <p:cNvPr id="77" name="TextShape 2"/>
+            <a:endParaRPr b="0" lang="en-US" sz="8800" spc="-1" strike="noStrike">
+              <a:latin typeface="Arial"/>
+            </a:endParaRPr>
+          </a:p>
+        </p:txBody>
+      </p:sp>
+      <p:sp>
+        <p:nvSpPr>
+          <p:cNvPr id="77" name="CustomShape 2"/>
           <p:cNvSpPr/>
           <p:nvPr/>
         </p:nvSpPr>
         <p:spPr>
           <a:xfrm>
             <a:off x="822960" y="3474720"/>
-            <a:ext cx="4023000" cy="1625760"/>
+            <a:ext cx="4022640" cy="1625400"/>
           </a:xfrm>
           <a:prstGeom prst="rect">
             <a:avLst/>
           </a:prstGeom>
           <a:noFill/>
-          <a:ln w="0">
+          <a:ln>
             <a:noFill/>
           </a:ln>
         </p:spPr>
@@ -3326,9 +3278,7 @@
           <a:fontRef idx="minor"/>
         </p:style>
         <p:txBody>
-          <a:bodyPr lIns="90000" rIns="90000" tIns="45000" bIns="45000">
-            <a:noAutofit/>
-          </a:bodyPr>
+          <a:bodyPr lIns="90000" rIns="90000" tIns="45000" bIns="45000"/>
           <a:p>
             <a:pPr>
               <a:lnSpc>
@@ -3337,16 +3287,20 @@
             </a:pPr>
             <a:r>
               <a:rPr b="0" lang="en-US" sz="1800" spc="-1" strike="noStrike">
-                <a:latin typeface="Arial"/>
+                <a:solidFill>
+                  <a:srgbClr val="000000"/>
+                </a:solidFill>
+                <a:latin typeface="Arial"/>
+                <a:ea typeface="DejaVu Sans"/>
               </a:rPr>
               <a:t>Inputs:</a:t>
             </a:r>
-            <a:endParaRPr b="0" lang="en-GB" sz="1800" spc="-1" strike="noStrike">
-              <a:latin typeface="Arial"/>
-            </a:endParaRPr>
-          </a:p>
-          <a:p>
-            <a:pPr marL="216000" indent="-215640">
+            <a:endParaRPr b="0" lang="en-US" sz="1800" spc="-1" strike="noStrike">
+              <a:latin typeface="Arial"/>
+            </a:endParaRPr>
+          </a:p>
+          <a:p>
+            <a:pPr marL="216000" indent="-215280">
               <a:lnSpc>
                 <a:spcPct val="100000"/>
               </a:lnSpc>
@@ -3359,16 +3313,20 @@
             </a:pPr>
             <a:r>
               <a:rPr b="0" lang="en-US" sz="1800" spc="-1" strike="noStrike">
-                <a:latin typeface="Arial"/>
+                <a:solidFill>
+                  <a:srgbClr val="000000"/>
+                </a:solidFill>
+                <a:latin typeface="Arial"/>
+                <a:ea typeface="DejaVu Sans"/>
               </a:rPr>
               <a:t>Raw data</a:t>
             </a:r>
-            <a:endParaRPr b="0" lang="en-GB" sz="1800" spc="-1" strike="noStrike">
-              <a:latin typeface="Arial"/>
-            </a:endParaRPr>
-          </a:p>
-          <a:p>
-            <a:pPr marL="216000" indent="-215640">
+            <a:endParaRPr b="0" lang="en-US" sz="1800" spc="-1" strike="noStrike">
+              <a:latin typeface="Arial"/>
+            </a:endParaRPr>
+          </a:p>
+          <a:p>
+            <a:pPr marL="216000" indent="-215280">
               <a:lnSpc>
                 <a:spcPct val="100000"/>
               </a:lnSpc>
@@ -3381,17 +3339,20 @@
             </a:pPr>
             <a:r>
               <a:rPr b="0" lang="en-US" sz="1800" spc="-1" strike="noStrike">
+                <a:solidFill>
+                  <a:srgbClr val="000000"/>
+                </a:solidFill>
                 <a:latin typeface="Arial"/>
                 <a:ea typeface="Noto Sans CJK SC"/>
               </a:rPr>
               <a:t>dist_metric object - </a:t>
             </a:r>
-            <a:endParaRPr b="0" lang="en-GB" sz="1800" spc="-1" strike="noStrike">
-              <a:latin typeface="Arial"/>
-            </a:endParaRPr>
-          </a:p>
-          <a:p>
-            <a:pPr lvl="1" marL="432000" indent="-215640">
+            <a:endParaRPr b="0" lang="en-US" sz="1800" spc="-1" strike="noStrike">
+              <a:latin typeface="Arial"/>
+            </a:endParaRPr>
+          </a:p>
+          <a:p>
+            <a:pPr lvl="1" marL="432000" indent="-215280">
               <a:lnSpc>
                 <a:spcPct val="100000"/>
               </a:lnSpc>
@@ -3404,17 +3365,20 @@
             </a:pPr>
             <a:r>
               <a:rPr b="0" lang="en-US" sz="1100" spc="-1" strike="noStrike">
+                <a:solidFill>
+                  <a:srgbClr val="000000"/>
+                </a:solidFill>
                 <a:latin typeface="Arial"/>
                 <a:ea typeface="Noto Sans CJK SC"/>
               </a:rPr>
               <a:t>Distance metric(mutual reachability distance)</a:t>
             </a:r>
-            <a:endParaRPr b="0" lang="en-GB" sz="1100" spc="-1" strike="noStrike">
-              <a:latin typeface="Arial"/>
-            </a:endParaRPr>
-          </a:p>
-          <a:p>
-            <a:pPr marL="216000" indent="-215640">
+            <a:endParaRPr b="0" lang="en-US" sz="1100" spc="-1" strike="noStrike">
+              <a:latin typeface="Arial"/>
+            </a:endParaRPr>
+          </a:p>
+          <a:p>
+            <a:pPr marL="216000" indent="-215280">
               <a:lnSpc>
                 <a:spcPct val="100000"/>
               </a:lnSpc>
@@ -3427,33 +3391,36 @@
             </a:pPr>
             <a:r>
               <a:rPr b="0" lang="en-US" sz="1800" spc="-1" strike="noStrike">
+                <a:solidFill>
+                  <a:srgbClr val="000000"/>
+                </a:solidFill>
                 <a:latin typeface="Arial"/>
                 <a:ea typeface="Noto Sans CJK SC"/>
               </a:rPr>
               <a:t>Leaf size</a:t>
             </a:r>
-            <a:endParaRPr b="0" lang="en-GB" sz="1800" spc="-1" strike="noStrike">
-              <a:latin typeface="Arial"/>
-            </a:endParaRPr>
-          </a:p>
-        </p:txBody>
-      </p:sp>
-      <p:sp>
-        <p:nvSpPr>
-          <p:cNvPr id="78" name="TextShape 3"/>
+            <a:endParaRPr b="0" lang="en-US" sz="1800" spc="-1" strike="noStrike">
+              <a:latin typeface="Arial"/>
+            </a:endParaRPr>
+          </a:p>
+        </p:txBody>
+      </p:sp>
+      <p:sp>
+        <p:nvSpPr>
+          <p:cNvPr id="78" name="CustomShape 3"/>
           <p:cNvSpPr/>
           <p:nvPr/>
         </p:nvSpPr>
         <p:spPr>
           <a:xfrm>
             <a:off x="6035040" y="3677400"/>
-            <a:ext cx="2651400" cy="985680"/>
+            <a:ext cx="2651040" cy="985320"/>
           </a:xfrm>
           <a:prstGeom prst="rect">
             <a:avLst/>
           </a:prstGeom>
           <a:noFill/>
-          <a:ln w="0">
+          <a:ln>
             <a:noFill/>
           </a:ln>
         </p:spPr>
@@ -3464,9 +3431,7 @@
           <a:fontRef idx="minor"/>
         </p:style>
         <p:txBody>
-          <a:bodyPr lIns="90000" rIns="90000" tIns="45000" bIns="45000">
-            <a:noAutofit/>
-          </a:bodyPr>
+          <a:bodyPr lIns="90000" rIns="90000" tIns="45000" bIns="45000"/>
           <a:p>
             <a:pPr>
               <a:lnSpc>
@@ -3475,16 +3440,20 @@
             </a:pPr>
             <a:r>
               <a:rPr b="0" lang="en-US" sz="1800" spc="-1" strike="noStrike">
-                <a:latin typeface="Arial"/>
+                <a:solidFill>
+                  <a:srgbClr val="000000"/>
+                </a:solidFill>
+                <a:latin typeface="Arial"/>
+                <a:ea typeface="DejaVu Sans"/>
               </a:rPr>
               <a:t>Outputs:</a:t>
             </a:r>
-            <a:endParaRPr b="0" lang="en-GB" sz="1800" spc="-1" strike="noStrike">
-              <a:latin typeface="Arial"/>
-            </a:endParaRPr>
-          </a:p>
-          <a:p>
-            <a:pPr marL="216000" indent="-215640">
+            <a:endParaRPr b="0" lang="en-US" sz="1800" spc="-1" strike="noStrike">
+              <a:latin typeface="Arial"/>
+            </a:endParaRPr>
+          </a:p>
+          <a:p>
+            <a:pPr marL="216000" indent="-215280">
               <a:lnSpc>
                 <a:spcPct val="100000"/>
               </a:lnSpc>
@@ -3497,16 +3466,20 @@
             </a:pPr>
             <a:r>
               <a:rPr b="0" lang="en-US" sz="1800" spc="-1" strike="noStrike">
-                <a:latin typeface="Arial"/>
+                <a:solidFill>
+                  <a:srgbClr val="000000"/>
+                </a:solidFill>
+                <a:latin typeface="Arial"/>
+                <a:ea typeface="DejaVu Sans"/>
               </a:rPr>
               <a:t>single_linkage_tree</a:t>
             </a:r>
-            <a:endParaRPr b="0" lang="en-GB" sz="1800" spc="-1" strike="noStrike">
-              <a:latin typeface="Arial"/>
-            </a:endParaRPr>
-          </a:p>
-          <a:p>
-            <a:pPr marL="216000" indent="-215640">
+            <a:endParaRPr b="0" lang="en-US" sz="1800" spc="-1" strike="noStrike">
+              <a:latin typeface="Arial"/>
+            </a:endParaRPr>
+          </a:p>
+          <a:p>
+            <a:pPr marL="216000" indent="-215280">
               <a:lnSpc>
                 <a:spcPct val="100000"/>
               </a:lnSpc>
@@ -3519,11 +3492,15 @@
             </a:pPr>
             <a:r>
               <a:rPr b="0" lang="en-US" sz="1800" spc="-1" strike="noStrike">
-                <a:latin typeface="Arial"/>
+                <a:solidFill>
+                  <a:srgbClr val="000000"/>
+                </a:solidFill>
+                <a:latin typeface="Arial"/>
+                <a:ea typeface="DejaVu Sans"/>
               </a:rPr>
               <a:t>result_min_span_tree</a:t>
             </a:r>
-            <a:endParaRPr b="0" lang="en-GB" sz="1800" spc="-1" strike="noStrike">
+            <a:endParaRPr b="0" lang="en-US" sz="1800" spc="-1" strike="noStrike">
               <a:latin typeface="Arial"/>
             </a:endParaRPr>
           </a:p>
@@ -3531,14 +3508,33 @@
       </p:sp>
     </p:spTree>
   </p:cSld>
-  <mc:AlternateContent>
-    <mc:Choice Requires="p14">
-      <p:transition spd="slow" p14:dur="2000"/>
-    </mc:Choice>
-    <mc:Fallback>
-      <p:transition spd="slow"/>
-    </mc:Fallback>
-  </mc:AlternateContent>
+  <p:timing>
+    <p:tnLst>
+      <p:par>
+        <p:cTn id="1" dur="indefinite" restart="never" nodeType="tmRoot">
+          <p:childTnLst>
+            <p:seq>
+              <p:cTn id="2" dur="indefinite" nodeType="mainSeq"/>
+              <p:prevCondLst>
+                <p:cond delay="0" evt="onPrev">
+                  <p:tgtEl>
+                    <p:sldTgt/>
+                  </p:tgtEl>
+                </p:cond>
+              </p:prevCondLst>
+              <p:nextCondLst>
+                <p:cond delay="0" evt="onNext">
+                  <p:tgtEl>
+                    <p:sldTgt/>
+                  </p:tgtEl>
+                </p:cond>
+              </p:nextCondLst>
+            </p:seq>
+          </p:childTnLst>
+        </p:cTn>
+      </p:par>
+    </p:tnLst>
+  </p:timing>
 </p:sld>
 </file>
 
@@ -3561,20 +3557,20 @@
       </p:grpSpPr>
       <p:sp>
         <p:nvSpPr>
-          <p:cNvPr id="79" name="TextShape 1"/>
+          <p:cNvPr id="79" name="CustomShape 1"/>
           <p:cNvSpPr/>
           <p:nvPr/>
         </p:nvSpPr>
         <p:spPr>
           <a:xfrm>
             <a:off x="504000" y="226080"/>
-            <a:ext cx="9071280" cy="946080"/>
+            <a:ext cx="9070920" cy="945720"/>
           </a:xfrm>
           <a:prstGeom prst="rect">
             <a:avLst/>
           </a:prstGeom>
           <a:noFill/>
-          <a:ln w="0">
+          <a:ln>
             <a:noFill/>
           </a:ln>
         </p:spPr>
@@ -3585,9 +3581,7 @@
           <a:fontRef idx="minor"/>
         </p:style>
         <p:txBody>
-          <a:bodyPr lIns="0" rIns="0" tIns="0" bIns="0" anchor="ctr">
-            <a:noAutofit/>
-          </a:bodyPr>
+          <a:bodyPr lIns="0" rIns="0" tIns="0" bIns="0" anchor="ctr"/>
           <a:p>
             <a:pPr algn="ctr">
               <a:lnSpc>
@@ -3596,32 +3590,36 @@
             </a:pPr>
             <a:r>
               <a:rPr b="0" lang="en-US" sz="4400" spc="-1" strike="noStrike">
-                <a:latin typeface="Arial"/>
+                <a:solidFill>
+                  <a:srgbClr val="000000"/>
+                </a:solidFill>
+                <a:latin typeface="Arial"/>
+                <a:ea typeface="DejaVu Sans"/>
               </a:rPr>
               <a:t>1. KD Tree – from sklearn</a:t>
             </a:r>
-            <a:endParaRPr b="0" lang="en-GB" sz="4400" spc="-1" strike="noStrike">
-              <a:latin typeface="Arial"/>
-            </a:endParaRPr>
-          </a:p>
-        </p:txBody>
-      </p:sp>
-      <p:sp>
-        <p:nvSpPr>
-          <p:cNvPr id="80" name="TextShape 2"/>
+            <a:endParaRPr b="0" lang="en-US" sz="4400" spc="-1" strike="noStrike">
+              <a:latin typeface="Arial"/>
+            </a:endParaRPr>
+          </a:p>
+        </p:txBody>
+      </p:sp>
+      <p:sp>
+        <p:nvSpPr>
+          <p:cNvPr id="80" name="CustomShape 2"/>
           <p:cNvSpPr/>
           <p:nvPr/>
         </p:nvSpPr>
         <p:spPr>
           <a:xfrm>
             <a:off x="365760" y="1391400"/>
-            <a:ext cx="4023000" cy="1625760"/>
+            <a:ext cx="4022640" cy="1625400"/>
           </a:xfrm>
           <a:prstGeom prst="rect">
             <a:avLst/>
           </a:prstGeom>
           <a:noFill/>
-          <a:ln w="0">
+          <a:ln>
             <a:noFill/>
           </a:ln>
         </p:spPr>
@@ -3632,9 +3630,7 @@
           <a:fontRef idx="minor"/>
         </p:style>
         <p:txBody>
-          <a:bodyPr lIns="90000" rIns="90000" tIns="45000" bIns="45000">
-            <a:noAutofit/>
-          </a:bodyPr>
+          <a:bodyPr lIns="90000" rIns="90000" tIns="45000" bIns="45000"/>
           <a:p>
             <a:pPr>
               <a:lnSpc>
@@ -3643,16 +3639,20 @@
             </a:pPr>
             <a:r>
               <a:rPr b="0" lang="en-US" sz="1800" spc="-1" strike="noStrike">
-                <a:latin typeface="Arial"/>
+                <a:solidFill>
+                  <a:srgbClr val="000000"/>
+                </a:solidFill>
+                <a:latin typeface="Arial"/>
+                <a:ea typeface="DejaVu Sans"/>
               </a:rPr>
               <a:t>Inputs:</a:t>
             </a:r>
-            <a:endParaRPr b="0" lang="en-GB" sz="1800" spc="-1" strike="noStrike">
-              <a:latin typeface="Arial"/>
-            </a:endParaRPr>
-          </a:p>
-          <a:p>
-            <a:pPr marL="216000" indent="-215640">
+            <a:endParaRPr b="0" lang="en-US" sz="1800" spc="-1" strike="noStrike">
+              <a:latin typeface="Arial"/>
+            </a:endParaRPr>
+          </a:p>
+          <a:p>
+            <a:pPr marL="216000" indent="-215280">
               <a:lnSpc>
                 <a:spcPct val="100000"/>
               </a:lnSpc>
@@ -3665,16 +3665,20 @@
             </a:pPr>
             <a:r>
               <a:rPr b="0" lang="en-US" sz="1800" spc="-1" strike="noStrike">
-                <a:latin typeface="Arial"/>
+                <a:solidFill>
+                  <a:srgbClr val="000000"/>
+                </a:solidFill>
+                <a:latin typeface="Arial"/>
+                <a:ea typeface="DejaVu Sans"/>
               </a:rPr>
               <a:t>Raw data</a:t>
             </a:r>
-            <a:endParaRPr b="0" lang="en-GB" sz="1800" spc="-1" strike="noStrike">
-              <a:latin typeface="Arial"/>
-            </a:endParaRPr>
-          </a:p>
-          <a:p>
-            <a:pPr marL="216000" indent="-215640">
+            <a:endParaRPr b="0" lang="en-US" sz="1800" spc="-1" strike="noStrike">
+              <a:latin typeface="Arial"/>
+            </a:endParaRPr>
+          </a:p>
+          <a:p>
+            <a:pPr marL="216000" indent="-215280">
               <a:lnSpc>
                 <a:spcPct val="100000"/>
               </a:lnSpc>
@@ -3687,17 +3691,20 @@
             </a:pPr>
             <a:r>
               <a:rPr b="0" lang="en-US" sz="1800" spc="-1" strike="noStrike">
+                <a:solidFill>
+                  <a:srgbClr val="000000"/>
+                </a:solidFill>
                 <a:latin typeface="Arial"/>
                 <a:ea typeface="Noto Sans CJK SC"/>
               </a:rPr>
               <a:t>dist_metric object - </a:t>
             </a:r>
-            <a:endParaRPr b="0" lang="en-GB" sz="1800" spc="-1" strike="noStrike">
-              <a:latin typeface="Arial"/>
-            </a:endParaRPr>
-          </a:p>
-          <a:p>
-            <a:pPr lvl="1" marL="432000" indent="-215640">
+            <a:endParaRPr b="0" lang="en-US" sz="1800" spc="-1" strike="noStrike">
+              <a:latin typeface="Arial"/>
+            </a:endParaRPr>
+          </a:p>
+          <a:p>
+            <a:pPr lvl="1" marL="432000" indent="-215280">
               <a:lnSpc>
                 <a:spcPct val="100000"/>
               </a:lnSpc>
@@ -3710,17 +3717,20 @@
             </a:pPr>
             <a:r>
               <a:rPr b="0" lang="en-US" sz="1100" spc="-1" strike="noStrike">
+                <a:solidFill>
+                  <a:srgbClr val="000000"/>
+                </a:solidFill>
                 <a:latin typeface="Arial"/>
                 <a:ea typeface="Noto Sans CJK SC"/>
               </a:rPr>
               <a:t>Distance metric(mutual reachability distance)</a:t>
             </a:r>
-            <a:endParaRPr b="0" lang="en-GB" sz="1100" spc="-1" strike="noStrike">
-              <a:latin typeface="Arial"/>
-            </a:endParaRPr>
-          </a:p>
-          <a:p>
-            <a:pPr marL="216000" indent="-215640">
+            <a:endParaRPr b="0" lang="en-US" sz="1100" spc="-1" strike="noStrike">
+              <a:latin typeface="Arial"/>
+            </a:endParaRPr>
+          </a:p>
+          <a:p>
+            <a:pPr marL="216000" indent="-215280">
               <a:lnSpc>
                 <a:spcPct val="100000"/>
               </a:lnSpc>
@@ -3733,33 +3743,36 @@
             </a:pPr>
             <a:r>
               <a:rPr b="0" lang="en-US" sz="1800" spc="-1" strike="noStrike">
+                <a:solidFill>
+                  <a:srgbClr val="000000"/>
+                </a:solidFill>
                 <a:latin typeface="Arial"/>
                 <a:ea typeface="Noto Sans CJK SC"/>
               </a:rPr>
               <a:t>Leaf size</a:t>
             </a:r>
-            <a:endParaRPr b="0" lang="en-GB" sz="1800" spc="-1" strike="noStrike">
-              <a:latin typeface="Arial"/>
-            </a:endParaRPr>
-          </a:p>
-        </p:txBody>
-      </p:sp>
-      <p:sp>
-        <p:nvSpPr>
-          <p:cNvPr id="81" name="TextShape 3"/>
+            <a:endParaRPr b="0" lang="en-US" sz="1800" spc="-1" strike="noStrike">
+              <a:latin typeface="Arial"/>
+            </a:endParaRPr>
+          </a:p>
+        </p:txBody>
+      </p:sp>
+      <p:sp>
+        <p:nvSpPr>
+          <p:cNvPr id="81" name="CustomShape 3"/>
           <p:cNvSpPr/>
           <p:nvPr/>
         </p:nvSpPr>
         <p:spPr>
           <a:xfrm>
             <a:off x="457200" y="3037320"/>
-            <a:ext cx="4023000" cy="985680"/>
+            <a:ext cx="4022640" cy="985320"/>
           </a:xfrm>
           <a:prstGeom prst="rect">
             <a:avLst/>
           </a:prstGeom>
           <a:noFill/>
-          <a:ln w="0">
+          <a:ln>
             <a:noFill/>
           </a:ln>
         </p:spPr>
@@ -3770,9 +3783,7 @@
           <a:fontRef idx="minor"/>
         </p:style>
         <p:txBody>
-          <a:bodyPr lIns="90000" rIns="90000" tIns="45000" bIns="45000">
-            <a:noAutofit/>
-          </a:bodyPr>
+          <a:bodyPr lIns="90000" rIns="90000" tIns="45000" bIns="45000"/>
           <a:p>
             <a:pPr>
               <a:lnSpc>
@@ -3781,16 +3792,20 @@
             </a:pPr>
             <a:r>
               <a:rPr b="0" lang="en-US" sz="1800" spc="-1" strike="noStrike">
-                <a:latin typeface="Arial"/>
+                <a:solidFill>
+                  <a:srgbClr val="000000"/>
+                </a:solidFill>
+                <a:latin typeface="Arial"/>
+                <a:ea typeface="DejaVu Sans"/>
               </a:rPr>
               <a:t>Outputs:</a:t>
             </a:r>
-            <a:endParaRPr b="0" lang="en-GB" sz="1800" spc="-1" strike="noStrike">
-              <a:latin typeface="Arial"/>
-            </a:endParaRPr>
-          </a:p>
-          <a:p>
-            <a:pPr marL="216000" indent="-215640">
+            <a:endParaRPr b="0" lang="en-US" sz="1800" spc="-1" strike="noStrike">
+              <a:latin typeface="Arial"/>
+            </a:endParaRPr>
+          </a:p>
+          <a:p>
+            <a:pPr marL="216000" indent="-215280">
               <a:lnSpc>
                 <a:spcPct val="100000"/>
               </a:lnSpc>
@@ -3803,32 +3818,36 @@
             </a:pPr>
             <a:r>
               <a:rPr b="0" lang="en-US" sz="1800" spc="-1" strike="noStrike">
-                <a:latin typeface="Arial"/>
+                <a:solidFill>
+                  <a:srgbClr val="000000"/>
+                </a:solidFill>
+                <a:latin typeface="Arial"/>
+                <a:ea typeface="DejaVu Sans"/>
               </a:rPr>
               <a:t>Core distances</a:t>
             </a:r>
-            <a:endParaRPr b="0" lang="en-GB" sz="1800" spc="-1" strike="noStrike">
-              <a:latin typeface="Arial"/>
-            </a:endParaRPr>
-          </a:p>
-        </p:txBody>
-      </p:sp>
-      <p:sp>
-        <p:nvSpPr>
-          <p:cNvPr id="82" name="TextShape 4"/>
+            <a:endParaRPr b="0" lang="en-US" sz="1800" spc="-1" strike="noStrike">
+              <a:latin typeface="Arial"/>
+            </a:endParaRPr>
+          </a:p>
+        </p:txBody>
+      </p:sp>
+      <p:sp>
+        <p:nvSpPr>
+          <p:cNvPr id="82" name="CustomShape 4"/>
           <p:cNvSpPr/>
           <p:nvPr/>
         </p:nvSpPr>
         <p:spPr>
           <a:xfrm>
             <a:off x="5120640" y="1556280"/>
-            <a:ext cx="4023000" cy="1625760"/>
+            <a:ext cx="4022640" cy="1625400"/>
           </a:xfrm>
           <a:prstGeom prst="rect">
             <a:avLst/>
           </a:prstGeom>
           <a:noFill/>
-          <a:ln w="0">
+          <a:ln>
             <a:noFill/>
           </a:ln>
         </p:spPr>
@@ -3839,9 +3858,7 @@
           <a:fontRef idx="minor"/>
         </p:style>
         <p:txBody>
-          <a:bodyPr lIns="90000" rIns="90000" tIns="45000" bIns="45000">
-            <a:noAutofit/>
-          </a:bodyPr>
+          <a:bodyPr lIns="90000" rIns="90000" tIns="45000" bIns="45000"/>
           <a:p>
             <a:pPr>
               <a:lnSpc>
@@ -3850,16 +3867,20 @@
             </a:pPr>
             <a:r>
               <a:rPr b="0" lang="en-US" sz="1800" spc="-1" strike="noStrike">
-                <a:latin typeface="Arial"/>
+                <a:solidFill>
+                  <a:srgbClr val="000000"/>
+                </a:solidFill>
+                <a:latin typeface="Arial"/>
+                <a:ea typeface="DejaVu Sans"/>
               </a:rPr>
               <a:t>Process:</a:t>
             </a:r>
-            <a:endParaRPr b="0" lang="en-GB" sz="1800" spc="-1" strike="noStrike">
-              <a:latin typeface="Arial"/>
-            </a:endParaRPr>
-          </a:p>
-          <a:p>
-            <a:pPr marL="216000" indent="-215640">
+            <a:endParaRPr b="0" lang="en-US" sz="1800" spc="-1" strike="noStrike">
+              <a:latin typeface="Arial"/>
+            </a:endParaRPr>
+          </a:p>
+          <a:p>
+            <a:pPr marL="216000" indent="-215280">
               <a:lnSpc>
                 <a:spcPct val="100000"/>
               </a:lnSpc>
@@ -3871,11 +3892,15 @@
             </a:pPr>
             <a:r>
               <a:rPr b="0" lang="en-US" sz="1800" spc="-1" strike="noStrike">
-                <a:latin typeface="Arial"/>
+                <a:solidFill>
+                  <a:srgbClr val="000000"/>
+                </a:solidFill>
+                <a:latin typeface="Arial"/>
+                <a:ea typeface="DejaVu Sans"/>
               </a:rPr>
               <a:t>Uses KD tree structure to calculate distance as per distance metric</a:t>
             </a:r>
-            <a:endParaRPr b="0" lang="en-GB" sz="1800" spc="-1" strike="noStrike">
+            <a:endParaRPr b="0" lang="en-US" sz="1800" spc="-1" strike="noStrike">
               <a:latin typeface="Arial"/>
             </a:endParaRPr>
           </a:p>
@@ -3883,14 +3908,33 @@
       </p:sp>
     </p:spTree>
   </p:cSld>
-  <mc:AlternateContent>
-    <mc:Choice Requires="p14">
-      <p:transition spd="slow" p14:dur="2000"/>
-    </mc:Choice>
-    <mc:Fallback>
-      <p:transition spd="slow"/>
-    </mc:Fallback>
-  </mc:AlternateContent>
+  <p:timing>
+    <p:tnLst>
+      <p:par>
+        <p:cTn id="3" dur="indefinite" restart="never" nodeType="tmRoot">
+          <p:childTnLst>
+            <p:seq>
+              <p:cTn id="4" dur="indefinite" nodeType="mainSeq"/>
+              <p:prevCondLst>
+                <p:cond delay="0" evt="onPrev">
+                  <p:tgtEl>
+                    <p:sldTgt/>
+                  </p:tgtEl>
+                </p:cond>
+              </p:prevCondLst>
+              <p:nextCondLst>
+                <p:cond delay="0" evt="onNext">
+                  <p:tgtEl>
+                    <p:sldTgt/>
+                  </p:tgtEl>
+                </p:cond>
+              </p:nextCondLst>
+            </p:seq>
+          </p:childTnLst>
+        </p:cTn>
+      </p:par>
+    </p:tnLst>
+  </p:timing>
 </p:sld>
 </file>
 
@@ -3913,20 +3957,20 @@
       </p:grpSpPr>
       <p:sp>
         <p:nvSpPr>
-          <p:cNvPr id="83" name="TextShape 1"/>
+          <p:cNvPr id="83" name="CustomShape 1"/>
           <p:cNvSpPr/>
           <p:nvPr/>
         </p:nvSpPr>
         <p:spPr>
           <a:xfrm>
             <a:off x="504000" y="226080"/>
-            <a:ext cx="9071280" cy="946080"/>
+            <a:ext cx="9070920" cy="945720"/>
           </a:xfrm>
           <a:prstGeom prst="rect">
             <a:avLst/>
           </a:prstGeom>
           <a:noFill/>
-          <a:ln w="0">
+          <a:ln>
             <a:noFill/>
           </a:ln>
         </p:spPr>
@@ -3937,9 +3981,7 @@
           <a:fontRef idx="minor"/>
         </p:style>
         <p:txBody>
-          <a:bodyPr lIns="0" rIns="0" tIns="0" bIns="0" anchor="ctr">
-            <a:noAutofit/>
-          </a:bodyPr>
+          <a:bodyPr lIns="0" rIns="0" tIns="0" bIns="0" anchor="ctr"/>
           <a:p>
             <a:pPr algn="ctr">
               <a:lnSpc>
@@ -3948,32 +3990,36 @@
             </a:pPr>
             <a:r>
               <a:rPr b="0" lang="en-US" sz="4400" spc="-1" strike="noStrike">
-                <a:latin typeface="Arial"/>
+                <a:solidFill>
+                  <a:srgbClr val="000000"/>
+                </a:solidFill>
+                <a:latin typeface="Arial"/>
+                <a:ea typeface="DejaVu Sans"/>
               </a:rPr>
               <a:t>2. Minimum spanning tree</a:t>
             </a:r>
-            <a:endParaRPr b="0" lang="en-GB" sz="4400" spc="-1" strike="noStrike">
-              <a:latin typeface="Arial"/>
-            </a:endParaRPr>
-          </a:p>
-        </p:txBody>
-      </p:sp>
-      <p:sp>
-        <p:nvSpPr>
-          <p:cNvPr id="84" name="TextShape 2"/>
+            <a:endParaRPr b="0" lang="en-US" sz="4400" spc="-1" strike="noStrike">
+              <a:latin typeface="Arial"/>
+            </a:endParaRPr>
+          </a:p>
+        </p:txBody>
+      </p:sp>
+      <p:sp>
+        <p:nvSpPr>
+          <p:cNvPr id="84" name="CustomShape 2"/>
           <p:cNvSpPr/>
           <p:nvPr/>
         </p:nvSpPr>
         <p:spPr>
           <a:xfrm>
             <a:off x="365760" y="1391400"/>
-            <a:ext cx="4023000" cy="1625760"/>
+            <a:ext cx="4022640" cy="1625400"/>
           </a:xfrm>
           <a:prstGeom prst="rect">
             <a:avLst/>
           </a:prstGeom>
           <a:noFill/>
-          <a:ln w="0">
+          <a:ln>
             <a:noFill/>
           </a:ln>
         </p:spPr>
@@ -3984,9 +4030,7 @@
           <a:fontRef idx="minor"/>
         </p:style>
         <p:txBody>
-          <a:bodyPr lIns="90000" rIns="90000" tIns="45000" bIns="45000">
-            <a:noAutofit/>
-          </a:bodyPr>
+          <a:bodyPr lIns="90000" rIns="90000" tIns="45000" bIns="45000"/>
           <a:p>
             <a:pPr>
               <a:lnSpc>
@@ -3995,16 +4039,20 @@
             </a:pPr>
             <a:r>
               <a:rPr b="0" lang="en-US" sz="1800" spc="-1" strike="noStrike">
-                <a:latin typeface="Arial"/>
+                <a:solidFill>
+                  <a:srgbClr val="000000"/>
+                </a:solidFill>
+                <a:latin typeface="Arial"/>
+                <a:ea typeface="DejaVu Sans"/>
               </a:rPr>
               <a:t>Inputs:</a:t>
             </a:r>
-            <a:endParaRPr b="0" lang="en-GB" sz="1800" spc="-1" strike="noStrike">
-              <a:latin typeface="Arial"/>
-            </a:endParaRPr>
-          </a:p>
-          <a:p>
-            <a:pPr marL="216000" indent="-215640">
+            <a:endParaRPr b="0" lang="en-US" sz="1800" spc="-1" strike="noStrike">
+              <a:latin typeface="Arial"/>
+            </a:endParaRPr>
+          </a:p>
+          <a:p>
+            <a:pPr marL="216000" indent="-215280">
               <a:lnSpc>
                 <a:spcPct val="100000"/>
               </a:lnSpc>
@@ -4017,16 +4065,20 @@
             </a:pPr>
             <a:r>
               <a:rPr b="0" lang="en-US" sz="1800" spc="-1" strike="noStrike">
-                <a:latin typeface="Arial"/>
+                <a:solidFill>
+                  <a:srgbClr val="000000"/>
+                </a:solidFill>
+                <a:latin typeface="Arial"/>
+                <a:ea typeface="DejaVu Sans"/>
               </a:rPr>
               <a:t>Raw data</a:t>
             </a:r>
-            <a:endParaRPr b="0" lang="en-GB" sz="1800" spc="-1" strike="noStrike">
-              <a:latin typeface="Arial"/>
-            </a:endParaRPr>
-          </a:p>
-          <a:p>
-            <a:pPr marL="216000" indent="-215640">
+            <a:endParaRPr b="0" lang="en-US" sz="1800" spc="-1" strike="noStrike">
+              <a:latin typeface="Arial"/>
+            </a:endParaRPr>
+          </a:p>
+          <a:p>
+            <a:pPr marL="216000" indent="-215280">
               <a:lnSpc>
                 <a:spcPct val="100000"/>
               </a:lnSpc>
@@ -4039,16 +4091,20 @@
             </a:pPr>
             <a:r>
               <a:rPr b="0" lang="en-US" sz="1800" spc="-1" strike="noStrike">
-                <a:latin typeface="Arial"/>
+                <a:solidFill>
+                  <a:srgbClr val="000000"/>
+                </a:solidFill>
+                <a:latin typeface="Arial"/>
+                <a:ea typeface="DejaVu Sans"/>
               </a:rPr>
               <a:t>Core distances</a:t>
             </a:r>
-            <a:endParaRPr b="0" lang="en-GB" sz="1800" spc="-1" strike="noStrike">
-              <a:latin typeface="Arial"/>
-            </a:endParaRPr>
-          </a:p>
-          <a:p>
-            <a:pPr marL="216000" indent="-215640">
+            <a:endParaRPr b="0" lang="en-US" sz="1800" spc="-1" strike="noStrike">
+              <a:latin typeface="Arial"/>
+            </a:endParaRPr>
+          </a:p>
+          <a:p>
+            <a:pPr marL="216000" indent="-215280">
               <a:lnSpc>
                 <a:spcPct val="100000"/>
               </a:lnSpc>
@@ -4061,32 +4117,36 @@
             </a:pPr>
             <a:r>
               <a:rPr b="0" lang="en-US" sz="1800" spc="-1" strike="noStrike">
-                <a:latin typeface="Arial"/>
+                <a:solidFill>
+                  <a:srgbClr val="000000"/>
+                </a:solidFill>
+                <a:latin typeface="Arial"/>
+                <a:ea typeface="DejaVu Sans"/>
               </a:rPr>
               <a:t>dist_metric object</a:t>
             </a:r>
-            <a:endParaRPr b="0" lang="en-GB" sz="1800" spc="-1" strike="noStrike">
-              <a:latin typeface="Arial"/>
-            </a:endParaRPr>
-          </a:p>
-        </p:txBody>
-      </p:sp>
-      <p:sp>
-        <p:nvSpPr>
-          <p:cNvPr id="85" name="TextShape 3"/>
+            <a:endParaRPr b="0" lang="en-US" sz="1800" spc="-1" strike="noStrike">
+              <a:latin typeface="Arial"/>
+            </a:endParaRPr>
+          </a:p>
+        </p:txBody>
+      </p:sp>
+      <p:sp>
+        <p:nvSpPr>
+          <p:cNvPr id="85" name="CustomShape 3"/>
           <p:cNvSpPr/>
           <p:nvPr/>
         </p:nvSpPr>
         <p:spPr>
           <a:xfrm>
             <a:off x="457200" y="3037320"/>
-            <a:ext cx="4023000" cy="1625760"/>
+            <a:ext cx="4022640" cy="1625400"/>
           </a:xfrm>
           <a:prstGeom prst="rect">
             <a:avLst/>
           </a:prstGeom>
           <a:noFill/>
-          <a:ln w="0">
+          <a:ln>
             <a:noFill/>
           </a:ln>
         </p:spPr>
@@ -4097,9 +4157,7 @@
           <a:fontRef idx="minor"/>
         </p:style>
         <p:txBody>
-          <a:bodyPr lIns="90000" rIns="90000" tIns="45000" bIns="45000">
-            <a:noAutofit/>
-          </a:bodyPr>
+          <a:bodyPr lIns="90000" rIns="90000" tIns="45000" bIns="45000"/>
           <a:p>
             <a:pPr>
               <a:lnSpc>
@@ -4108,16 +4166,20 @@
             </a:pPr>
             <a:r>
               <a:rPr b="0" lang="en-US" sz="1800" spc="-1" strike="noStrike">
-                <a:latin typeface="Arial"/>
+                <a:solidFill>
+                  <a:srgbClr val="000000"/>
+                </a:solidFill>
+                <a:latin typeface="Arial"/>
+                <a:ea typeface="DejaVu Sans"/>
               </a:rPr>
               <a:t>Outputs:</a:t>
             </a:r>
-            <a:endParaRPr b="0" lang="en-GB" sz="1800" spc="-1" strike="noStrike">
-              <a:latin typeface="Arial"/>
-            </a:endParaRPr>
-          </a:p>
-          <a:p>
-            <a:pPr marL="216000" indent="-215640">
+            <a:endParaRPr b="0" lang="en-US" sz="1800" spc="-1" strike="noStrike">
+              <a:latin typeface="Arial"/>
+            </a:endParaRPr>
+          </a:p>
+          <a:p>
+            <a:pPr marL="216000" indent="-215280">
               <a:lnSpc>
                 <a:spcPct val="100000"/>
               </a:lnSpc>
@@ -4130,32 +4192,36 @@
             </a:pPr>
             <a:r>
               <a:rPr b="0" lang="en-US" sz="1800" spc="-1" strike="noStrike">
-                <a:latin typeface="Arial"/>
+                <a:solidFill>
+                  <a:srgbClr val="000000"/>
+                </a:solidFill>
+                <a:latin typeface="Arial"/>
+                <a:ea typeface="DejaVu Sans"/>
               </a:rPr>
               <a:t>Properly ordered one way route from start node to end following the shortest path -&gt;  the minimum spanning tree</a:t>
             </a:r>
-            <a:endParaRPr b="0" lang="en-GB" sz="1800" spc="-1" strike="noStrike">
-              <a:latin typeface="Arial"/>
-            </a:endParaRPr>
-          </a:p>
-        </p:txBody>
-      </p:sp>
-      <p:sp>
-        <p:nvSpPr>
-          <p:cNvPr id="86" name="TextShape 4"/>
+            <a:endParaRPr b="0" lang="en-US" sz="1800" spc="-1" strike="noStrike">
+              <a:latin typeface="Arial"/>
+            </a:endParaRPr>
+          </a:p>
+        </p:txBody>
+      </p:sp>
+      <p:sp>
+        <p:nvSpPr>
+          <p:cNvPr id="86" name="CustomShape 4"/>
           <p:cNvSpPr/>
           <p:nvPr/>
         </p:nvSpPr>
         <p:spPr>
           <a:xfrm>
             <a:off x="5120640" y="1556280"/>
-            <a:ext cx="4023000" cy="2649600"/>
+            <a:ext cx="4022640" cy="2649240"/>
           </a:xfrm>
           <a:prstGeom prst="rect">
             <a:avLst/>
           </a:prstGeom>
           <a:noFill/>
-          <a:ln w="0">
+          <a:ln>
             <a:noFill/>
           </a:ln>
         </p:spPr>
@@ -4166,9 +4232,7 @@
           <a:fontRef idx="minor"/>
         </p:style>
         <p:txBody>
-          <a:bodyPr lIns="90000" rIns="90000" tIns="45000" bIns="45000">
-            <a:noAutofit/>
-          </a:bodyPr>
+          <a:bodyPr lIns="90000" rIns="90000" tIns="45000" bIns="45000"/>
           <a:p>
             <a:pPr>
               <a:lnSpc>
@@ -4177,16 +4241,20 @@
             </a:pPr>
             <a:r>
               <a:rPr b="0" lang="en-US" sz="1800" spc="-1" strike="noStrike">
-                <a:latin typeface="Arial"/>
+                <a:solidFill>
+                  <a:srgbClr val="000000"/>
+                </a:solidFill>
+                <a:latin typeface="Arial"/>
+                <a:ea typeface="DejaVu Sans"/>
               </a:rPr>
               <a:t>Process:</a:t>
             </a:r>
-            <a:endParaRPr b="0" lang="en-GB" sz="1800" spc="-1" strike="noStrike">
-              <a:latin typeface="Arial"/>
-            </a:endParaRPr>
-          </a:p>
-          <a:p>
-            <a:pPr marL="216000" indent="-215640">
+            <a:endParaRPr b="0" lang="en-US" sz="1800" spc="-1" strike="noStrike">
+              <a:latin typeface="Arial"/>
+            </a:endParaRPr>
+          </a:p>
+          <a:p>
+            <a:pPr marL="216000" indent="-215280">
               <a:lnSpc>
                 <a:spcPct val="100000"/>
               </a:lnSpc>
@@ -4198,16 +4266,20 @@
             </a:pPr>
             <a:r>
               <a:rPr b="0" lang="en-US" sz="1800" spc="-1" strike="noStrike">
-                <a:latin typeface="Arial"/>
+                <a:solidFill>
+                  <a:srgbClr val="000000"/>
+                </a:solidFill>
+                <a:latin typeface="Arial"/>
+                <a:ea typeface="DejaVu Sans"/>
               </a:rPr>
               <a:t>Randomly picks a node and set it as current node</a:t>
             </a:r>
-            <a:endParaRPr b="0" lang="en-GB" sz="1800" spc="-1" strike="noStrike">
-              <a:latin typeface="Arial"/>
-            </a:endParaRPr>
-          </a:p>
-          <a:p>
-            <a:pPr marL="216000" indent="-215640">
+            <a:endParaRPr b="0" lang="en-US" sz="1800" spc="-1" strike="noStrike">
+              <a:latin typeface="Arial"/>
+            </a:endParaRPr>
+          </a:p>
+          <a:p>
+            <a:pPr marL="216000" indent="-215280">
               <a:lnSpc>
                 <a:spcPct val="100000"/>
               </a:lnSpc>
@@ -4219,16 +4291,20 @@
             </a:pPr>
             <a:r>
               <a:rPr b="0" lang="en-US" sz="1800" spc="-1" strike="noStrike">
-                <a:latin typeface="Arial"/>
+                <a:solidFill>
+                  <a:srgbClr val="000000"/>
+                </a:solidFill>
+                <a:latin typeface="Arial"/>
+                <a:ea typeface="DejaVu Sans"/>
               </a:rPr>
               <a:t>Finds the distance to every other point</a:t>
             </a:r>
-            <a:endParaRPr b="0" lang="en-GB" sz="1800" spc="-1" strike="noStrike">
-              <a:latin typeface="Arial"/>
-            </a:endParaRPr>
-          </a:p>
-          <a:p>
-            <a:pPr marL="216000" indent="-215640">
+            <a:endParaRPr b="0" lang="en-US" sz="1800" spc="-1" strike="noStrike">
+              <a:latin typeface="Arial"/>
+            </a:endParaRPr>
+          </a:p>
+          <a:p>
+            <a:pPr marL="216000" indent="-215280">
               <a:lnSpc>
                 <a:spcPct val="100000"/>
               </a:lnSpc>
@@ -4240,16 +4316,20 @@
             </a:pPr>
             <a:r>
               <a:rPr b="0" lang="en-US" sz="1800" spc="-1" strike="noStrike">
-                <a:latin typeface="Arial"/>
+                <a:solidFill>
+                  <a:srgbClr val="000000"/>
+                </a:solidFill>
+                <a:latin typeface="Arial"/>
+                <a:ea typeface="DejaVu Sans"/>
               </a:rPr>
               <a:t>Chooses the shortest distance and set current node as the connected node</a:t>
             </a:r>
-            <a:endParaRPr b="0" lang="en-GB" sz="1800" spc="-1" strike="noStrike">
-              <a:latin typeface="Arial"/>
-            </a:endParaRPr>
-          </a:p>
-          <a:p>
-            <a:pPr marL="216000" indent="-215640">
+            <a:endParaRPr b="0" lang="en-US" sz="1800" spc="-1" strike="noStrike">
+              <a:latin typeface="Arial"/>
+            </a:endParaRPr>
+          </a:p>
+          <a:p>
+            <a:pPr marL="216000" indent="-215280">
               <a:lnSpc>
                 <a:spcPct val="100000"/>
               </a:lnSpc>
@@ -4261,11 +4341,15 @@
             </a:pPr>
             <a:r>
               <a:rPr b="0" lang="en-US" sz="1800" spc="-1" strike="noStrike">
-                <a:latin typeface="Arial"/>
+                <a:solidFill>
+                  <a:srgbClr val="000000"/>
+                </a:solidFill>
+                <a:latin typeface="Arial"/>
+                <a:ea typeface="DejaVu Sans"/>
               </a:rPr>
               <a:t>Repeat step 2 and 3 till it reaches last node</a:t>
             </a:r>
-            <a:endParaRPr b="0" lang="en-GB" sz="1800" spc="-1" strike="noStrike">
+            <a:endParaRPr b="0" lang="en-US" sz="1800" spc="-1" strike="noStrike">
               <a:latin typeface="Arial"/>
             </a:endParaRPr>
           </a:p>
@@ -4284,26 +4368,45 @@
         <p:spPr>
           <a:xfrm>
             <a:off x="3870360" y="4320000"/>
-            <a:ext cx="1146240" cy="1260000"/>
-          </a:xfrm>
-          <a:prstGeom prst="rect">
-            <a:avLst/>
-          </a:prstGeom>
-          <a:ln w="0">
+            <a:ext cx="1145880" cy="1259640"/>
+          </a:xfrm>
+          <a:prstGeom prst="rect">
+            <a:avLst/>
+          </a:prstGeom>
+          <a:ln>
             <a:noFill/>
           </a:ln>
         </p:spPr>
       </p:pic>
     </p:spTree>
   </p:cSld>
-  <mc:AlternateContent>
-    <mc:Choice Requires="p14">
-      <p:transition spd="slow" p14:dur="2000"/>
-    </mc:Choice>
-    <mc:Fallback>
-      <p:transition spd="slow"/>
-    </mc:Fallback>
-  </mc:AlternateContent>
+  <p:timing>
+    <p:tnLst>
+      <p:par>
+        <p:cTn id="5" dur="indefinite" restart="never" nodeType="tmRoot">
+          <p:childTnLst>
+            <p:seq>
+              <p:cTn id="6" dur="indefinite" nodeType="mainSeq"/>
+              <p:prevCondLst>
+                <p:cond delay="0" evt="onPrev">
+                  <p:tgtEl>
+                    <p:sldTgt/>
+                  </p:tgtEl>
+                </p:cond>
+              </p:prevCondLst>
+              <p:nextCondLst>
+                <p:cond delay="0" evt="onNext">
+                  <p:tgtEl>
+                    <p:sldTgt/>
+                  </p:tgtEl>
+                </p:cond>
+              </p:nextCondLst>
+            </p:seq>
+          </p:childTnLst>
+        </p:cTn>
+      </p:par>
+    </p:tnLst>
+  </p:timing>
 </p:sld>
 </file>
 
@@ -4326,20 +4429,20 @@
       </p:grpSpPr>
       <p:sp>
         <p:nvSpPr>
-          <p:cNvPr id="88" name="TextShape 1"/>
+          <p:cNvPr id="88" name="CustomShape 1"/>
           <p:cNvSpPr/>
           <p:nvPr/>
         </p:nvSpPr>
         <p:spPr>
           <a:xfrm>
             <a:off x="504000" y="226080"/>
-            <a:ext cx="9071280" cy="946080"/>
+            <a:ext cx="9070920" cy="945720"/>
           </a:xfrm>
           <a:prstGeom prst="rect">
             <a:avLst/>
           </a:prstGeom>
           <a:noFill/>
-          <a:ln w="0">
+          <a:ln>
             <a:noFill/>
           </a:ln>
         </p:spPr>
@@ -4350,9 +4453,7 @@
           <a:fontRef idx="minor"/>
         </p:style>
         <p:txBody>
-          <a:bodyPr lIns="0" rIns="0" tIns="0" bIns="0" anchor="ctr">
-            <a:noAutofit/>
-          </a:bodyPr>
+          <a:bodyPr lIns="0" rIns="0" tIns="0" bIns="0" anchor="ctr"/>
           <a:p>
             <a:pPr algn="ctr">
               <a:lnSpc>
@@ -4361,11 +4462,15 @@
             </a:pPr>
             <a:r>
               <a:rPr b="0" lang="en-US" sz="4000" spc="-1" strike="noStrike">
-                <a:latin typeface="Arial"/>
+                <a:solidFill>
+                  <a:srgbClr val="000000"/>
+                </a:solidFill>
+                <a:latin typeface="Arial"/>
+                <a:ea typeface="DejaVu Sans"/>
               </a:rPr>
               <a:t>3. Sort edges of minimum spanning tree</a:t>
             </a:r>
-            <a:endParaRPr b="0" lang="en-GB" sz="4000" spc="-1" strike="noStrike">
+            <a:endParaRPr b="0" lang="en-US" sz="4000" spc="-1" strike="noStrike">
               <a:latin typeface="Arial"/>
             </a:endParaRPr>
           </a:p>
@@ -4384,26 +4489,45 @@
         <p:spPr>
           <a:xfrm>
             <a:off x="1005840" y="1371600"/>
-            <a:ext cx="4542840" cy="3771360"/>
-          </a:xfrm>
-          <a:prstGeom prst="rect">
-            <a:avLst/>
-          </a:prstGeom>
-          <a:ln w="0">
+            <a:ext cx="4542480" cy="3771000"/>
+          </a:xfrm>
+          <a:prstGeom prst="rect">
+            <a:avLst/>
+          </a:prstGeom>
+          <a:ln>
             <a:noFill/>
           </a:ln>
         </p:spPr>
       </p:pic>
     </p:spTree>
   </p:cSld>
-  <mc:AlternateContent>
-    <mc:Choice Requires="p14">
-      <p:transition spd="slow" p14:dur="2000"/>
-    </mc:Choice>
-    <mc:Fallback>
-      <p:transition spd="slow"/>
-    </mc:Fallback>
-  </mc:AlternateContent>
+  <p:timing>
+    <p:tnLst>
+      <p:par>
+        <p:cTn id="7" dur="indefinite" restart="never" nodeType="tmRoot">
+          <p:childTnLst>
+            <p:seq>
+              <p:cTn id="8" dur="indefinite" nodeType="mainSeq"/>
+              <p:prevCondLst>
+                <p:cond delay="0" evt="onPrev">
+                  <p:tgtEl>
+                    <p:sldTgt/>
+                  </p:tgtEl>
+                </p:cond>
+              </p:prevCondLst>
+              <p:nextCondLst>
+                <p:cond delay="0" evt="onNext">
+                  <p:tgtEl>
+                    <p:sldTgt/>
+                  </p:tgtEl>
+                </p:cond>
+              </p:nextCondLst>
+            </p:seq>
+          </p:childTnLst>
+        </p:cTn>
+      </p:par>
+    </p:tnLst>
+  </p:timing>
 </p:sld>
 </file>
 
@@ -4426,20 +4550,20 @@
       </p:grpSpPr>
       <p:sp>
         <p:nvSpPr>
-          <p:cNvPr id="90" name="TextShape 1"/>
+          <p:cNvPr id="90" name="CustomShape 1"/>
           <p:cNvSpPr/>
           <p:nvPr/>
         </p:nvSpPr>
         <p:spPr>
           <a:xfrm>
             <a:off x="504000" y="225360"/>
-            <a:ext cx="9071280" cy="946080"/>
+            <a:ext cx="9070920" cy="945720"/>
           </a:xfrm>
           <a:prstGeom prst="rect">
             <a:avLst/>
           </a:prstGeom>
           <a:noFill/>
-          <a:ln w="0">
+          <a:ln>
             <a:noFill/>
           </a:ln>
         </p:spPr>
@@ -4450,9 +4574,7 @@
           <a:fontRef idx="minor"/>
         </p:style>
         <p:txBody>
-          <a:bodyPr lIns="0" rIns="0" tIns="0" bIns="0" anchor="ctr">
-            <a:noAutofit/>
-          </a:bodyPr>
+          <a:bodyPr lIns="0" rIns="0" tIns="0" bIns="0" anchor="ctr"/>
           <a:p>
             <a:pPr algn="ctr">
               <a:lnSpc>
@@ -4461,11 +4583,15 @@
             </a:pPr>
             <a:r>
               <a:rPr b="0" lang="en-US" sz="2400" spc="-1" strike="noStrike">
-                <a:latin typeface="Arial"/>
+                <a:solidFill>
+                  <a:srgbClr val="000000"/>
+                </a:solidFill>
+                <a:latin typeface="Arial"/>
+                <a:ea typeface="DejaVu Sans"/>
               </a:rPr>
               <a:t>4. Convert edge list into standard hierarchical clustering format</a:t>
             </a:r>
-            <a:endParaRPr b="0" lang="en-GB" sz="2400" spc="-1" strike="noStrike">
+            <a:endParaRPr b="0" lang="en-US" sz="2400" spc="-1" strike="noStrike">
               <a:latin typeface="Arial"/>
             </a:endParaRPr>
           </a:p>
@@ -4484,32 +4610,32 @@
         <p:spPr>
           <a:xfrm>
             <a:off x="7583040" y="1005840"/>
-            <a:ext cx="2292120" cy="4205880"/>
-          </a:xfrm>
-          <a:prstGeom prst="rect">
-            <a:avLst/>
-          </a:prstGeom>
-          <a:ln w="0">
+            <a:ext cx="2291760" cy="4205520"/>
+          </a:xfrm>
+          <a:prstGeom prst="rect">
+            <a:avLst/>
+          </a:prstGeom>
+          <a:ln>
             <a:noFill/>
           </a:ln>
         </p:spPr>
       </p:pic>
       <p:sp>
         <p:nvSpPr>
-          <p:cNvPr id="92" name="TextShape 2"/>
+          <p:cNvPr id="92" name="CustomShape 2"/>
           <p:cNvSpPr/>
           <p:nvPr/>
         </p:nvSpPr>
         <p:spPr>
           <a:xfrm>
             <a:off x="1044720" y="1005840"/>
-            <a:ext cx="1332360" cy="345960"/>
+            <a:ext cx="1332000" cy="345600"/>
           </a:xfrm>
           <a:prstGeom prst="rect">
             <a:avLst/>
           </a:prstGeom>
           <a:noFill/>
-          <a:ln w="0">
+          <a:ln>
             <a:noFill/>
           </a:ln>
         </p:spPr>
@@ -4520,9 +4646,7 @@
           <a:fontRef idx="minor"/>
         </p:style>
         <p:txBody>
-          <a:bodyPr lIns="90000" rIns="90000" tIns="45000" bIns="45000">
-            <a:noAutofit/>
-          </a:bodyPr>
+          <a:bodyPr lIns="90000" rIns="90000" tIns="45000" bIns="45000"/>
           <a:p>
             <a:pPr>
               <a:lnSpc>
@@ -4531,32 +4655,36 @@
             </a:pPr>
             <a:r>
               <a:rPr b="0" lang="en-US" sz="1800" spc="-1" strike="noStrike">
-                <a:latin typeface="Arial"/>
+                <a:solidFill>
+                  <a:srgbClr val="000000"/>
+                </a:solidFill>
+                <a:latin typeface="Arial"/>
+                <a:ea typeface="DejaVu Sans"/>
               </a:rPr>
               <a:t>Cpdef label</a:t>
             </a:r>
-            <a:endParaRPr b="0" lang="en-GB" sz="1800" spc="-1" strike="noStrike">
-              <a:latin typeface="Arial"/>
-            </a:endParaRPr>
-          </a:p>
-        </p:txBody>
-      </p:sp>
-      <p:sp>
-        <p:nvSpPr>
-          <p:cNvPr id="93" name="TextShape 2_0"/>
+            <a:endParaRPr b="0" lang="en-US" sz="1800" spc="-1" strike="noStrike">
+              <a:latin typeface="Arial"/>
+            </a:endParaRPr>
+          </a:p>
+        </p:txBody>
+      </p:sp>
+      <p:sp>
+        <p:nvSpPr>
+          <p:cNvPr id="93" name="CustomShape 3"/>
           <p:cNvSpPr/>
           <p:nvPr/>
         </p:nvSpPr>
         <p:spPr>
           <a:xfrm>
             <a:off x="365760" y="1614240"/>
-            <a:ext cx="1794240" cy="1625760"/>
+            <a:ext cx="1793880" cy="1625400"/>
           </a:xfrm>
           <a:prstGeom prst="rect">
             <a:avLst/>
           </a:prstGeom>
           <a:noFill/>
-          <a:ln w="0">
+          <a:ln>
             <a:solidFill>
               <a:srgbClr val="3465a4"/>
             </a:solidFill>
@@ -4569,9 +4697,7 @@
           <a:fontRef idx="minor"/>
         </p:style>
         <p:txBody>
-          <a:bodyPr lIns="90000" rIns="90000" tIns="45000" bIns="45000">
-            <a:noAutofit/>
-          </a:bodyPr>
+          <a:bodyPr lIns="90000" rIns="90000" tIns="45000" bIns="45000"/>
           <a:p>
             <a:pPr>
               <a:lnSpc>
@@ -4580,16 +4706,20 @@
             </a:pPr>
             <a:r>
               <a:rPr b="0" lang="en-US" sz="1800" spc="-1" strike="noStrike">
-                <a:latin typeface="Arial"/>
+                <a:solidFill>
+                  <a:srgbClr val="000000"/>
+                </a:solidFill>
+                <a:latin typeface="Arial"/>
+                <a:ea typeface="DejaVu Sans"/>
               </a:rPr>
               <a:t>Inputs:</a:t>
             </a:r>
-            <a:endParaRPr b="0" lang="en-GB" sz="1800" spc="-1" strike="noStrike">
-              <a:latin typeface="Arial"/>
-            </a:endParaRPr>
-          </a:p>
-          <a:p>
-            <a:pPr marL="216000" indent="-215640">
+            <a:endParaRPr b="0" lang="en-US" sz="1800" spc="-1" strike="noStrike">
+              <a:latin typeface="Arial"/>
+            </a:endParaRPr>
+          </a:p>
+          <a:p>
+            <a:pPr marL="216000" indent="-215280">
               <a:lnSpc>
                 <a:spcPct val="100000"/>
               </a:lnSpc>
@@ -4602,32 +4732,36 @@
             </a:pPr>
             <a:r>
               <a:rPr b="0" lang="en-US" sz="1800" spc="-1" strike="noStrike">
-                <a:latin typeface="Arial"/>
+                <a:solidFill>
+                  <a:srgbClr val="000000"/>
+                </a:solidFill>
+                <a:latin typeface="Arial"/>
+                <a:ea typeface="DejaVu Sans"/>
               </a:rPr>
               <a:t>Minimum spanning tree</a:t>
             </a:r>
-            <a:endParaRPr b="0" lang="en-GB" sz="1800" spc="-1" strike="noStrike">
-              <a:latin typeface="Arial"/>
-            </a:endParaRPr>
-          </a:p>
-        </p:txBody>
-      </p:sp>
-      <p:sp>
-        <p:nvSpPr>
-          <p:cNvPr id="94" name="TextShape 2_1"/>
+            <a:endParaRPr b="0" lang="en-US" sz="1800" spc="-1" strike="noStrike">
+              <a:latin typeface="Arial"/>
+            </a:endParaRPr>
+          </a:p>
+        </p:txBody>
+      </p:sp>
+      <p:sp>
+        <p:nvSpPr>
+          <p:cNvPr id="94" name="CustomShape 4"/>
           <p:cNvSpPr/>
           <p:nvPr/>
         </p:nvSpPr>
         <p:spPr>
           <a:xfrm>
             <a:off x="360000" y="3414240"/>
-            <a:ext cx="1800000" cy="1625760"/>
+            <a:ext cx="1799640" cy="1625400"/>
           </a:xfrm>
           <a:prstGeom prst="rect">
             <a:avLst/>
           </a:prstGeom>
           <a:noFill/>
-          <a:ln w="0">
+          <a:ln>
             <a:solidFill>
               <a:srgbClr val="3465a4"/>
             </a:solidFill>
@@ -4640,9 +4774,7 @@
           <a:fontRef idx="minor"/>
         </p:style>
         <p:txBody>
-          <a:bodyPr lIns="90000" rIns="90000" tIns="45000" bIns="45000">
-            <a:noAutofit/>
-          </a:bodyPr>
+          <a:bodyPr lIns="90000" rIns="90000" tIns="45000" bIns="45000"/>
           <a:p>
             <a:pPr>
               <a:lnSpc>
@@ -4651,16 +4783,20 @@
             </a:pPr>
             <a:r>
               <a:rPr b="0" lang="en-US" sz="1800" spc="-1" strike="noStrike">
-                <a:latin typeface="Arial"/>
+                <a:solidFill>
+                  <a:srgbClr val="000000"/>
+                </a:solidFill>
+                <a:latin typeface="Arial"/>
+                <a:ea typeface="DejaVu Sans"/>
               </a:rPr>
               <a:t>Outputs:</a:t>
             </a:r>
-            <a:endParaRPr b="0" lang="en-GB" sz="1800" spc="-1" strike="noStrike">
-              <a:latin typeface="Arial"/>
-            </a:endParaRPr>
-          </a:p>
-          <a:p>
-            <a:pPr marL="216000" indent="-215640">
+            <a:endParaRPr b="0" lang="en-US" sz="1800" spc="-1" strike="noStrike">
+              <a:latin typeface="Arial"/>
+            </a:endParaRPr>
+          </a:p>
+          <a:p>
+            <a:pPr marL="216000" indent="-215280">
               <a:lnSpc>
                 <a:spcPct val="100000"/>
               </a:lnSpc>
@@ -4673,32 +4809,36 @@
             </a:pPr>
             <a:r>
               <a:rPr b="0" lang="en-US" sz="1800" spc="-1" strike="noStrike">
-                <a:latin typeface="Arial"/>
+                <a:solidFill>
+                  <a:srgbClr val="000000"/>
+                </a:solidFill>
+                <a:latin typeface="Arial"/>
+                <a:ea typeface="DejaVu Sans"/>
               </a:rPr>
               <a:t>Single linkage tree</a:t>
             </a:r>
-            <a:endParaRPr b="0" lang="en-GB" sz="1800" spc="-1" strike="noStrike">
-              <a:latin typeface="Arial"/>
-            </a:endParaRPr>
-          </a:p>
-        </p:txBody>
-      </p:sp>
-      <p:sp>
-        <p:nvSpPr>
-          <p:cNvPr id="95" name="TextShape 2_2"/>
+            <a:endParaRPr b="0" lang="en-US" sz="1800" spc="-1" strike="noStrike">
+              <a:latin typeface="Arial"/>
+            </a:endParaRPr>
+          </a:p>
+        </p:txBody>
+      </p:sp>
+      <p:sp>
+        <p:nvSpPr>
+          <p:cNvPr id="95" name="CustomShape 5"/>
           <p:cNvSpPr/>
           <p:nvPr/>
         </p:nvSpPr>
         <p:spPr>
           <a:xfrm>
             <a:off x="2880000" y="1620000"/>
-            <a:ext cx="4140000" cy="1625760"/>
+            <a:ext cx="4139640" cy="1625400"/>
           </a:xfrm>
           <a:prstGeom prst="rect">
             <a:avLst/>
           </a:prstGeom>
           <a:noFill/>
-          <a:ln w="0">
+          <a:ln>
             <a:solidFill>
               <a:srgbClr val="3465a4"/>
             </a:solidFill>
@@ -4711,9 +4851,7 @@
           <a:fontRef idx="minor"/>
         </p:style>
         <p:txBody>
-          <a:bodyPr lIns="90000" rIns="90000" tIns="45000" bIns="45000">
-            <a:noAutofit/>
-          </a:bodyPr>
+          <a:bodyPr lIns="90000" rIns="90000" tIns="45000" bIns="45000"/>
           <a:p>
             <a:pPr>
               <a:lnSpc>
@@ -4722,16 +4860,20 @@
             </a:pPr>
             <a:r>
               <a:rPr b="0" lang="en-US" sz="1800" spc="-1" strike="noStrike">
-                <a:latin typeface="Arial"/>
+                <a:solidFill>
+                  <a:srgbClr val="000000"/>
+                </a:solidFill>
+                <a:latin typeface="Arial"/>
+                <a:ea typeface="DejaVu Sans"/>
               </a:rPr>
               <a:t>Process:</a:t>
             </a:r>
-            <a:endParaRPr b="0" lang="en-GB" sz="1800" spc="-1" strike="noStrike">
-              <a:latin typeface="Arial"/>
-            </a:endParaRPr>
-          </a:p>
-          <a:p>
-            <a:pPr marL="216000" indent="-215640">
+            <a:endParaRPr b="0" lang="en-US" sz="1800" spc="-1" strike="noStrike">
+              <a:latin typeface="Arial"/>
+            </a:endParaRPr>
+          </a:p>
+          <a:p>
+            <a:pPr marL="216000" indent="-215280">
               <a:lnSpc>
                 <a:spcPct val="100000"/>
               </a:lnSpc>
@@ -4744,16 +4886,20 @@
             </a:pPr>
             <a:r>
               <a:rPr b="0" lang="en-US" sz="1800" spc="-1" strike="noStrike">
-                <a:latin typeface="Arial"/>
+                <a:solidFill>
+                  <a:srgbClr val="000000"/>
+                </a:solidFill>
+                <a:latin typeface="Arial"/>
+                <a:ea typeface="DejaVu Sans"/>
               </a:rPr>
               <a:t>Cpdef label</a:t>
             </a:r>
-            <a:endParaRPr b="0" lang="en-GB" sz="1800" spc="-1" strike="noStrike">
-              <a:latin typeface="Arial"/>
-            </a:endParaRPr>
-          </a:p>
-          <a:p>
-            <a:pPr lvl="1" marL="432000" indent="-216000">
+            <a:endParaRPr b="0" lang="en-US" sz="1800" spc="-1" strike="noStrike">
+              <a:latin typeface="Arial"/>
+            </a:endParaRPr>
+          </a:p>
+          <a:p>
+            <a:pPr lvl="1" marL="432000" indent="-215640">
               <a:lnSpc>
                 <a:spcPct val="100000"/>
               </a:lnSpc>
@@ -4766,11 +4912,15 @@
             </a:pPr>
             <a:r>
               <a:rPr b="0" lang="en-US" sz="1800" spc="-1" strike="noStrike">
-                <a:latin typeface="Arial"/>
+                <a:solidFill>
+                  <a:srgbClr val="000000"/>
+                </a:solidFill>
+                <a:latin typeface="Arial"/>
+                <a:ea typeface="DejaVu Sans"/>
               </a:rPr>
               <a:t>Union find data structure</a:t>
             </a:r>
-            <a:endParaRPr b="0" lang="en-GB" sz="1800" spc="-1" strike="noStrike">
+            <a:endParaRPr b="0" lang="en-US" sz="1800" spc="-1" strike="noStrike">
               <a:latin typeface="Arial"/>
             </a:endParaRPr>
           </a:p>
@@ -4778,14 +4928,33 @@
       </p:sp>
     </p:spTree>
   </p:cSld>
-  <mc:AlternateContent>
-    <mc:Choice Requires="p14">
-      <p:transition spd="slow" p14:dur="2000"/>
-    </mc:Choice>
-    <mc:Fallback>
-      <p:transition spd="slow"/>
-    </mc:Fallback>
-  </mc:AlternateContent>
+  <p:timing>
+    <p:tnLst>
+      <p:par>
+        <p:cTn id="9" dur="indefinite" restart="never" nodeType="tmRoot">
+          <p:childTnLst>
+            <p:seq>
+              <p:cTn id="10" dur="indefinite" nodeType="mainSeq"/>
+              <p:prevCondLst>
+                <p:cond delay="0" evt="onPrev">
+                  <p:tgtEl>
+                    <p:sldTgt/>
+                  </p:tgtEl>
+                </p:cond>
+              </p:prevCondLst>
+              <p:nextCondLst>
+                <p:cond delay="0" evt="onNext">
+                  <p:tgtEl>
+                    <p:sldTgt/>
+                  </p:tgtEl>
+                </p:cond>
+              </p:nextCondLst>
+            </p:seq>
+          </p:childTnLst>
+        </p:cTn>
+      </p:par>
+    </p:tnLst>
+  </p:timing>
 </p:sld>
 </file>
 
@@ -4808,20 +4977,20 @@
       </p:grpSpPr>
       <p:sp>
         <p:nvSpPr>
-          <p:cNvPr id="96" name="TextShape 1"/>
+          <p:cNvPr id="96" name="CustomShape 1"/>
           <p:cNvSpPr/>
           <p:nvPr/>
         </p:nvSpPr>
         <p:spPr>
           <a:xfrm>
             <a:off x="438120" y="1337400"/>
-            <a:ext cx="9071280" cy="1248120"/>
+            <a:ext cx="9070920" cy="1247760"/>
           </a:xfrm>
           <a:prstGeom prst="rect">
             <a:avLst/>
           </a:prstGeom>
           <a:noFill/>
-          <a:ln w="0">
+          <a:ln>
             <a:noFill/>
           </a:ln>
         </p:spPr>
@@ -4832,9 +5001,7 @@
           <a:fontRef idx="minor"/>
         </p:style>
         <p:txBody>
-          <a:bodyPr lIns="0" rIns="0" tIns="0" bIns="0" anchor="ctr">
-            <a:noAutofit/>
-          </a:bodyPr>
+          <a:bodyPr lIns="0" rIns="0" tIns="0" bIns="0" anchor="ctr"/>
           <a:p>
             <a:pPr algn="ctr">
               <a:lnSpc>
@@ -4843,33 +5010,37 @@
             </a:pPr>
             <a:r>
               <a:rPr b="0" lang="en-US" sz="8800" spc="-1" strike="noStrike" u="sng">
+                <a:solidFill>
+                  <a:srgbClr val="000000"/>
+                </a:solidFill>
                 <a:uFillTx/>
                 <a:latin typeface="Arial"/>
+                <a:ea typeface="DejaVu Sans"/>
               </a:rPr>
               <a:t>B) tree_to_labels</a:t>
             </a:r>
-            <a:endParaRPr b="0" lang="en-GB" sz="8800" spc="-1" strike="noStrike">
-              <a:latin typeface="Arial"/>
-            </a:endParaRPr>
-          </a:p>
-        </p:txBody>
-      </p:sp>
-      <p:sp>
-        <p:nvSpPr>
-          <p:cNvPr id="97" name="TextShape 2"/>
+            <a:endParaRPr b="0" lang="en-US" sz="8800" spc="-1" strike="noStrike">
+              <a:latin typeface="Arial"/>
+            </a:endParaRPr>
+          </a:p>
+        </p:txBody>
+      </p:sp>
+      <p:sp>
+        <p:nvSpPr>
+          <p:cNvPr id="97" name="CustomShape 2"/>
           <p:cNvSpPr/>
           <p:nvPr/>
         </p:nvSpPr>
         <p:spPr>
           <a:xfrm>
             <a:off x="274320" y="3566160"/>
-            <a:ext cx="2468520" cy="1625760"/>
+            <a:ext cx="2468160" cy="1625400"/>
           </a:xfrm>
           <a:prstGeom prst="rect">
             <a:avLst/>
           </a:prstGeom>
           <a:noFill/>
-          <a:ln w="0">
+          <a:ln>
             <a:noFill/>
           </a:ln>
         </p:spPr>
@@ -4880,9 +5051,7 @@
           <a:fontRef idx="minor"/>
         </p:style>
         <p:txBody>
-          <a:bodyPr lIns="90000" rIns="90000" tIns="45000" bIns="45000">
-            <a:noAutofit/>
-          </a:bodyPr>
+          <a:bodyPr lIns="90000" rIns="90000" tIns="45000" bIns="45000"/>
           <a:p>
             <a:pPr>
               <a:lnSpc>
@@ -4891,16 +5060,20 @@
             </a:pPr>
             <a:r>
               <a:rPr b="0" lang="en-US" sz="1800" spc="-1" strike="noStrike">
-                <a:latin typeface="Arial"/>
+                <a:solidFill>
+                  <a:srgbClr val="000000"/>
+                </a:solidFill>
+                <a:latin typeface="Arial"/>
+                <a:ea typeface="DejaVu Sans"/>
               </a:rPr>
               <a:t>Inputs:</a:t>
             </a:r>
-            <a:endParaRPr b="0" lang="en-GB" sz="1800" spc="-1" strike="noStrike">
-              <a:latin typeface="Arial"/>
-            </a:endParaRPr>
-          </a:p>
-          <a:p>
-            <a:pPr marL="216000" indent="-215640">
+            <a:endParaRPr b="0" lang="en-US" sz="1800" spc="-1" strike="noStrike">
+              <a:latin typeface="Arial"/>
+            </a:endParaRPr>
+          </a:p>
+          <a:p>
+            <a:pPr marL="216000" indent="-215280">
               <a:lnSpc>
                 <a:spcPct val="100000"/>
               </a:lnSpc>
@@ -4913,32 +5086,36 @@
             </a:pPr>
             <a:r>
               <a:rPr b="0" lang="en-US" sz="1800" spc="-1" strike="noStrike">
-                <a:latin typeface="Arial"/>
+                <a:solidFill>
+                  <a:srgbClr val="000000"/>
+                </a:solidFill>
+                <a:latin typeface="Arial"/>
+                <a:ea typeface="DejaVu Sans"/>
               </a:rPr>
               <a:t>Single linked tree</a:t>
             </a:r>
-            <a:endParaRPr b="0" lang="en-GB" sz="1800" spc="-1" strike="noStrike">
-              <a:latin typeface="Arial"/>
-            </a:endParaRPr>
-          </a:p>
-        </p:txBody>
-      </p:sp>
-      <p:sp>
-        <p:nvSpPr>
-          <p:cNvPr id="98" name="TextShape 3"/>
+            <a:endParaRPr b="0" lang="en-US" sz="1800" spc="-1" strike="noStrike">
+              <a:latin typeface="Arial"/>
+            </a:endParaRPr>
+          </a:p>
+        </p:txBody>
+      </p:sp>
+      <p:sp>
+        <p:nvSpPr>
+          <p:cNvPr id="98" name="CustomShape 3"/>
           <p:cNvSpPr/>
           <p:nvPr/>
         </p:nvSpPr>
         <p:spPr>
           <a:xfrm>
             <a:off x="3474720" y="3749040"/>
-            <a:ext cx="2651400" cy="1625760"/>
+            <a:ext cx="2651040" cy="1625400"/>
           </a:xfrm>
           <a:prstGeom prst="rect">
             <a:avLst/>
           </a:prstGeom>
           <a:noFill/>
-          <a:ln w="0">
+          <a:ln>
             <a:noFill/>
           </a:ln>
         </p:spPr>
@@ -4949,9 +5126,7 @@
           <a:fontRef idx="minor"/>
         </p:style>
         <p:txBody>
-          <a:bodyPr lIns="90000" rIns="90000" tIns="45000" bIns="45000">
-            <a:noAutofit/>
-          </a:bodyPr>
+          <a:bodyPr lIns="90000" rIns="90000" tIns="45000" bIns="45000"/>
           <a:p>
             <a:pPr>
               <a:lnSpc>
@@ -4960,16 +5135,20 @@
             </a:pPr>
             <a:r>
               <a:rPr b="0" lang="en-US" sz="1800" spc="-1" strike="noStrike">
-                <a:latin typeface="Arial"/>
+                <a:solidFill>
+                  <a:srgbClr val="000000"/>
+                </a:solidFill>
+                <a:latin typeface="Arial"/>
+                <a:ea typeface="DejaVu Sans"/>
               </a:rPr>
               <a:t>Outputs:</a:t>
             </a:r>
-            <a:endParaRPr b="0" lang="en-GB" sz="1800" spc="-1" strike="noStrike">
-              <a:latin typeface="Arial"/>
-            </a:endParaRPr>
-          </a:p>
-          <a:p>
-            <a:pPr marL="216000" indent="-215640">
+            <a:endParaRPr b="0" lang="en-US" sz="1800" spc="-1" strike="noStrike">
+              <a:latin typeface="Arial"/>
+            </a:endParaRPr>
+          </a:p>
+          <a:p>
+            <a:pPr marL="216000" indent="-215280">
               <a:lnSpc>
                 <a:spcPct val="100000"/>
               </a:lnSpc>
@@ -4982,16 +5161,20 @@
             </a:pPr>
             <a:r>
               <a:rPr b="0" lang="en-US" sz="1800" spc="-1" strike="noStrike">
-                <a:latin typeface="Arial"/>
+                <a:solidFill>
+                  <a:srgbClr val="000000"/>
+                </a:solidFill>
+                <a:latin typeface="Arial"/>
+                <a:ea typeface="DejaVu Sans"/>
               </a:rPr>
               <a:t>labels, </a:t>
             </a:r>
-            <a:endParaRPr b="0" lang="en-GB" sz="1800" spc="-1" strike="noStrike">
-              <a:latin typeface="Arial"/>
-            </a:endParaRPr>
-          </a:p>
-          <a:p>
-            <a:pPr marL="216000" indent="-215640">
+            <a:endParaRPr b="0" lang="en-US" sz="1800" spc="-1" strike="noStrike">
+              <a:latin typeface="Arial"/>
+            </a:endParaRPr>
+          </a:p>
+          <a:p>
+            <a:pPr marL="216000" indent="-215280">
               <a:lnSpc>
                 <a:spcPct val="100000"/>
               </a:lnSpc>
@@ -5004,16 +5187,20 @@
             </a:pPr>
             <a:r>
               <a:rPr b="0" lang="en-US" sz="1800" spc="-1" strike="noStrike">
-                <a:latin typeface="Arial"/>
+                <a:solidFill>
+                  <a:srgbClr val="000000"/>
+                </a:solidFill>
+                <a:latin typeface="Arial"/>
+                <a:ea typeface="DejaVu Sans"/>
               </a:rPr>
               <a:t>probabilities, </a:t>
             </a:r>
-            <a:endParaRPr b="0" lang="en-GB" sz="1800" spc="-1" strike="noStrike">
-              <a:latin typeface="Arial"/>
-            </a:endParaRPr>
-          </a:p>
-          <a:p>
-            <a:pPr marL="216000" indent="-215640">
+            <a:endParaRPr b="0" lang="en-US" sz="1800" spc="-1" strike="noStrike">
+              <a:latin typeface="Arial"/>
+            </a:endParaRPr>
+          </a:p>
+          <a:p>
+            <a:pPr marL="216000" indent="-215280">
               <a:lnSpc>
                 <a:spcPct val="100000"/>
               </a:lnSpc>
@@ -5026,16 +5213,20 @@
             </a:pPr>
             <a:r>
               <a:rPr b="0" lang="en-US" sz="1800" spc="-1" strike="noStrike">
-                <a:latin typeface="Arial"/>
+                <a:solidFill>
+                  <a:srgbClr val="000000"/>
+                </a:solidFill>
+                <a:latin typeface="Arial"/>
+                <a:ea typeface="DejaVu Sans"/>
               </a:rPr>
               <a:t>Stabilities</a:t>
             </a:r>
-            <a:endParaRPr b="0" lang="en-GB" sz="1800" spc="-1" strike="noStrike">
-              <a:latin typeface="Arial"/>
-            </a:endParaRPr>
-          </a:p>
-          <a:p>
-            <a:pPr marL="216000" indent="-215640">
+            <a:endParaRPr b="0" lang="en-US" sz="1800" spc="-1" strike="noStrike">
+              <a:latin typeface="Arial"/>
+            </a:endParaRPr>
+          </a:p>
+          <a:p>
+            <a:pPr marL="216000" indent="-215280">
               <a:lnSpc>
                 <a:spcPct val="100000"/>
               </a:lnSpc>
@@ -5048,16 +5239,20 @@
             </a:pPr>
             <a:r>
               <a:rPr b="0" lang="en-US" sz="1800" spc="-1" strike="noStrike">
-                <a:latin typeface="Arial"/>
+                <a:solidFill>
+                  <a:srgbClr val="000000"/>
+                </a:solidFill>
+                <a:latin typeface="Arial"/>
+                <a:ea typeface="DejaVu Sans"/>
               </a:rPr>
               <a:t>condensed_tree</a:t>
             </a:r>
-            <a:endParaRPr b="0" lang="en-GB" sz="1800" spc="-1" strike="noStrike">
-              <a:latin typeface="Arial"/>
-            </a:endParaRPr>
-          </a:p>
-          <a:p>
-            <a:pPr marL="216000" indent="-215640">
+            <a:endParaRPr b="0" lang="en-US" sz="1800" spc="-1" strike="noStrike">
+              <a:latin typeface="Arial"/>
+            </a:endParaRPr>
+          </a:p>
+          <a:p>
+            <a:pPr marL="216000" indent="-215280">
               <a:lnSpc>
                 <a:spcPct val="100000"/>
               </a:lnSpc>
@@ -5070,11 +5265,15 @@
             </a:pPr>
             <a:r>
               <a:rPr b="0" lang="en-US" sz="1800" spc="-1" strike="noStrike">
-                <a:latin typeface="Arial"/>
+                <a:solidFill>
+                  <a:srgbClr val="000000"/>
+                </a:solidFill>
+                <a:latin typeface="Arial"/>
+                <a:ea typeface="DejaVu Sans"/>
               </a:rPr>
               <a:t>single_linkage_tree</a:t>
             </a:r>
-            <a:endParaRPr b="0" lang="en-GB" sz="1800" spc="-1" strike="noStrike">
+            <a:endParaRPr b="0" lang="en-US" sz="1800" spc="-1" strike="noStrike">
               <a:latin typeface="Arial"/>
             </a:endParaRPr>
           </a:p>
@@ -5093,26 +5292,45 @@
         <p:spPr>
           <a:xfrm>
             <a:off x="6492240" y="2687760"/>
-            <a:ext cx="3017160" cy="2889720"/>
-          </a:xfrm>
-          <a:prstGeom prst="rect">
-            <a:avLst/>
-          </a:prstGeom>
-          <a:ln w="0">
+            <a:ext cx="3016800" cy="2889360"/>
+          </a:xfrm>
+          <a:prstGeom prst="rect">
+            <a:avLst/>
+          </a:prstGeom>
+          <a:ln>
             <a:noFill/>
           </a:ln>
         </p:spPr>
       </p:pic>
     </p:spTree>
   </p:cSld>
-  <mc:AlternateContent>
-    <mc:Choice Requires="p14">
-      <p:transition spd="slow" p14:dur="2000"/>
-    </mc:Choice>
-    <mc:Fallback>
-      <p:transition spd="slow"/>
-    </mc:Fallback>
-  </mc:AlternateContent>
+  <p:timing>
+    <p:tnLst>
+      <p:par>
+        <p:cTn id="11" dur="indefinite" restart="never" nodeType="tmRoot">
+          <p:childTnLst>
+            <p:seq>
+              <p:cTn id="12" dur="indefinite" nodeType="mainSeq"/>
+              <p:prevCondLst>
+                <p:cond delay="0" evt="onPrev">
+                  <p:tgtEl>
+                    <p:sldTgt/>
+                  </p:tgtEl>
+                </p:cond>
+              </p:prevCondLst>
+              <p:nextCondLst>
+                <p:cond delay="0" evt="onNext">
+                  <p:tgtEl>
+                    <p:sldTgt/>
+                  </p:tgtEl>
+                </p:cond>
+              </p:nextCondLst>
+            </p:seq>
+          </p:childTnLst>
+        </p:cTn>
+      </p:par>
+    </p:tnLst>
+  </p:timing>
 </p:sld>
 </file>
 
@@ -5135,20 +5353,20 @@
       </p:grpSpPr>
       <p:sp>
         <p:nvSpPr>
-          <p:cNvPr id="100" name="TextShape 1"/>
+          <p:cNvPr id="100" name="CustomShape 1"/>
           <p:cNvSpPr/>
           <p:nvPr/>
         </p:nvSpPr>
         <p:spPr>
           <a:xfrm>
             <a:off x="504000" y="226080"/>
-            <a:ext cx="9071280" cy="946080"/>
+            <a:ext cx="9070920" cy="945720"/>
           </a:xfrm>
           <a:prstGeom prst="rect">
             <a:avLst/>
           </a:prstGeom>
           <a:noFill/>
-          <a:ln w="0">
+          <a:ln>
             <a:noFill/>
           </a:ln>
         </p:spPr>
@@ -5159,9 +5377,7 @@
           <a:fontRef idx="minor"/>
         </p:style>
         <p:txBody>
-          <a:bodyPr lIns="0" rIns="0" tIns="0" bIns="0" anchor="ctr">
-            <a:noAutofit/>
-          </a:bodyPr>
+          <a:bodyPr lIns="0" rIns="0" tIns="0" bIns="0" anchor="ctr"/>
           <a:p>
             <a:pPr algn="ctr">
               <a:lnSpc>
@@ -5170,32 +5386,36 @@
             </a:pPr>
             <a:r>
               <a:rPr b="0" lang="en-US" sz="4400" spc="-1" strike="noStrike">
-                <a:latin typeface="Arial"/>
+                <a:solidFill>
+                  <a:srgbClr val="000000"/>
+                </a:solidFill>
+                <a:latin typeface="Arial"/>
+                <a:ea typeface="DejaVu Sans"/>
               </a:rPr>
               <a:t>1. condense_tree</a:t>
             </a:r>
-            <a:endParaRPr b="0" lang="en-GB" sz="4400" spc="-1" strike="noStrike">
-              <a:latin typeface="Arial"/>
-            </a:endParaRPr>
-          </a:p>
-        </p:txBody>
-      </p:sp>
-      <p:sp>
-        <p:nvSpPr>
-          <p:cNvPr id="101" name="TextShape 2"/>
+            <a:endParaRPr b="0" lang="en-US" sz="4400" spc="-1" strike="noStrike">
+              <a:latin typeface="Arial"/>
+            </a:endParaRPr>
+          </a:p>
+        </p:txBody>
+      </p:sp>
+      <p:sp>
+        <p:nvSpPr>
+          <p:cNvPr id="101" name="CustomShape 2"/>
           <p:cNvSpPr/>
           <p:nvPr/>
         </p:nvSpPr>
         <p:spPr>
           <a:xfrm>
             <a:off x="365760" y="1391400"/>
-            <a:ext cx="4023000" cy="1625760"/>
+            <a:ext cx="4022640" cy="1625400"/>
           </a:xfrm>
           <a:prstGeom prst="rect">
             <a:avLst/>
           </a:prstGeom>
           <a:noFill/>
-          <a:ln w="0">
+          <a:ln>
             <a:noFill/>
           </a:ln>
         </p:spPr>
@@ -5206,9 +5426,7 @@
           <a:fontRef idx="minor"/>
         </p:style>
         <p:txBody>
-          <a:bodyPr lIns="90000" rIns="90000" tIns="45000" bIns="45000">
-            <a:noAutofit/>
-          </a:bodyPr>
+          <a:bodyPr lIns="90000" rIns="90000" tIns="45000" bIns="45000"/>
           <a:p>
             <a:pPr>
               <a:lnSpc>
@@ -5217,16 +5435,20 @@
             </a:pPr>
             <a:r>
               <a:rPr b="0" lang="en-US" sz="1800" spc="-1" strike="noStrike">
-                <a:latin typeface="Arial"/>
+                <a:solidFill>
+                  <a:srgbClr val="000000"/>
+                </a:solidFill>
+                <a:latin typeface="Arial"/>
+                <a:ea typeface="DejaVu Sans"/>
               </a:rPr>
               <a:t>Inputs:</a:t>
             </a:r>
-            <a:endParaRPr b="0" lang="en-GB" sz="1800" spc="-1" strike="noStrike">
-              <a:latin typeface="Arial"/>
-            </a:endParaRPr>
-          </a:p>
-          <a:p>
-            <a:pPr marL="216000" indent="-215640">
+            <a:endParaRPr b="0" lang="en-US" sz="1800" spc="-1" strike="noStrike">
+              <a:latin typeface="Arial"/>
+            </a:endParaRPr>
+          </a:p>
+          <a:p>
+            <a:pPr marL="216000" indent="-215280">
               <a:lnSpc>
                 <a:spcPct val="100000"/>
               </a:lnSpc>
@@ -5239,16 +5461,20 @@
             </a:pPr>
             <a:r>
               <a:rPr b="0" lang="en-US" sz="1800" spc="-1" strike="noStrike">
-                <a:latin typeface="Arial"/>
+                <a:solidFill>
+                  <a:srgbClr val="000000"/>
+                </a:solidFill>
+                <a:latin typeface="Arial"/>
+                <a:ea typeface="DejaVu Sans"/>
               </a:rPr>
               <a:t>Single linked tree</a:t>
             </a:r>
-            <a:endParaRPr b="0" lang="en-GB" sz="1800" spc="-1" strike="noStrike">
-              <a:latin typeface="Arial"/>
-            </a:endParaRPr>
-          </a:p>
-          <a:p>
-            <a:pPr marL="216000" indent="-215640">
+            <a:endParaRPr b="0" lang="en-US" sz="1800" spc="-1" strike="noStrike">
+              <a:latin typeface="Arial"/>
+            </a:endParaRPr>
+          </a:p>
+          <a:p>
+            <a:pPr marL="216000" indent="-215280">
               <a:lnSpc>
                 <a:spcPct val="100000"/>
               </a:lnSpc>
@@ -5261,33 +5487,36 @@
             </a:pPr>
             <a:r>
               <a:rPr b="0" lang="en-US" sz="1800" spc="-1" strike="noStrike">
+                <a:solidFill>
+                  <a:srgbClr val="000000"/>
+                </a:solidFill>
                 <a:latin typeface="Arial"/>
                 <a:ea typeface="Noto Sans CJK SC"/>
               </a:rPr>
               <a:t>min_cluster_size</a:t>
             </a:r>
-            <a:endParaRPr b="0" lang="en-GB" sz="1800" spc="-1" strike="noStrike">
-              <a:latin typeface="Arial"/>
-            </a:endParaRPr>
-          </a:p>
-        </p:txBody>
-      </p:sp>
-      <p:sp>
-        <p:nvSpPr>
-          <p:cNvPr id="102" name="TextShape 3"/>
+            <a:endParaRPr b="0" lang="en-US" sz="1800" spc="-1" strike="noStrike">
+              <a:latin typeface="Arial"/>
+            </a:endParaRPr>
+          </a:p>
+        </p:txBody>
+      </p:sp>
+      <p:sp>
+        <p:nvSpPr>
+          <p:cNvPr id="102" name="CustomShape 3"/>
           <p:cNvSpPr/>
           <p:nvPr/>
         </p:nvSpPr>
         <p:spPr>
           <a:xfrm>
             <a:off x="457200" y="3037320"/>
-            <a:ext cx="4023000" cy="985680"/>
+            <a:ext cx="4022640" cy="985320"/>
           </a:xfrm>
           <a:prstGeom prst="rect">
             <a:avLst/>
           </a:prstGeom>
           <a:noFill/>
-          <a:ln w="0">
+          <a:ln>
             <a:noFill/>
           </a:ln>
         </p:spPr>
@@ -5298,9 +5527,7 @@
           <a:fontRef idx="minor"/>
         </p:style>
         <p:txBody>
-          <a:bodyPr lIns="90000" rIns="90000" tIns="45000" bIns="45000">
-            <a:noAutofit/>
-          </a:bodyPr>
+          <a:bodyPr lIns="90000" rIns="90000" tIns="45000" bIns="45000"/>
           <a:p>
             <a:pPr>
               <a:lnSpc>
@@ -5309,16 +5536,20 @@
             </a:pPr>
             <a:r>
               <a:rPr b="0" lang="en-US" sz="1800" spc="-1" strike="noStrike">
-                <a:latin typeface="Arial"/>
+                <a:solidFill>
+                  <a:srgbClr val="000000"/>
+                </a:solidFill>
+                <a:latin typeface="Arial"/>
+                <a:ea typeface="DejaVu Sans"/>
               </a:rPr>
               <a:t>Outputs:</a:t>
             </a:r>
-            <a:endParaRPr b="0" lang="en-GB" sz="1800" spc="-1" strike="noStrike">
-              <a:latin typeface="Arial"/>
-            </a:endParaRPr>
-          </a:p>
-          <a:p>
-            <a:pPr marL="216000" indent="-215640">
+            <a:endParaRPr b="0" lang="en-US" sz="1800" spc="-1" strike="noStrike">
+              <a:latin typeface="Arial"/>
+            </a:endParaRPr>
+          </a:p>
+          <a:p>
+            <a:pPr marL="216000" indent="-215280">
               <a:lnSpc>
                 <a:spcPct val="100000"/>
               </a:lnSpc>
@@ -5331,32 +5562,36 @@
             </a:pPr>
             <a:r>
               <a:rPr b="0" lang="en-US" sz="1800" spc="-1" strike="noStrike">
-                <a:latin typeface="Arial"/>
+                <a:solidFill>
+                  <a:srgbClr val="000000"/>
+                </a:solidFill>
+                <a:latin typeface="Arial"/>
+                <a:ea typeface="DejaVu Sans"/>
               </a:rPr>
               <a:t>condensed_tree</a:t>
             </a:r>
-            <a:endParaRPr b="0" lang="en-GB" sz="1800" spc="-1" strike="noStrike">
-              <a:latin typeface="Arial"/>
-            </a:endParaRPr>
-          </a:p>
-        </p:txBody>
-      </p:sp>
-      <p:sp>
-        <p:nvSpPr>
-          <p:cNvPr id="103" name="TextShape 4"/>
+            <a:endParaRPr b="0" lang="en-US" sz="1800" spc="-1" strike="noStrike">
+              <a:latin typeface="Arial"/>
+            </a:endParaRPr>
+          </a:p>
+        </p:txBody>
+      </p:sp>
+      <p:sp>
+        <p:nvSpPr>
+          <p:cNvPr id="103" name="CustomShape 4"/>
           <p:cNvSpPr/>
           <p:nvPr/>
         </p:nvSpPr>
         <p:spPr>
           <a:xfrm>
             <a:off x="5120640" y="1556280"/>
-            <a:ext cx="4023000" cy="1625760"/>
+            <a:ext cx="4022640" cy="1625400"/>
           </a:xfrm>
           <a:prstGeom prst="rect">
             <a:avLst/>
           </a:prstGeom>
           <a:noFill/>
-          <a:ln w="0">
+          <a:ln>
             <a:noFill/>
           </a:ln>
         </p:spPr>
@@ -5367,9 +5602,7 @@
           <a:fontRef idx="minor"/>
         </p:style>
         <p:txBody>
-          <a:bodyPr lIns="90000" rIns="90000" tIns="45000" bIns="45000">
-            <a:noAutofit/>
-          </a:bodyPr>
+          <a:bodyPr lIns="90000" rIns="90000" tIns="45000" bIns="45000"/>
           <a:p>
             <a:pPr>
               <a:lnSpc>
@@ -5378,16 +5611,20 @@
             </a:pPr>
             <a:r>
               <a:rPr b="0" lang="en-US" sz="1800" spc="-1" strike="noStrike">
-                <a:latin typeface="Arial"/>
+                <a:solidFill>
+                  <a:srgbClr val="000000"/>
+                </a:solidFill>
+                <a:latin typeface="Arial"/>
+                <a:ea typeface="DejaVu Sans"/>
               </a:rPr>
               <a:t>Process:</a:t>
             </a:r>
-            <a:endParaRPr b="0" lang="en-GB" sz="1800" spc="-1" strike="noStrike">
-              <a:latin typeface="Arial"/>
-            </a:endParaRPr>
-          </a:p>
-          <a:p>
-            <a:pPr marL="216000" indent="-215640">
+            <a:endParaRPr b="0" lang="en-US" sz="1800" spc="-1" strike="noStrike">
+              <a:latin typeface="Arial"/>
+            </a:endParaRPr>
+          </a:p>
+          <a:p>
+            <a:pPr marL="216000" indent="-215280">
               <a:lnSpc>
                 <a:spcPct val="100000"/>
               </a:lnSpc>
@@ -5399,11 +5636,15 @@
             </a:pPr>
             <a:r>
               <a:rPr b="0" lang="en-US" sz="1800" spc="-1" strike="noStrike">
-                <a:latin typeface="Arial"/>
+                <a:solidFill>
+                  <a:srgbClr val="000000"/>
+                </a:solidFill>
+                <a:latin typeface="Arial"/>
+                <a:ea typeface="DejaVu Sans"/>
               </a:rPr>
               <a:t>Uses KD tree structure to calculate distance as per distance metric</a:t>
             </a:r>
-            <a:endParaRPr b="0" lang="en-GB" sz="1800" spc="-1" strike="noStrike">
+            <a:endParaRPr b="0" lang="en-US" sz="1800" spc="-1" strike="noStrike">
               <a:latin typeface="Arial"/>
             </a:endParaRPr>
           </a:p>
@@ -5411,14 +5652,381 @@
       </p:sp>
     </p:spTree>
   </p:cSld>
-  <mc:AlternateContent>
-    <mc:Choice Requires="p14">
-      <p:transition spd="slow" p14:dur="2000"/>
-    </mc:Choice>
-    <mc:Fallback>
-      <p:transition spd="slow"/>
-    </mc:Fallback>
-  </mc:AlternateContent>
+  <p:timing>
+    <p:tnLst>
+      <p:par>
+        <p:cTn id="13" dur="indefinite" restart="never" nodeType="tmRoot">
+          <p:childTnLst>
+            <p:seq>
+              <p:cTn id="14" dur="indefinite" nodeType="mainSeq"/>
+              <p:prevCondLst>
+                <p:cond delay="0" evt="onPrev">
+                  <p:tgtEl>
+                    <p:sldTgt/>
+                  </p:tgtEl>
+                </p:cond>
+              </p:prevCondLst>
+              <p:nextCondLst>
+                <p:cond delay="0" evt="onNext">
+                  <p:tgtEl>
+                    <p:sldTgt/>
+                  </p:tgtEl>
+                </p:cond>
+              </p:nextCondLst>
+            </p:seq>
+          </p:childTnLst>
+        </p:cTn>
+      </p:par>
+    </p:tnLst>
+  </p:timing>
+</p:sld>
+</file>
+
+<file path=ppt/slides/slide8.xml><?xml version="1.0" encoding="utf-8"?>
+<p:sld xmlns:a="http://schemas.openxmlformats.org/drawingml/2006/main" xmlns:p="http://schemas.openxmlformats.org/presentationml/2006/main" xmlns:r="http://schemas.openxmlformats.org/officeDocument/2006/relationships" xmlns:p14="http://schemas.microsoft.com/office/powerpoint/2010/main" xmlns:p15="http://schemas.microsoft.com/office/powerpoint/2012/main" xmlns:mc="http://schemas.openxmlformats.org/markup-compatibility/2006">
+  <p:cSld>
+    <p:spTree>
+      <p:nvGrpSpPr>
+        <p:cNvPr id="1" name=""/>
+        <p:cNvGrpSpPr/>
+        <p:nvPr/>
+      </p:nvGrpSpPr>
+      <p:grpSpPr>
+        <a:xfrm>
+          <a:off x="0" y="0"/>
+          <a:ext cx="0" cy="0"/>
+          <a:chOff x="0" y="0"/>
+          <a:chExt cx="0" cy="0"/>
+        </a:xfrm>
+      </p:grpSpPr>
+      <p:sp>
+        <p:nvSpPr>
+          <p:cNvPr id="104" name="CustomShape 1"/>
+          <p:cNvSpPr/>
+          <p:nvPr/>
+        </p:nvSpPr>
+        <p:spPr>
+          <a:xfrm>
+            <a:off x="504000" y="226080"/>
+            <a:ext cx="9070920" cy="945720"/>
+          </a:xfrm>
+          <a:prstGeom prst="rect">
+            <a:avLst/>
+          </a:prstGeom>
+          <a:noFill/>
+          <a:ln>
+            <a:noFill/>
+          </a:ln>
+        </p:spPr>
+        <p:style>
+          <a:lnRef idx="0"/>
+          <a:fillRef idx="0"/>
+          <a:effectRef idx="0"/>
+          <a:fontRef idx="minor"/>
+        </p:style>
+        <p:txBody>
+          <a:bodyPr lIns="0" rIns="0" tIns="0" bIns="0" anchor="ctr"/>
+          <a:p>
+            <a:pPr algn="ctr">
+              <a:lnSpc>
+                <a:spcPct val="100000"/>
+              </a:lnSpc>
+            </a:pPr>
+            <a:r>
+              <a:rPr b="0" lang="en-US" sz="4400" spc="-1" strike="noStrike">
+                <a:solidFill>
+                  <a:srgbClr val="000000"/>
+                </a:solidFill>
+                <a:latin typeface="Arial"/>
+                <a:ea typeface="DejaVu Sans"/>
+              </a:rPr>
+              <a:t>2. compute_stability</a:t>
+            </a:r>
+            <a:endParaRPr b="0" lang="en-US" sz="4400" spc="-1" strike="noStrike">
+              <a:latin typeface="Arial"/>
+            </a:endParaRPr>
+          </a:p>
+        </p:txBody>
+      </p:sp>
+      <p:sp>
+        <p:nvSpPr>
+          <p:cNvPr id="105" name="CustomShape 2"/>
+          <p:cNvSpPr/>
+          <p:nvPr/>
+        </p:nvSpPr>
+        <p:spPr>
+          <a:xfrm>
+            <a:off x="365760" y="1391400"/>
+            <a:ext cx="4022640" cy="1625400"/>
+          </a:xfrm>
+          <a:prstGeom prst="rect">
+            <a:avLst/>
+          </a:prstGeom>
+          <a:noFill/>
+          <a:ln>
+            <a:noFill/>
+          </a:ln>
+        </p:spPr>
+        <p:style>
+          <a:lnRef idx="0"/>
+          <a:fillRef idx="0"/>
+          <a:effectRef idx="0"/>
+          <a:fontRef idx="minor"/>
+        </p:style>
+        <p:txBody>
+          <a:bodyPr lIns="90000" rIns="90000" tIns="45000" bIns="45000"/>
+          <a:p>
+            <a:pPr>
+              <a:lnSpc>
+                <a:spcPct val="100000"/>
+              </a:lnSpc>
+            </a:pPr>
+            <a:r>
+              <a:rPr b="0" lang="en-US" sz="1800" spc="-1" strike="noStrike">
+                <a:solidFill>
+                  <a:srgbClr val="000000"/>
+                </a:solidFill>
+                <a:latin typeface="Arial"/>
+                <a:ea typeface="DejaVu Sans"/>
+              </a:rPr>
+              <a:t>Inputs:</a:t>
+            </a:r>
+            <a:endParaRPr b="0" lang="en-US" sz="1800" spc="-1" strike="noStrike">
+              <a:latin typeface="Arial"/>
+            </a:endParaRPr>
+          </a:p>
+          <a:p>
+            <a:pPr marL="216000" indent="-215280">
+              <a:lnSpc>
+                <a:spcPct val="100000"/>
+              </a:lnSpc>
+              <a:buClr>
+                <a:srgbClr val="000000"/>
+              </a:buClr>
+              <a:buSzPct val="45000"/>
+              <a:buFont typeface="Wingdings" charset="2"/>
+              <a:buChar char=""/>
+            </a:pPr>
+            <a:r>
+              <a:rPr b="0" lang="en-US" sz="1800" spc="-1" strike="noStrike">
+                <a:solidFill>
+                  <a:srgbClr val="000000"/>
+                </a:solidFill>
+                <a:latin typeface="Arial"/>
+                <a:ea typeface="DejaVu Sans"/>
+              </a:rPr>
+              <a:t>Condensed tree</a:t>
+            </a:r>
+            <a:endParaRPr b="0" lang="en-US" sz="1800" spc="-1" strike="noStrike">
+              <a:latin typeface="Arial"/>
+            </a:endParaRPr>
+          </a:p>
+          <a:p>
+            <a:pPr marL="216000" indent="-215280">
+              <a:lnSpc>
+                <a:spcPct val="100000"/>
+              </a:lnSpc>
+              <a:buClr>
+                <a:srgbClr val="000000"/>
+              </a:buClr>
+              <a:buSzPct val="45000"/>
+              <a:buFont typeface="Wingdings" charset="2"/>
+              <a:buChar char=""/>
+            </a:pPr>
+            <a:r>
+              <a:rPr b="0" lang="en-US" sz="1800" spc="-1" strike="noStrike">
+                <a:solidFill>
+                  <a:srgbClr val="000000"/>
+                </a:solidFill>
+                <a:latin typeface="Arial"/>
+                <a:ea typeface="DejaVu Sans"/>
+              </a:rPr>
+              <a:t>min_cluster_size</a:t>
+            </a:r>
+            <a:endParaRPr b="0" lang="en-US" sz="1800" spc="-1" strike="noStrike">
+              <a:latin typeface="Arial"/>
+            </a:endParaRPr>
+          </a:p>
+        </p:txBody>
+      </p:sp>
+      <p:sp>
+        <p:nvSpPr>
+          <p:cNvPr id="106" name="CustomShape 3"/>
+          <p:cNvSpPr/>
+          <p:nvPr/>
+        </p:nvSpPr>
+        <p:spPr>
+          <a:xfrm>
+            <a:off x="457200" y="3037320"/>
+            <a:ext cx="4022640" cy="985320"/>
+          </a:xfrm>
+          <a:prstGeom prst="rect">
+            <a:avLst/>
+          </a:prstGeom>
+          <a:noFill/>
+          <a:ln>
+            <a:noFill/>
+          </a:ln>
+        </p:spPr>
+        <p:style>
+          <a:lnRef idx="0"/>
+          <a:fillRef idx="0"/>
+          <a:effectRef idx="0"/>
+          <a:fontRef idx="minor"/>
+        </p:style>
+        <p:txBody>
+          <a:bodyPr lIns="90000" rIns="90000" tIns="45000" bIns="45000"/>
+          <a:p>
+            <a:pPr>
+              <a:lnSpc>
+                <a:spcPct val="100000"/>
+              </a:lnSpc>
+            </a:pPr>
+            <a:r>
+              <a:rPr b="0" lang="en-US" sz="1800" spc="-1" strike="noStrike">
+                <a:solidFill>
+                  <a:srgbClr val="000000"/>
+                </a:solidFill>
+                <a:latin typeface="Arial"/>
+                <a:ea typeface="DejaVu Sans"/>
+              </a:rPr>
+              <a:t>Outputs:</a:t>
+            </a:r>
+            <a:endParaRPr b="0" lang="en-US" sz="1800" spc="-1" strike="noStrike">
+              <a:latin typeface="Arial"/>
+            </a:endParaRPr>
+          </a:p>
+          <a:p>
+            <a:pPr marL="216000" indent="-215280">
+              <a:lnSpc>
+                <a:spcPct val="100000"/>
+              </a:lnSpc>
+              <a:buClr>
+                <a:srgbClr val="000000"/>
+              </a:buClr>
+              <a:buSzPct val="45000"/>
+              <a:buFont typeface="Wingdings" charset="2"/>
+              <a:buChar char=""/>
+            </a:pPr>
+            <a:r>
+              <a:rPr b="0" lang="en-US" sz="1800" spc="-1" strike="noStrike">
+                <a:solidFill>
+                  <a:srgbClr val="000000"/>
+                </a:solidFill>
+                <a:latin typeface="Arial"/>
+                <a:ea typeface="DejaVu Sans"/>
+              </a:rPr>
+              <a:t>Stability dictionary</a:t>
+            </a:r>
+            <a:endParaRPr b="0" lang="en-US" sz="1800" spc="-1" strike="noStrike">
+              <a:latin typeface="Arial"/>
+            </a:endParaRPr>
+          </a:p>
+        </p:txBody>
+      </p:sp>
+      <p:sp>
+        <p:nvSpPr>
+          <p:cNvPr id="107" name="CustomShape 4"/>
+          <p:cNvSpPr/>
+          <p:nvPr/>
+        </p:nvSpPr>
+        <p:spPr>
+          <a:xfrm>
+            <a:off x="5120640" y="1556280"/>
+            <a:ext cx="4022640" cy="1625400"/>
+          </a:xfrm>
+          <a:prstGeom prst="rect">
+            <a:avLst/>
+          </a:prstGeom>
+          <a:noFill/>
+          <a:ln>
+            <a:noFill/>
+          </a:ln>
+        </p:spPr>
+        <p:style>
+          <a:lnRef idx="0"/>
+          <a:fillRef idx="0"/>
+          <a:effectRef idx="0"/>
+          <a:fontRef idx="minor"/>
+        </p:style>
+        <p:txBody>
+          <a:bodyPr lIns="90000" rIns="90000" tIns="45000" bIns="45000"/>
+          <a:p>
+            <a:pPr>
+              <a:lnSpc>
+                <a:spcPct val="100000"/>
+              </a:lnSpc>
+            </a:pPr>
+            <a:r>
+              <a:rPr b="0" lang="en-US" sz="1800" spc="-1" strike="noStrike">
+                <a:solidFill>
+                  <a:srgbClr val="000000"/>
+                </a:solidFill>
+                <a:latin typeface="Arial"/>
+                <a:ea typeface="DejaVu Sans"/>
+              </a:rPr>
+              <a:t>Process:</a:t>
+            </a:r>
+            <a:endParaRPr b="0" lang="en-US" sz="1800" spc="-1" strike="noStrike">
+              <a:latin typeface="Arial"/>
+            </a:endParaRPr>
+          </a:p>
+          <a:p>
+            <a:pPr marL="216000" indent="-215280">
+              <a:lnSpc>
+                <a:spcPct val="100000"/>
+              </a:lnSpc>
+              <a:buClr>
+                <a:srgbClr val="000000"/>
+              </a:buClr>
+              <a:buFont typeface="StarSymbol"/>
+              <a:buAutoNum type="arabicParenR"/>
+            </a:pPr>
+            <a:r>
+              <a:rPr b="0" lang="en-US" sz="1800" spc="-1" strike="noStrike">
+                <a:solidFill>
+                  <a:srgbClr val="000000"/>
+                </a:solidFill>
+                <a:latin typeface="Arial"/>
+                <a:ea typeface="DejaVu Sans"/>
+              </a:rPr>
+              <a:t>-</a:t>
+            </a:r>
+            <a:endParaRPr b="0" lang="en-US" sz="1800" spc="-1" strike="noStrike">
+              <a:latin typeface="Arial"/>
+            </a:endParaRPr>
+          </a:p>
+        </p:txBody>
+      </p:sp>
+    </p:spTree>
+  </p:cSld>
+  <p:timing>
+    <p:tnLst>
+      <p:par>
+        <p:cTn id="15" dur="indefinite" restart="never" nodeType="tmRoot">
+          <p:childTnLst>
+            <p:seq>
+              <p:cTn id="16" dur="indefinite" nodeType="mainSeq"/>
+              <p:prevCondLst>
+                <p:cond delay="0" evt="onPrev">
+                  <p:tgtEl>
+                    <p:sldTgt/>
+                  </p:tgtEl>
+                </p:cond>
+              </p:prevCondLst>
+              <p:nextCondLst>
+                <p:cond delay="0" evt="onNext">
+                  <p:tgtEl>
+                    <p:sldTgt/>
+                  </p:tgtEl>
+                </p:cond>
+              </p:nextCondLst>
+            </p:seq>
+          </p:childTnLst>
+        </p:cTn>
+      </p:par>
+    </p:tnLst>
+  </p:timing>
 </p:sld>
 </file>
 
@@ -5536,21 +6144,18 @@
             </a:schemeClr>
           </a:solidFill>
           <a:prstDash val="solid"/>
-          <a:miter/>
         </a:ln>
         <a:ln w="25400" cap="flat" cmpd="sng" algn="ctr">
           <a:solidFill>
             <a:schemeClr val="phClr"/>
           </a:solidFill>
           <a:prstDash val="solid"/>
-          <a:miter/>
         </a:ln>
         <a:ln w="38100" cap="flat" cmpd="sng" algn="ctr">
           <a:solidFill>
             <a:schemeClr val="phClr"/>
           </a:solidFill>
           <a:prstDash val="solid"/>
-          <a:miter/>
         </a:ln>
       </a:lnStyleLst>
       <a:effectStyleLst>
@@ -5762,21 +6367,18 @@
             </a:schemeClr>
           </a:solidFill>
           <a:prstDash val="solid"/>
-          <a:miter/>
         </a:ln>
         <a:ln w="25400" cap="flat" cmpd="sng" algn="ctr">
           <a:solidFill>
             <a:schemeClr val="phClr"/>
           </a:solidFill>
           <a:prstDash val="solid"/>
-          <a:miter/>
         </a:ln>
         <a:ln w="38100" cap="flat" cmpd="sng" algn="ctr">
           <a:solidFill>
             <a:schemeClr val="phClr"/>
           </a:solidFill>
           <a:prstDash val="solid"/>
-          <a:miter/>
         </a:ln>
       </a:lnStyleLst>
       <a:effectStyleLst>

--- a/hdbscan_report.pptx
+++ b/hdbscan_report.pptx
@@ -14,6 +14,8 @@
     <p:sldId id="261" r:id="rId9"/>
     <p:sldId id="262" r:id="rId10"/>
     <p:sldId id="263" r:id="rId11"/>
+    <p:sldId id="264" r:id="rId12"/>
+    <p:sldId id="265" r:id="rId13"/>
   </p:sldIdLst>
   <p:sldSz cx="10080625" cy="5670550"/>
   <p:notesSz cx="7559675" cy="10691812"/>
@@ -72,17 +74,19 @@
         <p:spPr>
           <a:xfrm>
             <a:off x="504000" y="226080"/>
-            <a:ext cx="9070920" cy="945720"/>
-          </a:xfrm>
-          <a:prstGeom prst="rect">
-            <a:avLst/>
-          </a:prstGeom>
-        </p:spPr>
-        <p:txBody>
-          <a:bodyPr lIns="0" rIns="0" tIns="0" bIns="0" anchor="ctr"/>
+            <a:ext cx="9072000" cy="946440"/>
+          </a:xfrm>
+          <a:prstGeom prst="rect">
+            <a:avLst/>
+          </a:prstGeom>
+        </p:spPr>
+        <p:txBody>
+          <a:bodyPr lIns="0" rIns="0" tIns="0" bIns="0" anchor="ctr">
+            <a:noAutofit/>
+          </a:bodyPr>
           <a:p>
             <a:pPr algn="ctr"/>
-            <a:endParaRPr b="0" lang="en-US" sz="4400" spc="-1" strike="noStrike">
+            <a:endParaRPr b="0" lang="en-GB" sz="4400" spc="-1" strike="noStrike">
               <a:latin typeface="Arial"/>
             </a:endParaRPr>
           </a:p>
@@ -101,7 +105,7 @@
         <p:spPr>
           <a:xfrm>
             <a:off x="504000" y="1326600"/>
-            <a:ext cx="9071640" cy="1568160"/>
+            <a:ext cx="9072000" cy="1568520"/>
           </a:xfrm>
           <a:prstGeom prst="rect">
             <a:avLst/>
@@ -112,7 +116,7 @@
             <a:normAutofit/>
           </a:bodyPr>
           <a:p>
-            <a:endParaRPr b="0" lang="en-US" sz="3200" spc="-1" strike="noStrike">
+            <a:endParaRPr b="0" lang="en-GB" sz="3200" spc="-1" strike="noStrike">
               <a:latin typeface="Arial"/>
             </a:endParaRPr>
           </a:p>
@@ -130,8 +134,8 @@
         </p:nvSpPr>
         <p:spPr>
           <a:xfrm>
-            <a:off x="504000" y="3044160"/>
-            <a:ext cx="9071640" cy="1568160"/>
+            <a:off x="504000" y="3044520"/>
+            <a:ext cx="9072000" cy="1568520"/>
           </a:xfrm>
           <a:prstGeom prst="rect">
             <a:avLst/>
@@ -142,7 +146,7 @@
             <a:normAutofit/>
           </a:bodyPr>
           <a:p>
-            <a:endParaRPr b="0" lang="en-US" sz="3200" spc="-1" strike="noStrike">
+            <a:endParaRPr b="0" lang="en-GB" sz="3200" spc="-1" strike="noStrike">
               <a:latin typeface="Arial"/>
             </a:endParaRPr>
           </a:p>
@@ -183,17 +187,19 @@
         <p:spPr>
           <a:xfrm>
             <a:off x="504000" y="226080"/>
-            <a:ext cx="9070920" cy="945720"/>
-          </a:xfrm>
-          <a:prstGeom prst="rect">
-            <a:avLst/>
-          </a:prstGeom>
-        </p:spPr>
-        <p:txBody>
-          <a:bodyPr lIns="0" rIns="0" tIns="0" bIns="0" anchor="ctr"/>
+            <a:ext cx="9072000" cy="946440"/>
+          </a:xfrm>
+          <a:prstGeom prst="rect">
+            <a:avLst/>
+          </a:prstGeom>
+        </p:spPr>
+        <p:txBody>
+          <a:bodyPr lIns="0" rIns="0" tIns="0" bIns="0" anchor="ctr">
+            <a:noAutofit/>
+          </a:bodyPr>
           <a:p>
             <a:pPr algn="ctr"/>
-            <a:endParaRPr b="0" lang="en-US" sz="4400" spc="-1" strike="noStrike">
+            <a:endParaRPr b="0" lang="en-GB" sz="4400" spc="-1" strike="noStrike">
               <a:latin typeface="Arial"/>
             </a:endParaRPr>
           </a:p>
@@ -212,7 +218,7 @@
         <p:spPr>
           <a:xfrm>
             <a:off x="504000" y="1326600"/>
-            <a:ext cx="4426920" cy="1568160"/>
+            <a:ext cx="4426920" cy="1568520"/>
           </a:xfrm>
           <a:prstGeom prst="rect">
             <a:avLst/>
@@ -223,7 +229,7 @@
             <a:normAutofit/>
           </a:bodyPr>
           <a:p>
-            <a:endParaRPr b="0" lang="en-US" sz="3200" spc="-1" strike="noStrike">
+            <a:endParaRPr b="0" lang="en-GB" sz="3200" spc="-1" strike="noStrike">
               <a:latin typeface="Arial"/>
             </a:endParaRPr>
           </a:p>
@@ -242,7 +248,7 @@
         <p:spPr>
           <a:xfrm>
             <a:off x="5152680" y="1326600"/>
-            <a:ext cx="4426920" cy="1568160"/>
+            <a:ext cx="4426920" cy="1568520"/>
           </a:xfrm>
           <a:prstGeom prst="rect">
             <a:avLst/>
@@ -253,7 +259,7 @@
             <a:normAutofit/>
           </a:bodyPr>
           <a:p>
-            <a:endParaRPr b="0" lang="en-US" sz="3200" spc="-1" strike="noStrike">
+            <a:endParaRPr b="0" lang="en-GB" sz="3200" spc="-1" strike="noStrike">
               <a:latin typeface="Arial"/>
             </a:endParaRPr>
           </a:p>
@@ -271,8 +277,8 @@
         </p:nvSpPr>
         <p:spPr>
           <a:xfrm>
-            <a:off x="504000" y="3044160"/>
-            <a:ext cx="4426920" cy="1568160"/>
+            <a:off x="504000" y="3044520"/>
+            <a:ext cx="4426920" cy="1568520"/>
           </a:xfrm>
           <a:prstGeom prst="rect">
             <a:avLst/>
@@ -283,7 +289,7 @@
             <a:normAutofit/>
           </a:bodyPr>
           <a:p>
-            <a:endParaRPr b="0" lang="en-US" sz="3200" spc="-1" strike="noStrike">
+            <a:endParaRPr b="0" lang="en-GB" sz="3200" spc="-1" strike="noStrike">
               <a:latin typeface="Arial"/>
             </a:endParaRPr>
           </a:p>
@@ -301,8 +307,8 @@
         </p:nvSpPr>
         <p:spPr>
           <a:xfrm>
-            <a:off x="5152680" y="3044160"/>
-            <a:ext cx="4426920" cy="1568160"/>
+            <a:off x="5152680" y="3044520"/>
+            <a:ext cx="4426920" cy="1568520"/>
           </a:xfrm>
           <a:prstGeom prst="rect">
             <a:avLst/>
@@ -313,7 +319,7 @@
             <a:normAutofit/>
           </a:bodyPr>
           <a:p>
-            <a:endParaRPr b="0" lang="en-US" sz="3200" spc="-1" strike="noStrike">
+            <a:endParaRPr b="0" lang="en-GB" sz="3200" spc="-1" strike="noStrike">
               <a:latin typeface="Arial"/>
             </a:endParaRPr>
           </a:p>
@@ -354,17 +360,19 @@
         <p:spPr>
           <a:xfrm>
             <a:off x="504000" y="226080"/>
-            <a:ext cx="9070920" cy="945720"/>
-          </a:xfrm>
-          <a:prstGeom prst="rect">
-            <a:avLst/>
-          </a:prstGeom>
-        </p:spPr>
-        <p:txBody>
-          <a:bodyPr lIns="0" rIns="0" tIns="0" bIns="0" anchor="ctr"/>
+            <a:ext cx="9072000" cy="946440"/>
+          </a:xfrm>
+          <a:prstGeom prst="rect">
+            <a:avLst/>
+          </a:prstGeom>
+        </p:spPr>
+        <p:txBody>
+          <a:bodyPr lIns="0" rIns="0" tIns="0" bIns="0" anchor="ctr">
+            <a:noAutofit/>
+          </a:bodyPr>
           <a:p>
             <a:pPr algn="ctr"/>
-            <a:endParaRPr b="0" lang="en-US" sz="4400" spc="-1" strike="noStrike">
+            <a:endParaRPr b="0" lang="en-GB" sz="4400" spc="-1" strike="noStrike">
               <a:latin typeface="Arial"/>
             </a:endParaRPr>
           </a:p>
@@ -383,7 +391,7 @@
         <p:spPr>
           <a:xfrm>
             <a:off x="504000" y="1326600"/>
-            <a:ext cx="2920680" cy="1568160"/>
+            <a:ext cx="2921040" cy="1568520"/>
           </a:xfrm>
           <a:prstGeom prst="rect">
             <a:avLst/>
@@ -394,7 +402,7 @@
             <a:normAutofit/>
           </a:bodyPr>
           <a:p>
-            <a:endParaRPr b="0" lang="en-US" sz="3200" spc="-1" strike="noStrike">
+            <a:endParaRPr b="0" lang="en-GB" sz="3200" spc="-1" strike="noStrike">
               <a:latin typeface="Arial"/>
             </a:endParaRPr>
           </a:p>
@@ -412,8 +420,8 @@
         </p:nvSpPr>
         <p:spPr>
           <a:xfrm>
-            <a:off x="3571200" y="1326600"/>
-            <a:ext cx="2920680" cy="1568160"/>
+            <a:off x="3571560" y="1326600"/>
+            <a:ext cx="2921040" cy="1568520"/>
           </a:xfrm>
           <a:prstGeom prst="rect">
             <a:avLst/>
@@ -424,7 +432,7 @@
             <a:normAutofit/>
           </a:bodyPr>
           <a:p>
-            <a:endParaRPr b="0" lang="en-US" sz="3200" spc="-1" strike="noStrike">
+            <a:endParaRPr b="0" lang="en-GB" sz="3200" spc="-1" strike="noStrike">
               <a:latin typeface="Arial"/>
             </a:endParaRPr>
           </a:p>
@@ -442,8 +450,8 @@
         </p:nvSpPr>
         <p:spPr>
           <a:xfrm>
-            <a:off x="6638040" y="1326600"/>
-            <a:ext cx="2920680" cy="1568160"/>
+            <a:off x="6639120" y="1326600"/>
+            <a:ext cx="2921040" cy="1568520"/>
           </a:xfrm>
           <a:prstGeom prst="rect">
             <a:avLst/>
@@ -454,7 +462,7 @@
             <a:normAutofit/>
           </a:bodyPr>
           <a:p>
-            <a:endParaRPr b="0" lang="en-US" sz="3200" spc="-1" strike="noStrike">
+            <a:endParaRPr b="0" lang="en-GB" sz="3200" spc="-1" strike="noStrike">
               <a:latin typeface="Arial"/>
             </a:endParaRPr>
           </a:p>
@@ -472,8 +480,8 @@
         </p:nvSpPr>
         <p:spPr>
           <a:xfrm>
-            <a:off x="504000" y="3044160"/>
-            <a:ext cx="2920680" cy="1568160"/>
+            <a:off x="504000" y="3044520"/>
+            <a:ext cx="2921040" cy="1568520"/>
           </a:xfrm>
           <a:prstGeom prst="rect">
             <a:avLst/>
@@ -484,7 +492,7 @@
             <a:normAutofit/>
           </a:bodyPr>
           <a:p>
-            <a:endParaRPr b="0" lang="en-US" sz="3200" spc="-1" strike="noStrike">
+            <a:endParaRPr b="0" lang="en-GB" sz="3200" spc="-1" strike="noStrike">
               <a:latin typeface="Arial"/>
             </a:endParaRPr>
           </a:p>
@@ -502,8 +510,8 @@
         </p:nvSpPr>
         <p:spPr>
           <a:xfrm>
-            <a:off x="3571200" y="3044160"/>
-            <a:ext cx="2920680" cy="1568160"/>
+            <a:off x="3571560" y="3044520"/>
+            <a:ext cx="2921040" cy="1568520"/>
           </a:xfrm>
           <a:prstGeom prst="rect">
             <a:avLst/>
@@ -514,7 +522,7 @@
             <a:normAutofit/>
           </a:bodyPr>
           <a:p>
-            <a:endParaRPr b="0" lang="en-US" sz="3200" spc="-1" strike="noStrike">
+            <a:endParaRPr b="0" lang="en-GB" sz="3200" spc="-1" strike="noStrike">
               <a:latin typeface="Arial"/>
             </a:endParaRPr>
           </a:p>
@@ -532,8 +540,8 @@
         </p:nvSpPr>
         <p:spPr>
           <a:xfrm>
-            <a:off x="6638040" y="3044160"/>
-            <a:ext cx="2920680" cy="1568160"/>
+            <a:off x="6639120" y="3044520"/>
+            <a:ext cx="2921040" cy="1568520"/>
           </a:xfrm>
           <a:prstGeom prst="rect">
             <a:avLst/>
@@ -544,7 +552,7 @@
             <a:normAutofit/>
           </a:bodyPr>
           <a:p>
-            <a:endParaRPr b="0" lang="en-US" sz="3200" spc="-1" strike="noStrike">
+            <a:endParaRPr b="0" lang="en-GB" sz="3200" spc="-1" strike="noStrike">
               <a:latin typeface="Arial"/>
             </a:endParaRPr>
           </a:p>
@@ -607,17 +615,19 @@
         <p:spPr>
           <a:xfrm>
             <a:off x="504000" y="226080"/>
-            <a:ext cx="9070920" cy="945720"/>
-          </a:xfrm>
-          <a:prstGeom prst="rect">
-            <a:avLst/>
-          </a:prstGeom>
-        </p:spPr>
-        <p:txBody>
-          <a:bodyPr lIns="0" rIns="0" tIns="0" bIns="0" anchor="ctr"/>
+            <a:ext cx="9072000" cy="946440"/>
+          </a:xfrm>
+          <a:prstGeom prst="rect">
+            <a:avLst/>
+          </a:prstGeom>
+        </p:spPr>
+        <p:txBody>
+          <a:bodyPr lIns="0" rIns="0" tIns="0" bIns="0" anchor="ctr">
+            <a:noAutofit/>
+          </a:bodyPr>
           <a:p>
             <a:pPr algn="ctr"/>
-            <a:endParaRPr b="0" lang="en-US" sz="4400" spc="-1" strike="noStrike">
+            <a:endParaRPr b="0" lang="en-GB" sz="4400" spc="-1" strike="noStrike">
               <a:latin typeface="Arial"/>
             </a:endParaRPr>
           </a:p>
@@ -636,17 +646,19 @@
         <p:spPr>
           <a:xfrm>
             <a:off x="504000" y="1326600"/>
-            <a:ext cx="9071640" cy="3288240"/>
-          </a:xfrm>
-          <a:prstGeom prst="rect">
-            <a:avLst/>
-          </a:prstGeom>
-        </p:spPr>
-        <p:txBody>
-          <a:bodyPr lIns="0" rIns="0" tIns="0" bIns="0" anchor="ctr"/>
+            <a:ext cx="9072000" cy="3288600"/>
+          </a:xfrm>
+          <a:prstGeom prst="rect">
+            <a:avLst/>
+          </a:prstGeom>
+        </p:spPr>
+        <p:txBody>
+          <a:bodyPr lIns="0" rIns="0" tIns="0" bIns="0" anchor="ctr">
+            <a:noAutofit/>
+          </a:bodyPr>
           <a:p>
             <a:pPr algn="ctr"/>
-            <a:endParaRPr b="0" lang="en-US" sz="3200" spc="-1" strike="noStrike">
+            <a:endParaRPr b="0" lang="en-GB" sz="3200" spc="-1" strike="noStrike">
               <a:latin typeface="Arial"/>
             </a:endParaRPr>
           </a:p>
@@ -687,17 +699,19 @@
         <p:spPr>
           <a:xfrm>
             <a:off x="504000" y="226080"/>
-            <a:ext cx="9070920" cy="945720"/>
-          </a:xfrm>
-          <a:prstGeom prst="rect">
-            <a:avLst/>
-          </a:prstGeom>
-        </p:spPr>
-        <p:txBody>
-          <a:bodyPr lIns="0" rIns="0" tIns="0" bIns="0" anchor="ctr"/>
+            <a:ext cx="9072000" cy="946440"/>
+          </a:xfrm>
+          <a:prstGeom prst="rect">
+            <a:avLst/>
+          </a:prstGeom>
+        </p:spPr>
+        <p:txBody>
+          <a:bodyPr lIns="0" rIns="0" tIns="0" bIns="0" anchor="ctr">
+            <a:noAutofit/>
+          </a:bodyPr>
           <a:p>
             <a:pPr algn="ctr"/>
-            <a:endParaRPr b="0" lang="en-US" sz="4400" spc="-1" strike="noStrike">
+            <a:endParaRPr b="0" lang="en-GB" sz="4400" spc="-1" strike="noStrike">
               <a:latin typeface="Arial"/>
             </a:endParaRPr>
           </a:p>
@@ -716,7 +730,7 @@
         <p:spPr>
           <a:xfrm>
             <a:off x="504000" y="1326600"/>
-            <a:ext cx="9071640" cy="3288240"/>
+            <a:ext cx="9072000" cy="3288600"/>
           </a:xfrm>
           <a:prstGeom prst="rect">
             <a:avLst/>
@@ -727,7 +741,7 @@
             <a:normAutofit/>
           </a:bodyPr>
           <a:p>
-            <a:endParaRPr b="0" lang="en-US" sz="3200" spc="-1" strike="noStrike">
+            <a:endParaRPr b="0" lang="en-GB" sz="3200" spc="-1" strike="noStrike">
               <a:latin typeface="Arial"/>
             </a:endParaRPr>
           </a:p>
@@ -768,17 +782,19 @@
         <p:spPr>
           <a:xfrm>
             <a:off x="504000" y="226080"/>
-            <a:ext cx="9070920" cy="945720"/>
-          </a:xfrm>
-          <a:prstGeom prst="rect">
-            <a:avLst/>
-          </a:prstGeom>
-        </p:spPr>
-        <p:txBody>
-          <a:bodyPr lIns="0" rIns="0" tIns="0" bIns="0" anchor="ctr"/>
+            <a:ext cx="9072000" cy="946440"/>
+          </a:xfrm>
+          <a:prstGeom prst="rect">
+            <a:avLst/>
+          </a:prstGeom>
+        </p:spPr>
+        <p:txBody>
+          <a:bodyPr lIns="0" rIns="0" tIns="0" bIns="0" anchor="ctr">
+            <a:noAutofit/>
+          </a:bodyPr>
           <a:p>
             <a:pPr algn="ctr"/>
-            <a:endParaRPr b="0" lang="en-US" sz="4400" spc="-1" strike="noStrike">
+            <a:endParaRPr b="0" lang="en-GB" sz="4400" spc="-1" strike="noStrike">
               <a:latin typeface="Arial"/>
             </a:endParaRPr>
           </a:p>
@@ -797,7 +813,7 @@
         <p:spPr>
           <a:xfrm>
             <a:off x="504000" y="1326600"/>
-            <a:ext cx="4426920" cy="3288240"/>
+            <a:ext cx="4426920" cy="3288600"/>
           </a:xfrm>
           <a:prstGeom prst="rect">
             <a:avLst/>
@@ -808,7 +824,7 @@
             <a:normAutofit/>
           </a:bodyPr>
           <a:p>
-            <a:endParaRPr b="0" lang="en-US" sz="3200" spc="-1" strike="noStrike">
+            <a:endParaRPr b="0" lang="en-GB" sz="3200" spc="-1" strike="noStrike">
               <a:latin typeface="Arial"/>
             </a:endParaRPr>
           </a:p>
@@ -827,7 +843,7 @@
         <p:spPr>
           <a:xfrm>
             <a:off x="5152680" y="1326600"/>
-            <a:ext cx="4426920" cy="3288240"/>
+            <a:ext cx="4426920" cy="3288600"/>
           </a:xfrm>
           <a:prstGeom prst="rect">
             <a:avLst/>
@@ -838,7 +854,7 @@
             <a:normAutofit/>
           </a:bodyPr>
           <a:p>
-            <a:endParaRPr b="0" lang="en-US" sz="3200" spc="-1" strike="noStrike">
+            <a:endParaRPr b="0" lang="en-GB" sz="3200" spc="-1" strike="noStrike">
               <a:latin typeface="Arial"/>
             </a:endParaRPr>
           </a:p>
@@ -879,17 +895,19 @@
         <p:spPr>
           <a:xfrm>
             <a:off x="504000" y="226080"/>
-            <a:ext cx="9070920" cy="945720"/>
-          </a:xfrm>
-          <a:prstGeom prst="rect">
-            <a:avLst/>
-          </a:prstGeom>
-        </p:spPr>
-        <p:txBody>
-          <a:bodyPr lIns="0" rIns="0" tIns="0" bIns="0" anchor="ctr"/>
+            <a:ext cx="9072000" cy="946440"/>
+          </a:xfrm>
+          <a:prstGeom prst="rect">
+            <a:avLst/>
+          </a:prstGeom>
+        </p:spPr>
+        <p:txBody>
+          <a:bodyPr lIns="0" rIns="0" tIns="0" bIns="0" anchor="ctr">
+            <a:noAutofit/>
+          </a:bodyPr>
           <a:p>
             <a:pPr algn="ctr"/>
-            <a:endParaRPr b="0" lang="en-US" sz="4400" spc="-1" strike="noStrike">
+            <a:endParaRPr b="0" lang="en-GB" sz="4400" spc="-1" strike="noStrike">
               <a:latin typeface="Arial"/>
             </a:endParaRPr>
           </a:p>
@@ -930,17 +948,19 @@
         <p:spPr>
           <a:xfrm>
             <a:off x="504000" y="226080"/>
-            <a:ext cx="9070920" cy="4385160"/>
-          </a:xfrm>
-          <a:prstGeom prst="rect">
-            <a:avLst/>
-          </a:prstGeom>
-        </p:spPr>
-        <p:txBody>
-          <a:bodyPr lIns="0" rIns="0" tIns="0" bIns="0" anchor="ctr"/>
+            <a:ext cx="9072000" cy="4388400"/>
+          </a:xfrm>
+          <a:prstGeom prst="rect">
+            <a:avLst/>
+          </a:prstGeom>
+        </p:spPr>
+        <p:txBody>
+          <a:bodyPr lIns="0" rIns="0" tIns="0" bIns="0" anchor="ctr">
+            <a:noAutofit/>
+          </a:bodyPr>
           <a:p>
             <a:pPr algn="ctr"/>
-            <a:endParaRPr b="0" lang="en-US" sz="3200" spc="-1" strike="noStrike">
+            <a:endParaRPr b="0" lang="en-GB" sz="3200" spc="-1" strike="noStrike">
               <a:latin typeface="Arial"/>
             </a:endParaRPr>
           </a:p>
@@ -981,17 +1001,19 @@
         <p:spPr>
           <a:xfrm>
             <a:off x="504000" y="226080"/>
-            <a:ext cx="9070920" cy="945720"/>
-          </a:xfrm>
-          <a:prstGeom prst="rect">
-            <a:avLst/>
-          </a:prstGeom>
-        </p:spPr>
-        <p:txBody>
-          <a:bodyPr lIns="0" rIns="0" tIns="0" bIns="0" anchor="ctr"/>
+            <a:ext cx="9072000" cy="946440"/>
+          </a:xfrm>
+          <a:prstGeom prst="rect">
+            <a:avLst/>
+          </a:prstGeom>
+        </p:spPr>
+        <p:txBody>
+          <a:bodyPr lIns="0" rIns="0" tIns="0" bIns="0" anchor="ctr">
+            <a:noAutofit/>
+          </a:bodyPr>
           <a:p>
             <a:pPr algn="ctr"/>
-            <a:endParaRPr b="0" lang="en-US" sz="4400" spc="-1" strike="noStrike">
+            <a:endParaRPr b="0" lang="en-GB" sz="4400" spc="-1" strike="noStrike">
               <a:latin typeface="Arial"/>
             </a:endParaRPr>
           </a:p>
@@ -1010,7 +1032,7 @@
         <p:spPr>
           <a:xfrm>
             <a:off x="504000" y="1326600"/>
-            <a:ext cx="4426920" cy="1568160"/>
+            <a:ext cx="4426920" cy="1568520"/>
           </a:xfrm>
           <a:prstGeom prst="rect">
             <a:avLst/>
@@ -1021,7 +1043,7 @@
             <a:normAutofit/>
           </a:bodyPr>
           <a:p>
-            <a:endParaRPr b="0" lang="en-US" sz="3200" spc="-1" strike="noStrike">
+            <a:endParaRPr b="0" lang="en-GB" sz="3200" spc="-1" strike="noStrike">
               <a:latin typeface="Arial"/>
             </a:endParaRPr>
           </a:p>
@@ -1040,7 +1062,7 @@
         <p:spPr>
           <a:xfrm>
             <a:off x="5152680" y="1326600"/>
-            <a:ext cx="4426920" cy="3288240"/>
+            <a:ext cx="4426920" cy="3288600"/>
           </a:xfrm>
           <a:prstGeom prst="rect">
             <a:avLst/>
@@ -1051,7 +1073,7 @@
             <a:normAutofit/>
           </a:bodyPr>
           <a:p>
-            <a:endParaRPr b="0" lang="en-US" sz="3200" spc="-1" strike="noStrike">
+            <a:endParaRPr b="0" lang="en-GB" sz="3200" spc="-1" strike="noStrike">
               <a:latin typeface="Arial"/>
             </a:endParaRPr>
           </a:p>
@@ -1069,8 +1091,8 @@
         </p:nvSpPr>
         <p:spPr>
           <a:xfrm>
-            <a:off x="504000" y="3044160"/>
-            <a:ext cx="4426920" cy="1568160"/>
+            <a:off x="504000" y="3044520"/>
+            <a:ext cx="4426920" cy="1568520"/>
           </a:xfrm>
           <a:prstGeom prst="rect">
             <a:avLst/>
@@ -1081,7 +1103,7 @@
             <a:normAutofit/>
           </a:bodyPr>
           <a:p>
-            <a:endParaRPr b="0" lang="en-US" sz="3200" spc="-1" strike="noStrike">
+            <a:endParaRPr b="0" lang="en-GB" sz="3200" spc="-1" strike="noStrike">
               <a:latin typeface="Arial"/>
             </a:endParaRPr>
           </a:p>
@@ -1122,17 +1144,19 @@
         <p:spPr>
           <a:xfrm>
             <a:off x="504000" y="226080"/>
-            <a:ext cx="9070920" cy="945720"/>
-          </a:xfrm>
-          <a:prstGeom prst="rect">
-            <a:avLst/>
-          </a:prstGeom>
-        </p:spPr>
-        <p:txBody>
-          <a:bodyPr lIns="0" rIns="0" tIns="0" bIns="0" anchor="ctr"/>
+            <a:ext cx="9072000" cy="946440"/>
+          </a:xfrm>
+          <a:prstGeom prst="rect">
+            <a:avLst/>
+          </a:prstGeom>
+        </p:spPr>
+        <p:txBody>
+          <a:bodyPr lIns="0" rIns="0" tIns="0" bIns="0" anchor="ctr">
+            <a:noAutofit/>
+          </a:bodyPr>
           <a:p>
             <a:pPr algn="ctr"/>
-            <a:endParaRPr b="0" lang="en-US" sz="4400" spc="-1" strike="noStrike">
+            <a:endParaRPr b="0" lang="en-GB" sz="4400" spc="-1" strike="noStrike">
               <a:latin typeface="Arial"/>
             </a:endParaRPr>
           </a:p>
@@ -1151,17 +1175,19 @@
         <p:spPr>
           <a:xfrm>
             <a:off x="504000" y="1326600"/>
-            <a:ext cx="9071640" cy="3288240"/>
-          </a:xfrm>
-          <a:prstGeom prst="rect">
-            <a:avLst/>
-          </a:prstGeom>
-        </p:spPr>
-        <p:txBody>
-          <a:bodyPr lIns="0" rIns="0" tIns="0" bIns="0" anchor="ctr"/>
+            <a:ext cx="9072000" cy="3288600"/>
+          </a:xfrm>
+          <a:prstGeom prst="rect">
+            <a:avLst/>
+          </a:prstGeom>
+        </p:spPr>
+        <p:txBody>
+          <a:bodyPr lIns="0" rIns="0" tIns="0" bIns="0" anchor="ctr">
+            <a:noAutofit/>
+          </a:bodyPr>
           <a:p>
             <a:pPr algn="ctr"/>
-            <a:endParaRPr b="0" lang="en-US" sz="3200" spc="-1" strike="noStrike">
+            <a:endParaRPr b="0" lang="en-GB" sz="3200" spc="-1" strike="noStrike">
               <a:latin typeface="Arial"/>
             </a:endParaRPr>
           </a:p>
@@ -1202,17 +1228,19 @@
         <p:spPr>
           <a:xfrm>
             <a:off x="504000" y="226080"/>
-            <a:ext cx="9070920" cy="945720"/>
-          </a:xfrm>
-          <a:prstGeom prst="rect">
-            <a:avLst/>
-          </a:prstGeom>
-        </p:spPr>
-        <p:txBody>
-          <a:bodyPr lIns="0" rIns="0" tIns="0" bIns="0" anchor="ctr"/>
+            <a:ext cx="9072000" cy="946440"/>
+          </a:xfrm>
+          <a:prstGeom prst="rect">
+            <a:avLst/>
+          </a:prstGeom>
+        </p:spPr>
+        <p:txBody>
+          <a:bodyPr lIns="0" rIns="0" tIns="0" bIns="0" anchor="ctr">
+            <a:noAutofit/>
+          </a:bodyPr>
           <a:p>
             <a:pPr algn="ctr"/>
-            <a:endParaRPr b="0" lang="en-US" sz="4400" spc="-1" strike="noStrike">
+            <a:endParaRPr b="0" lang="en-GB" sz="4400" spc="-1" strike="noStrike">
               <a:latin typeface="Arial"/>
             </a:endParaRPr>
           </a:p>
@@ -1231,7 +1259,7 @@
         <p:spPr>
           <a:xfrm>
             <a:off x="504000" y="1326600"/>
-            <a:ext cx="4426920" cy="3288240"/>
+            <a:ext cx="4426920" cy="3288600"/>
           </a:xfrm>
           <a:prstGeom prst="rect">
             <a:avLst/>
@@ -1242,7 +1270,7 @@
             <a:normAutofit/>
           </a:bodyPr>
           <a:p>
-            <a:endParaRPr b="0" lang="en-US" sz="3200" spc="-1" strike="noStrike">
+            <a:endParaRPr b="0" lang="en-GB" sz="3200" spc="-1" strike="noStrike">
               <a:latin typeface="Arial"/>
             </a:endParaRPr>
           </a:p>
@@ -1261,7 +1289,7 @@
         <p:spPr>
           <a:xfrm>
             <a:off x="5152680" y="1326600"/>
-            <a:ext cx="4426920" cy="1568160"/>
+            <a:ext cx="4426920" cy="1568520"/>
           </a:xfrm>
           <a:prstGeom prst="rect">
             <a:avLst/>
@@ -1272,7 +1300,7 @@
             <a:normAutofit/>
           </a:bodyPr>
           <a:p>
-            <a:endParaRPr b="0" lang="en-US" sz="3200" spc="-1" strike="noStrike">
+            <a:endParaRPr b="0" lang="en-GB" sz="3200" spc="-1" strike="noStrike">
               <a:latin typeface="Arial"/>
             </a:endParaRPr>
           </a:p>
@@ -1290,8 +1318,8 @@
         </p:nvSpPr>
         <p:spPr>
           <a:xfrm>
-            <a:off x="5152680" y="3044160"/>
-            <a:ext cx="4426920" cy="1568160"/>
+            <a:off x="5152680" y="3044520"/>
+            <a:ext cx="4426920" cy="1568520"/>
           </a:xfrm>
           <a:prstGeom prst="rect">
             <a:avLst/>
@@ -1302,7 +1330,7 @@
             <a:normAutofit/>
           </a:bodyPr>
           <a:p>
-            <a:endParaRPr b="0" lang="en-US" sz="3200" spc="-1" strike="noStrike">
+            <a:endParaRPr b="0" lang="en-GB" sz="3200" spc="-1" strike="noStrike">
               <a:latin typeface="Arial"/>
             </a:endParaRPr>
           </a:p>
@@ -1343,17 +1371,19 @@
         <p:spPr>
           <a:xfrm>
             <a:off x="504000" y="226080"/>
-            <a:ext cx="9070920" cy="945720"/>
-          </a:xfrm>
-          <a:prstGeom prst="rect">
-            <a:avLst/>
-          </a:prstGeom>
-        </p:spPr>
-        <p:txBody>
-          <a:bodyPr lIns="0" rIns="0" tIns="0" bIns="0" anchor="ctr"/>
+            <a:ext cx="9072000" cy="946440"/>
+          </a:xfrm>
+          <a:prstGeom prst="rect">
+            <a:avLst/>
+          </a:prstGeom>
+        </p:spPr>
+        <p:txBody>
+          <a:bodyPr lIns="0" rIns="0" tIns="0" bIns="0" anchor="ctr">
+            <a:noAutofit/>
+          </a:bodyPr>
           <a:p>
             <a:pPr algn="ctr"/>
-            <a:endParaRPr b="0" lang="en-US" sz="4400" spc="-1" strike="noStrike">
+            <a:endParaRPr b="0" lang="en-GB" sz="4400" spc="-1" strike="noStrike">
               <a:latin typeface="Arial"/>
             </a:endParaRPr>
           </a:p>
@@ -1372,7 +1402,7 @@
         <p:spPr>
           <a:xfrm>
             <a:off x="504000" y="1326600"/>
-            <a:ext cx="4426920" cy="1568160"/>
+            <a:ext cx="4426920" cy="1568520"/>
           </a:xfrm>
           <a:prstGeom prst="rect">
             <a:avLst/>
@@ -1383,7 +1413,7 @@
             <a:normAutofit/>
           </a:bodyPr>
           <a:p>
-            <a:endParaRPr b="0" lang="en-US" sz="3200" spc="-1" strike="noStrike">
+            <a:endParaRPr b="0" lang="en-GB" sz="3200" spc="-1" strike="noStrike">
               <a:latin typeface="Arial"/>
             </a:endParaRPr>
           </a:p>
@@ -1402,7 +1432,7 @@
         <p:spPr>
           <a:xfrm>
             <a:off x="5152680" y="1326600"/>
-            <a:ext cx="4426920" cy="1568160"/>
+            <a:ext cx="4426920" cy="1568520"/>
           </a:xfrm>
           <a:prstGeom prst="rect">
             <a:avLst/>
@@ -1413,7 +1443,7 @@
             <a:normAutofit/>
           </a:bodyPr>
           <a:p>
-            <a:endParaRPr b="0" lang="en-US" sz="3200" spc="-1" strike="noStrike">
+            <a:endParaRPr b="0" lang="en-GB" sz="3200" spc="-1" strike="noStrike">
               <a:latin typeface="Arial"/>
             </a:endParaRPr>
           </a:p>
@@ -1431,8 +1461,8 @@
         </p:nvSpPr>
         <p:spPr>
           <a:xfrm>
-            <a:off x="504000" y="3044160"/>
-            <a:ext cx="9071640" cy="1568160"/>
+            <a:off x="504000" y="3044520"/>
+            <a:ext cx="9072000" cy="1568520"/>
           </a:xfrm>
           <a:prstGeom prst="rect">
             <a:avLst/>
@@ -1443,7 +1473,7 @@
             <a:normAutofit/>
           </a:bodyPr>
           <a:p>
-            <a:endParaRPr b="0" lang="en-US" sz="3200" spc="-1" strike="noStrike">
+            <a:endParaRPr b="0" lang="en-GB" sz="3200" spc="-1" strike="noStrike">
               <a:latin typeface="Arial"/>
             </a:endParaRPr>
           </a:p>
@@ -1484,17 +1514,19 @@
         <p:spPr>
           <a:xfrm>
             <a:off x="504000" y="226080"/>
-            <a:ext cx="9070920" cy="945720"/>
-          </a:xfrm>
-          <a:prstGeom prst="rect">
-            <a:avLst/>
-          </a:prstGeom>
-        </p:spPr>
-        <p:txBody>
-          <a:bodyPr lIns="0" rIns="0" tIns="0" bIns="0" anchor="ctr"/>
+            <a:ext cx="9072000" cy="946440"/>
+          </a:xfrm>
+          <a:prstGeom prst="rect">
+            <a:avLst/>
+          </a:prstGeom>
+        </p:spPr>
+        <p:txBody>
+          <a:bodyPr lIns="0" rIns="0" tIns="0" bIns="0" anchor="ctr">
+            <a:noAutofit/>
+          </a:bodyPr>
           <a:p>
             <a:pPr algn="ctr"/>
-            <a:endParaRPr b="0" lang="en-US" sz="4400" spc="-1" strike="noStrike">
+            <a:endParaRPr b="0" lang="en-GB" sz="4400" spc="-1" strike="noStrike">
               <a:latin typeface="Arial"/>
             </a:endParaRPr>
           </a:p>
@@ -1513,7 +1545,7 @@
         <p:spPr>
           <a:xfrm>
             <a:off x="504000" y="1326600"/>
-            <a:ext cx="9071640" cy="1568160"/>
+            <a:ext cx="9072000" cy="1568520"/>
           </a:xfrm>
           <a:prstGeom prst="rect">
             <a:avLst/>
@@ -1524,7 +1556,7 @@
             <a:normAutofit/>
           </a:bodyPr>
           <a:p>
-            <a:endParaRPr b="0" lang="en-US" sz="3200" spc="-1" strike="noStrike">
+            <a:endParaRPr b="0" lang="en-GB" sz="3200" spc="-1" strike="noStrike">
               <a:latin typeface="Arial"/>
             </a:endParaRPr>
           </a:p>
@@ -1542,8 +1574,8 @@
         </p:nvSpPr>
         <p:spPr>
           <a:xfrm>
-            <a:off x="504000" y="3044160"/>
-            <a:ext cx="9071640" cy="1568160"/>
+            <a:off x="504000" y="3044520"/>
+            <a:ext cx="9072000" cy="1568520"/>
           </a:xfrm>
           <a:prstGeom prst="rect">
             <a:avLst/>
@@ -1554,7 +1586,7 @@
             <a:normAutofit/>
           </a:bodyPr>
           <a:p>
-            <a:endParaRPr b="0" lang="en-US" sz="3200" spc="-1" strike="noStrike">
+            <a:endParaRPr b="0" lang="en-GB" sz="3200" spc="-1" strike="noStrike">
               <a:latin typeface="Arial"/>
             </a:endParaRPr>
           </a:p>
@@ -1595,17 +1627,19 @@
         <p:spPr>
           <a:xfrm>
             <a:off x="504000" y="226080"/>
-            <a:ext cx="9070920" cy="945720"/>
-          </a:xfrm>
-          <a:prstGeom prst="rect">
-            <a:avLst/>
-          </a:prstGeom>
-        </p:spPr>
-        <p:txBody>
-          <a:bodyPr lIns="0" rIns="0" tIns="0" bIns="0" anchor="ctr"/>
+            <a:ext cx="9072000" cy="946440"/>
+          </a:xfrm>
+          <a:prstGeom prst="rect">
+            <a:avLst/>
+          </a:prstGeom>
+        </p:spPr>
+        <p:txBody>
+          <a:bodyPr lIns="0" rIns="0" tIns="0" bIns="0" anchor="ctr">
+            <a:noAutofit/>
+          </a:bodyPr>
           <a:p>
             <a:pPr algn="ctr"/>
-            <a:endParaRPr b="0" lang="en-US" sz="4400" spc="-1" strike="noStrike">
+            <a:endParaRPr b="0" lang="en-GB" sz="4400" spc="-1" strike="noStrike">
               <a:latin typeface="Arial"/>
             </a:endParaRPr>
           </a:p>
@@ -1624,7 +1658,7 @@
         <p:spPr>
           <a:xfrm>
             <a:off x="504000" y="1326600"/>
-            <a:ext cx="4426920" cy="1568160"/>
+            <a:ext cx="4426920" cy="1568520"/>
           </a:xfrm>
           <a:prstGeom prst="rect">
             <a:avLst/>
@@ -1635,7 +1669,7 @@
             <a:normAutofit/>
           </a:bodyPr>
           <a:p>
-            <a:endParaRPr b="0" lang="en-US" sz="3200" spc="-1" strike="noStrike">
+            <a:endParaRPr b="0" lang="en-GB" sz="3200" spc="-1" strike="noStrike">
               <a:latin typeface="Arial"/>
             </a:endParaRPr>
           </a:p>
@@ -1654,7 +1688,7 @@
         <p:spPr>
           <a:xfrm>
             <a:off x="5152680" y="1326600"/>
-            <a:ext cx="4426920" cy="1568160"/>
+            <a:ext cx="4426920" cy="1568520"/>
           </a:xfrm>
           <a:prstGeom prst="rect">
             <a:avLst/>
@@ -1665,7 +1699,7 @@
             <a:normAutofit/>
           </a:bodyPr>
           <a:p>
-            <a:endParaRPr b="0" lang="en-US" sz="3200" spc="-1" strike="noStrike">
+            <a:endParaRPr b="0" lang="en-GB" sz="3200" spc="-1" strike="noStrike">
               <a:latin typeface="Arial"/>
             </a:endParaRPr>
           </a:p>
@@ -1683,8 +1717,8 @@
         </p:nvSpPr>
         <p:spPr>
           <a:xfrm>
-            <a:off x="504000" y="3044160"/>
-            <a:ext cx="4426920" cy="1568160"/>
+            <a:off x="504000" y="3044520"/>
+            <a:ext cx="4426920" cy="1568520"/>
           </a:xfrm>
           <a:prstGeom prst="rect">
             <a:avLst/>
@@ -1695,7 +1729,7 @@
             <a:normAutofit/>
           </a:bodyPr>
           <a:p>
-            <a:endParaRPr b="0" lang="en-US" sz="3200" spc="-1" strike="noStrike">
+            <a:endParaRPr b="0" lang="en-GB" sz="3200" spc="-1" strike="noStrike">
               <a:latin typeface="Arial"/>
             </a:endParaRPr>
           </a:p>
@@ -1713,8 +1747,8 @@
         </p:nvSpPr>
         <p:spPr>
           <a:xfrm>
-            <a:off x="5152680" y="3044160"/>
-            <a:ext cx="4426920" cy="1568160"/>
+            <a:off x="5152680" y="3044520"/>
+            <a:ext cx="4426920" cy="1568520"/>
           </a:xfrm>
           <a:prstGeom prst="rect">
             <a:avLst/>
@@ -1725,7 +1759,7 @@
             <a:normAutofit/>
           </a:bodyPr>
           <a:p>
-            <a:endParaRPr b="0" lang="en-US" sz="3200" spc="-1" strike="noStrike">
+            <a:endParaRPr b="0" lang="en-GB" sz="3200" spc="-1" strike="noStrike">
               <a:latin typeface="Arial"/>
             </a:endParaRPr>
           </a:p>
@@ -1766,17 +1800,19 @@
         <p:spPr>
           <a:xfrm>
             <a:off x="504000" y="226080"/>
-            <a:ext cx="9070920" cy="945720"/>
-          </a:xfrm>
-          <a:prstGeom prst="rect">
-            <a:avLst/>
-          </a:prstGeom>
-        </p:spPr>
-        <p:txBody>
-          <a:bodyPr lIns="0" rIns="0" tIns="0" bIns="0" anchor="ctr"/>
+            <a:ext cx="9072000" cy="946440"/>
+          </a:xfrm>
+          <a:prstGeom prst="rect">
+            <a:avLst/>
+          </a:prstGeom>
+        </p:spPr>
+        <p:txBody>
+          <a:bodyPr lIns="0" rIns="0" tIns="0" bIns="0" anchor="ctr">
+            <a:noAutofit/>
+          </a:bodyPr>
           <a:p>
             <a:pPr algn="ctr"/>
-            <a:endParaRPr b="0" lang="en-US" sz="4400" spc="-1" strike="noStrike">
+            <a:endParaRPr b="0" lang="en-GB" sz="4400" spc="-1" strike="noStrike">
               <a:latin typeface="Arial"/>
             </a:endParaRPr>
           </a:p>
@@ -1795,7 +1831,7 @@
         <p:spPr>
           <a:xfrm>
             <a:off x="504000" y="1326600"/>
-            <a:ext cx="2920680" cy="1568160"/>
+            <a:ext cx="2921040" cy="1568520"/>
           </a:xfrm>
           <a:prstGeom prst="rect">
             <a:avLst/>
@@ -1806,7 +1842,7 @@
             <a:normAutofit/>
           </a:bodyPr>
           <a:p>
-            <a:endParaRPr b="0" lang="en-US" sz="3200" spc="-1" strike="noStrike">
+            <a:endParaRPr b="0" lang="en-GB" sz="3200" spc="-1" strike="noStrike">
               <a:latin typeface="Arial"/>
             </a:endParaRPr>
           </a:p>
@@ -1824,8 +1860,8 @@
         </p:nvSpPr>
         <p:spPr>
           <a:xfrm>
-            <a:off x="3571200" y="1326600"/>
-            <a:ext cx="2920680" cy="1568160"/>
+            <a:off x="3571560" y="1326600"/>
+            <a:ext cx="2921040" cy="1568520"/>
           </a:xfrm>
           <a:prstGeom prst="rect">
             <a:avLst/>
@@ -1836,7 +1872,7 @@
             <a:normAutofit/>
           </a:bodyPr>
           <a:p>
-            <a:endParaRPr b="0" lang="en-US" sz="3200" spc="-1" strike="noStrike">
+            <a:endParaRPr b="0" lang="en-GB" sz="3200" spc="-1" strike="noStrike">
               <a:latin typeface="Arial"/>
             </a:endParaRPr>
           </a:p>
@@ -1854,8 +1890,8 @@
         </p:nvSpPr>
         <p:spPr>
           <a:xfrm>
-            <a:off x="6638040" y="1326600"/>
-            <a:ext cx="2920680" cy="1568160"/>
+            <a:off x="6639120" y="1326600"/>
+            <a:ext cx="2921040" cy="1568520"/>
           </a:xfrm>
           <a:prstGeom prst="rect">
             <a:avLst/>
@@ -1866,7 +1902,7 @@
             <a:normAutofit/>
           </a:bodyPr>
           <a:p>
-            <a:endParaRPr b="0" lang="en-US" sz="3200" spc="-1" strike="noStrike">
+            <a:endParaRPr b="0" lang="en-GB" sz="3200" spc="-1" strike="noStrike">
               <a:latin typeface="Arial"/>
             </a:endParaRPr>
           </a:p>
@@ -1884,8 +1920,8 @@
         </p:nvSpPr>
         <p:spPr>
           <a:xfrm>
-            <a:off x="504000" y="3044160"/>
-            <a:ext cx="2920680" cy="1568160"/>
+            <a:off x="504000" y="3044520"/>
+            <a:ext cx="2921040" cy="1568520"/>
           </a:xfrm>
           <a:prstGeom prst="rect">
             <a:avLst/>
@@ -1896,7 +1932,7 @@
             <a:normAutofit/>
           </a:bodyPr>
           <a:p>
-            <a:endParaRPr b="0" lang="en-US" sz="3200" spc="-1" strike="noStrike">
+            <a:endParaRPr b="0" lang="en-GB" sz="3200" spc="-1" strike="noStrike">
               <a:latin typeface="Arial"/>
             </a:endParaRPr>
           </a:p>
@@ -1914,8 +1950,8 @@
         </p:nvSpPr>
         <p:spPr>
           <a:xfrm>
-            <a:off x="3571200" y="3044160"/>
-            <a:ext cx="2920680" cy="1568160"/>
+            <a:off x="3571560" y="3044520"/>
+            <a:ext cx="2921040" cy="1568520"/>
           </a:xfrm>
           <a:prstGeom prst="rect">
             <a:avLst/>
@@ -1926,7 +1962,7 @@
             <a:normAutofit/>
           </a:bodyPr>
           <a:p>
-            <a:endParaRPr b="0" lang="en-US" sz="3200" spc="-1" strike="noStrike">
+            <a:endParaRPr b="0" lang="en-GB" sz="3200" spc="-1" strike="noStrike">
               <a:latin typeface="Arial"/>
             </a:endParaRPr>
           </a:p>
@@ -1944,8 +1980,8 @@
         </p:nvSpPr>
         <p:spPr>
           <a:xfrm>
-            <a:off x="6638040" y="3044160"/>
-            <a:ext cx="2920680" cy="1568160"/>
+            <a:off x="6639120" y="3044520"/>
+            <a:ext cx="2921040" cy="1568520"/>
           </a:xfrm>
           <a:prstGeom prst="rect">
             <a:avLst/>
@@ -1956,7 +1992,7 @@
             <a:normAutofit/>
           </a:bodyPr>
           <a:p>
-            <a:endParaRPr b="0" lang="en-US" sz="3200" spc="-1" strike="noStrike">
+            <a:endParaRPr b="0" lang="en-GB" sz="3200" spc="-1" strike="noStrike">
               <a:latin typeface="Arial"/>
             </a:endParaRPr>
           </a:p>
@@ -1997,17 +2033,19 @@
         <p:spPr>
           <a:xfrm>
             <a:off x="504000" y="226080"/>
-            <a:ext cx="9070920" cy="945720"/>
-          </a:xfrm>
-          <a:prstGeom prst="rect">
-            <a:avLst/>
-          </a:prstGeom>
-        </p:spPr>
-        <p:txBody>
-          <a:bodyPr lIns="0" rIns="0" tIns="0" bIns="0" anchor="ctr"/>
+            <a:ext cx="9072000" cy="946440"/>
+          </a:xfrm>
+          <a:prstGeom prst="rect">
+            <a:avLst/>
+          </a:prstGeom>
+        </p:spPr>
+        <p:txBody>
+          <a:bodyPr lIns="0" rIns="0" tIns="0" bIns="0" anchor="ctr">
+            <a:noAutofit/>
+          </a:bodyPr>
           <a:p>
             <a:pPr algn="ctr"/>
-            <a:endParaRPr b="0" lang="en-US" sz="4400" spc="-1" strike="noStrike">
+            <a:endParaRPr b="0" lang="en-GB" sz="4400" spc="-1" strike="noStrike">
               <a:latin typeface="Arial"/>
             </a:endParaRPr>
           </a:p>
@@ -2026,7 +2064,7 @@
         <p:spPr>
           <a:xfrm>
             <a:off x="504000" y="1326600"/>
-            <a:ext cx="9071640" cy="3288240"/>
+            <a:ext cx="9072000" cy="3288600"/>
           </a:xfrm>
           <a:prstGeom prst="rect">
             <a:avLst/>
@@ -2037,7 +2075,7 @@
             <a:normAutofit/>
           </a:bodyPr>
           <a:p>
-            <a:endParaRPr b="0" lang="en-US" sz="3200" spc="-1" strike="noStrike">
+            <a:endParaRPr b="0" lang="en-GB" sz="3200" spc="-1" strike="noStrike">
               <a:latin typeface="Arial"/>
             </a:endParaRPr>
           </a:p>
@@ -2078,17 +2116,19 @@
         <p:spPr>
           <a:xfrm>
             <a:off x="504000" y="226080"/>
-            <a:ext cx="9070920" cy="945720"/>
-          </a:xfrm>
-          <a:prstGeom prst="rect">
-            <a:avLst/>
-          </a:prstGeom>
-        </p:spPr>
-        <p:txBody>
-          <a:bodyPr lIns="0" rIns="0" tIns="0" bIns="0" anchor="ctr"/>
+            <a:ext cx="9072000" cy="946440"/>
+          </a:xfrm>
+          <a:prstGeom prst="rect">
+            <a:avLst/>
+          </a:prstGeom>
+        </p:spPr>
+        <p:txBody>
+          <a:bodyPr lIns="0" rIns="0" tIns="0" bIns="0" anchor="ctr">
+            <a:noAutofit/>
+          </a:bodyPr>
           <a:p>
             <a:pPr algn="ctr"/>
-            <a:endParaRPr b="0" lang="en-US" sz="4400" spc="-1" strike="noStrike">
+            <a:endParaRPr b="0" lang="en-GB" sz="4400" spc="-1" strike="noStrike">
               <a:latin typeface="Arial"/>
             </a:endParaRPr>
           </a:p>
@@ -2107,7 +2147,7 @@
         <p:spPr>
           <a:xfrm>
             <a:off x="504000" y="1326600"/>
-            <a:ext cx="4426920" cy="3288240"/>
+            <a:ext cx="4426920" cy="3288600"/>
           </a:xfrm>
           <a:prstGeom prst="rect">
             <a:avLst/>
@@ -2118,7 +2158,7 @@
             <a:normAutofit/>
           </a:bodyPr>
           <a:p>
-            <a:endParaRPr b="0" lang="en-US" sz="3200" spc="-1" strike="noStrike">
+            <a:endParaRPr b="0" lang="en-GB" sz="3200" spc="-1" strike="noStrike">
               <a:latin typeface="Arial"/>
             </a:endParaRPr>
           </a:p>
@@ -2137,7 +2177,7 @@
         <p:spPr>
           <a:xfrm>
             <a:off x="5152680" y="1326600"/>
-            <a:ext cx="4426920" cy="3288240"/>
+            <a:ext cx="4426920" cy="3288600"/>
           </a:xfrm>
           <a:prstGeom prst="rect">
             <a:avLst/>
@@ -2148,7 +2188,7 @@
             <a:normAutofit/>
           </a:bodyPr>
           <a:p>
-            <a:endParaRPr b="0" lang="en-US" sz="3200" spc="-1" strike="noStrike">
+            <a:endParaRPr b="0" lang="en-GB" sz="3200" spc="-1" strike="noStrike">
               <a:latin typeface="Arial"/>
             </a:endParaRPr>
           </a:p>
@@ -2189,17 +2229,19 @@
         <p:spPr>
           <a:xfrm>
             <a:off x="504000" y="226080"/>
-            <a:ext cx="9070920" cy="945720"/>
-          </a:xfrm>
-          <a:prstGeom prst="rect">
-            <a:avLst/>
-          </a:prstGeom>
-        </p:spPr>
-        <p:txBody>
-          <a:bodyPr lIns="0" rIns="0" tIns="0" bIns="0" anchor="ctr"/>
+            <a:ext cx="9072000" cy="946440"/>
+          </a:xfrm>
+          <a:prstGeom prst="rect">
+            <a:avLst/>
+          </a:prstGeom>
+        </p:spPr>
+        <p:txBody>
+          <a:bodyPr lIns="0" rIns="0" tIns="0" bIns="0" anchor="ctr">
+            <a:noAutofit/>
+          </a:bodyPr>
           <a:p>
             <a:pPr algn="ctr"/>
-            <a:endParaRPr b="0" lang="en-US" sz="4400" spc="-1" strike="noStrike">
+            <a:endParaRPr b="0" lang="en-GB" sz="4400" spc="-1" strike="noStrike">
               <a:latin typeface="Arial"/>
             </a:endParaRPr>
           </a:p>
@@ -2240,17 +2282,19 @@
         <p:spPr>
           <a:xfrm>
             <a:off x="504000" y="226080"/>
-            <a:ext cx="9070920" cy="4385160"/>
-          </a:xfrm>
-          <a:prstGeom prst="rect">
-            <a:avLst/>
-          </a:prstGeom>
-        </p:spPr>
-        <p:txBody>
-          <a:bodyPr lIns="0" rIns="0" tIns="0" bIns="0" anchor="ctr"/>
+            <a:ext cx="9072000" cy="4388400"/>
+          </a:xfrm>
+          <a:prstGeom prst="rect">
+            <a:avLst/>
+          </a:prstGeom>
+        </p:spPr>
+        <p:txBody>
+          <a:bodyPr lIns="0" rIns="0" tIns="0" bIns="0" anchor="ctr">
+            <a:noAutofit/>
+          </a:bodyPr>
           <a:p>
             <a:pPr algn="ctr"/>
-            <a:endParaRPr b="0" lang="en-US" sz="3200" spc="-1" strike="noStrike">
+            <a:endParaRPr b="0" lang="en-GB" sz="3200" spc="-1" strike="noStrike">
               <a:latin typeface="Arial"/>
             </a:endParaRPr>
           </a:p>
@@ -2291,17 +2335,19 @@
         <p:spPr>
           <a:xfrm>
             <a:off x="504000" y="226080"/>
-            <a:ext cx="9070920" cy="945720"/>
-          </a:xfrm>
-          <a:prstGeom prst="rect">
-            <a:avLst/>
-          </a:prstGeom>
-        </p:spPr>
-        <p:txBody>
-          <a:bodyPr lIns="0" rIns="0" tIns="0" bIns="0" anchor="ctr"/>
+            <a:ext cx="9072000" cy="946440"/>
+          </a:xfrm>
+          <a:prstGeom prst="rect">
+            <a:avLst/>
+          </a:prstGeom>
+        </p:spPr>
+        <p:txBody>
+          <a:bodyPr lIns="0" rIns="0" tIns="0" bIns="0" anchor="ctr">
+            <a:noAutofit/>
+          </a:bodyPr>
           <a:p>
             <a:pPr algn="ctr"/>
-            <a:endParaRPr b="0" lang="en-US" sz="4400" spc="-1" strike="noStrike">
+            <a:endParaRPr b="0" lang="en-GB" sz="4400" spc="-1" strike="noStrike">
               <a:latin typeface="Arial"/>
             </a:endParaRPr>
           </a:p>
@@ -2320,7 +2366,7 @@
         <p:spPr>
           <a:xfrm>
             <a:off x="504000" y="1326600"/>
-            <a:ext cx="4426920" cy="1568160"/>
+            <a:ext cx="4426920" cy="1568520"/>
           </a:xfrm>
           <a:prstGeom prst="rect">
             <a:avLst/>
@@ -2331,7 +2377,7 @@
             <a:normAutofit/>
           </a:bodyPr>
           <a:p>
-            <a:endParaRPr b="0" lang="en-US" sz="3200" spc="-1" strike="noStrike">
+            <a:endParaRPr b="0" lang="en-GB" sz="3200" spc="-1" strike="noStrike">
               <a:latin typeface="Arial"/>
             </a:endParaRPr>
           </a:p>
@@ -2350,7 +2396,7 @@
         <p:spPr>
           <a:xfrm>
             <a:off x="5152680" y="1326600"/>
-            <a:ext cx="4426920" cy="3288240"/>
+            <a:ext cx="4426920" cy="3288600"/>
           </a:xfrm>
           <a:prstGeom prst="rect">
             <a:avLst/>
@@ -2361,7 +2407,7 @@
             <a:normAutofit/>
           </a:bodyPr>
           <a:p>
-            <a:endParaRPr b="0" lang="en-US" sz="3200" spc="-1" strike="noStrike">
+            <a:endParaRPr b="0" lang="en-GB" sz="3200" spc="-1" strike="noStrike">
               <a:latin typeface="Arial"/>
             </a:endParaRPr>
           </a:p>
@@ -2379,8 +2425,8 @@
         </p:nvSpPr>
         <p:spPr>
           <a:xfrm>
-            <a:off x="504000" y="3044160"/>
-            <a:ext cx="4426920" cy="1568160"/>
+            <a:off x="504000" y="3044520"/>
+            <a:ext cx="4426920" cy="1568520"/>
           </a:xfrm>
           <a:prstGeom prst="rect">
             <a:avLst/>
@@ -2391,7 +2437,7 @@
             <a:normAutofit/>
           </a:bodyPr>
           <a:p>
-            <a:endParaRPr b="0" lang="en-US" sz="3200" spc="-1" strike="noStrike">
+            <a:endParaRPr b="0" lang="en-GB" sz="3200" spc="-1" strike="noStrike">
               <a:latin typeface="Arial"/>
             </a:endParaRPr>
           </a:p>
@@ -2432,17 +2478,19 @@
         <p:spPr>
           <a:xfrm>
             <a:off x="504000" y="226080"/>
-            <a:ext cx="9070920" cy="945720"/>
-          </a:xfrm>
-          <a:prstGeom prst="rect">
-            <a:avLst/>
-          </a:prstGeom>
-        </p:spPr>
-        <p:txBody>
-          <a:bodyPr lIns="0" rIns="0" tIns="0" bIns="0" anchor="ctr"/>
+            <a:ext cx="9072000" cy="946440"/>
+          </a:xfrm>
+          <a:prstGeom prst="rect">
+            <a:avLst/>
+          </a:prstGeom>
+        </p:spPr>
+        <p:txBody>
+          <a:bodyPr lIns="0" rIns="0" tIns="0" bIns="0" anchor="ctr">
+            <a:noAutofit/>
+          </a:bodyPr>
           <a:p>
             <a:pPr algn="ctr"/>
-            <a:endParaRPr b="0" lang="en-US" sz="4400" spc="-1" strike="noStrike">
+            <a:endParaRPr b="0" lang="en-GB" sz="4400" spc="-1" strike="noStrike">
               <a:latin typeface="Arial"/>
             </a:endParaRPr>
           </a:p>
@@ -2461,7 +2509,7 @@
         <p:spPr>
           <a:xfrm>
             <a:off x="504000" y="1326600"/>
-            <a:ext cx="4426920" cy="3288240"/>
+            <a:ext cx="4426920" cy="3288600"/>
           </a:xfrm>
           <a:prstGeom prst="rect">
             <a:avLst/>
@@ -2472,7 +2520,7 @@
             <a:normAutofit/>
           </a:bodyPr>
           <a:p>
-            <a:endParaRPr b="0" lang="en-US" sz="3200" spc="-1" strike="noStrike">
+            <a:endParaRPr b="0" lang="en-GB" sz="3200" spc="-1" strike="noStrike">
               <a:latin typeface="Arial"/>
             </a:endParaRPr>
           </a:p>
@@ -2491,7 +2539,7 @@
         <p:spPr>
           <a:xfrm>
             <a:off x="5152680" y="1326600"/>
-            <a:ext cx="4426920" cy="1568160"/>
+            <a:ext cx="4426920" cy="1568520"/>
           </a:xfrm>
           <a:prstGeom prst="rect">
             <a:avLst/>
@@ -2502,7 +2550,7 @@
             <a:normAutofit/>
           </a:bodyPr>
           <a:p>
-            <a:endParaRPr b="0" lang="en-US" sz="3200" spc="-1" strike="noStrike">
+            <a:endParaRPr b="0" lang="en-GB" sz="3200" spc="-1" strike="noStrike">
               <a:latin typeface="Arial"/>
             </a:endParaRPr>
           </a:p>
@@ -2520,8 +2568,8 @@
         </p:nvSpPr>
         <p:spPr>
           <a:xfrm>
-            <a:off x="5152680" y="3044160"/>
-            <a:ext cx="4426920" cy="1568160"/>
+            <a:off x="5152680" y="3044520"/>
+            <a:ext cx="4426920" cy="1568520"/>
           </a:xfrm>
           <a:prstGeom prst="rect">
             <a:avLst/>
@@ -2532,7 +2580,7 @@
             <a:normAutofit/>
           </a:bodyPr>
           <a:p>
-            <a:endParaRPr b="0" lang="en-US" sz="3200" spc="-1" strike="noStrike">
+            <a:endParaRPr b="0" lang="en-GB" sz="3200" spc="-1" strike="noStrike">
               <a:latin typeface="Arial"/>
             </a:endParaRPr>
           </a:p>
@@ -2573,17 +2621,19 @@
         <p:spPr>
           <a:xfrm>
             <a:off x="504000" y="226080"/>
-            <a:ext cx="9070920" cy="945720"/>
-          </a:xfrm>
-          <a:prstGeom prst="rect">
-            <a:avLst/>
-          </a:prstGeom>
-        </p:spPr>
-        <p:txBody>
-          <a:bodyPr lIns="0" rIns="0" tIns="0" bIns="0" anchor="ctr"/>
+            <a:ext cx="9072000" cy="946440"/>
+          </a:xfrm>
+          <a:prstGeom prst="rect">
+            <a:avLst/>
+          </a:prstGeom>
+        </p:spPr>
+        <p:txBody>
+          <a:bodyPr lIns="0" rIns="0" tIns="0" bIns="0" anchor="ctr">
+            <a:noAutofit/>
+          </a:bodyPr>
           <a:p>
             <a:pPr algn="ctr"/>
-            <a:endParaRPr b="0" lang="en-US" sz="4400" spc="-1" strike="noStrike">
+            <a:endParaRPr b="0" lang="en-GB" sz="4400" spc="-1" strike="noStrike">
               <a:latin typeface="Arial"/>
             </a:endParaRPr>
           </a:p>
@@ -2602,7 +2652,7 @@
         <p:spPr>
           <a:xfrm>
             <a:off x="504000" y="1326600"/>
-            <a:ext cx="4426920" cy="1568160"/>
+            <a:ext cx="4426920" cy="1568520"/>
           </a:xfrm>
           <a:prstGeom prst="rect">
             <a:avLst/>
@@ -2613,7 +2663,7 @@
             <a:normAutofit/>
           </a:bodyPr>
           <a:p>
-            <a:endParaRPr b="0" lang="en-US" sz="3200" spc="-1" strike="noStrike">
+            <a:endParaRPr b="0" lang="en-GB" sz="3200" spc="-1" strike="noStrike">
               <a:latin typeface="Arial"/>
             </a:endParaRPr>
           </a:p>
@@ -2632,7 +2682,7 @@
         <p:spPr>
           <a:xfrm>
             <a:off x="5152680" y="1326600"/>
-            <a:ext cx="4426920" cy="1568160"/>
+            <a:ext cx="4426920" cy="1568520"/>
           </a:xfrm>
           <a:prstGeom prst="rect">
             <a:avLst/>
@@ -2643,7 +2693,7 @@
             <a:normAutofit/>
           </a:bodyPr>
           <a:p>
-            <a:endParaRPr b="0" lang="en-US" sz="3200" spc="-1" strike="noStrike">
+            <a:endParaRPr b="0" lang="en-GB" sz="3200" spc="-1" strike="noStrike">
               <a:latin typeface="Arial"/>
             </a:endParaRPr>
           </a:p>
@@ -2661,8 +2711,8 @@
         </p:nvSpPr>
         <p:spPr>
           <a:xfrm>
-            <a:off x="504000" y="3044160"/>
-            <a:ext cx="9071640" cy="1568160"/>
+            <a:off x="504000" y="3044520"/>
+            <a:ext cx="9072000" cy="1568520"/>
           </a:xfrm>
           <a:prstGeom prst="rect">
             <a:avLst/>
@@ -2673,7 +2723,7 @@
             <a:normAutofit/>
           </a:bodyPr>
           <a:p>
-            <a:endParaRPr b="0" lang="en-US" sz="3200" spc="-1" strike="noStrike">
+            <a:endParaRPr b="0" lang="en-GB" sz="3200" spc="-1" strike="noStrike">
               <a:latin typeface="Arial"/>
             </a:endParaRPr>
           </a:p>
@@ -2721,16 +2771,18 @@
           </a:prstGeom>
         </p:spPr>
         <p:txBody>
-          <a:bodyPr lIns="0" rIns="0" tIns="0" bIns="0" anchor="ctr"/>
+          <a:bodyPr lIns="0" rIns="0" tIns="0" bIns="0" anchor="ctr">
+            <a:noAutofit/>
+          </a:bodyPr>
           <a:p>
             <a:pPr algn="ctr"/>
             <a:r>
-              <a:rPr b="0" lang="en-US" sz="4400" spc="-1" strike="noStrike">
+              <a:rPr b="0" lang="en-GB" sz="4400" spc="-1" strike="noStrike">
                 <a:latin typeface="Arial"/>
               </a:rPr>
               <a:t>Click to edit the title text format</a:t>
             </a:r>
-            <a:endParaRPr b="0" lang="en-US" sz="4400" spc="-1" strike="noStrike">
+            <a:endParaRPr b="0" lang="en-GB" sz="4400" spc="-1" strike="noStrike">
               <a:latin typeface="Arial"/>
             </a:endParaRPr>
           </a:p>
@@ -2772,12 +2824,12 @@
               <a:buChar char=""/>
             </a:pPr>
             <a:r>
-              <a:rPr b="0" lang="en-US" sz="3200" spc="-1" strike="noStrike">
+              <a:rPr b="0" lang="en-GB" sz="3200" spc="-1" strike="noStrike">
                 <a:latin typeface="Arial"/>
               </a:rPr>
               <a:t>Click to edit the outline text format</a:t>
             </a:r>
-            <a:endParaRPr b="0" lang="en-US" sz="3200" spc="-1" strike="noStrike">
+            <a:endParaRPr b="0" lang="en-GB" sz="3200" spc="-1" strike="noStrike">
               <a:latin typeface="Arial"/>
             </a:endParaRPr>
           </a:p>
@@ -2794,12 +2846,12 @@
               <a:buChar char=""/>
             </a:pPr>
             <a:r>
-              <a:rPr b="0" lang="en-US" sz="2800" spc="-1" strike="noStrike">
+              <a:rPr b="0" lang="en-GB" sz="2800" spc="-1" strike="noStrike">
                 <a:latin typeface="Arial"/>
               </a:rPr>
               <a:t>Second Outline Level</a:t>
             </a:r>
-            <a:endParaRPr b="0" lang="en-US" sz="2800" spc="-1" strike="noStrike">
+            <a:endParaRPr b="0" lang="en-GB" sz="2800" spc="-1" strike="noStrike">
               <a:latin typeface="Arial"/>
             </a:endParaRPr>
           </a:p>
@@ -2816,12 +2868,12 @@
               <a:buChar char=""/>
             </a:pPr>
             <a:r>
-              <a:rPr b="0" lang="en-US" sz="2400" spc="-1" strike="noStrike">
+              <a:rPr b="0" lang="en-GB" sz="2400" spc="-1" strike="noStrike">
                 <a:latin typeface="Arial"/>
               </a:rPr>
               <a:t>Third Outline Level</a:t>
             </a:r>
-            <a:endParaRPr b="0" lang="en-US" sz="2400" spc="-1" strike="noStrike">
+            <a:endParaRPr b="0" lang="en-GB" sz="2400" spc="-1" strike="noStrike">
               <a:latin typeface="Arial"/>
             </a:endParaRPr>
           </a:p>
@@ -2838,12 +2890,12 @@
               <a:buChar char=""/>
             </a:pPr>
             <a:r>
-              <a:rPr b="0" lang="en-US" sz="2000" spc="-1" strike="noStrike">
+              <a:rPr b="0" lang="en-GB" sz="2000" spc="-1" strike="noStrike">
                 <a:latin typeface="Arial"/>
               </a:rPr>
               <a:t>Fourth Outline Level</a:t>
             </a:r>
-            <a:endParaRPr b="0" lang="en-US" sz="2000" spc="-1" strike="noStrike">
+            <a:endParaRPr b="0" lang="en-GB" sz="2000" spc="-1" strike="noStrike">
               <a:latin typeface="Arial"/>
             </a:endParaRPr>
           </a:p>
@@ -2860,12 +2912,12 @@
               <a:buChar char=""/>
             </a:pPr>
             <a:r>
-              <a:rPr b="0" lang="en-US" sz="2000" spc="-1" strike="noStrike">
+              <a:rPr b="0" lang="en-GB" sz="2000" spc="-1" strike="noStrike">
                 <a:latin typeface="Arial"/>
               </a:rPr>
               <a:t>Fifth Outline Level</a:t>
             </a:r>
-            <a:endParaRPr b="0" lang="en-US" sz="2000" spc="-1" strike="noStrike">
+            <a:endParaRPr b="0" lang="en-GB" sz="2000" spc="-1" strike="noStrike">
               <a:latin typeface="Arial"/>
             </a:endParaRPr>
           </a:p>
@@ -2882,12 +2934,12 @@
               <a:buChar char=""/>
             </a:pPr>
             <a:r>
-              <a:rPr b="0" lang="en-US" sz="2000" spc="-1" strike="noStrike">
+              <a:rPr b="0" lang="en-GB" sz="2000" spc="-1" strike="noStrike">
                 <a:latin typeface="Arial"/>
               </a:rPr>
               <a:t>Sixth Outline Level</a:t>
             </a:r>
-            <a:endParaRPr b="0" lang="en-US" sz="2000" spc="-1" strike="noStrike">
+            <a:endParaRPr b="0" lang="en-GB" sz="2000" spc="-1" strike="noStrike">
               <a:latin typeface="Arial"/>
             </a:endParaRPr>
           </a:p>
@@ -2904,12 +2956,12 @@
               <a:buChar char=""/>
             </a:pPr>
             <a:r>
-              <a:rPr b="0" lang="en-US" sz="2000" spc="-1" strike="noStrike">
+              <a:rPr b="0" lang="en-GB" sz="2000" spc="-1" strike="noStrike">
                 <a:latin typeface="Arial"/>
               </a:rPr>
               <a:t>Seventh Outline Level</a:t>
             </a:r>
-            <a:endParaRPr b="0" lang="en-US" sz="2000" spc="-1" strike="noStrike">
+            <a:endParaRPr b="0" lang="en-GB" sz="2000" spc="-1" strike="noStrike">
               <a:latin typeface="Arial"/>
             </a:endParaRPr>
           </a:p>
@@ -2965,22 +3017,25 @@
         <p:spPr>
           <a:xfrm>
             <a:off x="504000" y="226080"/>
-            <a:ext cx="9070920" cy="945720"/>
-          </a:xfrm>
-          <a:prstGeom prst="rect">
-            <a:avLst/>
-          </a:prstGeom>
-        </p:spPr>
-        <p:txBody>
-          <a:bodyPr lIns="0" rIns="0" tIns="0" bIns="0" anchor="ctr"/>
-          <a:p>
-            <a:r>
-              <a:rPr b="0" lang="en-US" sz="1800" spc="-1" strike="noStrike">
+            <a:ext cx="9072000" cy="946440"/>
+          </a:xfrm>
+          <a:prstGeom prst="rect">
+            <a:avLst/>
+          </a:prstGeom>
+        </p:spPr>
+        <p:txBody>
+          <a:bodyPr lIns="0" rIns="0" tIns="0" bIns="0" anchor="ctr">
+            <a:noAutofit/>
+          </a:bodyPr>
+          <a:p>
+            <a:pPr algn="ctr"/>
+            <a:r>
+              <a:rPr b="0" lang="en-GB" sz="4400" spc="-1" strike="noStrike">
                 <a:latin typeface="Arial"/>
               </a:rPr>
               <a:t>Click to edit the title text format</a:t>
             </a:r>
-            <a:endParaRPr b="0" lang="en-US" sz="1800" spc="-1" strike="noStrike">
+            <a:endParaRPr b="0" lang="en-GB" sz="4400" spc="-1" strike="noStrike">
               <a:latin typeface="Arial"/>
             </a:endParaRPr>
           </a:p>
@@ -2999,7 +3054,7 @@
         <p:spPr>
           <a:xfrm>
             <a:off x="504000" y="1326600"/>
-            <a:ext cx="9071640" cy="3288240"/>
+            <a:ext cx="9072000" cy="3288600"/>
           </a:xfrm>
           <a:prstGeom prst="rect">
             <a:avLst/>
@@ -3022,12 +3077,12 @@
               <a:buChar char=""/>
             </a:pPr>
             <a:r>
-              <a:rPr b="0" lang="en-US" sz="1800" spc="-1" strike="noStrike">
+              <a:rPr b="0" lang="en-GB" sz="3200" spc="-1" strike="noStrike">
                 <a:latin typeface="Arial"/>
               </a:rPr>
               <a:t>Click to edit the outline text format</a:t>
             </a:r>
-            <a:endParaRPr b="0" lang="en-US" sz="1800" spc="-1" strike="noStrike">
+            <a:endParaRPr b="0" lang="en-GB" sz="3200" spc="-1" strike="noStrike">
               <a:latin typeface="Arial"/>
             </a:endParaRPr>
           </a:p>
@@ -3044,12 +3099,12 @@
               <a:buChar char=""/>
             </a:pPr>
             <a:r>
-              <a:rPr b="0" lang="en-US" sz="1800" spc="-1" strike="noStrike">
+              <a:rPr b="0" lang="en-GB" sz="2800" spc="-1" strike="noStrike">
                 <a:latin typeface="Arial"/>
               </a:rPr>
               <a:t>Second Outline Level</a:t>
             </a:r>
-            <a:endParaRPr b="0" lang="en-US" sz="1800" spc="-1" strike="noStrike">
+            <a:endParaRPr b="0" lang="en-GB" sz="2800" spc="-1" strike="noStrike">
               <a:latin typeface="Arial"/>
             </a:endParaRPr>
           </a:p>
@@ -3066,12 +3121,12 @@
               <a:buChar char=""/>
             </a:pPr>
             <a:r>
-              <a:rPr b="0" lang="en-US" sz="1800" spc="-1" strike="noStrike">
+              <a:rPr b="0" lang="en-GB" sz="2400" spc="-1" strike="noStrike">
                 <a:latin typeface="Arial"/>
               </a:rPr>
               <a:t>Third Outline Level</a:t>
             </a:r>
-            <a:endParaRPr b="0" lang="en-US" sz="1800" spc="-1" strike="noStrike">
+            <a:endParaRPr b="0" lang="en-GB" sz="2400" spc="-1" strike="noStrike">
               <a:latin typeface="Arial"/>
             </a:endParaRPr>
           </a:p>
@@ -3088,12 +3143,12 @@
               <a:buChar char=""/>
             </a:pPr>
             <a:r>
-              <a:rPr b="0" lang="en-US" sz="1800" spc="-1" strike="noStrike">
+              <a:rPr b="0" lang="en-GB" sz="2000" spc="-1" strike="noStrike">
                 <a:latin typeface="Arial"/>
               </a:rPr>
               <a:t>Fourth Outline Level</a:t>
             </a:r>
-            <a:endParaRPr b="0" lang="en-US" sz="1800" spc="-1" strike="noStrike">
+            <a:endParaRPr b="0" lang="en-GB" sz="2000" spc="-1" strike="noStrike">
               <a:latin typeface="Arial"/>
             </a:endParaRPr>
           </a:p>
@@ -3110,12 +3165,12 @@
               <a:buChar char=""/>
             </a:pPr>
             <a:r>
-              <a:rPr b="0" lang="en-US" sz="1800" spc="-1" strike="noStrike">
+              <a:rPr b="0" lang="en-GB" sz="2000" spc="-1" strike="noStrike">
                 <a:latin typeface="Arial"/>
               </a:rPr>
               <a:t>Fifth Outline Level</a:t>
             </a:r>
-            <a:endParaRPr b="0" lang="en-US" sz="1800" spc="-1" strike="noStrike">
+            <a:endParaRPr b="0" lang="en-GB" sz="2000" spc="-1" strike="noStrike">
               <a:latin typeface="Arial"/>
             </a:endParaRPr>
           </a:p>
@@ -3132,12 +3187,12 @@
               <a:buChar char=""/>
             </a:pPr>
             <a:r>
-              <a:rPr b="0" lang="en-US" sz="1800" spc="-1" strike="noStrike">
+              <a:rPr b="0" lang="en-GB" sz="2000" spc="-1" strike="noStrike">
                 <a:latin typeface="Arial"/>
               </a:rPr>
               <a:t>Sixth Outline Level</a:t>
             </a:r>
-            <a:endParaRPr b="0" lang="en-US" sz="1800" spc="-1" strike="noStrike">
+            <a:endParaRPr b="0" lang="en-GB" sz="2000" spc="-1" strike="noStrike">
               <a:latin typeface="Arial"/>
             </a:endParaRPr>
           </a:p>
@@ -3154,12 +3209,12 @@
               <a:buChar char=""/>
             </a:pPr>
             <a:r>
-              <a:rPr b="0" lang="en-US" sz="1800" spc="-1" strike="noStrike">
+              <a:rPr b="0" lang="en-GB" sz="2000" spc="-1" strike="noStrike">
                 <a:latin typeface="Arial"/>
               </a:rPr>
               <a:t>Seventh Outline Level</a:t>
             </a:r>
-            <a:endParaRPr b="0" lang="en-US" sz="1800" spc="-1" strike="noStrike">
+            <a:endParaRPr b="0" lang="en-GB" sz="2000" spc="-1" strike="noStrike">
               <a:latin typeface="Arial"/>
             </a:endParaRPr>
           </a:p>
@@ -3211,13 +3266,13 @@
         <p:spPr>
           <a:xfrm>
             <a:off x="365760" y="1404000"/>
-            <a:ext cx="9070920" cy="1247760"/>
+            <a:ext cx="9070560" cy="1247400"/>
           </a:xfrm>
           <a:prstGeom prst="rect">
             <a:avLst/>
           </a:prstGeom>
           <a:noFill/>
-          <a:ln>
+          <a:ln w="0">
             <a:noFill/>
           </a:ln>
         </p:spPr>
@@ -3228,7 +3283,9 @@
           <a:fontRef idx="minor"/>
         </p:style>
         <p:txBody>
-          <a:bodyPr lIns="0" rIns="0" tIns="0" bIns="0" anchor="ctr"/>
+          <a:bodyPr lIns="0" rIns="0" tIns="0" bIns="0" anchor="ctr">
+            <a:noAutofit/>
+          </a:bodyPr>
           <a:p>
             <a:pPr algn="ctr">
               <a:lnSpc>
@@ -3246,7 +3303,7 @@
               </a:rPr>
               <a:t>A) PRIMS ALGO</a:t>
             </a:r>
-            <a:endParaRPr b="0" lang="en-US" sz="8800" spc="-1" strike="noStrike">
+            <a:endParaRPr b="0" lang="en-GB" sz="8800" spc="-1" strike="noStrike">
               <a:latin typeface="Arial"/>
             </a:endParaRPr>
           </a:p>
@@ -3261,13 +3318,13 @@
         <p:spPr>
           <a:xfrm>
             <a:off x="822960" y="3474720"/>
-            <a:ext cx="4022640" cy="1625400"/>
+            <a:ext cx="4022280" cy="1625040"/>
           </a:xfrm>
           <a:prstGeom prst="rect">
             <a:avLst/>
           </a:prstGeom>
           <a:noFill/>
-          <a:ln>
+          <a:ln w="0">
             <a:noFill/>
           </a:ln>
         </p:spPr>
@@ -3278,7 +3335,9 @@
           <a:fontRef idx="minor"/>
         </p:style>
         <p:txBody>
-          <a:bodyPr lIns="90000" rIns="90000" tIns="45000" bIns="45000"/>
+          <a:bodyPr lIns="90000" rIns="90000" tIns="45000" bIns="45000">
+            <a:noAutofit/>
+          </a:bodyPr>
           <a:p>
             <a:pPr>
               <a:lnSpc>
@@ -3295,12 +3354,12 @@
               </a:rPr>
               <a:t>Inputs:</a:t>
             </a:r>
-            <a:endParaRPr b="0" lang="en-US" sz="1800" spc="-1" strike="noStrike">
-              <a:latin typeface="Arial"/>
-            </a:endParaRPr>
-          </a:p>
-          <a:p>
-            <a:pPr marL="216000" indent="-215280">
+            <a:endParaRPr b="0" lang="en-GB" sz="1800" spc="-1" strike="noStrike">
+              <a:latin typeface="Arial"/>
+            </a:endParaRPr>
+          </a:p>
+          <a:p>
+            <a:pPr marL="216000" indent="-214920">
               <a:lnSpc>
                 <a:spcPct val="100000"/>
               </a:lnSpc>
@@ -3321,12 +3380,12 @@
               </a:rPr>
               <a:t>Raw data</a:t>
             </a:r>
-            <a:endParaRPr b="0" lang="en-US" sz="1800" spc="-1" strike="noStrike">
-              <a:latin typeface="Arial"/>
-            </a:endParaRPr>
-          </a:p>
-          <a:p>
-            <a:pPr marL="216000" indent="-215280">
+            <a:endParaRPr b="0" lang="en-GB" sz="1800" spc="-1" strike="noStrike">
+              <a:latin typeface="Arial"/>
+            </a:endParaRPr>
+          </a:p>
+          <a:p>
+            <a:pPr marL="216000" indent="-214920">
               <a:lnSpc>
                 <a:spcPct val="100000"/>
               </a:lnSpc>
@@ -3347,12 +3406,12 @@
               </a:rPr>
               <a:t>dist_metric object - </a:t>
             </a:r>
-            <a:endParaRPr b="0" lang="en-US" sz="1800" spc="-1" strike="noStrike">
-              <a:latin typeface="Arial"/>
-            </a:endParaRPr>
-          </a:p>
-          <a:p>
-            <a:pPr lvl="1" marL="432000" indent="-215280">
+            <a:endParaRPr b="0" lang="en-GB" sz="1800" spc="-1" strike="noStrike">
+              <a:latin typeface="Arial"/>
+            </a:endParaRPr>
+          </a:p>
+          <a:p>
+            <a:pPr lvl="1" marL="432000" indent="-214920">
               <a:lnSpc>
                 <a:spcPct val="100000"/>
               </a:lnSpc>
@@ -3373,12 +3432,12 @@
               </a:rPr>
               <a:t>Distance metric(mutual reachability distance)</a:t>
             </a:r>
-            <a:endParaRPr b="0" lang="en-US" sz="1100" spc="-1" strike="noStrike">
-              <a:latin typeface="Arial"/>
-            </a:endParaRPr>
-          </a:p>
-          <a:p>
-            <a:pPr marL="216000" indent="-215280">
+            <a:endParaRPr b="0" lang="en-GB" sz="1100" spc="-1" strike="noStrike">
+              <a:latin typeface="Arial"/>
+            </a:endParaRPr>
+          </a:p>
+          <a:p>
+            <a:pPr marL="216000" indent="-214920">
               <a:lnSpc>
                 <a:spcPct val="100000"/>
               </a:lnSpc>
@@ -3399,7 +3458,7 @@
               </a:rPr>
               <a:t>Leaf size</a:t>
             </a:r>
-            <a:endParaRPr b="0" lang="en-US" sz="1800" spc="-1" strike="noStrike">
+            <a:endParaRPr b="0" lang="en-GB" sz="1800" spc="-1" strike="noStrike">
               <a:latin typeface="Arial"/>
             </a:endParaRPr>
           </a:p>
@@ -3414,13 +3473,13 @@
         <p:spPr>
           <a:xfrm>
             <a:off x="6035040" y="3677400"/>
-            <a:ext cx="2651040" cy="985320"/>
+            <a:ext cx="2650680" cy="984960"/>
           </a:xfrm>
           <a:prstGeom prst="rect">
             <a:avLst/>
           </a:prstGeom>
           <a:noFill/>
-          <a:ln>
+          <a:ln w="0">
             <a:noFill/>
           </a:ln>
         </p:spPr>
@@ -3431,7 +3490,9 @@
           <a:fontRef idx="minor"/>
         </p:style>
         <p:txBody>
-          <a:bodyPr lIns="90000" rIns="90000" tIns="45000" bIns="45000"/>
+          <a:bodyPr lIns="90000" rIns="90000" tIns="45000" bIns="45000">
+            <a:noAutofit/>
+          </a:bodyPr>
           <a:p>
             <a:pPr>
               <a:lnSpc>
@@ -3448,12 +3509,12 @@
               </a:rPr>
               <a:t>Outputs:</a:t>
             </a:r>
-            <a:endParaRPr b="0" lang="en-US" sz="1800" spc="-1" strike="noStrike">
-              <a:latin typeface="Arial"/>
-            </a:endParaRPr>
-          </a:p>
-          <a:p>
-            <a:pPr marL="216000" indent="-215280">
+            <a:endParaRPr b="0" lang="en-GB" sz="1800" spc="-1" strike="noStrike">
+              <a:latin typeface="Arial"/>
+            </a:endParaRPr>
+          </a:p>
+          <a:p>
+            <a:pPr marL="216000" indent="-214920">
               <a:lnSpc>
                 <a:spcPct val="100000"/>
               </a:lnSpc>
@@ -3474,12 +3535,12 @@
               </a:rPr>
               <a:t>single_linkage_tree</a:t>
             </a:r>
-            <a:endParaRPr b="0" lang="en-US" sz="1800" spc="-1" strike="noStrike">
-              <a:latin typeface="Arial"/>
-            </a:endParaRPr>
-          </a:p>
-          <a:p>
-            <a:pPr marL="216000" indent="-215280">
+            <a:endParaRPr b="0" lang="en-GB" sz="1800" spc="-1" strike="noStrike">
+              <a:latin typeface="Arial"/>
+            </a:endParaRPr>
+          </a:p>
+          <a:p>
+            <a:pPr marL="216000" indent="-214920">
               <a:lnSpc>
                 <a:spcPct val="100000"/>
               </a:lnSpc>
@@ -3500,7 +3561,7 @@
               </a:rPr>
               <a:t>result_min_span_tree</a:t>
             </a:r>
-            <a:endParaRPr b="0" lang="en-US" sz="1800" spc="-1" strike="noStrike">
+            <a:endParaRPr b="0" lang="en-GB" sz="1800" spc="-1" strike="noStrike">
               <a:latin typeface="Arial"/>
             </a:endParaRPr>
           </a:p>
@@ -3508,33 +3569,116 @@
       </p:sp>
     </p:spTree>
   </p:cSld>
-  <p:timing>
-    <p:tnLst>
-      <p:par>
-        <p:cTn id="1" dur="indefinite" restart="never" nodeType="tmRoot">
-          <p:childTnLst>
-            <p:seq>
-              <p:cTn id="2" dur="indefinite" nodeType="mainSeq"/>
-              <p:prevCondLst>
-                <p:cond delay="0" evt="onPrev">
-                  <p:tgtEl>
-                    <p:sldTgt/>
-                  </p:tgtEl>
-                </p:cond>
-              </p:prevCondLst>
-              <p:nextCondLst>
-                <p:cond delay="0" evt="onNext">
-                  <p:tgtEl>
-                    <p:sldTgt/>
-                  </p:tgtEl>
-                </p:cond>
-              </p:nextCondLst>
-            </p:seq>
-          </p:childTnLst>
-        </p:cTn>
-      </p:par>
-    </p:tnLst>
-  </p:timing>
+  <mc:AlternateContent>
+    <mc:Choice Requires="p14">
+      <p:transition spd="slow" p14:dur="2000"/>
+    </mc:Choice>
+    <mc:Fallback>
+      <p:transition spd="slow"/>
+    </mc:Fallback>
+  </mc:AlternateContent>
+</p:sld>
+</file>
+
+<file path=ppt/slides/slide10.xml><?xml version="1.0" encoding="utf-8"?>
+<p:sld xmlns:a="http://schemas.openxmlformats.org/drawingml/2006/main" xmlns:p="http://schemas.openxmlformats.org/presentationml/2006/main" xmlns:r="http://schemas.openxmlformats.org/officeDocument/2006/relationships" xmlns:p14="http://schemas.microsoft.com/office/powerpoint/2010/main" xmlns:p15="http://schemas.microsoft.com/office/powerpoint/2012/main" xmlns:mc="http://schemas.openxmlformats.org/markup-compatibility/2006">
+  <p:cSld>
+    <p:spTree>
+      <p:nvGrpSpPr>
+        <p:cNvPr id="1" name=""/>
+        <p:cNvGrpSpPr/>
+        <p:nvPr/>
+      </p:nvGrpSpPr>
+      <p:grpSpPr>
+        <a:xfrm>
+          <a:off x="0" y="0"/>
+          <a:ext cx="0" cy="0"/>
+          <a:chOff x="0" y="0"/>
+          <a:chExt cx="0" cy="0"/>
+        </a:xfrm>
+      </p:grpSpPr>
+      <p:sp>
+        <p:nvSpPr>
+          <p:cNvPr id="110" name=""/>
+          <p:cNvSpPr txBox="1"/>
+          <p:nvPr/>
+        </p:nvSpPr>
+        <p:spPr>
+          <a:xfrm>
+            <a:off x="2800440" y="360000"/>
+            <a:ext cx="4636800" cy="771480"/>
+          </a:xfrm>
+          <a:prstGeom prst="rect">
+            <a:avLst/>
+          </a:prstGeom>
+          <a:noFill/>
+          <a:ln w="0">
+            <a:noFill/>
+          </a:ln>
+        </p:spPr>
+        <p:txBody>
+          <a:bodyPr lIns="90000" rIns="90000" tIns="45000" bIns="45000">
+            <a:noAutofit/>
+          </a:bodyPr>
+          <a:p>
+            <a:r>
+              <a:rPr b="0" lang="en-GB" sz="4800" spc="-1" strike="noStrike">
+                <a:latin typeface="Arial"/>
+              </a:rPr>
+              <a:t>Written workflow</a:t>
+            </a:r>
+            <a:endParaRPr b="0" lang="en-GB" sz="4800" spc="-1" strike="noStrike">
+              <a:latin typeface="Arial"/>
+            </a:endParaRPr>
+          </a:p>
+        </p:txBody>
+      </p:sp>
+      <p:sp>
+        <p:nvSpPr>
+          <p:cNvPr id="111" name=""/>
+          <p:cNvSpPr txBox="1"/>
+          <p:nvPr/>
+        </p:nvSpPr>
+        <p:spPr>
+          <a:xfrm>
+            <a:off x="862200" y="1260000"/>
+            <a:ext cx="8677800" cy="3673800"/>
+          </a:xfrm>
+          <a:prstGeom prst="rect">
+            <a:avLst/>
+          </a:prstGeom>
+          <a:noFill/>
+          <a:ln w="0">
+            <a:noFill/>
+          </a:ln>
+        </p:spPr>
+        <p:txBody>
+          <a:bodyPr lIns="90000" rIns="90000" tIns="45000" bIns="45000">
+            <a:noAutofit/>
+          </a:bodyPr>
+          <a:p>
+            <a:r>
+              <a:rPr b="0" lang="en-GB" sz="1800" spc="-1" strike="noStrike">
+                <a:latin typeface="Arial"/>
+              </a:rPr>
+              <a:t>Hdbscan starts by getting all the points and storing them as a data structure called KDTree. The KDTree records the points and the mutual reachability distance of the points. This is done using a package form ScikitLearn. Then build the minimum spanning tree using the prim’s algorithm. A single shortest pathway is found using the info from the KDTree to check for distance. The distances(edges) are then sorted in increasing order.</a:t>
+            </a:r>
+            <a:endParaRPr b="0" lang="en-GB" sz="1800" spc="-1" strike="noStrike">
+              <a:latin typeface="Arial"/>
+            </a:endParaRPr>
+          </a:p>
+        </p:txBody>
+      </p:sp>
+    </p:spTree>
+  </p:cSld>
+  <mc:AlternateContent>
+    <mc:Choice Requires="p14">
+      <p:transition spd="slow" p14:dur="2000"/>
+    </mc:Choice>
+    <mc:Fallback>
+      <p:transition spd="slow"/>
+    </mc:Fallback>
+  </mc:AlternateContent>
 </p:sld>
 </file>
 
@@ -3564,13 +3708,13 @@
         <p:spPr>
           <a:xfrm>
             <a:off x="504000" y="226080"/>
-            <a:ext cx="9070920" cy="945720"/>
+            <a:ext cx="9070560" cy="945360"/>
           </a:xfrm>
           <a:prstGeom prst="rect">
             <a:avLst/>
           </a:prstGeom>
           <a:noFill/>
-          <a:ln>
+          <a:ln w="0">
             <a:noFill/>
           </a:ln>
         </p:spPr>
@@ -3581,7 +3725,9 @@
           <a:fontRef idx="minor"/>
         </p:style>
         <p:txBody>
-          <a:bodyPr lIns="0" rIns="0" tIns="0" bIns="0" anchor="ctr"/>
+          <a:bodyPr lIns="0" rIns="0" tIns="0" bIns="0" anchor="ctr">
+            <a:noAutofit/>
+          </a:bodyPr>
           <a:p>
             <a:pPr algn="ctr">
               <a:lnSpc>
@@ -3598,7 +3744,7 @@
               </a:rPr>
               <a:t>1. KD Tree – from sklearn</a:t>
             </a:r>
-            <a:endParaRPr b="0" lang="en-US" sz="4400" spc="-1" strike="noStrike">
+            <a:endParaRPr b="0" lang="en-GB" sz="4400" spc="-1" strike="noStrike">
               <a:latin typeface="Arial"/>
             </a:endParaRPr>
           </a:p>
@@ -3613,13 +3759,13 @@
         <p:spPr>
           <a:xfrm>
             <a:off x="365760" y="1391400"/>
-            <a:ext cx="4022640" cy="1625400"/>
+            <a:ext cx="4022280" cy="1625040"/>
           </a:xfrm>
           <a:prstGeom prst="rect">
             <a:avLst/>
           </a:prstGeom>
           <a:noFill/>
-          <a:ln>
+          <a:ln w="0">
             <a:noFill/>
           </a:ln>
         </p:spPr>
@@ -3630,7 +3776,9 @@
           <a:fontRef idx="minor"/>
         </p:style>
         <p:txBody>
-          <a:bodyPr lIns="90000" rIns="90000" tIns="45000" bIns="45000"/>
+          <a:bodyPr lIns="90000" rIns="90000" tIns="45000" bIns="45000">
+            <a:noAutofit/>
+          </a:bodyPr>
           <a:p>
             <a:pPr>
               <a:lnSpc>
@@ -3647,12 +3795,12 @@
               </a:rPr>
               <a:t>Inputs:</a:t>
             </a:r>
-            <a:endParaRPr b="0" lang="en-US" sz="1800" spc="-1" strike="noStrike">
-              <a:latin typeface="Arial"/>
-            </a:endParaRPr>
-          </a:p>
-          <a:p>
-            <a:pPr marL="216000" indent="-215280">
+            <a:endParaRPr b="0" lang="en-GB" sz="1800" spc="-1" strike="noStrike">
+              <a:latin typeface="Arial"/>
+            </a:endParaRPr>
+          </a:p>
+          <a:p>
+            <a:pPr marL="216000" indent="-214920">
               <a:lnSpc>
                 <a:spcPct val="100000"/>
               </a:lnSpc>
@@ -3673,12 +3821,12 @@
               </a:rPr>
               <a:t>Raw data</a:t>
             </a:r>
-            <a:endParaRPr b="0" lang="en-US" sz="1800" spc="-1" strike="noStrike">
-              <a:latin typeface="Arial"/>
-            </a:endParaRPr>
-          </a:p>
-          <a:p>
-            <a:pPr marL="216000" indent="-215280">
+            <a:endParaRPr b="0" lang="en-GB" sz="1800" spc="-1" strike="noStrike">
+              <a:latin typeface="Arial"/>
+            </a:endParaRPr>
+          </a:p>
+          <a:p>
+            <a:pPr marL="216000" indent="-214920">
               <a:lnSpc>
                 <a:spcPct val="100000"/>
               </a:lnSpc>
@@ -3699,12 +3847,12 @@
               </a:rPr>
               <a:t>dist_metric object - </a:t>
             </a:r>
-            <a:endParaRPr b="0" lang="en-US" sz="1800" spc="-1" strike="noStrike">
-              <a:latin typeface="Arial"/>
-            </a:endParaRPr>
-          </a:p>
-          <a:p>
-            <a:pPr lvl="1" marL="432000" indent="-215280">
+            <a:endParaRPr b="0" lang="en-GB" sz="1800" spc="-1" strike="noStrike">
+              <a:latin typeface="Arial"/>
+            </a:endParaRPr>
+          </a:p>
+          <a:p>
+            <a:pPr lvl="1" marL="432000" indent="-214920">
               <a:lnSpc>
                 <a:spcPct val="100000"/>
               </a:lnSpc>
@@ -3725,12 +3873,12 @@
               </a:rPr>
               <a:t>Distance metric(mutual reachability distance)</a:t>
             </a:r>
-            <a:endParaRPr b="0" lang="en-US" sz="1100" spc="-1" strike="noStrike">
-              <a:latin typeface="Arial"/>
-            </a:endParaRPr>
-          </a:p>
-          <a:p>
-            <a:pPr marL="216000" indent="-215280">
+            <a:endParaRPr b="0" lang="en-GB" sz="1100" spc="-1" strike="noStrike">
+              <a:latin typeface="Arial"/>
+            </a:endParaRPr>
+          </a:p>
+          <a:p>
+            <a:pPr marL="216000" indent="-214920">
               <a:lnSpc>
                 <a:spcPct val="100000"/>
               </a:lnSpc>
@@ -3751,7 +3899,7 @@
               </a:rPr>
               <a:t>Leaf size</a:t>
             </a:r>
-            <a:endParaRPr b="0" lang="en-US" sz="1800" spc="-1" strike="noStrike">
+            <a:endParaRPr b="0" lang="en-GB" sz="1800" spc="-1" strike="noStrike">
               <a:latin typeface="Arial"/>
             </a:endParaRPr>
           </a:p>
@@ -3766,13 +3914,13 @@
         <p:spPr>
           <a:xfrm>
             <a:off x="457200" y="3037320"/>
-            <a:ext cx="4022640" cy="985320"/>
+            <a:ext cx="4022280" cy="984960"/>
           </a:xfrm>
           <a:prstGeom prst="rect">
             <a:avLst/>
           </a:prstGeom>
           <a:noFill/>
-          <a:ln>
+          <a:ln w="0">
             <a:noFill/>
           </a:ln>
         </p:spPr>
@@ -3783,7 +3931,9 @@
           <a:fontRef idx="minor"/>
         </p:style>
         <p:txBody>
-          <a:bodyPr lIns="90000" rIns="90000" tIns="45000" bIns="45000"/>
+          <a:bodyPr lIns="90000" rIns="90000" tIns="45000" bIns="45000">
+            <a:noAutofit/>
+          </a:bodyPr>
           <a:p>
             <a:pPr>
               <a:lnSpc>
@@ -3800,12 +3950,12 @@
               </a:rPr>
               <a:t>Outputs:</a:t>
             </a:r>
-            <a:endParaRPr b="0" lang="en-US" sz="1800" spc="-1" strike="noStrike">
-              <a:latin typeface="Arial"/>
-            </a:endParaRPr>
-          </a:p>
-          <a:p>
-            <a:pPr marL="216000" indent="-215280">
+            <a:endParaRPr b="0" lang="en-GB" sz="1800" spc="-1" strike="noStrike">
+              <a:latin typeface="Arial"/>
+            </a:endParaRPr>
+          </a:p>
+          <a:p>
+            <a:pPr marL="216000" indent="-214920">
               <a:lnSpc>
                 <a:spcPct val="100000"/>
               </a:lnSpc>
@@ -3826,7 +3976,7 @@
               </a:rPr>
               <a:t>Core distances</a:t>
             </a:r>
-            <a:endParaRPr b="0" lang="en-US" sz="1800" spc="-1" strike="noStrike">
+            <a:endParaRPr b="0" lang="en-GB" sz="1800" spc="-1" strike="noStrike">
               <a:latin typeface="Arial"/>
             </a:endParaRPr>
           </a:p>
@@ -3841,13 +3991,13 @@
         <p:spPr>
           <a:xfrm>
             <a:off x="5120640" y="1556280"/>
-            <a:ext cx="4022640" cy="1625400"/>
+            <a:ext cx="4022280" cy="1625040"/>
           </a:xfrm>
           <a:prstGeom prst="rect">
             <a:avLst/>
           </a:prstGeom>
           <a:noFill/>
-          <a:ln>
+          <a:ln w="0">
             <a:noFill/>
           </a:ln>
         </p:spPr>
@@ -3858,7 +4008,9 @@
           <a:fontRef idx="minor"/>
         </p:style>
         <p:txBody>
-          <a:bodyPr lIns="90000" rIns="90000" tIns="45000" bIns="45000"/>
+          <a:bodyPr lIns="90000" rIns="90000" tIns="45000" bIns="45000">
+            <a:noAutofit/>
+          </a:bodyPr>
           <a:p>
             <a:pPr>
               <a:lnSpc>
@@ -3875,12 +4027,12 @@
               </a:rPr>
               <a:t>Process:</a:t>
             </a:r>
-            <a:endParaRPr b="0" lang="en-US" sz="1800" spc="-1" strike="noStrike">
-              <a:latin typeface="Arial"/>
-            </a:endParaRPr>
-          </a:p>
-          <a:p>
-            <a:pPr marL="216000" indent="-215280">
+            <a:endParaRPr b="0" lang="en-GB" sz="1800" spc="-1" strike="noStrike">
+              <a:latin typeface="Arial"/>
+            </a:endParaRPr>
+          </a:p>
+          <a:p>
+            <a:pPr marL="216000" indent="-214920">
               <a:lnSpc>
                 <a:spcPct val="100000"/>
               </a:lnSpc>
@@ -3900,7 +4052,7 @@
               </a:rPr>
               <a:t>Uses KD tree structure to calculate distance as per distance metric</a:t>
             </a:r>
-            <a:endParaRPr b="0" lang="en-US" sz="1800" spc="-1" strike="noStrike">
+            <a:endParaRPr b="0" lang="en-GB" sz="1800" spc="-1" strike="noStrike">
               <a:latin typeface="Arial"/>
             </a:endParaRPr>
           </a:p>
@@ -3908,33 +4060,14 @@
       </p:sp>
     </p:spTree>
   </p:cSld>
-  <p:timing>
-    <p:tnLst>
-      <p:par>
-        <p:cTn id="3" dur="indefinite" restart="never" nodeType="tmRoot">
-          <p:childTnLst>
-            <p:seq>
-              <p:cTn id="4" dur="indefinite" nodeType="mainSeq"/>
-              <p:prevCondLst>
-                <p:cond delay="0" evt="onPrev">
-                  <p:tgtEl>
-                    <p:sldTgt/>
-                  </p:tgtEl>
-                </p:cond>
-              </p:prevCondLst>
-              <p:nextCondLst>
-                <p:cond delay="0" evt="onNext">
-                  <p:tgtEl>
-                    <p:sldTgt/>
-                  </p:tgtEl>
-                </p:cond>
-              </p:nextCondLst>
-            </p:seq>
-          </p:childTnLst>
-        </p:cTn>
-      </p:par>
-    </p:tnLst>
-  </p:timing>
+  <mc:AlternateContent>
+    <mc:Choice Requires="p14">
+      <p:transition spd="slow" p14:dur="2000"/>
+    </mc:Choice>
+    <mc:Fallback>
+      <p:transition spd="slow"/>
+    </mc:Fallback>
+  </mc:AlternateContent>
 </p:sld>
 </file>
 
@@ -3964,13 +4097,13 @@
         <p:spPr>
           <a:xfrm>
             <a:off x="504000" y="226080"/>
-            <a:ext cx="9070920" cy="945720"/>
+            <a:ext cx="9070560" cy="945360"/>
           </a:xfrm>
           <a:prstGeom prst="rect">
             <a:avLst/>
           </a:prstGeom>
           <a:noFill/>
-          <a:ln>
+          <a:ln w="0">
             <a:noFill/>
           </a:ln>
         </p:spPr>
@@ -3981,7 +4114,9 @@
           <a:fontRef idx="minor"/>
         </p:style>
         <p:txBody>
-          <a:bodyPr lIns="0" rIns="0" tIns="0" bIns="0" anchor="ctr"/>
+          <a:bodyPr lIns="0" rIns="0" tIns="0" bIns="0" anchor="ctr">
+            <a:noAutofit/>
+          </a:bodyPr>
           <a:p>
             <a:pPr algn="ctr">
               <a:lnSpc>
@@ -3998,7 +4133,7 @@
               </a:rPr>
               <a:t>2. Minimum spanning tree</a:t>
             </a:r>
-            <a:endParaRPr b="0" lang="en-US" sz="4400" spc="-1" strike="noStrike">
+            <a:endParaRPr b="0" lang="en-GB" sz="4400" spc="-1" strike="noStrike">
               <a:latin typeface="Arial"/>
             </a:endParaRPr>
           </a:p>
@@ -4013,13 +4148,13 @@
         <p:spPr>
           <a:xfrm>
             <a:off x="365760" y="1391400"/>
-            <a:ext cx="4022640" cy="1625400"/>
+            <a:ext cx="4022280" cy="1625040"/>
           </a:xfrm>
           <a:prstGeom prst="rect">
             <a:avLst/>
           </a:prstGeom>
           <a:noFill/>
-          <a:ln>
+          <a:ln w="0">
             <a:noFill/>
           </a:ln>
         </p:spPr>
@@ -4030,7 +4165,9 @@
           <a:fontRef idx="minor"/>
         </p:style>
         <p:txBody>
-          <a:bodyPr lIns="90000" rIns="90000" tIns="45000" bIns="45000"/>
+          <a:bodyPr lIns="90000" rIns="90000" tIns="45000" bIns="45000">
+            <a:noAutofit/>
+          </a:bodyPr>
           <a:p>
             <a:pPr>
               <a:lnSpc>
@@ -4047,12 +4184,12 @@
               </a:rPr>
               <a:t>Inputs:</a:t>
             </a:r>
-            <a:endParaRPr b="0" lang="en-US" sz="1800" spc="-1" strike="noStrike">
-              <a:latin typeface="Arial"/>
-            </a:endParaRPr>
-          </a:p>
-          <a:p>
-            <a:pPr marL="216000" indent="-215280">
+            <a:endParaRPr b="0" lang="en-GB" sz="1800" spc="-1" strike="noStrike">
+              <a:latin typeface="Arial"/>
+            </a:endParaRPr>
+          </a:p>
+          <a:p>
+            <a:pPr marL="216000" indent="-214920">
               <a:lnSpc>
                 <a:spcPct val="100000"/>
               </a:lnSpc>
@@ -4073,12 +4210,12 @@
               </a:rPr>
               <a:t>Raw data</a:t>
             </a:r>
-            <a:endParaRPr b="0" lang="en-US" sz="1800" spc="-1" strike="noStrike">
-              <a:latin typeface="Arial"/>
-            </a:endParaRPr>
-          </a:p>
-          <a:p>
-            <a:pPr marL="216000" indent="-215280">
+            <a:endParaRPr b="0" lang="en-GB" sz="1800" spc="-1" strike="noStrike">
+              <a:latin typeface="Arial"/>
+            </a:endParaRPr>
+          </a:p>
+          <a:p>
+            <a:pPr marL="216000" indent="-214920">
               <a:lnSpc>
                 <a:spcPct val="100000"/>
               </a:lnSpc>
@@ -4099,12 +4236,12 @@
               </a:rPr>
               <a:t>Core distances</a:t>
             </a:r>
-            <a:endParaRPr b="0" lang="en-US" sz="1800" spc="-1" strike="noStrike">
-              <a:latin typeface="Arial"/>
-            </a:endParaRPr>
-          </a:p>
-          <a:p>
-            <a:pPr marL="216000" indent="-215280">
+            <a:endParaRPr b="0" lang="en-GB" sz="1800" spc="-1" strike="noStrike">
+              <a:latin typeface="Arial"/>
+            </a:endParaRPr>
+          </a:p>
+          <a:p>
+            <a:pPr marL="216000" indent="-214920">
               <a:lnSpc>
                 <a:spcPct val="100000"/>
               </a:lnSpc>
@@ -4125,7 +4262,7 @@
               </a:rPr>
               <a:t>dist_metric object</a:t>
             </a:r>
-            <a:endParaRPr b="0" lang="en-US" sz="1800" spc="-1" strike="noStrike">
+            <a:endParaRPr b="0" lang="en-GB" sz="1800" spc="-1" strike="noStrike">
               <a:latin typeface="Arial"/>
             </a:endParaRPr>
           </a:p>
@@ -4140,13 +4277,13 @@
         <p:spPr>
           <a:xfrm>
             <a:off x="457200" y="3037320"/>
-            <a:ext cx="4022640" cy="1625400"/>
+            <a:ext cx="4022280" cy="1625040"/>
           </a:xfrm>
           <a:prstGeom prst="rect">
             <a:avLst/>
           </a:prstGeom>
           <a:noFill/>
-          <a:ln>
+          <a:ln w="0">
             <a:noFill/>
           </a:ln>
         </p:spPr>
@@ -4157,7 +4294,9 @@
           <a:fontRef idx="minor"/>
         </p:style>
         <p:txBody>
-          <a:bodyPr lIns="90000" rIns="90000" tIns="45000" bIns="45000"/>
+          <a:bodyPr lIns="90000" rIns="90000" tIns="45000" bIns="45000">
+            <a:noAutofit/>
+          </a:bodyPr>
           <a:p>
             <a:pPr>
               <a:lnSpc>
@@ -4174,12 +4313,12 @@
               </a:rPr>
               <a:t>Outputs:</a:t>
             </a:r>
-            <a:endParaRPr b="0" lang="en-US" sz="1800" spc="-1" strike="noStrike">
-              <a:latin typeface="Arial"/>
-            </a:endParaRPr>
-          </a:p>
-          <a:p>
-            <a:pPr marL="216000" indent="-215280">
+            <a:endParaRPr b="0" lang="en-GB" sz="1800" spc="-1" strike="noStrike">
+              <a:latin typeface="Arial"/>
+            </a:endParaRPr>
+          </a:p>
+          <a:p>
+            <a:pPr marL="216000" indent="-214920">
               <a:lnSpc>
                 <a:spcPct val="100000"/>
               </a:lnSpc>
@@ -4200,7 +4339,7 @@
               </a:rPr>
               <a:t>Properly ordered one way route from start node to end following the shortest path -&gt;  the minimum spanning tree</a:t>
             </a:r>
-            <a:endParaRPr b="0" lang="en-US" sz="1800" spc="-1" strike="noStrike">
+            <a:endParaRPr b="0" lang="en-GB" sz="1800" spc="-1" strike="noStrike">
               <a:latin typeface="Arial"/>
             </a:endParaRPr>
           </a:p>
@@ -4215,13 +4354,13 @@
         <p:spPr>
           <a:xfrm>
             <a:off x="5120640" y="1556280"/>
-            <a:ext cx="4022640" cy="2649240"/>
+            <a:ext cx="4022280" cy="2648880"/>
           </a:xfrm>
           <a:prstGeom prst="rect">
             <a:avLst/>
           </a:prstGeom>
           <a:noFill/>
-          <a:ln>
+          <a:ln w="0">
             <a:noFill/>
           </a:ln>
         </p:spPr>
@@ -4232,7 +4371,9 @@
           <a:fontRef idx="minor"/>
         </p:style>
         <p:txBody>
-          <a:bodyPr lIns="90000" rIns="90000" tIns="45000" bIns="45000"/>
+          <a:bodyPr lIns="90000" rIns="90000" tIns="45000" bIns="45000">
+            <a:noAutofit/>
+          </a:bodyPr>
           <a:p>
             <a:pPr>
               <a:lnSpc>
@@ -4249,12 +4390,12 @@
               </a:rPr>
               <a:t>Process:</a:t>
             </a:r>
-            <a:endParaRPr b="0" lang="en-US" sz="1800" spc="-1" strike="noStrike">
-              <a:latin typeface="Arial"/>
-            </a:endParaRPr>
-          </a:p>
-          <a:p>
-            <a:pPr marL="216000" indent="-215280">
+            <a:endParaRPr b="0" lang="en-GB" sz="1800" spc="-1" strike="noStrike">
+              <a:latin typeface="Arial"/>
+            </a:endParaRPr>
+          </a:p>
+          <a:p>
+            <a:pPr marL="216000" indent="-214920">
               <a:lnSpc>
                 <a:spcPct val="100000"/>
               </a:lnSpc>
@@ -4274,12 +4415,12 @@
               </a:rPr>
               <a:t>Randomly picks a node and set it as current node</a:t>
             </a:r>
-            <a:endParaRPr b="0" lang="en-US" sz="1800" spc="-1" strike="noStrike">
-              <a:latin typeface="Arial"/>
-            </a:endParaRPr>
-          </a:p>
-          <a:p>
-            <a:pPr marL="216000" indent="-215280">
+            <a:endParaRPr b="0" lang="en-GB" sz="1800" spc="-1" strike="noStrike">
+              <a:latin typeface="Arial"/>
+            </a:endParaRPr>
+          </a:p>
+          <a:p>
+            <a:pPr marL="216000" indent="-214920">
               <a:lnSpc>
                 <a:spcPct val="100000"/>
               </a:lnSpc>
@@ -4299,12 +4440,12 @@
               </a:rPr>
               <a:t>Finds the distance to every other point</a:t>
             </a:r>
-            <a:endParaRPr b="0" lang="en-US" sz="1800" spc="-1" strike="noStrike">
-              <a:latin typeface="Arial"/>
-            </a:endParaRPr>
-          </a:p>
-          <a:p>
-            <a:pPr marL="216000" indent="-215280">
+            <a:endParaRPr b="0" lang="en-GB" sz="1800" spc="-1" strike="noStrike">
+              <a:latin typeface="Arial"/>
+            </a:endParaRPr>
+          </a:p>
+          <a:p>
+            <a:pPr marL="216000" indent="-214920">
               <a:lnSpc>
                 <a:spcPct val="100000"/>
               </a:lnSpc>
@@ -4324,12 +4465,12 @@
               </a:rPr>
               <a:t>Chooses the shortest distance and set current node as the connected node</a:t>
             </a:r>
-            <a:endParaRPr b="0" lang="en-US" sz="1800" spc="-1" strike="noStrike">
-              <a:latin typeface="Arial"/>
-            </a:endParaRPr>
-          </a:p>
-          <a:p>
-            <a:pPr marL="216000" indent="-215280">
+            <a:endParaRPr b="0" lang="en-GB" sz="1800" spc="-1" strike="noStrike">
+              <a:latin typeface="Arial"/>
+            </a:endParaRPr>
+          </a:p>
+          <a:p>
+            <a:pPr marL="216000" indent="-214920">
               <a:lnSpc>
                 <a:spcPct val="100000"/>
               </a:lnSpc>
@@ -4349,7 +4490,7 @@
               </a:rPr>
               <a:t>Repeat step 2 and 3 till it reaches last node</a:t>
             </a:r>
-            <a:endParaRPr b="0" lang="en-US" sz="1800" spc="-1" strike="noStrike">
+            <a:endParaRPr b="0" lang="en-GB" sz="1800" spc="-1" strike="noStrike">
               <a:latin typeface="Arial"/>
             </a:endParaRPr>
           </a:p>
@@ -4368,45 +4509,26 @@
         <p:spPr>
           <a:xfrm>
             <a:off x="3870360" y="4320000"/>
-            <a:ext cx="1145880" cy="1259640"/>
-          </a:xfrm>
-          <a:prstGeom prst="rect">
-            <a:avLst/>
-          </a:prstGeom>
-          <a:ln>
+            <a:ext cx="1145520" cy="1259280"/>
+          </a:xfrm>
+          <a:prstGeom prst="rect">
+            <a:avLst/>
+          </a:prstGeom>
+          <a:ln w="0">
             <a:noFill/>
           </a:ln>
         </p:spPr>
       </p:pic>
     </p:spTree>
   </p:cSld>
-  <p:timing>
-    <p:tnLst>
-      <p:par>
-        <p:cTn id="5" dur="indefinite" restart="never" nodeType="tmRoot">
-          <p:childTnLst>
-            <p:seq>
-              <p:cTn id="6" dur="indefinite" nodeType="mainSeq"/>
-              <p:prevCondLst>
-                <p:cond delay="0" evt="onPrev">
-                  <p:tgtEl>
-                    <p:sldTgt/>
-                  </p:tgtEl>
-                </p:cond>
-              </p:prevCondLst>
-              <p:nextCondLst>
-                <p:cond delay="0" evt="onNext">
-                  <p:tgtEl>
-                    <p:sldTgt/>
-                  </p:tgtEl>
-                </p:cond>
-              </p:nextCondLst>
-            </p:seq>
-          </p:childTnLst>
-        </p:cTn>
-      </p:par>
-    </p:tnLst>
-  </p:timing>
+  <mc:AlternateContent>
+    <mc:Choice Requires="p14">
+      <p:transition spd="slow" p14:dur="2000"/>
+    </mc:Choice>
+    <mc:Fallback>
+      <p:transition spd="slow"/>
+    </mc:Fallback>
+  </mc:AlternateContent>
 </p:sld>
 </file>
 
@@ -4436,13 +4558,13 @@
         <p:spPr>
           <a:xfrm>
             <a:off x="504000" y="226080"/>
-            <a:ext cx="9070920" cy="945720"/>
+            <a:ext cx="9070560" cy="945360"/>
           </a:xfrm>
           <a:prstGeom prst="rect">
             <a:avLst/>
           </a:prstGeom>
           <a:noFill/>
-          <a:ln>
+          <a:ln w="0">
             <a:noFill/>
           </a:ln>
         </p:spPr>
@@ -4453,7 +4575,9 @@
           <a:fontRef idx="minor"/>
         </p:style>
         <p:txBody>
-          <a:bodyPr lIns="0" rIns="0" tIns="0" bIns="0" anchor="ctr"/>
+          <a:bodyPr lIns="0" rIns="0" tIns="0" bIns="0" anchor="ctr">
+            <a:noAutofit/>
+          </a:bodyPr>
           <a:p>
             <a:pPr algn="ctr">
               <a:lnSpc>
@@ -4470,7 +4594,7 @@
               </a:rPr>
               <a:t>3. Sort edges of minimum spanning tree</a:t>
             </a:r>
-            <a:endParaRPr b="0" lang="en-US" sz="4000" spc="-1" strike="noStrike">
+            <a:endParaRPr b="0" lang="en-GB" sz="4000" spc="-1" strike="noStrike">
               <a:latin typeface="Arial"/>
             </a:endParaRPr>
           </a:p>
@@ -4489,45 +4613,26 @@
         <p:spPr>
           <a:xfrm>
             <a:off x="1005840" y="1371600"/>
-            <a:ext cx="4542480" cy="3771000"/>
-          </a:xfrm>
-          <a:prstGeom prst="rect">
-            <a:avLst/>
-          </a:prstGeom>
-          <a:ln>
+            <a:ext cx="4542120" cy="3770640"/>
+          </a:xfrm>
+          <a:prstGeom prst="rect">
+            <a:avLst/>
+          </a:prstGeom>
+          <a:ln w="0">
             <a:noFill/>
           </a:ln>
         </p:spPr>
       </p:pic>
     </p:spTree>
   </p:cSld>
-  <p:timing>
-    <p:tnLst>
-      <p:par>
-        <p:cTn id="7" dur="indefinite" restart="never" nodeType="tmRoot">
-          <p:childTnLst>
-            <p:seq>
-              <p:cTn id="8" dur="indefinite" nodeType="mainSeq"/>
-              <p:prevCondLst>
-                <p:cond delay="0" evt="onPrev">
-                  <p:tgtEl>
-                    <p:sldTgt/>
-                  </p:tgtEl>
-                </p:cond>
-              </p:prevCondLst>
-              <p:nextCondLst>
-                <p:cond delay="0" evt="onNext">
-                  <p:tgtEl>
-                    <p:sldTgt/>
-                  </p:tgtEl>
-                </p:cond>
-              </p:nextCondLst>
-            </p:seq>
-          </p:childTnLst>
-        </p:cTn>
-      </p:par>
-    </p:tnLst>
-  </p:timing>
+  <mc:AlternateContent>
+    <mc:Choice Requires="p14">
+      <p:transition spd="slow" p14:dur="2000"/>
+    </mc:Choice>
+    <mc:Fallback>
+      <p:transition spd="slow"/>
+    </mc:Fallback>
+  </mc:AlternateContent>
 </p:sld>
 </file>
 
@@ -4557,13 +4662,13 @@
         <p:spPr>
           <a:xfrm>
             <a:off x="504000" y="225360"/>
-            <a:ext cx="9070920" cy="945720"/>
+            <a:ext cx="9070560" cy="945360"/>
           </a:xfrm>
           <a:prstGeom prst="rect">
             <a:avLst/>
           </a:prstGeom>
           <a:noFill/>
-          <a:ln>
+          <a:ln w="0">
             <a:noFill/>
           </a:ln>
         </p:spPr>
@@ -4574,7 +4679,9 @@
           <a:fontRef idx="minor"/>
         </p:style>
         <p:txBody>
-          <a:bodyPr lIns="0" rIns="0" tIns="0" bIns="0" anchor="ctr"/>
+          <a:bodyPr lIns="0" rIns="0" tIns="0" bIns="0" anchor="ctr">
+            <a:noAutofit/>
+          </a:bodyPr>
           <a:p>
             <a:pPr algn="ctr">
               <a:lnSpc>
@@ -4591,7 +4698,7 @@
               </a:rPr>
               <a:t>4. Convert edge list into standard hierarchical clustering format</a:t>
             </a:r>
-            <a:endParaRPr b="0" lang="en-US" sz="2400" spc="-1" strike="noStrike">
+            <a:endParaRPr b="0" lang="en-GB" sz="2400" spc="-1" strike="noStrike">
               <a:latin typeface="Arial"/>
             </a:endParaRPr>
           </a:p>
@@ -4610,12 +4717,12 @@
         <p:spPr>
           <a:xfrm>
             <a:off x="7583040" y="1005840"/>
-            <a:ext cx="2291760" cy="4205520"/>
-          </a:xfrm>
-          <a:prstGeom prst="rect">
-            <a:avLst/>
-          </a:prstGeom>
-          <a:ln>
+            <a:ext cx="2291400" cy="4205160"/>
+          </a:xfrm>
+          <a:prstGeom prst="rect">
+            <a:avLst/>
+          </a:prstGeom>
+          <a:ln w="0">
             <a:noFill/>
           </a:ln>
         </p:spPr>
@@ -4629,13 +4736,13 @@
         <p:spPr>
           <a:xfrm>
             <a:off x="1044720" y="1005840"/>
-            <a:ext cx="1332000" cy="345600"/>
+            <a:ext cx="1331640" cy="345240"/>
           </a:xfrm>
           <a:prstGeom prst="rect">
             <a:avLst/>
           </a:prstGeom>
           <a:noFill/>
-          <a:ln>
+          <a:ln w="0">
             <a:noFill/>
           </a:ln>
         </p:spPr>
@@ -4646,7 +4753,9 @@
           <a:fontRef idx="minor"/>
         </p:style>
         <p:txBody>
-          <a:bodyPr lIns="90000" rIns="90000" tIns="45000" bIns="45000"/>
+          <a:bodyPr lIns="90000" rIns="90000" tIns="45000" bIns="45000">
+            <a:noAutofit/>
+          </a:bodyPr>
           <a:p>
             <a:pPr>
               <a:lnSpc>
@@ -4663,7 +4772,7 @@
               </a:rPr>
               <a:t>Cpdef label</a:t>
             </a:r>
-            <a:endParaRPr b="0" lang="en-US" sz="1800" spc="-1" strike="noStrike">
+            <a:endParaRPr b="0" lang="en-GB" sz="1800" spc="-1" strike="noStrike">
               <a:latin typeface="Arial"/>
             </a:endParaRPr>
           </a:p>
@@ -4678,13 +4787,13 @@
         <p:spPr>
           <a:xfrm>
             <a:off x="365760" y="1614240"/>
-            <a:ext cx="1793880" cy="1625400"/>
+            <a:ext cx="1793520" cy="1625040"/>
           </a:xfrm>
           <a:prstGeom prst="rect">
             <a:avLst/>
           </a:prstGeom>
           <a:noFill/>
-          <a:ln>
+          <a:ln w="0">
             <a:solidFill>
               <a:srgbClr val="3465a4"/>
             </a:solidFill>
@@ -4697,7 +4806,9 @@
           <a:fontRef idx="minor"/>
         </p:style>
         <p:txBody>
-          <a:bodyPr lIns="90000" rIns="90000" tIns="45000" bIns="45000"/>
+          <a:bodyPr lIns="90000" rIns="90000" tIns="45000" bIns="45000">
+            <a:noAutofit/>
+          </a:bodyPr>
           <a:p>
             <a:pPr>
               <a:lnSpc>
@@ -4714,12 +4825,12 @@
               </a:rPr>
               <a:t>Inputs:</a:t>
             </a:r>
-            <a:endParaRPr b="0" lang="en-US" sz="1800" spc="-1" strike="noStrike">
-              <a:latin typeface="Arial"/>
-            </a:endParaRPr>
-          </a:p>
-          <a:p>
-            <a:pPr marL="216000" indent="-215280">
+            <a:endParaRPr b="0" lang="en-GB" sz="1800" spc="-1" strike="noStrike">
+              <a:latin typeface="Arial"/>
+            </a:endParaRPr>
+          </a:p>
+          <a:p>
+            <a:pPr marL="216000" indent="-214920">
               <a:lnSpc>
                 <a:spcPct val="100000"/>
               </a:lnSpc>
@@ -4740,7 +4851,7 @@
               </a:rPr>
               <a:t>Minimum spanning tree</a:t>
             </a:r>
-            <a:endParaRPr b="0" lang="en-US" sz="1800" spc="-1" strike="noStrike">
+            <a:endParaRPr b="0" lang="en-GB" sz="1800" spc="-1" strike="noStrike">
               <a:latin typeface="Arial"/>
             </a:endParaRPr>
           </a:p>
@@ -4755,13 +4866,13 @@
         <p:spPr>
           <a:xfrm>
             <a:off x="360000" y="3414240"/>
-            <a:ext cx="1799640" cy="1625400"/>
+            <a:ext cx="1799280" cy="1625040"/>
           </a:xfrm>
           <a:prstGeom prst="rect">
             <a:avLst/>
           </a:prstGeom>
           <a:noFill/>
-          <a:ln>
+          <a:ln w="0">
             <a:solidFill>
               <a:srgbClr val="3465a4"/>
             </a:solidFill>
@@ -4774,7 +4885,9 @@
           <a:fontRef idx="minor"/>
         </p:style>
         <p:txBody>
-          <a:bodyPr lIns="90000" rIns="90000" tIns="45000" bIns="45000"/>
+          <a:bodyPr lIns="90000" rIns="90000" tIns="45000" bIns="45000">
+            <a:noAutofit/>
+          </a:bodyPr>
           <a:p>
             <a:pPr>
               <a:lnSpc>
@@ -4791,12 +4904,12 @@
               </a:rPr>
               <a:t>Outputs:</a:t>
             </a:r>
-            <a:endParaRPr b="0" lang="en-US" sz="1800" spc="-1" strike="noStrike">
-              <a:latin typeface="Arial"/>
-            </a:endParaRPr>
-          </a:p>
-          <a:p>
-            <a:pPr marL="216000" indent="-215280">
+            <a:endParaRPr b="0" lang="en-GB" sz="1800" spc="-1" strike="noStrike">
+              <a:latin typeface="Arial"/>
+            </a:endParaRPr>
+          </a:p>
+          <a:p>
+            <a:pPr marL="216000" indent="-214920">
               <a:lnSpc>
                 <a:spcPct val="100000"/>
               </a:lnSpc>
@@ -4817,7 +4930,7 @@
               </a:rPr>
               <a:t>Single linkage tree</a:t>
             </a:r>
-            <a:endParaRPr b="0" lang="en-US" sz="1800" spc="-1" strike="noStrike">
+            <a:endParaRPr b="0" lang="en-GB" sz="1800" spc="-1" strike="noStrike">
               <a:latin typeface="Arial"/>
             </a:endParaRPr>
           </a:p>
@@ -4832,13 +4945,13 @@
         <p:spPr>
           <a:xfrm>
             <a:off x="2880000" y="1620000"/>
-            <a:ext cx="4139640" cy="1625400"/>
+            <a:ext cx="4139280" cy="1625040"/>
           </a:xfrm>
           <a:prstGeom prst="rect">
             <a:avLst/>
           </a:prstGeom>
           <a:noFill/>
-          <a:ln>
+          <a:ln w="0">
             <a:solidFill>
               <a:srgbClr val="3465a4"/>
             </a:solidFill>
@@ -4851,7 +4964,9 @@
           <a:fontRef idx="minor"/>
         </p:style>
         <p:txBody>
-          <a:bodyPr lIns="90000" rIns="90000" tIns="45000" bIns="45000"/>
+          <a:bodyPr lIns="90000" rIns="90000" tIns="45000" bIns="45000">
+            <a:noAutofit/>
+          </a:bodyPr>
           <a:p>
             <a:pPr>
               <a:lnSpc>
@@ -4868,12 +4983,12 @@
               </a:rPr>
               <a:t>Process:</a:t>
             </a:r>
-            <a:endParaRPr b="0" lang="en-US" sz="1800" spc="-1" strike="noStrike">
-              <a:latin typeface="Arial"/>
-            </a:endParaRPr>
-          </a:p>
-          <a:p>
-            <a:pPr marL="216000" indent="-215280">
+            <a:endParaRPr b="0" lang="en-GB" sz="1800" spc="-1" strike="noStrike">
+              <a:latin typeface="Arial"/>
+            </a:endParaRPr>
+          </a:p>
+          <a:p>
+            <a:pPr marL="216000" indent="-214920">
               <a:lnSpc>
                 <a:spcPct val="100000"/>
               </a:lnSpc>
@@ -4894,12 +5009,12 @@
               </a:rPr>
               <a:t>Cpdef label</a:t>
             </a:r>
-            <a:endParaRPr b="0" lang="en-US" sz="1800" spc="-1" strike="noStrike">
-              <a:latin typeface="Arial"/>
-            </a:endParaRPr>
-          </a:p>
-          <a:p>
-            <a:pPr lvl="1" marL="432000" indent="-215640">
+            <a:endParaRPr b="0" lang="en-GB" sz="1800" spc="-1" strike="noStrike">
+              <a:latin typeface="Arial"/>
+            </a:endParaRPr>
+          </a:p>
+          <a:p>
+            <a:pPr lvl="1" marL="432000" indent="-215280">
               <a:lnSpc>
                 <a:spcPct val="100000"/>
               </a:lnSpc>
@@ -4920,7 +5035,7 @@
               </a:rPr>
               <a:t>Union find data structure</a:t>
             </a:r>
-            <a:endParaRPr b="0" lang="en-US" sz="1800" spc="-1" strike="noStrike">
+            <a:endParaRPr b="0" lang="en-GB" sz="1800" spc="-1" strike="noStrike">
               <a:latin typeface="Arial"/>
             </a:endParaRPr>
           </a:p>
@@ -4928,33 +5043,14 @@
       </p:sp>
     </p:spTree>
   </p:cSld>
-  <p:timing>
-    <p:tnLst>
-      <p:par>
-        <p:cTn id="9" dur="indefinite" restart="never" nodeType="tmRoot">
-          <p:childTnLst>
-            <p:seq>
-              <p:cTn id="10" dur="indefinite" nodeType="mainSeq"/>
-              <p:prevCondLst>
-                <p:cond delay="0" evt="onPrev">
-                  <p:tgtEl>
-                    <p:sldTgt/>
-                  </p:tgtEl>
-                </p:cond>
-              </p:prevCondLst>
-              <p:nextCondLst>
-                <p:cond delay="0" evt="onNext">
-                  <p:tgtEl>
-                    <p:sldTgt/>
-                  </p:tgtEl>
-                </p:cond>
-              </p:nextCondLst>
-            </p:seq>
-          </p:childTnLst>
-        </p:cTn>
-      </p:par>
-    </p:tnLst>
-  </p:timing>
+  <mc:AlternateContent>
+    <mc:Choice Requires="p14">
+      <p:transition spd="slow" p14:dur="2000"/>
+    </mc:Choice>
+    <mc:Fallback>
+      <p:transition spd="slow"/>
+    </mc:Fallback>
+  </mc:AlternateContent>
 </p:sld>
 </file>
 
@@ -4984,13 +5080,13 @@
         <p:spPr>
           <a:xfrm>
             <a:off x="438120" y="1337400"/>
-            <a:ext cx="9070920" cy="1247760"/>
+            <a:ext cx="9070560" cy="1247400"/>
           </a:xfrm>
           <a:prstGeom prst="rect">
             <a:avLst/>
           </a:prstGeom>
           <a:noFill/>
-          <a:ln>
+          <a:ln w="0">
             <a:noFill/>
           </a:ln>
         </p:spPr>
@@ -5001,7 +5097,9 @@
           <a:fontRef idx="minor"/>
         </p:style>
         <p:txBody>
-          <a:bodyPr lIns="0" rIns="0" tIns="0" bIns="0" anchor="ctr"/>
+          <a:bodyPr lIns="0" rIns="0" tIns="0" bIns="0" anchor="ctr">
+            <a:noAutofit/>
+          </a:bodyPr>
           <a:p>
             <a:pPr algn="ctr">
               <a:lnSpc>
@@ -5019,7 +5117,7 @@
               </a:rPr>
               <a:t>B) tree_to_labels</a:t>
             </a:r>
-            <a:endParaRPr b="0" lang="en-US" sz="8800" spc="-1" strike="noStrike">
+            <a:endParaRPr b="0" lang="en-GB" sz="8800" spc="-1" strike="noStrike">
               <a:latin typeface="Arial"/>
             </a:endParaRPr>
           </a:p>
@@ -5034,13 +5132,13 @@
         <p:spPr>
           <a:xfrm>
             <a:off x="274320" y="3566160"/>
-            <a:ext cx="2468160" cy="1625400"/>
+            <a:ext cx="2467800" cy="1625040"/>
           </a:xfrm>
           <a:prstGeom prst="rect">
             <a:avLst/>
           </a:prstGeom>
           <a:noFill/>
-          <a:ln>
+          <a:ln w="0">
             <a:noFill/>
           </a:ln>
         </p:spPr>
@@ -5051,7 +5149,9 @@
           <a:fontRef idx="minor"/>
         </p:style>
         <p:txBody>
-          <a:bodyPr lIns="90000" rIns="90000" tIns="45000" bIns="45000"/>
+          <a:bodyPr lIns="90000" rIns="90000" tIns="45000" bIns="45000">
+            <a:noAutofit/>
+          </a:bodyPr>
           <a:p>
             <a:pPr>
               <a:lnSpc>
@@ -5068,12 +5168,12 @@
               </a:rPr>
               <a:t>Inputs:</a:t>
             </a:r>
-            <a:endParaRPr b="0" lang="en-US" sz="1800" spc="-1" strike="noStrike">
-              <a:latin typeface="Arial"/>
-            </a:endParaRPr>
-          </a:p>
-          <a:p>
-            <a:pPr marL="216000" indent="-215280">
+            <a:endParaRPr b="0" lang="en-GB" sz="1800" spc="-1" strike="noStrike">
+              <a:latin typeface="Arial"/>
+            </a:endParaRPr>
+          </a:p>
+          <a:p>
+            <a:pPr marL="216000" indent="-214920">
               <a:lnSpc>
                 <a:spcPct val="100000"/>
               </a:lnSpc>
@@ -5094,7 +5194,7 @@
               </a:rPr>
               <a:t>Single linked tree</a:t>
             </a:r>
-            <a:endParaRPr b="0" lang="en-US" sz="1800" spc="-1" strike="noStrike">
+            <a:endParaRPr b="0" lang="en-GB" sz="1800" spc="-1" strike="noStrike">
               <a:latin typeface="Arial"/>
             </a:endParaRPr>
           </a:p>
@@ -5109,13 +5209,13 @@
         <p:spPr>
           <a:xfrm>
             <a:off x="3474720" y="3749040"/>
-            <a:ext cx="2651040" cy="1625400"/>
+            <a:ext cx="2650680" cy="1625040"/>
           </a:xfrm>
           <a:prstGeom prst="rect">
             <a:avLst/>
           </a:prstGeom>
           <a:noFill/>
-          <a:ln>
+          <a:ln w="0">
             <a:noFill/>
           </a:ln>
         </p:spPr>
@@ -5126,7 +5226,9 @@
           <a:fontRef idx="minor"/>
         </p:style>
         <p:txBody>
-          <a:bodyPr lIns="90000" rIns="90000" tIns="45000" bIns="45000"/>
+          <a:bodyPr lIns="90000" rIns="90000" tIns="45000" bIns="45000">
+            <a:noAutofit/>
+          </a:bodyPr>
           <a:p>
             <a:pPr>
               <a:lnSpc>
@@ -5143,12 +5245,12 @@
               </a:rPr>
               <a:t>Outputs:</a:t>
             </a:r>
-            <a:endParaRPr b="0" lang="en-US" sz="1800" spc="-1" strike="noStrike">
-              <a:latin typeface="Arial"/>
-            </a:endParaRPr>
-          </a:p>
-          <a:p>
-            <a:pPr marL="216000" indent="-215280">
+            <a:endParaRPr b="0" lang="en-GB" sz="1800" spc="-1" strike="noStrike">
+              <a:latin typeface="Arial"/>
+            </a:endParaRPr>
+          </a:p>
+          <a:p>
+            <a:pPr marL="216000" indent="-214920">
               <a:lnSpc>
                 <a:spcPct val="100000"/>
               </a:lnSpc>
@@ -5169,12 +5271,12 @@
               </a:rPr>
               <a:t>labels, </a:t>
             </a:r>
-            <a:endParaRPr b="0" lang="en-US" sz="1800" spc="-1" strike="noStrike">
-              <a:latin typeface="Arial"/>
-            </a:endParaRPr>
-          </a:p>
-          <a:p>
-            <a:pPr marL="216000" indent="-215280">
+            <a:endParaRPr b="0" lang="en-GB" sz="1800" spc="-1" strike="noStrike">
+              <a:latin typeface="Arial"/>
+            </a:endParaRPr>
+          </a:p>
+          <a:p>
+            <a:pPr marL="216000" indent="-214920">
               <a:lnSpc>
                 <a:spcPct val="100000"/>
               </a:lnSpc>
@@ -5195,12 +5297,12 @@
               </a:rPr>
               <a:t>probabilities, </a:t>
             </a:r>
-            <a:endParaRPr b="0" lang="en-US" sz="1800" spc="-1" strike="noStrike">
-              <a:latin typeface="Arial"/>
-            </a:endParaRPr>
-          </a:p>
-          <a:p>
-            <a:pPr marL="216000" indent="-215280">
+            <a:endParaRPr b="0" lang="en-GB" sz="1800" spc="-1" strike="noStrike">
+              <a:latin typeface="Arial"/>
+            </a:endParaRPr>
+          </a:p>
+          <a:p>
+            <a:pPr marL="216000" indent="-214920">
               <a:lnSpc>
                 <a:spcPct val="100000"/>
               </a:lnSpc>
@@ -5221,12 +5323,12 @@
               </a:rPr>
               <a:t>Stabilities</a:t>
             </a:r>
-            <a:endParaRPr b="0" lang="en-US" sz="1800" spc="-1" strike="noStrike">
-              <a:latin typeface="Arial"/>
-            </a:endParaRPr>
-          </a:p>
-          <a:p>
-            <a:pPr marL="216000" indent="-215280">
+            <a:endParaRPr b="0" lang="en-GB" sz="1800" spc="-1" strike="noStrike">
+              <a:latin typeface="Arial"/>
+            </a:endParaRPr>
+          </a:p>
+          <a:p>
+            <a:pPr marL="216000" indent="-214920">
               <a:lnSpc>
                 <a:spcPct val="100000"/>
               </a:lnSpc>
@@ -5247,12 +5349,12 @@
               </a:rPr>
               <a:t>condensed_tree</a:t>
             </a:r>
-            <a:endParaRPr b="0" lang="en-US" sz="1800" spc="-1" strike="noStrike">
-              <a:latin typeface="Arial"/>
-            </a:endParaRPr>
-          </a:p>
-          <a:p>
-            <a:pPr marL="216000" indent="-215280">
+            <a:endParaRPr b="0" lang="en-GB" sz="1800" spc="-1" strike="noStrike">
+              <a:latin typeface="Arial"/>
+            </a:endParaRPr>
+          </a:p>
+          <a:p>
+            <a:pPr marL="216000" indent="-214920">
               <a:lnSpc>
                 <a:spcPct val="100000"/>
               </a:lnSpc>
@@ -5273,7 +5375,7 @@
               </a:rPr>
               <a:t>single_linkage_tree</a:t>
             </a:r>
-            <a:endParaRPr b="0" lang="en-US" sz="1800" spc="-1" strike="noStrike">
+            <a:endParaRPr b="0" lang="en-GB" sz="1800" spc="-1" strike="noStrike">
               <a:latin typeface="Arial"/>
             </a:endParaRPr>
           </a:p>
@@ -5292,45 +5394,26 @@
         <p:spPr>
           <a:xfrm>
             <a:off x="6492240" y="2687760"/>
-            <a:ext cx="3016800" cy="2889360"/>
-          </a:xfrm>
-          <a:prstGeom prst="rect">
-            <a:avLst/>
-          </a:prstGeom>
-          <a:ln>
+            <a:ext cx="3016440" cy="2889000"/>
+          </a:xfrm>
+          <a:prstGeom prst="rect">
+            <a:avLst/>
+          </a:prstGeom>
+          <a:ln w="0">
             <a:noFill/>
           </a:ln>
         </p:spPr>
       </p:pic>
     </p:spTree>
   </p:cSld>
-  <p:timing>
-    <p:tnLst>
-      <p:par>
-        <p:cTn id="11" dur="indefinite" restart="never" nodeType="tmRoot">
-          <p:childTnLst>
-            <p:seq>
-              <p:cTn id="12" dur="indefinite" nodeType="mainSeq"/>
-              <p:prevCondLst>
-                <p:cond delay="0" evt="onPrev">
-                  <p:tgtEl>
-                    <p:sldTgt/>
-                  </p:tgtEl>
-                </p:cond>
-              </p:prevCondLst>
-              <p:nextCondLst>
-                <p:cond delay="0" evt="onNext">
-                  <p:tgtEl>
-                    <p:sldTgt/>
-                  </p:tgtEl>
-                </p:cond>
-              </p:nextCondLst>
-            </p:seq>
-          </p:childTnLst>
-        </p:cTn>
-      </p:par>
-    </p:tnLst>
-  </p:timing>
+  <mc:AlternateContent>
+    <mc:Choice Requires="p14">
+      <p:transition spd="slow" p14:dur="2000"/>
+    </mc:Choice>
+    <mc:Fallback>
+      <p:transition spd="slow"/>
+    </mc:Fallback>
+  </mc:AlternateContent>
 </p:sld>
 </file>
 
@@ -5360,13 +5443,13 @@
         <p:spPr>
           <a:xfrm>
             <a:off x="504000" y="226080"/>
-            <a:ext cx="9070920" cy="945720"/>
+            <a:ext cx="9070560" cy="945360"/>
           </a:xfrm>
           <a:prstGeom prst="rect">
             <a:avLst/>
           </a:prstGeom>
           <a:noFill/>
-          <a:ln>
+          <a:ln w="0">
             <a:noFill/>
           </a:ln>
         </p:spPr>
@@ -5377,7 +5460,9 @@
           <a:fontRef idx="minor"/>
         </p:style>
         <p:txBody>
-          <a:bodyPr lIns="0" rIns="0" tIns="0" bIns="0" anchor="ctr"/>
+          <a:bodyPr lIns="0" rIns="0" tIns="0" bIns="0" anchor="ctr">
+            <a:noAutofit/>
+          </a:bodyPr>
           <a:p>
             <a:pPr algn="ctr">
               <a:lnSpc>
@@ -5394,7 +5479,7 @@
               </a:rPr>
               <a:t>1. condense_tree</a:t>
             </a:r>
-            <a:endParaRPr b="0" lang="en-US" sz="4400" spc="-1" strike="noStrike">
+            <a:endParaRPr b="0" lang="en-GB" sz="4400" spc="-1" strike="noStrike">
               <a:latin typeface="Arial"/>
             </a:endParaRPr>
           </a:p>
@@ -5409,13 +5494,13 @@
         <p:spPr>
           <a:xfrm>
             <a:off x="365760" y="1391400"/>
-            <a:ext cx="4022640" cy="1625400"/>
+            <a:ext cx="4022280" cy="1625040"/>
           </a:xfrm>
           <a:prstGeom prst="rect">
             <a:avLst/>
           </a:prstGeom>
           <a:noFill/>
-          <a:ln>
+          <a:ln w="0">
             <a:noFill/>
           </a:ln>
         </p:spPr>
@@ -5426,7 +5511,9 @@
           <a:fontRef idx="minor"/>
         </p:style>
         <p:txBody>
-          <a:bodyPr lIns="90000" rIns="90000" tIns="45000" bIns="45000"/>
+          <a:bodyPr lIns="90000" rIns="90000" tIns="45000" bIns="45000">
+            <a:noAutofit/>
+          </a:bodyPr>
           <a:p>
             <a:pPr>
               <a:lnSpc>
@@ -5443,12 +5530,12 @@
               </a:rPr>
               <a:t>Inputs:</a:t>
             </a:r>
-            <a:endParaRPr b="0" lang="en-US" sz="1800" spc="-1" strike="noStrike">
-              <a:latin typeface="Arial"/>
-            </a:endParaRPr>
-          </a:p>
-          <a:p>
-            <a:pPr marL="216000" indent="-215280">
+            <a:endParaRPr b="0" lang="en-GB" sz="1800" spc="-1" strike="noStrike">
+              <a:latin typeface="Arial"/>
+            </a:endParaRPr>
+          </a:p>
+          <a:p>
+            <a:pPr marL="216000" indent="-214920">
               <a:lnSpc>
                 <a:spcPct val="100000"/>
               </a:lnSpc>
@@ -5469,12 +5556,12 @@
               </a:rPr>
               <a:t>Single linked tree</a:t>
             </a:r>
-            <a:endParaRPr b="0" lang="en-US" sz="1800" spc="-1" strike="noStrike">
-              <a:latin typeface="Arial"/>
-            </a:endParaRPr>
-          </a:p>
-          <a:p>
-            <a:pPr marL="216000" indent="-215280">
+            <a:endParaRPr b="0" lang="en-GB" sz="1800" spc="-1" strike="noStrike">
+              <a:latin typeface="Arial"/>
+            </a:endParaRPr>
+          </a:p>
+          <a:p>
+            <a:pPr marL="216000" indent="-214920">
               <a:lnSpc>
                 <a:spcPct val="100000"/>
               </a:lnSpc>
@@ -5495,7 +5582,7 @@
               </a:rPr>
               <a:t>min_cluster_size</a:t>
             </a:r>
-            <a:endParaRPr b="0" lang="en-US" sz="1800" spc="-1" strike="noStrike">
+            <a:endParaRPr b="0" lang="en-GB" sz="1800" spc="-1" strike="noStrike">
               <a:latin typeface="Arial"/>
             </a:endParaRPr>
           </a:p>
@@ -5510,13 +5597,13 @@
         <p:spPr>
           <a:xfrm>
             <a:off x="457200" y="3037320"/>
-            <a:ext cx="4022640" cy="985320"/>
+            <a:ext cx="4022280" cy="984960"/>
           </a:xfrm>
           <a:prstGeom prst="rect">
             <a:avLst/>
           </a:prstGeom>
           <a:noFill/>
-          <a:ln>
+          <a:ln w="0">
             <a:noFill/>
           </a:ln>
         </p:spPr>
@@ -5527,7 +5614,9 @@
           <a:fontRef idx="minor"/>
         </p:style>
         <p:txBody>
-          <a:bodyPr lIns="90000" rIns="90000" tIns="45000" bIns="45000"/>
+          <a:bodyPr lIns="90000" rIns="90000" tIns="45000" bIns="45000">
+            <a:noAutofit/>
+          </a:bodyPr>
           <a:p>
             <a:pPr>
               <a:lnSpc>
@@ -5544,12 +5633,12 @@
               </a:rPr>
               <a:t>Outputs:</a:t>
             </a:r>
-            <a:endParaRPr b="0" lang="en-US" sz="1800" spc="-1" strike="noStrike">
-              <a:latin typeface="Arial"/>
-            </a:endParaRPr>
-          </a:p>
-          <a:p>
-            <a:pPr marL="216000" indent="-215280">
+            <a:endParaRPr b="0" lang="en-GB" sz="1800" spc="-1" strike="noStrike">
+              <a:latin typeface="Arial"/>
+            </a:endParaRPr>
+          </a:p>
+          <a:p>
+            <a:pPr marL="216000" indent="-214920">
               <a:lnSpc>
                 <a:spcPct val="100000"/>
               </a:lnSpc>
@@ -5570,7 +5659,7 @@
               </a:rPr>
               <a:t>condensed_tree</a:t>
             </a:r>
-            <a:endParaRPr b="0" lang="en-US" sz="1800" spc="-1" strike="noStrike">
+            <a:endParaRPr b="0" lang="en-GB" sz="1800" spc="-1" strike="noStrike">
               <a:latin typeface="Arial"/>
             </a:endParaRPr>
           </a:p>
@@ -5585,13 +5674,13 @@
         <p:spPr>
           <a:xfrm>
             <a:off x="5120640" y="1556280"/>
-            <a:ext cx="4022640" cy="1625400"/>
+            <a:ext cx="4022280" cy="1625040"/>
           </a:xfrm>
           <a:prstGeom prst="rect">
             <a:avLst/>
           </a:prstGeom>
           <a:noFill/>
-          <a:ln>
+          <a:ln w="0">
             <a:noFill/>
           </a:ln>
         </p:spPr>
@@ -5602,7 +5691,9 @@
           <a:fontRef idx="minor"/>
         </p:style>
         <p:txBody>
-          <a:bodyPr lIns="90000" rIns="90000" tIns="45000" bIns="45000"/>
+          <a:bodyPr lIns="90000" rIns="90000" tIns="45000" bIns="45000">
+            <a:noAutofit/>
+          </a:bodyPr>
           <a:p>
             <a:pPr>
               <a:lnSpc>
@@ -5619,12 +5710,12 @@
               </a:rPr>
               <a:t>Process:</a:t>
             </a:r>
-            <a:endParaRPr b="0" lang="en-US" sz="1800" spc="-1" strike="noStrike">
-              <a:latin typeface="Arial"/>
-            </a:endParaRPr>
-          </a:p>
-          <a:p>
-            <a:pPr marL="216000" indent="-215280">
+            <a:endParaRPr b="0" lang="en-GB" sz="1800" spc="-1" strike="noStrike">
+              <a:latin typeface="Arial"/>
+            </a:endParaRPr>
+          </a:p>
+          <a:p>
+            <a:pPr marL="216000" indent="-214920">
               <a:lnSpc>
                 <a:spcPct val="100000"/>
               </a:lnSpc>
@@ -5644,7 +5735,7 @@
               </a:rPr>
               <a:t>Uses KD tree structure to calculate distance as per distance metric</a:t>
             </a:r>
-            <a:endParaRPr b="0" lang="en-US" sz="1800" spc="-1" strike="noStrike">
+            <a:endParaRPr b="0" lang="en-GB" sz="1800" spc="-1" strike="noStrike">
               <a:latin typeface="Arial"/>
             </a:endParaRPr>
           </a:p>
@@ -5652,33 +5743,14 @@
       </p:sp>
     </p:spTree>
   </p:cSld>
-  <p:timing>
-    <p:tnLst>
-      <p:par>
-        <p:cTn id="13" dur="indefinite" restart="never" nodeType="tmRoot">
-          <p:childTnLst>
-            <p:seq>
-              <p:cTn id="14" dur="indefinite" nodeType="mainSeq"/>
-              <p:prevCondLst>
-                <p:cond delay="0" evt="onPrev">
-                  <p:tgtEl>
-                    <p:sldTgt/>
-                  </p:tgtEl>
-                </p:cond>
-              </p:prevCondLst>
-              <p:nextCondLst>
-                <p:cond delay="0" evt="onNext">
-                  <p:tgtEl>
-                    <p:sldTgt/>
-                  </p:tgtEl>
-                </p:cond>
-              </p:nextCondLst>
-            </p:seq>
-          </p:childTnLst>
-        </p:cTn>
-      </p:par>
-    </p:tnLst>
-  </p:timing>
+  <mc:AlternateContent>
+    <mc:Choice Requires="p14">
+      <p:transition spd="slow" p14:dur="2000"/>
+    </mc:Choice>
+    <mc:Fallback>
+      <p:transition spd="slow"/>
+    </mc:Fallback>
+  </mc:AlternateContent>
 </p:sld>
 </file>
 
@@ -5708,13 +5780,13 @@
         <p:spPr>
           <a:xfrm>
             <a:off x="504000" y="226080"/>
-            <a:ext cx="9070920" cy="945720"/>
+            <a:ext cx="9070560" cy="945360"/>
           </a:xfrm>
           <a:prstGeom prst="rect">
             <a:avLst/>
           </a:prstGeom>
           <a:noFill/>
-          <a:ln>
+          <a:ln w="0">
             <a:noFill/>
           </a:ln>
         </p:spPr>
@@ -5725,7 +5797,9 @@
           <a:fontRef idx="minor"/>
         </p:style>
         <p:txBody>
-          <a:bodyPr lIns="0" rIns="0" tIns="0" bIns="0" anchor="ctr"/>
+          <a:bodyPr lIns="0" rIns="0" tIns="0" bIns="0" anchor="ctr">
+            <a:noAutofit/>
+          </a:bodyPr>
           <a:p>
             <a:pPr algn="ctr">
               <a:lnSpc>
@@ -5742,7 +5816,7 @@
               </a:rPr>
               <a:t>2. compute_stability</a:t>
             </a:r>
-            <a:endParaRPr b="0" lang="en-US" sz="4400" spc="-1" strike="noStrike">
+            <a:endParaRPr b="0" lang="en-GB" sz="4400" spc="-1" strike="noStrike">
               <a:latin typeface="Arial"/>
             </a:endParaRPr>
           </a:p>
@@ -5757,13 +5831,13 @@
         <p:spPr>
           <a:xfrm>
             <a:off x="365760" y="1391400"/>
-            <a:ext cx="4022640" cy="1625400"/>
+            <a:ext cx="4022280" cy="1625040"/>
           </a:xfrm>
           <a:prstGeom prst="rect">
             <a:avLst/>
           </a:prstGeom>
           <a:noFill/>
-          <a:ln>
+          <a:ln w="0">
             <a:noFill/>
           </a:ln>
         </p:spPr>
@@ -5774,7 +5848,9 @@
           <a:fontRef idx="minor"/>
         </p:style>
         <p:txBody>
-          <a:bodyPr lIns="90000" rIns="90000" tIns="45000" bIns="45000"/>
+          <a:bodyPr lIns="90000" rIns="90000" tIns="45000" bIns="45000">
+            <a:noAutofit/>
+          </a:bodyPr>
           <a:p>
             <a:pPr>
               <a:lnSpc>
@@ -5791,12 +5867,12 @@
               </a:rPr>
               <a:t>Inputs:</a:t>
             </a:r>
-            <a:endParaRPr b="0" lang="en-US" sz="1800" spc="-1" strike="noStrike">
-              <a:latin typeface="Arial"/>
-            </a:endParaRPr>
-          </a:p>
-          <a:p>
-            <a:pPr marL="216000" indent="-215280">
+            <a:endParaRPr b="0" lang="en-GB" sz="1800" spc="-1" strike="noStrike">
+              <a:latin typeface="Arial"/>
+            </a:endParaRPr>
+          </a:p>
+          <a:p>
+            <a:pPr marL="216000" indent="-214920">
               <a:lnSpc>
                 <a:spcPct val="100000"/>
               </a:lnSpc>
@@ -5817,12 +5893,12 @@
               </a:rPr>
               <a:t>Condensed tree</a:t>
             </a:r>
-            <a:endParaRPr b="0" lang="en-US" sz="1800" spc="-1" strike="noStrike">
-              <a:latin typeface="Arial"/>
-            </a:endParaRPr>
-          </a:p>
-          <a:p>
-            <a:pPr marL="216000" indent="-215280">
+            <a:endParaRPr b="0" lang="en-GB" sz="1800" spc="-1" strike="noStrike">
+              <a:latin typeface="Arial"/>
+            </a:endParaRPr>
+          </a:p>
+          <a:p>
+            <a:pPr marL="216000" indent="-214920">
               <a:lnSpc>
                 <a:spcPct val="100000"/>
               </a:lnSpc>
@@ -5843,7 +5919,7 @@
               </a:rPr>
               <a:t>min_cluster_size</a:t>
             </a:r>
-            <a:endParaRPr b="0" lang="en-US" sz="1800" spc="-1" strike="noStrike">
+            <a:endParaRPr b="0" lang="en-GB" sz="1800" spc="-1" strike="noStrike">
               <a:latin typeface="Arial"/>
             </a:endParaRPr>
           </a:p>
@@ -5858,13 +5934,13 @@
         <p:spPr>
           <a:xfrm>
             <a:off x="457200" y="3037320"/>
-            <a:ext cx="4022640" cy="985320"/>
+            <a:ext cx="4022280" cy="984960"/>
           </a:xfrm>
           <a:prstGeom prst="rect">
             <a:avLst/>
           </a:prstGeom>
           <a:noFill/>
-          <a:ln>
+          <a:ln w="0">
             <a:noFill/>
           </a:ln>
         </p:spPr>
@@ -5875,7 +5951,9 @@
           <a:fontRef idx="minor"/>
         </p:style>
         <p:txBody>
-          <a:bodyPr lIns="90000" rIns="90000" tIns="45000" bIns="45000"/>
+          <a:bodyPr lIns="90000" rIns="90000" tIns="45000" bIns="45000">
+            <a:noAutofit/>
+          </a:bodyPr>
           <a:p>
             <a:pPr>
               <a:lnSpc>
@@ -5892,12 +5970,12 @@
               </a:rPr>
               <a:t>Outputs:</a:t>
             </a:r>
-            <a:endParaRPr b="0" lang="en-US" sz="1800" spc="-1" strike="noStrike">
-              <a:latin typeface="Arial"/>
-            </a:endParaRPr>
-          </a:p>
-          <a:p>
-            <a:pPr marL="216000" indent="-215280">
+            <a:endParaRPr b="0" lang="en-GB" sz="1800" spc="-1" strike="noStrike">
+              <a:latin typeface="Arial"/>
+            </a:endParaRPr>
+          </a:p>
+          <a:p>
+            <a:pPr marL="216000" indent="-214920">
               <a:lnSpc>
                 <a:spcPct val="100000"/>
               </a:lnSpc>
@@ -5918,7 +5996,7 @@
               </a:rPr>
               <a:t>Stability dictionary</a:t>
             </a:r>
-            <a:endParaRPr b="0" lang="en-US" sz="1800" spc="-1" strike="noStrike">
+            <a:endParaRPr b="0" lang="en-GB" sz="1800" spc="-1" strike="noStrike">
               <a:latin typeface="Arial"/>
             </a:endParaRPr>
           </a:p>
@@ -5933,13 +6011,13 @@
         <p:spPr>
           <a:xfrm>
             <a:off x="5120640" y="1556280"/>
-            <a:ext cx="4022640" cy="1625400"/>
+            <a:ext cx="4022280" cy="1625040"/>
           </a:xfrm>
           <a:prstGeom prst="rect">
             <a:avLst/>
           </a:prstGeom>
           <a:noFill/>
-          <a:ln>
+          <a:ln w="0">
             <a:noFill/>
           </a:ln>
         </p:spPr>
@@ -5950,7 +6028,9 @@
           <a:fontRef idx="minor"/>
         </p:style>
         <p:txBody>
-          <a:bodyPr lIns="90000" rIns="90000" tIns="45000" bIns="45000"/>
+          <a:bodyPr lIns="90000" rIns="90000" tIns="45000" bIns="45000">
+            <a:noAutofit/>
+          </a:bodyPr>
           <a:p>
             <a:pPr>
               <a:lnSpc>
@@ -5967,12 +6047,12 @@
               </a:rPr>
               <a:t>Process:</a:t>
             </a:r>
-            <a:endParaRPr b="0" lang="en-US" sz="1800" spc="-1" strike="noStrike">
-              <a:latin typeface="Arial"/>
-            </a:endParaRPr>
-          </a:p>
-          <a:p>
-            <a:pPr marL="216000" indent="-215280">
+            <a:endParaRPr b="0" lang="en-GB" sz="1800" spc="-1" strike="noStrike">
+              <a:latin typeface="Arial"/>
+            </a:endParaRPr>
+          </a:p>
+          <a:p>
+            <a:pPr marL="216000" indent="-214920">
               <a:lnSpc>
                 <a:spcPct val="100000"/>
               </a:lnSpc>
@@ -5992,7 +6072,7 @@
               </a:rPr>
               <a:t>-</a:t>
             </a:r>
-            <a:endParaRPr b="0" lang="en-US" sz="1800" spc="-1" strike="noStrike">
+            <a:endParaRPr b="0" lang="en-GB" sz="1800" spc="-1" strike="noStrike">
               <a:latin typeface="Arial"/>
             </a:endParaRPr>
           </a:p>
@@ -6000,33 +6080,310 @@
       </p:sp>
     </p:spTree>
   </p:cSld>
-  <p:timing>
-    <p:tnLst>
-      <p:par>
-        <p:cTn id="15" dur="indefinite" restart="never" nodeType="tmRoot">
-          <p:childTnLst>
-            <p:seq>
-              <p:cTn id="16" dur="indefinite" nodeType="mainSeq"/>
-              <p:prevCondLst>
-                <p:cond delay="0" evt="onPrev">
-                  <p:tgtEl>
-                    <p:sldTgt/>
-                  </p:tgtEl>
-                </p:cond>
-              </p:prevCondLst>
-              <p:nextCondLst>
-                <p:cond delay="0" evt="onNext">
-                  <p:tgtEl>
-                    <p:sldTgt/>
-                  </p:tgtEl>
-                </p:cond>
-              </p:nextCondLst>
-            </p:seq>
-          </p:childTnLst>
-        </p:cTn>
-      </p:par>
-    </p:tnLst>
-  </p:timing>
+  <mc:AlternateContent>
+    <mc:Choice Requires="p14">
+      <p:transition spd="slow" p14:dur="2000"/>
+    </mc:Choice>
+    <mc:Fallback>
+      <p:transition spd="slow"/>
+    </mc:Fallback>
+  </mc:AlternateContent>
+</p:sld>
+</file>
+
+<file path=ppt/slides/slide9.xml><?xml version="1.0" encoding="utf-8"?>
+<p:sld xmlns:a="http://schemas.openxmlformats.org/drawingml/2006/main" xmlns:p="http://schemas.openxmlformats.org/presentationml/2006/main" xmlns:r="http://schemas.openxmlformats.org/officeDocument/2006/relationships" xmlns:p14="http://schemas.microsoft.com/office/powerpoint/2010/main" xmlns:p15="http://schemas.microsoft.com/office/powerpoint/2012/main" xmlns:mc="http://schemas.openxmlformats.org/markup-compatibility/2006">
+  <p:cSld>
+    <p:spTree>
+      <p:nvGrpSpPr>
+        <p:cNvPr id="1" name=""/>
+        <p:cNvGrpSpPr/>
+        <p:nvPr/>
+      </p:nvGrpSpPr>
+      <p:grpSpPr>
+        <a:xfrm>
+          <a:off x="0" y="0"/>
+          <a:ext cx="0" cy="0"/>
+          <a:chOff x="0" y="0"/>
+          <a:chExt cx="0" cy="0"/>
+        </a:xfrm>
+      </p:grpSpPr>
+      <p:sp>
+        <p:nvSpPr>
+          <p:cNvPr id="108" name=""/>
+          <p:cNvSpPr txBox="1"/>
+          <p:nvPr/>
+        </p:nvSpPr>
+        <p:spPr>
+          <a:xfrm>
+            <a:off x="2800440" y="360000"/>
+            <a:ext cx="4039560" cy="771480"/>
+          </a:xfrm>
+          <a:prstGeom prst="rect">
+            <a:avLst/>
+          </a:prstGeom>
+          <a:noFill/>
+          <a:ln w="0">
+            <a:noFill/>
+          </a:ln>
+        </p:spPr>
+        <p:txBody>
+          <a:bodyPr lIns="90000" rIns="90000" tIns="45000" bIns="45000">
+            <a:noAutofit/>
+          </a:bodyPr>
+          <a:p>
+            <a:r>
+              <a:rPr b="0" lang="en-GB" sz="4800" spc="-1" strike="noStrike">
+                <a:latin typeface="Arial"/>
+              </a:rPr>
+              <a:t>Main workflow</a:t>
+            </a:r>
+            <a:endParaRPr b="0" lang="en-GB" sz="4800" spc="-1" strike="noStrike">
+              <a:latin typeface="Arial"/>
+            </a:endParaRPr>
+          </a:p>
+        </p:txBody>
+      </p:sp>
+      <p:sp>
+        <p:nvSpPr>
+          <p:cNvPr id="109" name=""/>
+          <p:cNvSpPr txBox="1"/>
+          <p:nvPr/>
+        </p:nvSpPr>
+        <p:spPr>
+          <a:xfrm>
+            <a:off x="1942200" y="1800000"/>
+            <a:ext cx="6517800" cy="3161880"/>
+          </a:xfrm>
+          <a:prstGeom prst="rect">
+            <a:avLst/>
+          </a:prstGeom>
+          <a:noFill/>
+          <a:ln w="0">
+            <a:noFill/>
+          </a:ln>
+        </p:spPr>
+        <p:txBody>
+          <a:bodyPr lIns="90000" rIns="90000" tIns="45000" bIns="45000">
+            <a:noAutofit/>
+          </a:bodyPr>
+          <a:p>
+            <a:r>
+              <a:rPr b="0" lang="en-GB" sz="1800" spc="-1" strike="noStrike">
+                <a:latin typeface="Arial"/>
+              </a:rPr>
+              <a:t>HDBSCAN</a:t>
+            </a:r>
+            <a:endParaRPr b="0" lang="en-GB" sz="1800" spc="-1" strike="noStrike">
+              <a:latin typeface="Arial"/>
+            </a:endParaRPr>
+          </a:p>
+          <a:p>
+            <a:pPr marL="216000" indent="-216000">
+              <a:buClr>
+                <a:srgbClr val="000000"/>
+              </a:buClr>
+              <a:buSzPct val="45000"/>
+              <a:buFont typeface="Wingdings" charset="2"/>
+              <a:buChar char=""/>
+            </a:pPr>
+            <a:r>
+              <a:rPr b="0" lang="en-GB" sz="1800" spc="-1" strike="noStrike">
+                <a:latin typeface="Arial"/>
+              </a:rPr>
+              <a:t>Prims algorithm</a:t>
+            </a:r>
+            <a:endParaRPr b="0" lang="en-GB" sz="1800" spc="-1" strike="noStrike">
+              <a:latin typeface="Arial"/>
+            </a:endParaRPr>
+          </a:p>
+          <a:p>
+            <a:pPr lvl="1" marL="432000" indent="-216000">
+              <a:buClr>
+                <a:srgbClr val="000000"/>
+              </a:buClr>
+              <a:buSzPct val="45000"/>
+              <a:buFont typeface="Wingdings" charset="2"/>
+              <a:buChar char=""/>
+            </a:pPr>
+            <a:r>
+              <a:rPr b="0" lang="en-GB" sz="1800" spc="-1" strike="noStrike">
+                <a:latin typeface="Arial"/>
+              </a:rPr>
+              <a:t>KD Tree</a:t>
+            </a:r>
+            <a:endParaRPr b="0" lang="en-GB" sz="1800" spc="-1" strike="noStrike">
+              <a:latin typeface="Arial"/>
+            </a:endParaRPr>
+          </a:p>
+          <a:p>
+            <a:pPr lvl="1" marL="432000" indent="-216000">
+              <a:buClr>
+                <a:srgbClr val="000000"/>
+              </a:buClr>
+              <a:buSzPct val="45000"/>
+              <a:buFont typeface="Wingdings" charset="2"/>
+              <a:buChar char=""/>
+            </a:pPr>
+            <a:r>
+              <a:rPr b="0" lang="en-GB" sz="1800" spc="-1" strike="noStrike">
+                <a:latin typeface="Arial"/>
+              </a:rPr>
+              <a:t>Minimum spanning tree</a:t>
+            </a:r>
+            <a:endParaRPr b="0" lang="en-GB" sz="1800" spc="-1" strike="noStrike">
+              <a:latin typeface="Arial"/>
+            </a:endParaRPr>
+          </a:p>
+          <a:p>
+            <a:pPr lvl="1" marL="432000" indent="-216000">
+              <a:buClr>
+                <a:srgbClr val="000000"/>
+              </a:buClr>
+              <a:buSzPct val="45000"/>
+              <a:buFont typeface="Wingdings" charset="2"/>
+              <a:buChar char=""/>
+            </a:pPr>
+            <a:r>
+              <a:rPr b="0" lang="en-US" sz="1800" spc="-1" strike="noStrike">
+                <a:solidFill>
+                  <a:srgbClr val="000000"/>
+                </a:solidFill>
+                <a:latin typeface="Arial"/>
+                <a:ea typeface="DejaVu Sans"/>
+              </a:rPr>
+              <a:t>Sort the edges of the minimum spanning tree</a:t>
+            </a:r>
+            <a:endParaRPr b="0" lang="en-GB" sz="1800" spc="-1" strike="noStrike">
+              <a:latin typeface="Arial"/>
+            </a:endParaRPr>
+          </a:p>
+          <a:p>
+            <a:pPr lvl="1" marL="432000" indent="-216000">
+              <a:buClr>
+                <a:srgbClr val="000000"/>
+              </a:buClr>
+              <a:buSzPct val="45000"/>
+              <a:buFont typeface="Wingdings" charset="2"/>
+              <a:buChar char=""/>
+            </a:pPr>
+            <a:r>
+              <a:rPr b="0" lang="en-GB" sz="1800" spc="-1" strike="noStrike">
+                <a:latin typeface="Arial"/>
+              </a:rPr>
+              <a:t>Convert edge list into standard hierarchical clustering format</a:t>
+            </a:r>
+            <a:endParaRPr b="0" lang="en-GB" sz="1800" spc="-1" strike="noStrike">
+              <a:latin typeface="Arial"/>
+            </a:endParaRPr>
+          </a:p>
+          <a:p>
+            <a:pPr lvl="2" marL="648000" indent="-216000">
+              <a:buClr>
+                <a:srgbClr val="000000"/>
+              </a:buClr>
+              <a:buSzPct val="45000"/>
+              <a:buFont typeface="Wingdings" charset="2"/>
+              <a:buChar char=""/>
+            </a:pPr>
+            <a:r>
+              <a:rPr b="0" lang="en-GB" sz="1800" spc="-1" strike="noStrike">
+                <a:latin typeface="Arial"/>
+              </a:rPr>
+              <a:t>Union find</a:t>
+            </a:r>
+            <a:endParaRPr b="0" lang="en-GB" sz="1800" spc="-1" strike="noStrike">
+              <a:latin typeface="Arial"/>
+            </a:endParaRPr>
+          </a:p>
+          <a:p>
+            <a:pPr marL="216000" indent="-216000">
+              <a:buClr>
+                <a:srgbClr val="000000"/>
+              </a:buClr>
+              <a:buSzPct val="45000"/>
+              <a:buFont typeface="Wingdings" charset="2"/>
+              <a:buChar char=""/>
+            </a:pPr>
+            <a:r>
+              <a:rPr b="0" lang="en-GB" sz="1800" spc="-1" strike="noStrike">
+                <a:latin typeface="Arial"/>
+              </a:rPr>
+              <a:t>Trees to label</a:t>
+            </a:r>
+            <a:endParaRPr b="0" lang="en-GB" sz="1800" spc="-1" strike="noStrike">
+              <a:latin typeface="Arial"/>
+            </a:endParaRPr>
+          </a:p>
+          <a:p>
+            <a:pPr lvl="1" marL="432000" indent="-216000">
+              <a:buClr>
+                <a:srgbClr val="000000"/>
+              </a:buClr>
+              <a:buSzPct val="45000"/>
+              <a:buFont typeface="Wingdings" charset="2"/>
+              <a:buChar char=""/>
+            </a:pPr>
+            <a:r>
+              <a:rPr b="0" lang="en-GB" sz="1800" spc="-1" strike="noStrike">
+                <a:latin typeface="Arial"/>
+              </a:rPr>
+              <a:t>Condense tree</a:t>
+            </a:r>
+            <a:endParaRPr b="0" lang="en-GB" sz="1800" spc="-1" strike="noStrike">
+              <a:latin typeface="Arial"/>
+            </a:endParaRPr>
+          </a:p>
+          <a:p>
+            <a:pPr lvl="1" marL="432000" indent="-216000">
+              <a:buClr>
+                <a:srgbClr val="000000"/>
+              </a:buClr>
+              <a:buSzPct val="45000"/>
+              <a:buFont typeface="Wingdings" charset="2"/>
+              <a:buChar char=""/>
+            </a:pPr>
+            <a:r>
+              <a:rPr b="0" lang="en-GB" sz="1800" spc="-1" strike="noStrike">
+                <a:latin typeface="Arial"/>
+              </a:rPr>
+              <a:t>Compute stability</a:t>
+            </a:r>
+            <a:endParaRPr b="0" lang="en-GB" sz="1800" spc="-1" strike="noStrike">
+              <a:latin typeface="Arial"/>
+            </a:endParaRPr>
+          </a:p>
+          <a:p>
+            <a:pPr lvl="1" marL="432000" indent="-216000">
+              <a:buClr>
+                <a:srgbClr val="000000"/>
+              </a:buClr>
+              <a:buSzPct val="45000"/>
+              <a:buFont typeface="Wingdings" charset="2"/>
+              <a:buChar char=""/>
+            </a:pPr>
+            <a:r>
+              <a:rPr b="0" lang="en-GB" sz="1800" spc="-1" strike="noStrike">
+                <a:latin typeface="Arial"/>
+              </a:rPr>
+              <a:t>Get clusters</a:t>
+            </a:r>
+            <a:endParaRPr b="0" lang="en-GB" sz="1800" spc="-1" strike="noStrike">
+              <a:latin typeface="Arial"/>
+            </a:endParaRPr>
+          </a:p>
+        </p:txBody>
+      </p:sp>
+    </p:spTree>
+  </p:cSld>
+  <mc:AlternateContent>
+    <mc:Choice Requires="p14">
+      <p:transition spd="slow" p14:dur="2000"/>
+    </mc:Choice>
+    <mc:Fallback>
+      <p:transition spd="slow"/>
+    </mc:Fallback>
+  </mc:AlternateContent>
 </p:sld>
 </file>
 
@@ -6144,18 +6501,21 @@
             </a:schemeClr>
           </a:solidFill>
           <a:prstDash val="solid"/>
+          <a:miter/>
         </a:ln>
         <a:ln w="25400" cap="flat" cmpd="sng" algn="ctr">
           <a:solidFill>
             <a:schemeClr val="phClr"/>
           </a:solidFill>
           <a:prstDash val="solid"/>
+          <a:miter/>
         </a:ln>
         <a:ln w="38100" cap="flat" cmpd="sng" algn="ctr">
           <a:solidFill>
             <a:schemeClr val="phClr"/>
           </a:solidFill>
           <a:prstDash val="solid"/>
+          <a:miter/>
         </a:ln>
       </a:lnStyleLst>
       <a:effectStyleLst>
@@ -6367,18 +6727,21 @@
             </a:schemeClr>
           </a:solidFill>
           <a:prstDash val="solid"/>
+          <a:miter/>
         </a:ln>
         <a:ln w="25400" cap="flat" cmpd="sng" algn="ctr">
           <a:solidFill>
             <a:schemeClr val="phClr"/>
           </a:solidFill>
           <a:prstDash val="solid"/>
+          <a:miter/>
         </a:ln>
         <a:ln w="38100" cap="flat" cmpd="sng" algn="ctr">
           <a:solidFill>
             <a:schemeClr val="phClr"/>
           </a:solidFill>
           <a:prstDash val="solid"/>
+          <a:miter/>
         </a:ln>
       </a:lnStyleLst>
       <a:effectStyleLst>
